--- a/Vortrag/Präsentation.pptx
+++ b/Vortrag/Präsentation.pptx
@@ -5,10 +5,10 @@
     <p:sldMasterId id="2147483648" r:id="rId1"/>
   </p:sldMasterIdLst>
   <p:notesMasterIdLst>
-    <p:notesMasterId r:id="rId23"/>
+    <p:notesMasterId r:id="rId25"/>
   </p:notesMasterIdLst>
   <p:handoutMasterIdLst>
-    <p:handoutMasterId r:id="rId24"/>
+    <p:handoutMasterId r:id="rId26"/>
   </p:handoutMasterIdLst>
   <p:sldIdLst>
     <p:sldId id="264" r:id="rId2"/>
@@ -17,21 +17,23 @@
     <p:sldId id="266" r:id="rId5"/>
     <p:sldId id="267" r:id="rId6"/>
     <p:sldId id="274" r:id="rId7"/>
-    <p:sldId id="275" r:id="rId8"/>
-    <p:sldId id="276" r:id="rId9"/>
-    <p:sldId id="273" r:id="rId10"/>
-    <p:sldId id="268" r:id="rId11"/>
-    <p:sldId id="269" r:id="rId12"/>
-    <p:sldId id="270" r:id="rId13"/>
-    <p:sldId id="278" r:id="rId14"/>
-    <p:sldId id="279" r:id="rId15"/>
-    <p:sldId id="281" r:id="rId16"/>
-    <p:sldId id="282" r:id="rId17"/>
-    <p:sldId id="283" r:id="rId18"/>
-    <p:sldId id="284" r:id="rId19"/>
-    <p:sldId id="280" r:id="rId20"/>
-    <p:sldId id="271" r:id="rId21"/>
-    <p:sldId id="272" r:id="rId22"/>
+    <p:sldId id="285" r:id="rId8"/>
+    <p:sldId id="275" r:id="rId9"/>
+    <p:sldId id="276" r:id="rId10"/>
+    <p:sldId id="273" r:id="rId11"/>
+    <p:sldId id="268" r:id="rId12"/>
+    <p:sldId id="269" r:id="rId13"/>
+    <p:sldId id="270" r:id="rId14"/>
+    <p:sldId id="278" r:id="rId15"/>
+    <p:sldId id="279" r:id="rId16"/>
+    <p:sldId id="281" r:id="rId17"/>
+    <p:sldId id="282" r:id="rId18"/>
+    <p:sldId id="283" r:id="rId19"/>
+    <p:sldId id="284" r:id="rId20"/>
+    <p:sldId id="286" r:id="rId21"/>
+    <p:sldId id="280" r:id="rId22"/>
+    <p:sldId id="271" r:id="rId23"/>
+    <p:sldId id="272" r:id="rId24"/>
   </p:sldIdLst>
   <p:sldSz cx="9144000" cy="6858000" type="screen4x3"/>
   <p:notesSz cx="6858000" cy="9144000"/>
@@ -4457,7 +4459,7 @@
               <a:pPr eaLnBrk="1" hangingPunct="1">
                 <a:defRPr/>
               </a:pPr>
-              <a:t>08.10.2018</a:t>
+              <a:t>09.10.2018</a:t>
             </a:fld>
             <a:endParaRPr lang="de-DE" altLang="de-DE" sz="900"/>
           </a:p>
@@ -5572,50 +5574,69 @@
           <a:bodyPr/>
           <a:lstStyle/>
           <a:p>
+            <a:r>
+              <a:rPr lang="de-DE" altLang="de-DE" dirty="0"/>
+              <a:t>Vier Programme</a:t>
+            </a:r>
+          </a:p>
+          <a:p>
+            <a:pPr lvl="1"/>
+            <a:r>
+              <a:rPr lang="de-DE" altLang="de-DE" dirty="0"/>
+              <a:t>MITK-</a:t>
+            </a:r>
+            <a:r>
+              <a:rPr lang="de-DE" altLang="de-DE" dirty="0" err="1"/>
+              <a:t>Workbench</a:t>
+            </a:r>
+            <a:endParaRPr lang="de-DE" altLang="de-DE" dirty="0"/>
+          </a:p>
+          <a:p>
+            <a:pPr lvl="1"/>
+            <a:r>
+              <a:rPr lang="de-DE" altLang="de-DE" dirty="0" err="1"/>
+              <a:t>VolumeRenderHelper</a:t>
+            </a:r>
+            <a:endParaRPr lang="de-DE" altLang="de-DE" dirty="0"/>
+          </a:p>
+          <a:p>
+            <a:pPr lvl="1"/>
+            <a:r>
+              <a:rPr lang="de-DE" altLang="de-DE" dirty="0" err="1"/>
+              <a:t>VolumeRenderer</a:t>
+            </a:r>
+            <a:endParaRPr lang="de-DE" altLang="de-DE" dirty="0"/>
+          </a:p>
+          <a:p>
+            <a:pPr lvl="1"/>
+            <a:r>
+              <a:rPr lang="de-DE" altLang="de-DE" dirty="0" err="1"/>
+              <a:t>PlotHelper</a:t>
+            </a:r>
+            <a:endParaRPr lang="de-DE" altLang="de-DE" dirty="0"/>
+          </a:p>
+          <a:p>
+            <a:pPr lvl="1"/>
+            <a:endParaRPr lang="de-DE" altLang="de-DE" dirty="0"/>
+          </a:p>
+          <a:p>
+            <a:r>
+              <a:rPr lang="de-DE" altLang="de-DE" dirty="0"/>
+              <a:t>Vorarbeit des IPRs</a:t>
+            </a:r>
+          </a:p>
+          <a:p>
+            <a:pPr marL="0" indent="0">
+              <a:buNone/>
+            </a:pPr>
             <a:endParaRPr lang="de-DE" altLang="de-DE" dirty="0"/>
           </a:p>
         </p:txBody>
       </p:sp>
-      <p:pic>
-        <p:nvPicPr>
-          <p:cNvPr id="3" name="Grafik 2">
-            <a:extLst>
-              <a:ext uri="{FF2B5EF4-FFF2-40B4-BE49-F238E27FC236}">
-                <a16:creationId xmlns:a16="http://schemas.microsoft.com/office/drawing/2014/main" id="{7250D4C0-FE41-4BAD-A3E3-65404E90BF06}"/>
-              </a:ext>
-            </a:extLst>
-          </p:cNvPr>
-          <p:cNvPicPr>
-            <a:picLocks noChangeAspect="1"/>
-          </p:cNvPicPr>
-          <p:nvPr/>
-        </p:nvPicPr>
-        <p:blipFill>
-          <a:blip r:embed="rId2">
-            <a:extLst>
-              <a:ext uri="{28A0092B-C50C-407E-A947-70E740481C1C}">
-                <a14:useLocalDpi xmlns:a14="http://schemas.microsoft.com/office/drawing/2010/main" val="0"/>
-              </a:ext>
-            </a:extLst>
-          </a:blip>
-          <a:stretch>
-            <a:fillRect/>
-          </a:stretch>
-        </p:blipFill>
-        <p:spPr>
-          <a:xfrm>
-            <a:off x="2617845" y="815975"/>
-            <a:ext cx="3905136" cy="5276850"/>
-          </a:xfrm>
-          <a:prstGeom prst="rect">
-            <a:avLst/>
-          </a:prstGeom>
-        </p:spPr>
-      </p:pic>
     </p:spTree>
     <p:extLst>
       <p:ext uri="{BB962C8B-B14F-4D97-AF65-F5344CB8AC3E}">
-        <p14:creationId xmlns:p14="http://schemas.microsoft.com/office/powerpoint/2010/main" val="2527181079"/>
+        <p14:creationId xmlns:p14="http://schemas.microsoft.com/office/powerpoint/2010/main" val="2682454259"/>
       </p:ext>
     </p:extLst>
   </p:cSld>
@@ -5794,7 +5815,7 @@
           <a:p>
             <a:r>
               <a:rPr lang="de-DE" altLang="de-DE" dirty="0"/>
-              <a:t>Implementierung</a:t>
+              <a:t>Design</a:t>
             </a:r>
           </a:p>
         </p:txBody>
@@ -5814,18 +5835,6 @@
           <a:bodyPr/>
           <a:lstStyle/>
           <a:p>
-            <a:r>
-              <a:rPr lang="de-DE" altLang="de-DE" dirty="0"/>
-              <a:t>Rechenaufwendig -&gt; LH-Clustering Schrittweite</a:t>
-            </a:r>
-          </a:p>
-          <a:p>
-            <a:r>
-              <a:rPr lang="de-DE" altLang="de-DE" dirty="0"/>
-              <a:t>Genaueres Clustering -&gt; Gehirn als wenige Cluster erkannt</a:t>
-            </a:r>
-          </a:p>
-          <a:p>
             <a:endParaRPr lang="de-DE" altLang="de-DE" dirty="0"/>
           </a:p>
         </p:txBody>
@@ -5835,7 +5844,7 @@
           <p:cNvPr id="3" name="Grafik 2">
             <a:extLst>
               <a:ext uri="{FF2B5EF4-FFF2-40B4-BE49-F238E27FC236}">
-                <a16:creationId xmlns:a16="http://schemas.microsoft.com/office/drawing/2014/main" id="{BAE63402-C639-4D8C-804F-D459BB552C4E}"/>
+                <a16:creationId xmlns:a16="http://schemas.microsoft.com/office/drawing/2014/main" id="{7250D4C0-FE41-4BAD-A3E3-65404E90BF06}"/>
               </a:ext>
             </a:extLst>
           </p:cNvPr>
@@ -5845,7 +5854,7 @@
           <p:nvPr/>
         </p:nvPicPr>
         <p:blipFill>
-          <a:blip r:embed="rId2">
+          <a:blip r:embed="rId2" cstate="print">
             <a:extLst>
               <a:ext uri="{28A0092B-C50C-407E-A947-70E740481C1C}">
                 <a14:useLocalDpi xmlns:a14="http://schemas.microsoft.com/office/drawing/2010/main" val="0"/>
@@ -5858,8 +5867,8 @@
         </p:blipFill>
         <p:spPr>
           <a:xfrm>
-            <a:off x="5076056" y="2132856"/>
-            <a:ext cx="3528392" cy="3103555"/>
+            <a:off x="2759412" y="1198563"/>
+            <a:ext cx="3622002" cy="4894262"/>
           </a:xfrm>
           <a:prstGeom prst="rect">
             <a:avLst/>
@@ -5869,7 +5878,7 @@
     </p:spTree>
     <p:extLst>
       <p:ext uri="{BB962C8B-B14F-4D97-AF65-F5344CB8AC3E}">
-        <p14:creationId xmlns:p14="http://schemas.microsoft.com/office/powerpoint/2010/main" val="181899716"/>
+        <p14:creationId xmlns:p14="http://schemas.microsoft.com/office/powerpoint/2010/main" val="2527181079"/>
       </p:ext>
     </p:extLst>
   </p:cSld>
@@ -6048,7 +6057,7 @@
           <a:p>
             <a:r>
               <a:rPr lang="de-DE" altLang="de-DE" dirty="0"/>
-              <a:t>Ergebnisse</a:t>
+              <a:t>Implementierung</a:t>
             </a:r>
           </a:p>
         </p:txBody>
@@ -6070,56 +6079,20 @@
           <a:p>
             <a:r>
               <a:rPr lang="de-DE" altLang="de-DE" dirty="0"/>
-              <a:t>Seitenventrikel</a:t>
-            </a:r>
-          </a:p>
-          <a:p>
-            <a:pPr lvl="1"/>
+              <a:t>Mit Parameter von Nguyen wurde das Gehirn als ein paar wenige Cluster erkannt</a:t>
+            </a:r>
+          </a:p>
+          <a:p>
             <a:r>
               <a:rPr lang="de-DE" altLang="de-DE" dirty="0"/>
-              <a:t>1a Vorderhorn</a:t>
-            </a:r>
-          </a:p>
-          <a:p>
-            <a:pPr lvl="1"/>
-            <a:r>
-              <a:rPr lang="de-DE" altLang="de-DE" dirty="0"/>
-              <a:t>1b Hinterhorn</a:t>
-            </a:r>
-          </a:p>
-          <a:p>
-            <a:pPr lvl="1"/>
-            <a:r>
-              <a:rPr lang="de-DE" altLang="de-DE" dirty="0"/>
-              <a:t>2 Unterhorn</a:t>
-            </a:r>
-          </a:p>
-          <a:p>
+              <a:t>Parameter auf Intensitätswerte des Gehirns anpassen</a:t>
+            </a:r>
+          </a:p>
+          <a:p>
+            <a:pPr marL="0" indent="0">
+              <a:buNone/>
+            </a:pPr>
             <a:endParaRPr lang="de-DE" altLang="de-DE" dirty="0"/>
-          </a:p>
-          <a:p>
-            <a:r>
-              <a:rPr lang="de-DE" altLang="de-DE" dirty="0"/>
-              <a:t>3 Dritter Ventrikel</a:t>
-            </a:r>
-          </a:p>
-          <a:p>
-            <a:endParaRPr lang="de-DE" altLang="de-DE" dirty="0"/>
-          </a:p>
-          <a:p>
-            <a:r>
-              <a:rPr lang="de-DE" altLang="de-DE" dirty="0"/>
-              <a:t>4 Vierter Ventrikel</a:t>
-            </a:r>
-          </a:p>
-          <a:p>
-            <a:endParaRPr lang="de-DE" altLang="de-DE" dirty="0"/>
-          </a:p>
-          <a:p>
-            <a:r>
-              <a:rPr lang="de-DE" altLang="de-DE" dirty="0"/>
-              <a:t>Seitenventrikel sind für die Punktion wichtig </a:t>
-            </a:r>
           </a:p>
         </p:txBody>
       </p:sp>
@@ -6128,7 +6101,7 @@
           <p:cNvPr id="3" name="Grafik 2">
             <a:extLst>
               <a:ext uri="{FF2B5EF4-FFF2-40B4-BE49-F238E27FC236}">
-                <a16:creationId xmlns:a16="http://schemas.microsoft.com/office/drawing/2014/main" id="{BC797976-23F8-4637-A35C-2DD0194F9FE8}"/>
+                <a16:creationId xmlns:a16="http://schemas.microsoft.com/office/drawing/2014/main" id="{BAE63402-C639-4D8C-804F-D459BB552C4E}"/>
               </a:ext>
             </a:extLst>
           </p:cNvPr>
@@ -6151,8 +6124,8 @@
         </p:blipFill>
         <p:spPr>
           <a:xfrm>
-            <a:off x="5148064" y="1391327"/>
-            <a:ext cx="3600649" cy="2458135"/>
+            <a:off x="2410173" y="2292554"/>
+            <a:ext cx="4320480" cy="3800271"/>
           </a:xfrm>
           <a:prstGeom prst="rect">
             <a:avLst/>
@@ -6162,7 +6135,7 @@
     </p:spTree>
     <p:extLst>
       <p:ext uri="{BB962C8B-B14F-4D97-AF65-F5344CB8AC3E}">
-        <p14:creationId xmlns:p14="http://schemas.microsoft.com/office/powerpoint/2010/main" val="3876115709"/>
+        <p14:creationId xmlns:p14="http://schemas.microsoft.com/office/powerpoint/2010/main" val="181899716"/>
       </p:ext>
     </p:extLst>
   </p:cSld>
@@ -6322,10 +6295,6 @@
               </a:solidFill>
             </a:endParaRPr>
           </a:p>
-          <a:p>
-            <a:pPr eaLnBrk="1" hangingPunct="1"/>
-            <a:endParaRPr lang="de-DE" altLang="de-DE" dirty="0"/>
-          </a:p>
         </p:txBody>
       </p:sp>
       <p:sp>
@@ -6345,7 +6314,309 @@
           <a:p>
             <a:r>
               <a:rPr lang="de-DE" altLang="de-DE" dirty="0"/>
-              <a:t>Ergebnisse</a:t>
+              <a:t>Ergebnisse – </a:t>
+            </a:r>
+            <a:r>
+              <a:rPr lang="de-DE" altLang="de-DE" dirty="0" err="1"/>
+              <a:t>Ventrikelsystem</a:t>
+            </a:r>
+            <a:endParaRPr lang="de-DE" altLang="de-DE" dirty="0"/>
+          </a:p>
+        </p:txBody>
+      </p:sp>
+      <p:sp>
+        <p:nvSpPr>
+          <p:cNvPr id="4100" name="Rectangle 3"/>
+          <p:cNvSpPr>
+            <a:spLocks noGrp="1" noChangeArrowheads="1"/>
+          </p:cNvSpPr>
+          <p:nvPr>
+            <p:ph type="body" idx="1"/>
+          </p:nvPr>
+        </p:nvSpPr>
+        <p:spPr/>
+        <p:txBody>
+          <a:bodyPr/>
+          <a:lstStyle/>
+          <a:p>
+            <a:r>
+              <a:rPr lang="de-DE" altLang="de-DE" dirty="0"/>
+              <a:t>Seitenventrikel</a:t>
+            </a:r>
+          </a:p>
+          <a:p>
+            <a:pPr lvl="1"/>
+            <a:r>
+              <a:rPr lang="de-DE" altLang="de-DE" dirty="0"/>
+              <a:t>1a Vorderhorn</a:t>
+            </a:r>
+          </a:p>
+          <a:p>
+            <a:pPr lvl="1"/>
+            <a:r>
+              <a:rPr lang="de-DE" altLang="de-DE" dirty="0"/>
+              <a:t>1b Hinterhorn</a:t>
+            </a:r>
+          </a:p>
+          <a:p>
+            <a:pPr lvl="1"/>
+            <a:r>
+              <a:rPr lang="de-DE" altLang="de-DE" dirty="0"/>
+              <a:t>2 Unterhorn</a:t>
+            </a:r>
+          </a:p>
+          <a:p>
+            <a:endParaRPr lang="de-DE" altLang="de-DE" dirty="0"/>
+          </a:p>
+          <a:p>
+            <a:r>
+              <a:rPr lang="de-DE" altLang="de-DE" dirty="0"/>
+              <a:t>3 Dritter Ventrikel</a:t>
+            </a:r>
+          </a:p>
+          <a:p>
+            <a:endParaRPr lang="de-DE" altLang="de-DE" dirty="0"/>
+          </a:p>
+          <a:p>
+            <a:r>
+              <a:rPr lang="de-DE" altLang="de-DE" dirty="0"/>
+              <a:t>4 Vierter Ventrikel</a:t>
+            </a:r>
+          </a:p>
+          <a:p>
+            <a:endParaRPr lang="de-DE" altLang="de-DE" dirty="0"/>
+          </a:p>
+          <a:p>
+            <a:r>
+              <a:rPr lang="de-DE" altLang="de-DE" dirty="0"/>
+              <a:t>Seitenventrikel sind für die Punktion wichtig </a:t>
+            </a:r>
+          </a:p>
+        </p:txBody>
+      </p:sp>
+      <p:pic>
+        <p:nvPicPr>
+          <p:cNvPr id="3" name="Grafik 2">
+            <a:extLst>
+              <a:ext uri="{FF2B5EF4-FFF2-40B4-BE49-F238E27FC236}">
+                <a16:creationId xmlns:a16="http://schemas.microsoft.com/office/drawing/2014/main" id="{BC797976-23F8-4637-A35C-2DD0194F9FE8}"/>
+              </a:ext>
+            </a:extLst>
+          </p:cNvPr>
+          <p:cNvPicPr>
+            <a:picLocks noChangeAspect="1"/>
+          </p:cNvPicPr>
+          <p:nvPr/>
+        </p:nvPicPr>
+        <p:blipFill>
+          <a:blip r:embed="rId2">
+            <a:extLst>
+              <a:ext uri="{28A0092B-C50C-407E-A947-70E740481C1C}">
+                <a14:useLocalDpi xmlns:a14="http://schemas.microsoft.com/office/drawing/2010/main" val="0"/>
+              </a:ext>
+            </a:extLst>
+          </a:blip>
+          <a:stretch>
+            <a:fillRect/>
+          </a:stretch>
+        </p:blipFill>
+        <p:spPr>
+          <a:xfrm>
+            <a:off x="4067944" y="1198563"/>
+            <a:ext cx="4464745" cy="3048047"/>
+          </a:xfrm>
+          <a:prstGeom prst="rect">
+            <a:avLst/>
+          </a:prstGeom>
+        </p:spPr>
+      </p:pic>
+    </p:spTree>
+    <p:extLst>
+      <p:ext uri="{BB962C8B-B14F-4D97-AF65-F5344CB8AC3E}">
+        <p14:creationId xmlns:p14="http://schemas.microsoft.com/office/powerpoint/2010/main" val="3876115709"/>
+      </p:ext>
+    </p:extLst>
+  </p:cSld>
+  <p:clrMapOvr>
+    <a:masterClrMapping/>
+  </p:clrMapOvr>
+</p:sld>
+</file>
+
+<file path=ppt/slides/slide14.xml><?xml version="1.0" encoding="utf-8"?>
+<p:sld xmlns:a="http://schemas.openxmlformats.org/drawingml/2006/main" xmlns:r="http://schemas.openxmlformats.org/officeDocument/2006/relationships" xmlns:p="http://schemas.openxmlformats.org/presentationml/2006/main">
+  <p:cSld>
+    <p:spTree>
+      <p:nvGrpSpPr>
+        <p:cNvPr id="1" name=""/>
+        <p:cNvGrpSpPr/>
+        <p:nvPr/>
+      </p:nvGrpSpPr>
+      <p:grpSpPr>
+        <a:xfrm>
+          <a:off x="0" y="0"/>
+          <a:ext cx="0" cy="0"/>
+          <a:chOff x="0" y="0"/>
+          <a:chExt cx="0" cy="0"/>
+        </a:xfrm>
+      </p:grpSpPr>
+      <p:sp>
+        <p:nvSpPr>
+          <p:cNvPr id="4098" name="Rectangle 12"/>
+          <p:cNvSpPr>
+            <a:spLocks noGrp="1" noChangeArrowheads="1"/>
+          </p:cNvSpPr>
+          <p:nvPr>
+            <p:ph type="ftr" sz="quarter" idx="10"/>
+          </p:nvPr>
+        </p:nvSpPr>
+        <p:spPr>
+          <a:noFill/>
+        </p:spPr>
+        <p:txBody>
+          <a:bodyPr/>
+          <a:lstStyle>
+            <a:lvl1pPr eaLnBrk="0" hangingPunct="0">
+              <a:defRPr>
+                <a:solidFill>
+                  <a:schemeClr val="tx1"/>
+                </a:solidFill>
+                <a:latin typeface="Arial" charset="0"/>
+              </a:defRPr>
+            </a:lvl1pPr>
+            <a:lvl2pPr marL="742950" indent="-285750" eaLnBrk="0" hangingPunct="0">
+              <a:defRPr>
+                <a:solidFill>
+                  <a:schemeClr val="tx1"/>
+                </a:solidFill>
+                <a:latin typeface="Arial" charset="0"/>
+              </a:defRPr>
+            </a:lvl2pPr>
+            <a:lvl3pPr marL="1143000" indent="-228600" eaLnBrk="0" hangingPunct="0">
+              <a:defRPr>
+                <a:solidFill>
+                  <a:schemeClr val="tx1"/>
+                </a:solidFill>
+                <a:latin typeface="Arial" charset="0"/>
+              </a:defRPr>
+            </a:lvl3pPr>
+            <a:lvl4pPr marL="1600200" indent="-228600" eaLnBrk="0" hangingPunct="0">
+              <a:defRPr>
+                <a:solidFill>
+                  <a:schemeClr val="tx1"/>
+                </a:solidFill>
+                <a:latin typeface="Arial" charset="0"/>
+              </a:defRPr>
+            </a:lvl4pPr>
+            <a:lvl5pPr marL="2057400" indent="-228600" eaLnBrk="0" hangingPunct="0">
+              <a:defRPr>
+                <a:solidFill>
+                  <a:schemeClr val="tx1"/>
+                </a:solidFill>
+                <a:latin typeface="Arial" charset="0"/>
+              </a:defRPr>
+            </a:lvl5pPr>
+            <a:lvl6pPr marL="2514600" indent="-228600" eaLnBrk="0" fontAlgn="base" hangingPunct="0">
+              <a:spcBef>
+                <a:spcPct val="0"/>
+              </a:spcBef>
+              <a:spcAft>
+                <a:spcPct val="0"/>
+              </a:spcAft>
+              <a:defRPr>
+                <a:solidFill>
+                  <a:schemeClr val="tx1"/>
+                </a:solidFill>
+                <a:latin typeface="Arial" charset="0"/>
+              </a:defRPr>
+            </a:lvl6pPr>
+            <a:lvl7pPr marL="2971800" indent="-228600" eaLnBrk="0" fontAlgn="base" hangingPunct="0">
+              <a:spcBef>
+                <a:spcPct val="0"/>
+              </a:spcBef>
+              <a:spcAft>
+                <a:spcPct val="0"/>
+              </a:spcAft>
+              <a:defRPr>
+                <a:solidFill>
+                  <a:schemeClr val="tx1"/>
+                </a:solidFill>
+                <a:latin typeface="Arial" charset="0"/>
+              </a:defRPr>
+            </a:lvl7pPr>
+            <a:lvl8pPr marL="3429000" indent="-228600" eaLnBrk="0" fontAlgn="base" hangingPunct="0">
+              <a:spcBef>
+                <a:spcPct val="0"/>
+              </a:spcBef>
+              <a:spcAft>
+                <a:spcPct val="0"/>
+              </a:spcAft>
+              <a:defRPr>
+                <a:solidFill>
+                  <a:schemeClr val="tx1"/>
+                </a:solidFill>
+                <a:latin typeface="Arial" charset="0"/>
+              </a:defRPr>
+            </a:lvl8pPr>
+            <a:lvl9pPr marL="3886200" indent="-228600" eaLnBrk="0" fontAlgn="base" hangingPunct="0">
+              <a:spcBef>
+                <a:spcPct val="0"/>
+              </a:spcBef>
+              <a:spcAft>
+                <a:spcPct val="0"/>
+              </a:spcAft>
+              <a:defRPr>
+                <a:solidFill>
+                  <a:schemeClr val="tx1"/>
+                </a:solidFill>
+                <a:latin typeface="Arial" charset="0"/>
+              </a:defRPr>
+            </a:lvl9pPr>
+          </a:lstStyle>
+          <a:p>
+            <a:pPr eaLnBrk="1" hangingPunct="1"/>
+            <a:r>
+              <a:rPr lang="de-DE" dirty="0"/>
+              <a:t>Prof. Dr.-Ing. habil. Björn Hein </a:t>
+            </a:r>
+            <a:r>
+              <a:rPr lang="de-DE" altLang="de-DE" dirty="0"/>
+              <a:t>- </a:t>
+            </a:r>
+            <a:r>
+              <a:rPr lang="de-DE" dirty="0"/>
+              <a:t>Implementierung eines Clustering-basierten Verfahrens zur Segmentierung von Volumenmodellen</a:t>
+            </a:r>
+            <a:endParaRPr lang="de-DE" altLang="de-DE" dirty="0">
+              <a:solidFill>
+                <a:schemeClr val="tx2"/>
+              </a:solidFill>
+            </a:endParaRPr>
+          </a:p>
+          <a:p>
+            <a:pPr eaLnBrk="1" hangingPunct="1"/>
+            <a:endParaRPr lang="de-DE" altLang="de-DE" dirty="0"/>
+          </a:p>
+        </p:txBody>
+      </p:sp>
+      <p:sp>
+        <p:nvSpPr>
+          <p:cNvPr id="4099" name="Rectangle 2"/>
+          <p:cNvSpPr>
+            <a:spLocks noGrp="1" noChangeArrowheads="1"/>
+          </p:cNvSpPr>
+          <p:nvPr>
+            <p:ph type="title"/>
+          </p:nvPr>
+        </p:nvSpPr>
+        <p:spPr/>
+        <p:txBody>
+          <a:bodyPr/>
+          <a:lstStyle/>
+          <a:p>
+            <a:r>
+              <a:rPr lang="de-DE" altLang="de-DE" dirty="0"/>
+              <a:t>Ergebnisse – Segmentierung</a:t>
             </a:r>
           </a:p>
         </p:txBody>
@@ -6460,7 +6731,7 @@
 </p:sld>
 </file>
 
-<file path=ppt/slides/slide14.xml><?xml version="1.0" encoding="utf-8"?>
+<file path=ppt/slides/slide15.xml><?xml version="1.0" encoding="utf-8"?>
 <p:sld xmlns:a="http://schemas.openxmlformats.org/drawingml/2006/main" xmlns:r="http://schemas.openxmlformats.org/officeDocument/2006/relationships" xmlns:p="http://schemas.openxmlformats.org/presentationml/2006/main">
   <p:cSld>
     <p:spTree>
@@ -6629,7 +6900,7 @@
           <a:p>
             <a:r>
               <a:rPr lang="de-DE" altLang="de-DE" dirty="0"/>
-              <a:t>Ergebnisse</a:t>
+              <a:t>Ergebnisse – Segmentierung</a:t>
             </a:r>
           </a:p>
         </p:txBody>
@@ -6739,7 +7010,7 @@
 </p:sld>
 </file>
 
-<file path=ppt/slides/slide15.xml><?xml version="1.0" encoding="utf-8"?>
+<file path=ppt/slides/slide16.xml><?xml version="1.0" encoding="utf-8"?>
 <p:sld xmlns:a="http://schemas.openxmlformats.org/drawingml/2006/main" xmlns:r="http://schemas.openxmlformats.org/officeDocument/2006/relationships" xmlns:p="http://schemas.openxmlformats.org/presentationml/2006/main">
   <p:cSld>
     <p:spTree>
@@ -6908,7 +7179,7 @@
           <a:p>
             <a:r>
               <a:rPr lang="de-DE" altLang="de-DE" dirty="0"/>
-              <a:t>Ergebnisse</a:t>
+              <a:t>Ergebnisse – Segmentierung</a:t>
             </a:r>
           </a:p>
         </p:txBody>
@@ -7018,7 +7289,7 @@
 </p:sld>
 </file>
 
-<file path=ppt/slides/slide16.xml><?xml version="1.0" encoding="utf-8"?>
+<file path=ppt/slides/slide17.xml><?xml version="1.0" encoding="utf-8"?>
 <p:sld xmlns:a="http://schemas.openxmlformats.org/drawingml/2006/main" xmlns:r="http://schemas.openxmlformats.org/officeDocument/2006/relationships" xmlns:p="http://schemas.openxmlformats.org/presentationml/2006/main">
   <p:cSld>
     <p:spTree>
@@ -7187,7 +7458,7 @@
           <a:p>
             <a:r>
               <a:rPr lang="de-DE" altLang="de-DE" dirty="0"/>
-              <a:t>Ergebnisse</a:t>
+              <a:t>Ergebnisse – Interview Arzt</a:t>
             </a:r>
           </a:p>
         </p:txBody>
@@ -7277,14 +7548,14 @@
           <p:nvPr>
             <p:extLst>
               <p:ext uri="{D42A27DB-BD31-4B8C-83A1-F6EECF244321}">
-                <p14:modId xmlns:p14="http://schemas.microsoft.com/office/powerpoint/2010/main" val="1690591761"/>
+                <p14:modId xmlns:p14="http://schemas.microsoft.com/office/powerpoint/2010/main" val="2431262762"/>
               </p:ext>
             </p:extLst>
           </p:nvPr>
         </p:nvGraphicFramePr>
         <p:xfrm>
-          <a:off x="1835696" y="3933056"/>
-          <a:ext cx="6768752" cy="1987416"/>
+          <a:off x="935596" y="3717032"/>
+          <a:ext cx="7272808" cy="2203440"/>
         </p:xfrm>
         <a:graphic>
           <a:graphicData uri="http://schemas.openxmlformats.org/drawingml/2006/table">
@@ -7293,28 +7564,28 @@
                 <a:tableStyleId>{5C22544A-7EE6-4342-B048-85BDC9FD1C3A}</a:tableStyleId>
               </a:tblPr>
               <a:tblGrid>
-                <a:gridCol w="2373458">
+                <a:gridCol w="2550205">
                   <a:extLst>
                     <a:ext uri="{9D8B030D-6E8A-4147-A177-3AD203B41FA5}">
                       <a16:colId xmlns:a16="http://schemas.microsoft.com/office/drawing/2014/main" val="4202591971"/>
                     </a:ext>
                   </a:extLst>
                 </a:gridCol>
-                <a:gridCol w="1406494">
+                <a:gridCol w="1511233">
                   <a:extLst>
                     <a:ext uri="{9D8B030D-6E8A-4147-A177-3AD203B41FA5}">
                       <a16:colId xmlns:a16="http://schemas.microsoft.com/office/drawing/2014/main" val="97713545"/>
                     </a:ext>
                   </a:extLst>
                 </a:gridCol>
-                <a:gridCol w="1406494">
+                <a:gridCol w="1511233">
                   <a:extLst>
                     <a:ext uri="{9D8B030D-6E8A-4147-A177-3AD203B41FA5}">
                       <a16:colId xmlns:a16="http://schemas.microsoft.com/office/drawing/2014/main" val="2104460712"/>
                     </a:ext>
                   </a:extLst>
                 </a:gridCol>
-                <a:gridCol w="1582306">
+                <a:gridCol w="1700137">
                   <a:extLst>
                     <a:ext uri="{9D8B030D-6E8A-4147-A177-3AD203B41FA5}">
                       <a16:colId xmlns:a16="http://schemas.microsoft.com/office/drawing/2014/main" val="3767811007"/>
@@ -7322,7 +7593,7 @@
                   </a:extLst>
                 </a:gridCol>
               </a:tblGrid>
-              <a:tr h="496854">
+              <a:tr h="550860">
                 <a:tc>
                   <a:txBody>
                     <a:bodyPr/>
@@ -7385,7 +7656,7 @@
                   </a:ext>
                 </a:extLst>
               </a:tr>
-              <a:tr h="496854">
+              <a:tr h="550860">
                 <a:tc>
                   <a:txBody>
                     <a:bodyPr/>
@@ -7444,7 +7715,7 @@
                   </a:ext>
                 </a:extLst>
               </a:tr>
-              <a:tr h="496854">
+              <a:tr h="550860">
                 <a:tc>
                   <a:txBody>
                     <a:bodyPr/>
@@ -7503,7 +7774,7 @@
                   </a:ext>
                 </a:extLst>
               </a:tr>
-              <a:tr h="496854">
+              <a:tr h="550860">
                 <a:tc>
                   <a:txBody>
                     <a:bodyPr/>
@@ -7579,212 +7850,6 @@
 </p:sld>
 </file>
 
-<file path=ppt/slides/slide17.xml><?xml version="1.0" encoding="utf-8"?>
-<p:sld xmlns:a="http://schemas.openxmlformats.org/drawingml/2006/main" xmlns:r="http://schemas.openxmlformats.org/officeDocument/2006/relationships" xmlns:p="http://schemas.openxmlformats.org/presentationml/2006/main">
-  <p:cSld>
-    <p:spTree>
-      <p:nvGrpSpPr>
-        <p:cNvPr id="1" name=""/>
-        <p:cNvGrpSpPr/>
-        <p:nvPr/>
-      </p:nvGrpSpPr>
-      <p:grpSpPr>
-        <a:xfrm>
-          <a:off x="0" y="0"/>
-          <a:ext cx="0" cy="0"/>
-          <a:chOff x="0" y="0"/>
-          <a:chExt cx="0" cy="0"/>
-        </a:xfrm>
-      </p:grpSpPr>
-      <p:sp>
-        <p:nvSpPr>
-          <p:cNvPr id="4098" name="Rectangle 12"/>
-          <p:cNvSpPr>
-            <a:spLocks noGrp="1" noChangeArrowheads="1"/>
-          </p:cNvSpPr>
-          <p:nvPr>
-            <p:ph type="ftr" sz="quarter" idx="10"/>
-          </p:nvPr>
-        </p:nvSpPr>
-        <p:spPr>
-          <a:noFill/>
-        </p:spPr>
-        <p:txBody>
-          <a:bodyPr/>
-          <a:lstStyle>
-            <a:lvl1pPr eaLnBrk="0" hangingPunct="0">
-              <a:defRPr>
-                <a:solidFill>
-                  <a:schemeClr val="tx1"/>
-                </a:solidFill>
-                <a:latin typeface="Arial" charset="0"/>
-              </a:defRPr>
-            </a:lvl1pPr>
-            <a:lvl2pPr marL="742950" indent="-285750" eaLnBrk="0" hangingPunct="0">
-              <a:defRPr>
-                <a:solidFill>
-                  <a:schemeClr val="tx1"/>
-                </a:solidFill>
-                <a:latin typeface="Arial" charset="0"/>
-              </a:defRPr>
-            </a:lvl2pPr>
-            <a:lvl3pPr marL="1143000" indent="-228600" eaLnBrk="0" hangingPunct="0">
-              <a:defRPr>
-                <a:solidFill>
-                  <a:schemeClr val="tx1"/>
-                </a:solidFill>
-                <a:latin typeface="Arial" charset="0"/>
-              </a:defRPr>
-            </a:lvl3pPr>
-            <a:lvl4pPr marL="1600200" indent="-228600" eaLnBrk="0" hangingPunct="0">
-              <a:defRPr>
-                <a:solidFill>
-                  <a:schemeClr val="tx1"/>
-                </a:solidFill>
-                <a:latin typeface="Arial" charset="0"/>
-              </a:defRPr>
-            </a:lvl4pPr>
-            <a:lvl5pPr marL="2057400" indent="-228600" eaLnBrk="0" hangingPunct="0">
-              <a:defRPr>
-                <a:solidFill>
-                  <a:schemeClr val="tx1"/>
-                </a:solidFill>
-                <a:latin typeface="Arial" charset="0"/>
-              </a:defRPr>
-            </a:lvl5pPr>
-            <a:lvl6pPr marL="2514600" indent="-228600" eaLnBrk="0" fontAlgn="base" hangingPunct="0">
-              <a:spcBef>
-                <a:spcPct val="0"/>
-              </a:spcBef>
-              <a:spcAft>
-                <a:spcPct val="0"/>
-              </a:spcAft>
-              <a:defRPr>
-                <a:solidFill>
-                  <a:schemeClr val="tx1"/>
-                </a:solidFill>
-                <a:latin typeface="Arial" charset="0"/>
-              </a:defRPr>
-            </a:lvl6pPr>
-            <a:lvl7pPr marL="2971800" indent="-228600" eaLnBrk="0" fontAlgn="base" hangingPunct="0">
-              <a:spcBef>
-                <a:spcPct val="0"/>
-              </a:spcBef>
-              <a:spcAft>
-                <a:spcPct val="0"/>
-              </a:spcAft>
-              <a:defRPr>
-                <a:solidFill>
-                  <a:schemeClr val="tx1"/>
-                </a:solidFill>
-                <a:latin typeface="Arial" charset="0"/>
-              </a:defRPr>
-            </a:lvl7pPr>
-            <a:lvl8pPr marL="3429000" indent="-228600" eaLnBrk="0" fontAlgn="base" hangingPunct="0">
-              <a:spcBef>
-                <a:spcPct val="0"/>
-              </a:spcBef>
-              <a:spcAft>
-                <a:spcPct val="0"/>
-              </a:spcAft>
-              <a:defRPr>
-                <a:solidFill>
-                  <a:schemeClr val="tx1"/>
-                </a:solidFill>
-                <a:latin typeface="Arial" charset="0"/>
-              </a:defRPr>
-            </a:lvl8pPr>
-            <a:lvl9pPr marL="3886200" indent="-228600" eaLnBrk="0" fontAlgn="base" hangingPunct="0">
-              <a:spcBef>
-                <a:spcPct val="0"/>
-              </a:spcBef>
-              <a:spcAft>
-                <a:spcPct val="0"/>
-              </a:spcAft>
-              <a:defRPr>
-                <a:solidFill>
-                  <a:schemeClr val="tx1"/>
-                </a:solidFill>
-                <a:latin typeface="Arial" charset="0"/>
-              </a:defRPr>
-            </a:lvl9pPr>
-          </a:lstStyle>
-          <a:p>
-            <a:pPr eaLnBrk="1" hangingPunct="1"/>
-            <a:r>
-              <a:rPr lang="de-DE" dirty="0"/>
-              <a:t>Prof. Dr.-Ing. habil. Björn Hein </a:t>
-            </a:r>
-            <a:r>
-              <a:rPr lang="de-DE" altLang="de-DE" dirty="0"/>
-              <a:t>- </a:t>
-            </a:r>
-            <a:r>
-              <a:rPr lang="de-DE" dirty="0"/>
-              <a:t>Implementierung eines Clustering-basierten Verfahrens zur Segmentierung von Volumenmodellen</a:t>
-            </a:r>
-            <a:endParaRPr lang="de-DE" altLang="de-DE" dirty="0">
-              <a:solidFill>
-                <a:schemeClr val="tx2"/>
-              </a:solidFill>
-            </a:endParaRPr>
-          </a:p>
-        </p:txBody>
-      </p:sp>
-      <p:sp>
-        <p:nvSpPr>
-          <p:cNvPr id="4099" name="Rectangle 2"/>
-          <p:cNvSpPr>
-            <a:spLocks noGrp="1" noChangeArrowheads="1"/>
-          </p:cNvSpPr>
-          <p:nvPr>
-            <p:ph type="title"/>
-          </p:nvPr>
-        </p:nvSpPr>
-        <p:spPr/>
-        <p:txBody>
-          <a:bodyPr/>
-          <a:lstStyle/>
-          <a:p>
-            <a:r>
-              <a:rPr lang="de-DE" altLang="de-DE" dirty="0"/>
-              <a:t>Ergebnisse</a:t>
-            </a:r>
-          </a:p>
-        </p:txBody>
-      </p:sp>
-      <p:sp>
-        <p:nvSpPr>
-          <p:cNvPr id="4100" name="Rectangle 3"/>
-          <p:cNvSpPr>
-            <a:spLocks noGrp="1" noChangeArrowheads="1"/>
-          </p:cNvSpPr>
-          <p:nvPr>
-            <p:ph type="body" idx="1"/>
-          </p:nvPr>
-        </p:nvSpPr>
-        <p:spPr/>
-        <p:txBody>
-          <a:bodyPr/>
-          <a:lstStyle/>
-          <a:p>
-            <a:endParaRPr lang="de-DE" altLang="de-DE" dirty="0"/>
-          </a:p>
-        </p:txBody>
-      </p:sp>
-    </p:spTree>
-    <p:extLst>
-      <p:ext uri="{BB962C8B-B14F-4D97-AF65-F5344CB8AC3E}">
-        <p14:creationId xmlns:p14="http://schemas.microsoft.com/office/powerpoint/2010/main" val="408546313"/>
-      </p:ext>
-    </p:extLst>
-  </p:cSld>
-  <p:clrMapOvr>
-    <a:masterClrMapping/>
-  </p:clrMapOvr>
-</p:sld>
-</file>
-
 <file path=ppt/slides/slide18.xml><?xml version="1.0" encoding="utf-8"?>
 <p:sld xmlns:a="http://schemas.openxmlformats.org/drawingml/2006/main" xmlns:r="http://schemas.openxmlformats.org/officeDocument/2006/relationships" xmlns:p="http://schemas.openxmlformats.org/presentationml/2006/main">
   <p:cSld>
@@ -7954,7 +8019,7 @@
           <a:p>
             <a:r>
               <a:rPr lang="de-DE" altLang="de-DE" dirty="0"/>
-              <a:t>Ergebnisse</a:t>
+              <a:t>Ergebnisse – Interview Arzt</a:t>
             </a:r>
           </a:p>
         </p:txBody>
@@ -7974,14 +8039,39 @@
           <a:bodyPr/>
           <a:lstStyle/>
           <a:p>
+            <a:r>
+              <a:rPr lang="de-DE" altLang="de-DE" dirty="0"/>
+              <a:t>Allgemein empfand der Arzt die Segmentierungen gut</a:t>
+            </a:r>
+          </a:p>
+          <a:p>
             <a:endParaRPr lang="de-DE" altLang="de-DE" dirty="0"/>
+          </a:p>
+          <a:p>
+            <a:r>
+              <a:rPr lang="de-DE" altLang="de-DE" dirty="0"/>
+              <a:t>Ausreißer störten</a:t>
+            </a:r>
+          </a:p>
+          <a:p>
+            <a:endParaRPr lang="de-DE" altLang="de-DE" dirty="0"/>
+          </a:p>
+          <a:p>
+            <a:r>
+              <a:rPr lang="de-DE" altLang="de-DE" dirty="0" err="1"/>
+              <a:t>Ventrikelsystem</a:t>
+            </a:r>
+            <a:r>
+              <a:rPr lang="de-DE" altLang="de-DE" dirty="0"/>
+              <a:t> als solches klar zu erkennen</a:t>
+            </a:r>
           </a:p>
         </p:txBody>
       </p:sp>
     </p:spTree>
     <p:extLst>
       <p:ext uri="{BB962C8B-B14F-4D97-AF65-F5344CB8AC3E}">
-        <p14:creationId xmlns:p14="http://schemas.microsoft.com/office/powerpoint/2010/main" val="1300460746"/>
+        <p14:creationId xmlns:p14="http://schemas.microsoft.com/office/powerpoint/2010/main" val="408546313"/>
       </p:ext>
     </p:extLst>
   </p:cSld>
@@ -8160,7 +8250,7 @@
           <a:p>
             <a:r>
               <a:rPr lang="de-DE" altLang="de-DE" dirty="0"/>
-              <a:t>Ergebnisse</a:t>
+              <a:t>Ergebnisse – Datensätze</a:t>
             </a:r>
           </a:p>
         </p:txBody>
@@ -8182,8 +8272,1259 @@
           <a:p>
             <a:r>
               <a:rPr lang="de-DE" altLang="de-DE" dirty="0"/>
+              <a:t>Verschiedene Datensätze getestet</a:t>
+            </a:r>
+          </a:p>
+          <a:p>
+            <a:pPr lvl="1"/>
+            <a:r>
+              <a:rPr lang="de-DE" altLang="de-DE" dirty="0"/>
+              <a:t>Normale</a:t>
+            </a:r>
+          </a:p>
+          <a:p>
+            <a:pPr lvl="1"/>
+            <a:r>
+              <a:rPr lang="de-DE" altLang="de-DE" dirty="0"/>
+              <a:t>Schlanke</a:t>
+            </a:r>
+          </a:p>
+          <a:p>
+            <a:pPr lvl="1"/>
+            <a:r>
+              <a:rPr lang="de-DE" altLang="de-DE" dirty="0" err="1"/>
+              <a:t>Mittellinienshift</a:t>
+            </a:r>
+            <a:endParaRPr lang="de-DE" altLang="de-DE" dirty="0"/>
+          </a:p>
+          <a:p>
+            <a:pPr lvl="1"/>
+            <a:r>
+              <a:rPr lang="de-DE" altLang="de-DE" dirty="0"/>
+              <a:t>Deformiert</a:t>
+            </a:r>
+          </a:p>
+          <a:p>
+            <a:pPr lvl="1"/>
+            <a:r>
+              <a:rPr lang="de-DE" altLang="de-DE" dirty="0"/>
+              <a:t>Atrophie</a:t>
+            </a:r>
+          </a:p>
+          <a:p>
+            <a:pPr lvl="1"/>
+            <a:r>
+              <a:rPr lang="de-DE" dirty="0"/>
+              <a:t>Hydrocephalus-</a:t>
+            </a:r>
+            <a:r>
+              <a:rPr lang="de-DE" dirty="0" err="1"/>
+              <a:t>Ventrikelblut</a:t>
+            </a:r>
+            <a:endParaRPr lang="de-DE" dirty="0"/>
+          </a:p>
+          <a:p>
+            <a:pPr lvl="1"/>
+            <a:r>
+              <a:rPr lang="de-DE" dirty="0" err="1"/>
+              <a:t>Subarachnoidale</a:t>
+            </a:r>
+            <a:r>
+              <a:rPr lang="de-DE" dirty="0"/>
+              <a:t> Einblutung</a:t>
+            </a:r>
+          </a:p>
+          <a:p>
+            <a:pPr lvl="1"/>
+            <a:r>
+              <a:rPr lang="de-DE" dirty="0"/>
+              <a:t>Blut-resorbiert</a:t>
+            </a:r>
+          </a:p>
+          <a:p>
+            <a:endParaRPr lang="de-DE" altLang="de-DE" dirty="0"/>
+          </a:p>
+          <a:p>
+            <a:r>
+              <a:rPr lang="de-DE" altLang="de-DE" dirty="0"/>
+              <a:t>Probleme bei auffallenden Besonderheiten</a:t>
+            </a:r>
+          </a:p>
+          <a:p>
+            <a:pPr marL="476250" lvl="1" indent="0">
+              <a:buNone/>
+            </a:pPr>
+            <a:endParaRPr lang="de-DE" altLang="de-DE" dirty="0"/>
+          </a:p>
+        </p:txBody>
+      </p:sp>
+    </p:spTree>
+    <p:extLst>
+      <p:ext uri="{BB962C8B-B14F-4D97-AF65-F5344CB8AC3E}">
+        <p14:creationId xmlns:p14="http://schemas.microsoft.com/office/powerpoint/2010/main" val="1300460746"/>
+      </p:ext>
+    </p:extLst>
+  </p:cSld>
+  <p:clrMapOvr>
+    <a:masterClrMapping/>
+  </p:clrMapOvr>
+</p:sld>
+</file>
+
+<file path=ppt/slides/slide2.xml><?xml version="1.0" encoding="utf-8"?>
+<p:sld xmlns:a="http://schemas.openxmlformats.org/drawingml/2006/main" xmlns:r="http://schemas.openxmlformats.org/officeDocument/2006/relationships" xmlns:p="http://schemas.openxmlformats.org/presentationml/2006/main">
+  <p:cSld>
+    <p:spTree>
+      <p:nvGrpSpPr>
+        <p:cNvPr id="1" name=""/>
+        <p:cNvGrpSpPr/>
+        <p:nvPr/>
+      </p:nvGrpSpPr>
+      <p:grpSpPr>
+        <a:xfrm>
+          <a:off x="0" y="0"/>
+          <a:ext cx="0" cy="0"/>
+          <a:chOff x="0" y="0"/>
+          <a:chExt cx="0" cy="0"/>
+        </a:xfrm>
+      </p:grpSpPr>
+      <p:sp>
+        <p:nvSpPr>
+          <p:cNvPr id="4098" name="Rectangle 12"/>
+          <p:cNvSpPr>
+            <a:spLocks noGrp="1" noChangeArrowheads="1"/>
+          </p:cNvSpPr>
+          <p:nvPr>
+            <p:ph type="ftr" sz="quarter" idx="10"/>
+          </p:nvPr>
+        </p:nvSpPr>
+        <p:spPr>
+          <a:noFill/>
+        </p:spPr>
+        <p:txBody>
+          <a:bodyPr/>
+          <a:lstStyle>
+            <a:lvl1pPr eaLnBrk="0" hangingPunct="0">
+              <a:defRPr>
+                <a:solidFill>
+                  <a:schemeClr val="tx1"/>
+                </a:solidFill>
+                <a:latin typeface="Arial" charset="0"/>
+              </a:defRPr>
+            </a:lvl1pPr>
+            <a:lvl2pPr marL="742950" indent="-285750" eaLnBrk="0" hangingPunct="0">
+              <a:defRPr>
+                <a:solidFill>
+                  <a:schemeClr val="tx1"/>
+                </a:solidFill>
+                <a:latin typeface="Arial" charset="0"/>
+              </a:defRPr>
+            </a:lvl2pPr>
+            <a:lvl3pPr marL="1143000" indent="-228600" eaLnBrk="0" hangingPunct="0">
+              <a:defRPr>
+                <a:solidFill>
+                  <a:schemeClr val="tx1"/>
+                </a:solidFill>
+                <a:latin typeface="Arial" charset="0"/>
+              </a:defRPr>
+            </a:lvl3pPr>
+            <a:lvl4pPr marL="1600200" indent="-228600" eaLnBrk="0" hangingPunct="0">
+              <a:defRPr>
+                <a:solidFill>
+                  <a:schemeClr val="tx1"/>
+                </a:solidFill>
+                <a:latin typeface="Arial" charset="0"/>
+              </a:defRPr>
+            </a:lvl4pPr>
+            <a:lvl5pPr marL="2057400" indent="-228600" eaLnBrk="0" hangingPunct="0">
+              <a:defRPr>
+                <a:solidFill>
+                  <a:schemeClr val="tx1"/>
+                </a:solidFill>
+                <a:latin typeface="Arial" charset="0"/>
+              </a:defRPr>
+            </a:lvl5pPr>
+            <a:lvl6pPr marL="2514600" indent="-228600" eaLnBrk="0" fontAlgn="base" hangingPunct="0">
+              <a:spcBef>
+                <a:spcPct val="0"/>
+              </a:spcBef>
+              <a:spcAft>
+                <a:spcPct val="0"/>
+              </a:spcAft>
+              <a:defRPr>
+                <a:solidFill>
+                  <a:schemeClr val="tx1"/>
+                </a:solidFill>
+                <a:latin typeface="Arial" charset="0"/>
+              </a:defRPr>
+            </a:lvl6pPr>
+            <a:lvl7pPr marL="2971800" indent="-228600" eaLnBrk="0" fontAlgn="base" hangingPunct="0">
+              <a:spcBef>
+                <a:spcPct val="0"/>
+              </a:spcBef>
+              <a:spcAft>
+                <a:spcPct val="0"/>
+              </a:spcAft>
+              <a:defRPr>
+                <a:solidFill>
+                  <a:schemeClr val="tx1"/>
+                </a:solidFill>
+                <a:latin typeface="Arial" charset="0"/>
+              </a:defRPr>
+            </a:lvl7pPr>
+            <a:lvl8pPr marL="3429000" indent="-228600" eaLnBrk="0" fontAlgn="base" hangingPunct="0">
+              <a:spcBef>
+                <a:spcPct val="0"/>
+              </a:spcBef>
+              <a:spcAft>
+                <a:spcPct val="0"/>
+              </a:spcAft>
+              <a:defRPr>
+                <a:solidFill>
+                  <a:schemeClr val="tx1"/>
+                </a:solidFill>
+                <a:latin typeface="Arial" charset="0"/>
+              </a:defRPr>
+            </a:lvl8pPr>
+            <a:lvl9pPr marL="3886200" indent="-228600" eaLnBrk="0" fontAlgn="base" hangingPunct="0">
+              <a:spcBef>
+                <a:spcPct val="0"/>
+              </a:spcBef>
+              <a:spcAft>
+                <a:spcPct val="0"/>
+              </a:spcAft>
+              <a:defRPr>
+                <a:solidFill>
+                  <a:schemeClr val="tx1"/>
+                </a:solidFill>
+                <a:latin typeface="Arial" charset="0"/>
+              </a:defRPr>
+            </a:lvl9pPr>
+          </a:lstStyle>
+          <a:p>
+            <a:pPr eaLnBrk="1" hangingPunct="1"/>
+            <a:r>
+              <a:rPr lang="de-DE" dirty="0"/>
+              <a:t>Prof. Dr.-Ing. habil. Björn Hein </a:t>
+            </a:r>
+            <a:r>
+              <a:rPr lang="de-DE" altLang="de-DE" dirty="0"/>
+              <a:t>- </a:t>
+            </a:r>
+            <a:r>
+              <a:rPr lang="de-DE" dirty="0"/>
+              <a:t>Implementierung eines Clustering-basierten Verfahrens zur Segmentierung von Volumenmodellen</a:t>
+            </a:r>
+            <a:endParaRPr lang="de-DE" altLang="de-DE" dirty="0">
+              <a:solidFill>
+                <a:schemeClr val="tx2"/>
+              </a:solidFill>
+            </a:endParaRPr>
+          </a:p>
+          <a:p>
+            <a:pPr eaLnBrk="1" hangingPunct="1"/>
+            <a:endParaRPr lang="de-DE" altLang="de-DE" dirty="0"/>
+          </a:p>
+        </p:txBody>
+      </p:sp>
+      <p:sp>
+        <p:nvSpPr>
+          <p:cNvPr id="4099" name="Rectangle 2"/>
+          <p:cNvSpPr>
+            <a:spLocks noGrp="1" noChangeArrowheads="1"/>
+          </p:cNvSpPr>
+          <p:nvPr>
+            <p:ph type="title"/>
+          </p:nvPr>
+        </p:nvSpPr>
+        <p:spPr/>
+        <p:txBody>
+          <a:bodyPr/>
+          <a:lstStyle/>
+          <a:p>
+            <a:r>
+              <a:rPr lang="de-DE" altLang="de-DE" dirty="0"/>
+              <a:t>Gliederung</a:t>
+            </a:r>
+          </a:p>
+        </p:txBody>
+      </p:sp>
+      <p:sp>
+        <p:nvSpPr>
+          <p:cNvPr id="4100" name="Rectangle 3"/>
+          <p:cNvSpPr>
+            <a:spLocks noGrp="1" noChangeArrowheads="1"/>
+          </p:cNvSpPr>
+          <p:nvPr>
+            <p:ph type="body" idx="1"/>
+          </p:nvPr>
+        </p:nvSpPr>
+        <p:spPr/>
+        <p:txBody>
+          <a:bodyPr/>
+          <a:lstStyle/>
+          <a:p>
+            <a:r>
+              <a:rPr lang="de-DE" altLang="de-DE" dirty="0"/>
+              <a:t>Motivation</a:t>
+            </a:r>
+          </a:p>
+          <a:p>
+            <a:r>
+              <a:rPr lang="de-DE" altLang="de-DE" dirty="0"/>
+              <a:t>State </a:t>
+            </a:r>
+            <a:r>
+              <a:rPr lang="de-DE" altLang="de-DE" dirty="0" err="1"/>
+              <a:t>of</a:t>
+            </a:r>
+            <a:r>
+              <a:rPr lang="de-DE" altLang="de-DE" dirty="0"/>
+              <a:t> </a:t>
+            </a:r>
+            <a:r>
+              <a:rPr lang="de-DE" altLang="de-DE" dirty="0" err="1"/>
+              <a:t>the</a:t>
+            </a:r>
+            <a:r>
+              <a:rPr lang="de-DE" altLang="de-DE" dirty="0"/>
+              <a:t> </a:t>
+            </a:r>
+            <a:r>
+              <a:rPr lang="de-DE" altLang="de-DE" dirty="0" err="1"/>
+              <a:t>art</a:t>
+            </a:r>
+            <a:endParaRPr lang="de-DE" altLang="de-DE" dirty="0"/>
+          </a:p>
+          <a:p>
+            <a:r>
+              <a:rPr lang="de-DE" altLang="de-DE" dirty="0"/>
+              <a:t>Methode</a:t>
+            </a:r>
+          </a:p>
+          <a:p>
+            <a:r>
+              <a:rPr lang="de-DE" altLang="de-DE" dirty="0"/>
+              <a:t>Design</a:t>
+            </a:r>
+          </a:p>
+          <a:p>
+            <a:r>
+              <a:rPr lang="de-DE" altLang="de-DE" dirty="0"/>
+              <a:t>Implementierung</a:t>
+            </a:r>
+          </a:p>
+          <a:p>
+            <a:r>
+              <a:rPr lang="de-DE" altLang="de-DE" dirty="0"/>
+              <a:t>Ergebnisse</a:t>
+            </a:r>
+          </a:p>
+          <a:p>
+            <a:r>
+              <a:rPr lang="de-DE" altLang="de-DE" dirty="0"/>
+              <a:t>Fazit &amp; Ausblick</a:t>
+            </a:r>
+          </a:p>
+        </p:txBody>
+      </p:sp>
+    </p:spTree>
+  </p:cSld>
+  <p:clrMapOvr>
+    <a:masterClrMapping/>
+  </p:clrMapOvr>
+</p:sld>
+</file>
+
+<file path=ppt/slides/slide20.xml><?xml version="1.0" encoding="utf-8"?>
+<p:sld xmlns:a="http://schemas.openxmlformats.org/drawingml/2006/main" xmlns:r="http://schemas.openxmlformats.org/officeDocument/2006/relationships" xmlns:p="http://schemas.openxmlformats.org/presentationml/2006/main">
+  <p:cSld>
+    <p:spTree>
+      <p:nvGrpSpPr>
+        <p:cNvPr id="1" name=""/>
+        <p:cNvGrpSpPr/>
+        <p:nvPr/>
+      </p:nvGrpSpPr>
+      <p:grpSpPr>
+        <a:xfrm>
+          <a:off x="0" y="0"/>
+          <a:ext cx="0" cy="0"/>
+          <a:chOff x="0" y="0"/>
+          <a:chExt cx="0" cy="0"/>
+        </a:xfrm>
+      </p:grpSpPr>
+      <p:sp>
+        <p:nvSpPr>
+          <p:cNvPr id="4098" name="Rectangle 12"/>
+          <p:cNvSpPr>
+            <a:spLocks noGrp="1" noChangeArrowheads="1"/>
+          </p:cNvSpPr>
+          <p:nvPr>
+            <p:ph type="ftr" sz="quarter" idx="10"/>
+          </p:nvPr>
+        </p:nvSpPr>
+        <p:spPr>
+          <a:noFill/>
+        </p:spPr>
+        <p:txBody>
+          <a:bodyPr/>
+          <a:lstStyle>
+            <a:lvl1pPr eaLnBrk="0" hangingPunct="0">
+              <a:defRPr>
+                <a:solidFill>
+                  <a:schemeClr val="tx1"/>
+                </a:solidFill>
+                <a:latin typeface="Arial" charset="0"/>
+              </a:defRPr>
+            </a:lvl1pPr>
+            <a:lvl2pPr marL="742950" indent="-285750" eaLnBrk="0" hangingPunct="0">
+              <a:defRPr>
+                <a:solidFill>
+                  <a:schemeClr val="tx1"/>
+                </a:solidFill>
+                <a:latin typeface="Arial" charset="0"/>
+              </a:defRPr>
+            </a:lvl2pPr>
+            <a:lvl3pPr marL="1143000" indent="-228600" eaLnBrk="0" hangingPunct="0">
+              <a:defRPr>
+                <a:solidFill>
+                  <a:schemeClr val="tx1"/>
+                </a:solidFill>
+                <a:latin typeface="Arial" charset="0"/>
+              </a:defRPr>
+            </a:lvl3pPr>
+            <a:lvl4pPr marL="1600200" indent="-228600" eaLnBrk="0" hangingPunct="0">
+              <a:defRPr>
+                <a:solidFill>
+                  <a:schemeClr val="tx1"/>
+                </a:solidFill>
+                <a:latin typeface="Arial" charset="0"/>
+              </a:defRPr>
+            </a:lvl4pPr>
+            <a:lvl5pPr marL="2057400" indent="-228600" eaLnBrk="0" hangingPunct="0">
+              <a:defRPr>
+                <a:solidFill>
+                  <a:schemeClr val="tx1"/>
+                </a:solidFill>
+                <a:latin typeface="Arial" charset="0"/>
+              </a:defRPr>
+            </a:lvl5pPr>
+            <a:lvl6pPr marL="2514600" indent="-228600" eaLnBrk="0" fontAlgn="base" hangingPunct="0">
+              <a:spcBef>
+                <a:spcPct val="0"/>
+              </a:spcBef>
+              <a:spcAft>
+                <a:spcPct val="0"/>
+              </a:spcAft>
+              <a:defRPr>
+                <a:solidFill>
+                  <a:schemeClr val="tx1"/>
+                </a:solidFill>
+                <a:latin typeface="Arial" charset="0"/>
+              </a:defRPr>
+            </a:lvl6pPr>
+            <a:lvl7pPr marL="2971800" indent="-228600" eaLnBrk="0" fontAlgn="base" hangingPunct="0">
+              <a:spcBef>
+                <a:spcPct val="0"/>
+              </a:spcBef>
+              <a:spcAft>
+                <a:spcPct val="0"/>
+              </a:spcAft>
+              <a:defRPr>
+                <a:solidFill>
+                  <a:schemeClr val="tx1"/>
+                </a:solidFill>
+                <a:latin typeface="Arial" charset="0"/>
+              </a:defRPr>
+            </a:lvl7pPr>
+            <a:lvl8pPr marL="3429000" indent="-228600" eaLnBrk="0" fontAlgn="base" hangingPunct="0">
+              <a:spcBef>
+                <a:spcPct val="0"/>
+              </a:spcBef>
+              <a:spcAft>
+                <a:spcPct val="0"/>
+              </a:spcAft>
+              <a:defRPr>
+                <a:solidFill>
+                  <a:schemeClr val="tx1"/>
+                </a:solidFill>
+                <a:latin typeface="Arial" charset="0"/>
+              </a:defRPr>
+            </a:lvl8pPr>
+            <a:lvl9pPr marL="3886200" indent="-228600" eaLnBrk="0" fontAlgn="base" hangingPunct="0">
+              <a:spcBef>
+                <a:spcPct val="0"/>
+              </a:spcBef>
+              <a:spcAft>
+                <a:spcPct val="0"/>
+              </a:spcAft>
+              <a:defRPr>
+                <a:solidFill>
+                  <a:schemeClr val="tx1"/>
+                </a:solidFill>
+                <a:latin typeface="Arial" charset="0"/>
+              </a:defRPr>
+            </a:lvl9pPr>
+          </a:lstStyle>
+          <a:p>
+            <a:pPr eaLnBrk="1" hangingPunct="1"/>
+            <a:r>
+              <a:rPr lang="de-DE" dirty="0"/>
+              <a:t>Prof. Dr.-Ing. habil. Björn Hein </a:t>
+            </a:r>
+            <a:r>
+              <a:rPr lang="de-DE" altLang="de-DE" dirty="0"/>
+              <a:t>- </a:t>
+            </a:r>
+            <a:r>
+              <a:rPr lang="de-DE" dirty="0"/>
+              <a:t>Implementierung eines Clustering-basierten Verfahrens zur Segmentierung von Volumenmodellen</a:t>
+            </a:r>
+            <a:endParaRPr lang="de-DE" altLang="de-DE" dirty="0">
+              <a:solidFill>
+                <a:schemeClr val="tx2"/>
+              </a:solidFill>
+            </a:endParaRPr>
+          </a:p>
+        </p:txBody>
+      </p:sp>
+      <p:sp>
+        <p:nvSpPr>
+          <p:cNvPr id="4099" name="Rectangle 2"/>
+          <p:cNvSpPr>
+            <a:spLocks noGrp="1" noChangeArrowheads="1"/>
+          </p:cNvSpPr>
+          <p:nvPr>
+            <p:ph type="title"/>
+          </p:nvPr>
+        </p:nvSpPr>
+        <p:spPr/>
+        <p:txBody>
+          <a:bodyPr/>
+          <a:lstStyle/>
+          <a:p>
+            <a:r>
+              <a:rPr lang="de-DE" altLang="de-DE" dirty="0"/>
+              <a:t>Ergebnisse – Benutzerfreundlichkeit</a:t>
+            </a:r>
+          </a:p>
+        </p:txBody>
+      </p:sp>
+      <p:sp>
+        <p:nvSpPr>
+          <p:cNvPr id="4100" name="Rectangle 3"/>
+          <p:cNvSpPr>
+            <a:spLocks noGrp="1" noChangeArrowheads="1"/>
+          </p:cNvSpPr>
+          <p:nvPr>
+            <p:ph type="body" idx="1"/>
+          </p:nvPr>
+        </p:nvSpPr>
+        <p:spPr/>
+        <p:txBody>
+          <a:bodyPr/>
+          <a:lstStyle/>
+          <a:p>
+            <a:r>
+              <a:rPr lang="de-DE" altLang="de-DE" dirty="0"/>
+              <a:t>NASA-TLX</a:t>
+            </a:r>
+          </a:p>
+          <a:p>
+            <a:r>
+              <a:rPr lang="de-DE" altLang="de-DE"/>
+              <a:t>Durchschnittliche Gesamtbeanspruchung: 38,32</a:t>
+            </a:r>
+            <a:endParaRPr lang="de-DE" altLang="de-DE" dirty="0"/>
+          </a:p>
+        </p:txBody>
+      </p:sp>
+      <p:graphicFrame>
+        <p:nvGraphicFramePr>
+          <p:cNvPr id="2" name="Tabelle 1">
+            <a:extLst>
+              <a:ext uri="{FF2B5EF4-FFF2-40B4-BE49-F238E27FC236}">
+                <a16:creationId xmlns:a16="http://schemas.microsoft.com/office/drawing/2014/main" id="{A06DE85E-18C6-4242-900F-4CDE451A67E3}"/>
+              </a:ext>
+            </a:extLst>
+          </p:cNvPr>
+          <p:cNvGraphicFramePr>
+            <a:graphicFrameLocks noGrp="1"/>
+          </p:cNvGraphicFramePr>
+          <p:nvPr>
+            <p:extLst>
+              <p:ext uri="{D42A27DB-BD31-4B8C-83A1-F6EECF244321}">
+                <p14:modId xmlns:p14="http://schemas.microsoft.com/office/powerpoint/2010/main" val="1135060021"/>
+              </p:ext>
+            </p:extLst>
+          </p:nvPr>
+        </p:nvGraphicFramePr>
+        <p:xfrm>
+          <a:off x="1186037" y="3063557"/>
+          <a:ext cx="6768752" cy="2595880"/>
+        </p:xfrm>
+        <a:graphic>
+          <a:graphicData uri="http://schemas.openxmlformats.org/drawingml/2006/table">
+            <a:tbl>
+              <a:tblPr firstRow="1" bandRow="1">
+                <a:tableStyleId>{5C22544A-7EE6-4342-B048-85BDC9FD1C3A}</a:tableStyleId>
+              </a:tblPr>
+              <a:tblGrid>
+                <a:gridCol w="2958327">
+                  <a:extLst>
+                    <a:ext uri="{9D8B030D-6E8A-4147-A177-3AD203B41FA5}">
+                      <a16:colId xmlns:a16="http://schemas.microsoft.com/office/drawing/2014/main" val="1522013243"/>
+                    </a:ext>
+                  </a:extLst>
+                </a:gridCol>
+                <a:gridCol w="1506169">
+                  <a:extLst>
+                    <a:ext uri="{9D8B030D-6E8A-4147-A177-3AD203B41FA5}">
+                      <a16:colId xmlns:a16="http://schemas.microsoft.com/office/drawing/2014/main" val="886313908"/>
+                    </a:ext>
+                  </a:extLst>
+                </a:gridCol>
+                <a:gridCol w="864096">
+                  <a:extLst>
+                    <a:ext uri="{9D8B030D-6E8A-4147-A177-3AD203B41FA5}">
+                      <a16:colId xmlns:a16="http://schemas.microsoft.com/office/drawing/2014/main" val="3988957289"/>
+                    </a:ext>
+                  </a:extLst>
+                </a:gridCol>
+                <a:gridCol w="1440160">
+                  <a:extLst>
+                    <a:ext uri="{9D8B030D-6E8A-4147-A177-3AD203B41FA5}">
+                      <a16:colId xmlns:a16="http://schemas.microsoft.com/office/drawing/2014/main" val="2752282241"/>
+                    </a:ext>
+                  </a:extLst>
+                </a:gridCol>
+              </a:tblGrid>
+              <a:tr h="370840">
+                <a:tc>
+                  <a:txBody>
+                    <a:bodyPr/>
+                    <a:lstStyle/>
+                    <a:p>
+                      <a:r>
+                        <a:rPr lang="de-DE" dirty="0"/>
+                        <a:t>Kategorie</a:t>
+                      </a:r>
+                    </a:p>
+                  </a:txBody>
+                  <a:tcPr/>
+                </a:tc>
+                <a:tc>
+                  <a:txBody>
+                    <a:bodyPr/>
+                    <a:lstStyle/>
+                    <a:p>
+                      <a:r>
+                        <a:rPr lang="de-DE" dirty="0"/>
+                        <a:t>Gewichtung</a:t>
+                      </a:r>
+                    </a:p>
+                  </a:txBody>
+                  <a:tcPr/>
+                </a:tc>
+                <a:tc>
+                  <a:txBody>
+                    <a:bodyPr/>
+                    <a:lstStyle/>
+                    <a:p>
+                      <a:r>
+                        <a:rPr lang="de-DE" dirty="0"/>
+                        <a:t>Klicks</a:t>
+                      </a:r>
+                    </a:p>
+                  </a:txBody>
+                  <a:tcPr/>
+                </a:tc>
+                <a:tc>
+                  <a:txBody>
+                    <a:bodyPr/>
+                    <a:lstStyle/>
+                    <a:p>
+                      <a:r>
+                        <a:rPr lang="de-DE" dirty="0"/>
+                        <a:t>Wichtung</a:t>
+                      </a:r>
+                    </a:p>
+                  </a:txBody>
+                  <a:tcPr/>
+                </a:tc>
+                <a:extLst>
+                  <a:ext uri="{0D108BD9-81ED-4DB2-BD59-A6C34878D82A}">
+                    <a16:rowId xmlns:a16="http://schemas.microsoft.com/office/drawing/2014/main" val="1743157442"/>
+                  </a:ext>
+                </a:extLst>
+              </a:tr>
+              <a:tr h="370840">
+                <a:tc>
+                  <a:txBody>
+                    <a:bodyPr/>
+                    <a:lstStyle/>
+                    <a:p>
+                      <a:r>
+                        <a:rPr lang="de-DE" dirty="0"/>
+                        <a:t>Geistige Anforderung</a:t>
+                      </a:r>
+                    </a:p>
+                  </a:txBody>
+                  <a:tcPr/>
+                </a:tc>
+                <a:tc>
+                  <a:txBody>
+                    <a:bodyPr/>
+                    <a:lstStyle/>
+                    <a:p>
+                      <a:r>
+                        <a:rPr lang="de-DE" dirty="0"/>
+                        <a:t>39</a:t>
+                      </a:r>
+                    </a:p>
+                  </a:txBody>
+                  <a:tcPr/>
+                </a:tc>
+                <a:tc>
+                  <a:txBody>
+                    <a:bodyPr/>
+                    <a:lstStyle/>
+                    <a:p>
+                      <a:r>
+                        <a:rPr lang="de-DE" dirty="0"/>
+                        <a:t>4,8</a:t>
+                      </a:r>
+                    </a:p>
+                  </a:txBody>
+                  <a:tcPr/>
+                </a:tc>
+                <a:tc>
+                  <a:txBody>
+                    <a:bodyPr/>
+                    <a:lstStyle/>
+                    <a:p>
+                      <a:r>
+                        <a:rPr lang="de-DE" dirty="0"/>
+                        <a:t>0,32</a:t>
+                      </a:r>
+                    </a:p>
+                  </a:txBody>
+                  <a:tcPr/>
+                </a:tc>
+                <a:extLst>
+                  <a:ext uri="{0D108BD9-81ED-4DB2-BD59-A6C34878D82A}">
+                    <a16:rowId xmlns:a16="http://schemas.microsoft.com/office/drawing/2014/main" val="1442786620"/>
+                  </a:ext>
+                </a:extLst>
+              </a:tr>
+              <a:tr h="370840">
+                <a:tc>
+                  <a:txBody>
+                    <a:bodyPr/>
+                    <a:lstStyle/>
+                    <a:p>
+                      <a:r>
+                        <a:rPr lang="de-DE" dirty="0"/>
+                        <a:t>Körperliche Anforderung</a:t>
+                      </a:r>
+                    </a:p>
+                  </a:txBody>
+                  <a:tcPr/>
+                </a:tc>
+                <a:tc>
+                  <a:txBody>
+                    <a:bodyPr/>
+                    <a:lstStyle/>
+                    <a:p>
+                      <a:r>
+                        <a:rPr lang="de-DE" dirty="0"/>
+                        <a:t>23</a:t>
+                      </a:r>
+                    </a:p>
+                  </a:txBody>
+                  <a:tcPr/>
+                </a:tc>
+                <a:tc>
+                  <a:txBody>
+                    <a:bodyPr/>
+                    <a:lstStyle/>
+                    <a:p>
+                      <a:r>
+                        <a:rPr lang="de-DE" dirty="0"/>
+                        <a:t>1,8</a:t>
+                      </a:r>
+                    </a:p>
+                  </a:txBody>
+                  <a:tcPr/>
+                </a:tc>
+                <a:tc>
+                  <a:txBody>
+                    <a:bodyPr/>
+                    <a:lstStyle/>
+                    <a:p>
+                      <a:r>
+                        <a:rPr lang="de-DE" dirty="0"/>
+                        <a:t>0,12</a:t>
+                      </a:r>
+                    </a:p>
+                  </a:txBody>
+                  <a:tcPr/>
+                </a:tc>
+                <a:extLst>
+                  <a:ext uri="{0D108BD9-81ED-4DB2-BD59-A6C34878D82A}">
+                    <a16:rowId xmlns:a16="http://schemas.microsoft.com/office/drawing/2014/main" val="1310639354"/>
+                  </a:ext>
+                </a:extLst>
+              </a:tr>
+              <a:tr h="370840">
+                <a:tc>
+                  <a:txBody>
+                    <a:bodyPr/>
+                    <a:lstStyle/>
+                    <a:p>
+                      <a:r>
+                        <a:rPr lang="de-DE" dirty="0"/>
+                        <a:t>Zeitliche Anforderung</a:t>
+                      </a:r>
+                    </a:p>
+                  </a:txBody>
+                  <a:tcPr/>
+                </a:tc>
+                <a:tc>
+                  <a:txBody>
+                    <a:bodyPr/>
+                    <a:lstStyle/>
+                    <a:p>
+                      <a:r>
+                        <a:rPr lang="de-DE" dirty="0"/>
+                        <a:t>29</a:t>
+                      </a:r>
+                    </a:p>
+                  </a:txBody>
+                  <a:tcPr/>
+                </a:tc>
+                <a:tc>
+                  <a:txBody>
+                    <a:bodyPr/>
+                    <a:lstStyle/>
+                    <a:p>
+                      <a:r>
+                        <a:rPr lang="de-DE" dirty="0"/>
+                        <a:t>1,2</a:t>
+                      </a:r>
+                    </a:p>
+                  </a:txBody>
+                  <a:tcPr/>
+                </a:tc>
+                <a:tc>
+                  <a:txBody>
+                    <a:bodyPr/>
+                    <a:lstStyle/>
+                    <a:p>
+                      <a:r>
+                        <a:rPr lang="de-DE" dirty="0"/>
+                        <a:t>0,078</a:t>
+                      </a:r>
+                    </a:p>
+                  </a:txBody>
+                  <a:tcPr/>
+                </a:tc>
+                <a:extLst>
+                  <a:ext uri="{0D108BD9-81ED-4DB2-BD59-A6C34878D82A}">
+                    <a16:rowId xmlns:a16="http://schemas.microsoft.com/office/drawing/2014/main" val="2510663703"/>
+                  </a:ext>
+                </a:extLst>
+              </a:tr>
+              <a:tr h="370840">
+                <a:tc>
+                  <a:txBody>
+                    <a:bodyPr/>
+                    <a:lstStyle/>
+                    <a:p>
+                      <a:r>
+                        <a:rPr lang="de-DE" dirty="0"/>
+                        <a:t>Leistung</a:t>
+                      </a:r>
+                    </a:p>
+                  </a:txBody>
+                  <a:tcPr/>
+                </a:tc>
+                <a:tc>
+                  <a:txBody>
+                    <a:bodyPr/>
+                    <a:lstStyle/>
+                    <a:p>
+                      <a:r>
+                        <a:rPr lang="de-DE" dirty="0"/>
+                        <a:t>25</a:t>
+                      </a:r>
+                    </a:p>
+                  </a:txBody>
+                  <a:tcPr/>
+                </a:tc>
+                <a:tc>
+                  <a:txBody>
+                    <a:bodyPr/>
+                    <a:lstStyle/>
+                    <a:p>
+                      <a:r>
+                        <a:rPr lang="de-DE" dirty="0"/>
+                        <a:t>2,4</a:t>
+                      </a:r>
+                    </a:p>
+                  </a:txBody>
+                  <a:tcPr/>
+                </a:tc>
+                <a:tc>
+                  <a:txBody>
+                    <a:bodyPr/>
+                    <a:lstStyle/>
+                    <a:p>
+                      <a:r>
+                        <a:rPr lang="de-DE" dirty="0"/>
+                        <a:t>0,156</a:t>
+                      </a:r>
+                    </a:p>
+                  </a:txBody>
+                  <a:tcPr/>
+                </a:tc>
+                <a:extLst>
+                  <a:ext uri="{0D108BD9-81ED-4DB2-BD59-A6C34878D82A}">
+                    <a16:rowId xmlns:a16="http://schemas.microsoft.com/office/drawing/2014/main" val="3328385304"/>
+                  </a:ext>
+                </a:extLst>
+              </a:tr>
+              <a:tr h="370840">
+                <a:tc>
+                  <a:txBody>
+                    <a:bodyPr/>
+                    <a:lstStyle/>
+                    <a:p>
+                      <a:r>
+                        <a:rPr lang="de-DE" dirty="0"/>
+                        <a:t>Anstrengung</a:t>
+                      </a:r>
+                    </a:p>
+                  </a:txBody>
+                  <a:tcPr/>
+                </a:tc>
+                <a:tc>
+                  <a:txBody>
+                    <a:bodyPr/>
+                    <a:lstStyle/>
+                    <a:p>
+                      <a:r>
+                        <a:rPr lang="de-DE" dirty="0"/>
+                        <a:t>36</a:t>
+                      </a:r>
+                    </a:p>
+                  </a:txBody>
+                  <a:tcPr/>
+                </a:tc>
+                <a:tc>
+                  <a:txBody>
+                    <a:bodyPr/>
+                    <a:lstStyle/>
+                    <a:p>
+                      <a:r>
+                        <a:rPr lang="de-DE" dirty="0"/>
+                        <a:t>2,4</a:t>
+                      </a:r>
+                    </a:p>
+                  </a:txBody>
+                  <a:tcPr/>
+                </a:tc>
+                <a:tc>
+                  <a:txBody>
+                    <a:bodyPr/>
+                    <a:lstStyle/>
+                    <a:p>
+                      <a:r>
+                        <a:rPr lang="de-DE" dirty="0"/>
+                        <a:t>0,156</a:t>
+                      </a:r>
+                    </a:p>
+                  </a:txBody>
+                  <a:tcPr/>
+                </a:tc>
+                <a:extLst>
+                  <a:ext uri="{0D108BD9-81ED-4DB2-BD59-A6C34878D82A}">
+                    <a16:rowId xmlns:a16="http://schemas.microsoft.com/office/drawing/2014/main" val="1595459054"/>
+                  </a:ext>
+                </a:extLst>
+              </a:tr>
+              <a:tr h="370840">
+                <a:tc>
+                  <a:txBody>
+                    <a:bodyPr/>
+                    <a:lstStyle/>
+                    <a:p>
+                      <a:r>
+                        <a:rPr lang="de-DE" dirty="0"/>
+                        <a:t>Frustration</a:t>
+                      </a:r>
+                    </a:p>
+                  </a:txBody>
+                  <a:tcPr/>
+                </a:tc>
+                <a:tc>
+                  <a:txBody>
+                    <a:bodyPr/>
+                    <a:lstStyle/>
+                    <a:p>
+                      <a:r>
+                        <a:rPr lang="de-DE" dirty="0"/>
+                        <a:t>36</a:t>
+                      </a:r>
+                    </a:p>
+                  </a:txBody>
+                  <a:tcPr/>
+                </a:tc>
+                <a:tc>
+                  <a:txBody>
+                    <a:bodyPr/>
+                    <a:lstStyle/>
+                    <a:p>
+                      <a:r>
+                        <a:rPr lang="de-DE" dirty="0"/>
+                        <a:t>2,4</a:t>
+                      </a:r>
+                    </a:p>
+                  </a:txBody>
+                  <a:tcPr/>
+                </a:tc>
+                <a:tc>
+                  <a:txBody>
+                    <a:bodyPr/>
+                    <a:lstStyle/>
+                    <a:p>
+                      <a:r>
+                        <a:rPr lang="de-DE" dirty="0"/>
+                        <a:t>0,156</a:t>
+                      </a:r>
+                    </a:p>
+                  </a:txBody>
+                  <a:tcPr/>
+                </a:tc>
+                <a:extLst>
+                  <a:ext uri="{0D108BD9-81ED-4DB2-BD59-A6C34878D82A}">
+                    <a16:rowId xmlns:a16="http://schemas.microsoft.com/office/drawing/2014/main" val="2808499919"/>
+                  </a:ext>
+                </a:extLst>
+              </a:tr>
+            </a:tbl>
+          </a:graphicData>
+        </a:graphic>
+      </p:graphicFrame>
+    </p:spTree>
+    <p:extLst>
+      <p:ext uri="{BB962C8B-B14F-4D97-AF65-F5344CB8AC3E}">
+        <p14:creationId xmlns:p14="http://schemas.microsoft.com/office/powerpoint/2010/main" val="2112448678"/>
+      </p:ext>
+    </p:extLst>
+  </p:cSld>
+  <p:clrMapOvr>
+    <a:masterClrMapping/>
+  </p:clrMapOvr>
+</p:sld>
+</file>
+
+<file path=ppt/slides/slide21.xml><?xml version="1.0" encoding="utf-8"?>
+<p:sld xmlns:a="http://schemas.openxmlformats.org/drawingml/2006/main" xmlns:r="http://schemas.openxmlformats.org/officeDocument/2006/relationships" xmlns:p="http://schemas.openxmlformats.org/presentationml/2006/main">
+  <p:cSld>
+    <p:spTree>
+      <p:nvGrpSpPr>
+        <p:cNvPr id="1" name=""/>
+        <p:cNvGrpSpPr/>
+        <p:nvPr/>
+      </p:nvGrpSpPr>
+      <p:grpSpPr>
+        <a:xfrm>
+          <a:off x="0" y="0"/>
+          <a:ext cx="0" cy="0"/>
+          <a:chOff x="0" y="0"/>
+          <a:chExt cx="0" cy="0"/>
+        </a:xfrm>
+      </p:grpSpPr>
+      <p:sp>
+        <p:nvSpPr>
+          <p:cNvPr id="4098" name="Rectangle 12"/>
+          <p:cNvSpPr>
+            <a:spLocks noGrp="1" noChangeArrowheads="1"/>
+          </p:cNvSpPr>
+          <p:nvPr>
+            <p:ph type="ftr" sz="quarter" idx="10"/>
+          </p:nvPr>
+        </p:nvSpPr>
+        <p:spPr>
+          <a:noFill/>
+        </p:spPr>
+        <p:txBody>
+          <a:bodyPr/>
+          <a:lstStyle>
+            <a:lvl1pPr eaLnBrk="0" hangingPunct="0">
+              <a:defRPr>
+                <a:solidFill>
+                  <a:schemeClr val="tx1"/>
+                </a:solidFill>
+                <a:latin typeface="Arial" charset="0"/>
+              </a:defRPr>
+            </a:lvl1pPr>
+            <a:lvl2pPr marL="742950" indent="-285750" eaLnBrk="0" hangingPunct="0">
+              <a:defRPr>
+                <a:solidFill>
+                  <a:schemeClr val="tx1"/>
+                </a:solidFill>
+                <a:latin typeface="Arial" charset="0"/>
+              </a:defRPr>
+            </a:lvl2pPr>
+            <a:lvl3pPr marL="1143000" indent="-228600" eaLnBrk="0" hangingPunct="0">
+              <a:defRPr>
+                <a:solidFill>
+                  <a:schemeClr val="tx1"/>
+                </a:solidFill>
+                <a:latin typeface="Arial" charset="0"/>
+              </a:defRPr>
+            </a:lvl3pPr>
+            <a:lvl4pPr marL="1600200" indent="-228600" eaLnBrk="0" hangingPunct="0">
+              <a:defRPr>
+                <a:solidFill>
+                  <a:schemeClr val="tx1"/>
+                </a:solidFill>
+                <a:latin typeface="Arial" charset="0"/>
+              </a:defRPr>
+            </a:lvl4pPr>
+            <a:lvl5pPr marL="2057400" indent="-228600" eaLnBrk="0" hangingPunct="0">
+              <a:defRPr>
+                <a:solidFill>
+                  <a:schemeClr val="tx1"/>
+                </a:solidFill>
+                <a:latin typeface="Arial" charset="0"/>
+              </a:defRPr>
+            </a:lvl5pPr>
+            <a:lvl6pPr marL="2514600" indent="-228600" eaLnBrk="0" fontAlgn="base" hangingPunct="0">
+              <a:spcBef>
+                <a:spcPct val="0"/>
+              </a:spcBef>
+              <a:spcAft>
+                <a:spcPct val="0"/>
+              </a:spcAft>
+              <a:defRPr>
+                <a:solidFill>
+                  <a:schemeClr val="tx1"/>
+                </a:solidFill>
+                <a:latin typeface="Arial" charset="0"/>
+              </a:defRPr>
+            </a:lvl6pPr>
+            <a:lvl7pPr marL="2971800" indent="-228600" eaLnBrk="0" fontAlgn="base" hangingPunct="0">
+              <a:spcBef>
+                <a:spcPct val="0"/>
+              </a:spcBef>
+              <a:spcAft>
+                <a:spcPct val="0"/>
+              </a:spcAft>
+              <a:defRPr>
+                <a:solidFill>
+                  <a:schemeClr val="tx1"/>
+                </a:solidFill>
+                <a:latin typeface="Arial" charset="0"/>
+              </a:defRPr>
+            </a:lvl7pPr>
+            <a:lvl8pPr marL="3429000" indent="-228600" eaLnBrk="0" fontAlgn="base" hangingPunct="0">
+              <a:spcBef>
+                <a:spcPct val="0"/>
+              </a:spcBef>
+              <a:spcAft>
+                <a:spcPct val="0"/>
+              </a:spcAft>
+              <a:defRPr>
+                <a:solidFill>
+                  <a:schemeClr val="tx1"/>
+                </a:solidFill>
+                <a:latin typeface="Arial" charset="0"/>
+              </a:defRPr>
+            </a:lvl8pPr>
+            <a:lvl9pPr marL="3886200" indent="-228600" eaLnBrk="0" fontAlgn="base" hangingPunct="0">
+              <a:spcBef>
+                <a:spcPct val="0"/>
+              </a:spcBef>
+              <a:spcAft>
+                <a:spcPct val="0"/>
+              </a:spcAft>
+              <a:defRPr>
+                <a:solidFill>
+                  <a:schemeClr val="tx1"/>
+                </a:solidFill>
+                <a:latin typeface="Arial" charset="0"/>
+              </a:defRPr>
+            </a:lvl9pPr>
+          </a:lstStyle>
+          <a:p>
+            <a:pPr eaLnBrk="1" hangingPunct="1"/>
+            <a:r>
+              <a:rPr lang="de-DE" dirty="0"/>
+              <a:t>Prof. Dr.-Ing. habil. Björn Hein </a:t>
+            </a:r>
+            <a:r>
+              <a:rPr lang="de-DE" altLang="de-DE" dirty="0"/>
+              <a:t>- </a:t>
+            </a:r>
+            <a:r>
+              <a:rPr lang="de-DE" dirty="0"/>
+              <a:t>Implementierung eines Clustering-basierten Verfahrens zur Segmentierung von Volumenmodellen</a:t>
+            </a:r>
+            <a:endParaRPr lang="de-DE" altLang="de-DE" dirty="0">
+              <a:solidFill>
+                <a:schemeClr val="tx2"/>
+              </a:solidFill>
+            </a:endParaRPr>
+          </a:p>
+        </p:txBody>
+      </p:sp>
+      <p:sp>
+        <p:nvSpPr>
+          <p:cNvPr id="4099" name="Rectangle 2"/>
+          <p:cNvSpPr>
+            <a:spLocks noGrp="1" noChangeArrowheads="1"/>
+          </p:cNvSpPr>
+          <p:nvPr>
+            <p:ph type="title"/>
+          </p:nvPr>
+        </p:nvSpPr>
+        <p:spPr/>
+        <p:txBody>
+          <a:bodyPr/>
+          <a:lstStyle/>
+          <a:p>
+            <a:r>
+              <a:rPr lang="de-DE" altLang="de-DE" dirty="0"/>
+              <a:t>Ergebnisse – Berechnungszeit</a:t>
+            </a:r>
+          </a:p>
+        </p:txBody>
+      </p:sp>
+      <p:sp>
+        <p:nvSpPr>
+          <p:cNvPr id="4100" name="Rectangle 3"/>
+          <p:cNvSpPr>
+            <a:spLocks noGrp="1" noChangeArrowheads="1"/>
+          </p:cNvSpPr>
+          <p:nvPr>
+            <p:ph type="body" idx="1"/>
+          </p:nvPr>
+        </p:nvSpPr>
+        <p:spPr/>
+        <p:txBody>
+          <a:bodyPr/>
+          <a:lstStyle/>
+          <a:p>
+            <a:r>
+              <a:rPr lang="de-DE" altLang="de-DE" dirty="0"/>
               <a:t>Selber Datensatz</a:t>
             </a:r>
+          </a:p>
+          <a:p>
+            <a:endParaRPr lang="de-DE" altLang="de-DE" dirty="0"/>
           </a:p>
           <a:p>
             <a:r>
@@ -8214,13 +9555,13 @@
           <p:nvPr>
             <p:extLst>
               <p:ext uri="{D42A27DB-BD31-4B8C-83A1-F6EECF244321}">
-                <p14:modId xmlns:p14="http://schemas.microsoft.com/office/powerpoint/2010/main" val="392380525"/>
+                <p14:modId xmlns:p14="http://schemas.microsoft.com/office/powerpoint/2010/main" val="2779209854"/>
               </p:ext>
             </p:extLst>
           </p:nvPr>
         </p:nvGraphicFramePr>
         <p:xfrm>
-          <a:off x="537965" y="3861048"/>
+          <a:off x="537965" y="3645694"/>
           <a:ext cx="8064895" cy="1885638"/>
         </p:xfrm>
         <a:graphic>
@@ -8624,7 +9965,7 @@
 </p:sld>
 </file>
 
-<file path=ppt/slides/slide2.xml><?xml version="1.0" encoding="utf-8"?>
+<file path=ppt/slides/slide22.xml><?xml version="1.0" encoding="utf-8"?>
 <p:sld xmlns:a="http://schemas.openxmlformats.org/drawingml/2006/main" xmlns:r="http://schemas.openxmlformats.org/officeDocument/2006/relationships" xmlns:p="http://schemas.openxmlformats.org/presentationml/2006/main">
   <p:cSld>
     <p:spTree>
@@ -8774,10 +10115,6 @@
               </a:solidFill>
             </a:endParaRPr>
           </a:p>
-          <a:p>
-            <a:pPr eaLnBrk="1" hangingPunct="1"/>
-            <a:endParaRPr lang="de-DE" altLang="de-DE" dirty="0"/>
-          </a:p>
         </p:txBody>
       </p:sp>
       <p:sp>
@@ -8797,7 +10134,7 @@
           <a:p>
             <a:r>
               <a:rPr lang="de-DE" altLang="de-DE" dirty="0"/>
-              <a:t>Gliederung</a:t>
+              <a:t>Fazit &amp; Ausblick</a:t>
             </a:r>
           </a:p>
         </p:txBody>
@@ -8819,269 +10156,11 @@
           <a:p>
             <a:r>
               <a:rPr lang="de-DE" altLang="de-DE" dirty="0"/>
-              <a:t>Motivation</a:t>
-            </a:r>
-          </a:p>
-          <a:p>
-            <a:r>
-              <a:rPr lang="de-DE" altLang="de-DE" dirty="0"/>
-              <a:t>State </a:t>
-            </a:r>
-            <a:r>
-              <a:rPr lang="de-DE" altLang="de-DE" dirty="0" err="1"/>
-              <a:t>of</a:t>
-            </a:r>
-            <a:r>
-              <a:rPr lang="de-DE" altLang="de-DE" dirty="0"/>
-              <a:t> </a:t>
-            </a:r>
-            <a:r>
-              <a:rPr lang="de-DE" altLang="de-DE" dirty="0" err="1"/>
-              <a:t>the</a:t>
-            </a:r>
-            <a:r>
-              <a:rPr lang="de-DE" altLang="de-DE" dirty="0"/>
-              <a:t> </a:t>
-            </a:r>
-            <a:r>
-              <a:rPr lang="de-DE" altLang="de-DE" dirty="0" err="1"/>
-              <a:t>art</a:t>
-            </a:r>
+              <a:t>Verfahren funktioniert</a:t>
+            </a:r>
+          </a:p>
+          <a:p>
             <a:endParaRPr lang="de-DE" altLang="de-DE" dirty="0"/>
-          </a:p>
-          <a:p>
-            <a:r>
-              <a:rPr lang="de-DE" altLang="de-DE" dirty="0"/>
-              <a:t>Methode</a:t>
-            </a:r>
-          </a:p>
-          <a:p>
-            <a:r>
-              <a:rPr lang="de-DE" altLang="de-DE" dirty="0"/>
-              <a:t>Design</a:t>
-            </a:r>
-          </a:p>
-          <a:p>
-            <a:r>
-              <a:rPr lang="de-DE" altLang="de-DE" dirty="0"/>
-              <a:t>Implementierung</a:t>
-            </a:r>
-          </a:p>
-          <a:p>
-            <a:r>
-              <a:rPr lang="de-DE" altLang="de-DE" dirty="0"/>
-              <a:t>Ergebnisse</a:t>
-            </a:r>
-          </a:p>
-          <a:p>
-            <a:r>
-              <a:rPr lang="de-DE" altLang="de-DE" dirty="0"/>
-              <a:t>Fazit &amp; Ausblick</a:t>
-            </a:r>
-          </a:p>
-        </p:txBody>
-      </p:sp>
-    </p:spTree>
-  </p:cSld>
-  <p:clrMapOvr>
-    <a:masterClrMapping/>
-  </p:clrMapOvr>
-</p:sld>
-</file>
-
-<file path=ppt/slides/slide20.xml><?xml version="1.0" encoding="utf-8"?>
-<p:sld xmlns:a="http://schemas.openxmlformats.org/drawingml/2006/main" xmlns:r="http://schemas.openxmlformats.org/officeDocument/2006/relationships" xmlns:p="http://schemas.openxmlformats.org/presentationml/2006/main">
-  <p:cSld>
-    <p:spTree>
-      <p:nvGrpSpPr>
-        <p:cNvPr id="1" name=""/>
-        <p:cNvGrpSpPr/>
-        <p:nvPr/>
-      </p:nvGrpSpPr>
-      <p:grpSpPr>
-        <a:xfrm>
-          <a:off x="0" y="0"/>
-          <a:ext cx="0" cy="0"/>
-          <a:chOff x="0" y="0"/>
-          <a:chExt cx="0" cy="0"/>
-        </a:xfrm>
-      </p:grpSpPr>
-      <p:sp>
-        <p:nvSpPr>
-          <p:cNvPr id="4098" name="Rectangle 12"/>
-          <p:cNvSpPr>
-            <a:spLocks noGrp="1" noChangeArrowheads="1"/>
-          </p:cNvSpPr>
-          <p:nvPr>
-            <p:ph type="ftr" sz="quarter" idx="10"/>
-          </p:nvPr>
-        </p:nvSpPr>
-        <p:spPr>
-          <a:noFill/>
-        </p:spPr>
-        <p:txBody>
-          <a:bodyPr/>
-          <a:lstStyle>
-            <a:lvl1pPr eaLnBrk="0" hangingPunct="0">
-              <a:defRPr>
-                <a:solidFill>
-                  <a:schemeClr val="tx1"/>
-                </a:solidFill>
-                <a:latin typeface="Arial" charset="0"/>
-              </a:defRPr>
-            </a:lvl1pPr>
-            <a:lvl2pPr marL="742950" indent="-285750" eaLnBrk="0" hangingPunct="0">
-              <a:defRPr>
-                <a:solidFill>
-                  <a:schemeClr val="tx1"/>
-                </a:solidFill>
-                <a:latin typeface="Arial" charset="0"/>
-              </a:defRPr>
-            </a:lvl2pPr>
-            <a:lvl3pPr marL="1143000" indent="-228600" eaLnBrk="0" hangingPunct="0">
-              <a:defRPr>
-                <a:solidFill>
-                  <a:schemeClr val="tx1"/>
-                </a:solidFill>
-                <a:latin typeface="Arial" charset="0"/>
-              </a:defRPr>
-            </a:lvl3pPr>
-            <a:lvl4pPr marL="1600200" indent="-228600" eaLnBrk="0" hangingPunct="0">
-              <a:defRPr>
-                <a:solidFill>
-                  <a:schemeClr val="tx1"/>
-                </a:solidFill>
-                <a:latin typeface="Arial" charset="0"/>
-              </a:defRPr>
-            </a:lvl4pPr>
-            <a:lvl5pPr marL="2057400" indent="-228600" eaLnBrk="0" hangingPunct="0">
-              <a:defRPr>
-                <a:solidFill>
-                  <a:schemeClr val="tx1"/>
-                </a:solidFill>
-                <a:latin typeface="Arial" charset="0"/>
-              </a:defRPr>
-            </a:lvl5pPr>
-            <a:lvl6pPr marL="2514600" indent="-228600" eaLnBrk="0" fontAlgn="base" hangingPunct="0">
-              <a:spcBef>
-                <a:spcPct val="0"/>
-              </a:spcBef>
-              <a:spcAft>
-                <a:spcPct val="0"/>
-              </a:spcAft>
-              <a:defRPr>
-                <a:solidFill>
-                  <a:schemeClr val="tx1"/>
-                </a:solidFill>
-                <a:latin typeface="Arial" charset="0"/>
-              </a:defRPr>
-            </a:lvl6pPr>
-            <a:lvl7pPr marL="2971800" indent="-228600" eaLnBrk="0" fontAlgn="base" hangingPunct="0">
-              <a:spcBef>
-                <a:spcPct val="0"/>
-              </a:spcBef>
-              <a:spcAft>
-                <a:spcPct val="0"/>
-              </a:spcAft>
-              <a:defRPr>
-                <a:solidFill>
-                  <a:schemeClr val="tx1"/>
-                </a:solidFill>
-                <a:latin typeface="Arial" charset="0"/>
-              </a:defRPr>
-            </a:lvl7pPr>
-            <a:lvl8pPr marL="3429000" indent="-228600" eaLnBrk="0" fontAlgn="base" hangingPunct="0">
-              <a:spcBef>
-                <a:spcPct val="0"/>
-              </a:spcBef>
-              <a:spcAft>
-                <a:spcPct val="0"/>
-              </a:spcAft>
-              <a:defRPr>
-                <a:solidFill>
-                  <a:schemeClr val="tx1"/>
-                </a:solidFill>
-                <a:latin typeface="Arial" charset="0"/>
-              </a:defRPr>
-            </a:lvl8pPr>
-            <a:lvl9pPr marL="3886200" indent="-228600" eaLnBrk="0" fontAlgn="base" hangingPunct="0">
-              <a:spcBef>
-                <a:spcPct val="0"/>
-              </a:spcBef>
-              <a:spcAft>
-                <a:spcPct val="0"/>
-              </a:spcAft>
-              <a:defRPr>
-                <a:solidFill>
-                  <a:schemeClr val="tx1"/>
-                </a:solidFill>
-                <a:latin typeface="Arial" charset="0"/>
-              </a:defRPr>
-            </a:lvl9pPr>
-          </a:lstStyle>
-          <a:p>
-            <a:pPr eaLnBrk="1" hangingPunct="1"/>
-            <a:r>
-              <a:rPr lang="de-DE" dirty="0"/>
-              <a:t>Prof. Dr.-Ing. habil. Björn Hein </a:t>
-            </a:r>
-            <a:r>
-              <a:rPr lang="de-DE" altLang="de-DE" dirty="0"/>
-              <a:t>- </a:t>
-            </a:r>
-            <a:r>
-              <a:rPr lang="de-DE" dirty="0"/>
-              <a:t>Implementierung eines Clustering-basierten Verfahrens zur Segmentierung von Volumenmodellen</a:t>
-            </a:r>
-            <a:endParaRPr lang="de-DE" altLang="de-DE" dirty="0">
-              <a:solidFill>
-                <a:schemeClr val="tx2"/>
-              </a:solidFill>
-            </a:endParaRPr>
-          </a:p>
-        </p:txBody>
-      </p:sp>
-      <p:sp>
-        <p:nvSpPr>
-          <p:cNvPr id="4099" name="Rectangle 2"/>
-          <p:cNvSpPr>
-            <a:spLocks noGrp="1" noChangeArrowheads="1"/>
-          </p:cNvSpPr>
-          <p:nvPr>
-            <p:ph type="title"/>
-          </p:nvPr>
-        </p:nvSpPr>
-        <p:spPr/>
-        <p:txBody>
-          <a:bodyPr/>
-          <a:lstStyle/>
-          <a:p>
-            <a:r>
-              <a:rPr lang="de-DE" altLang="de-DE" dirty="0"/>
-              <a:t>Fazit &amp; Ausblick</a:t>
-            </a:r>
-          </a:p>
-        </p:txBody>
-      </p:sp>
-      <p:sp>
-        <p:nvSpPr>
-          <p:cNvPr id="4100" name="Rectangle 3"/>
-          <p:cNvSpPr>
-            <a:spLocks noGrp="1" noChangeArrowheads="1"/>
-          </p:cNvSpPr>
-          <p:nvPr>
-            <p:ph type="body" idx="1"/>
-          </p:nvPr>
-        </p:nvSpPr>
-        <p:spPr/>
-        <p:txBody>
-          <a:bodyPr/>
-          <a:lstStyle/>
-          <a:p>
-            <a:r>
-              <a:rPr lang="de-DE" altLang="de-DE" dirty="0"/>
-              <a:t>Verfahren funktioniert</a:t>
-            </a:r>
           </a:p>
           <a:p>
             <a:r>
@@ -9098,6 +10177,16 @@
             </a:r>
           </a:p>
           <a:p>
+            <a:r>
+              <a:rPr lang="de-DE" altLang="de-DE" dirty="0" err="1"/>
+              <a:t>Machine</a:t>
+            </a:r>
+            <a:r>
+              <a:rPr lang="de-DE" altLang="de-DE" dirty="0"/>
+              <a:t>-Learning Verfahren benutzen</a:t>
+            </a:r>
+          </a:p>
+          <a:p>
             <a:endParaRPr lang="de-DE" altLang="de-DE" dirty="0"/>
           </a:p>
           <a:p>
@@ -9109,23 +10198,13 @@
           <a:p>
             <a:r>
               <a:rPr lang="de-DE" altLang="de-DE" dirty="0"/>
-              <a:t>Genauere Clustern -&gt; CT-Daten nicht möglich evtl.</a:t>
-            </a:r>
-          </a:p>
-          <a:p>
-            <a:endParaRPr lang="de-DE" altLang="de-DE" dirty="0"/>
-          </a:p>
-          <a:p>
-            <a:r>
-              <a:rPr lang="de-DE" altLang="de-DE" dirty="0" err="1"/>
-              <a:t>Machine</a:t>
-            </a:r>
-            <a:r>
-              <a:rPr lang="de-DE" altLang="de-DE" dirty="0"/>
-              <a:t>-Learning Verfahren benutzen</a:t>
-            </a:r>
-          </a:p>
-          <a:p>
+              <a:t>Weitere Algorithmen anwenden</a:t>
+            </a:r>
+          </a:p>
+          <a:p>
+            <a:pPr marL="0" indent="0">
+              <a:buNone/>
+            </a:pPr>
             <a:endParaRPr lang="de-DE" altLang="de-DE" dirty="0"/>
           </a:p>
         </p:txBody>
@@ -9143,7 +10222,7 @@
 </p:sld>
 </file>
 
-<file path=ppt/slides/slide21.xml><?xml version="1.0" encoding="utf-8"?>
+<file path=ppt/slides/slide23.xml><?xml version="1.0" encoding="utf-8"?>
 <p:sld xmlns:a="http://schemas.openxmlformats.org/drawingml/2006/main" xmlns:r="http://schemas.openxmlformats.org/officeDocument/2006/relationships" xmlns:p="http://schemas.openxmlformats.org/presentationml/2006/main">
   <p:cSld>
     <p:spTree>
@@ -9549,7 +10628,12 @@
             <p:ph type="title"/>
           </p:nvPr>
         </p:nvSpPr>
-        <p:spPr/>
+        <p:spPr>
+          <a:xfrm>
+            <a:off x="395536" y="332656"/>
+            <a:ext cx="6911975" cy="561975"/>
+          </a:xfrm>
+        </p:spPr>
         <p:txBody>
           <a:bodyPr/>
           <a:lstStyle/>
@@ -9924,15 +11008,7 @@
           <a:p>
             <a:r>
               <a:rPr lang="de-DE" altLang="de-DE" dirty="0"/>
-              <a:t>Viele </a:t>
-            </a:r>
-            <a:r>
-              <a:rPr lang="de-DE" altLang="de-DE" dirty="0" err="1"/>
-              <a:t>unteschiedliche</a:t>
-            </a:r>
-            <a:r>
-              <a:rPr lang="de-DE" altLang="de-DE" dirty="0"/>
-              <a:t> Ansätze</a:t>
+              <a:t>Viele unterschiedliche Ansätze</a:t>
             </a:r>
           </a:p>
           <a:p>
@@ -9992,7 +11068,7 @@
           <a:p>
             <a:r>
               <a:rPr lang="de-DE" altLang="de-DE" dirty="0"/>
-              <a:t>Verfahren in mehreren Kategorien</a:t>
+              <a:t>Verfahren können in mehrere Kategorien genannt werden</a:t>
             </a:r>
           </a:p>
         </p:txBody>
@@ -10201,6 +11277,12 @@
           <a:p>
             <a:r>
               <a:rPr lang="de-DE" altLang="de-DE" dirty="0"/>
+              <a:t>Verfahren von Nguyen</a:t>
+            </a:r>
+          </a:p>
+          <a:p>
+            <a:r>
+              <a:rPr lang="de-DE" altLang="de-DE" dirty="0"/>
               <a:t>Gradient</a:t>
             </a:r>
           </a:p>
@@ -10213,13 +11295,28 @@
           <a:p>
             <a:r>
               <a:rPr lang="de-DE" altLang="de-DE" dirty="0"/>
-              <a:t>Clustering auf dem LH-Raum</a:t>
-            </a:r>
-          </a:p>
-          <a:p>
+              <a:t>Clustering</a:t>
+            </a:r>
+          </a:p>
+          <a:p>
+            <a:pPr lvl="1"/>
             <a:r>
               <a:rPr lang="de-DE" altLang="de-DE" dirty="0"/>
-              <a:t>Clustering auf dem Volumenraum </a:t>
+              <a:t>LH-Raum</a:t>
+            </a:r>
+          </a:p>
+          <a:p>
+            <a:pPr lvl="1"/>
+            <a:r>
+              <a:rPr lang="de-DE" altLang="de-DE" dirty="0"/>
+              <a:t>Volumenraum</a:t>
+            </a:r>
+          </a:p>
+          <a:p>
+            <a:pPr lvl="1"/>
+            <a:r>
+              <a:rPr lang="de-DE" altLang="de-DE" dirty="0"/>
+              <a:t>Hierarchisch</a:t>
             </a:r>
           </a:p>
         </p:txBody>
@@ -10411,8 +11508,265 @@
           </a:p>
         </p:txBody>
       </p:sp>
-      <mc:AlternateContent xmlns:mc="http://schemas.openxmlformats.org/markup-compatibility/2006">
-        <mc:Choice xmlns:a14="http://schemas.microsoft.com/office/drawing/2010/main" Requires="a14">
+      <p:sp>
+        <p:nvSpPr>
+          <p:cNvPr id="4100" name="Rectangle 3"/>
+          <p:cNvSpPr>
+            <a:spLocks noGrp="1" noChangeArrowheads="1"/>
+          </p:cNvSpPr>
+          <p:nvPr>
+            <p:ph type="body" idx="1"/>
+          </p:nvPr>
+        </p:nvSpPr>
+        <p:spPr/>
+        <p:txBody>
+          <a:bodyPr/>
+          <a:lstStyle/>
+          <a:p>
+            <a:r>
+              <a:rPr lang="de-DE" altLang="de-DE" dirty="0"/>
+              <a:t>Vektor</a:t>
+            </a:r>
+          </a:p>
+          <a:p>
+            <a:r>
+              <a:rPr lang="de-DE" altLang="de-DE" dirty="0"/>
+              <a:t>Beschreibt die Richtung der Größten Änderung der Intensitätswerte</a:t>
+            </a:r>
+          </a:p>
+          <a:p>
+            <a:pPr marL="0" indent="0">
+              <a:buNone/>
+            </a:pPr>
+            <a:endParaRPr lang="de-DE" altLang="de-DE" dirty="0"/>
+          </a:p>
+        </p:txBody>
+      </p:sp>
+      <p:pic>
+        <p:nvPicPr>
+          <p:cNvPr id="5" name="Grafik 4">
+            <a:extLst>
+              <a:ext uri="{FF2B5EF4-FFF2-40B4-BE49-F238E27FC236}">
+                <a16:creationId xmlns:a16="http://schemas.microsoft.com/office/drawing/2014/main" id="{421B18D9-EE6D-4476-BBEB-3D923087E9B7}"/>
+              </a:ext>
+            </a:extLst>
+          </p:cNvPr>
+          <p:cNvPicPr>
+            <a:picLocks noChangeAspect="1"/>
+          </p:cNvPicPr>
+          <p:nvPr/>
+        </p:nvPicPr>
+        <p:blipFill>
+          <a:blip r:embed="rId2">
+            <a:extLst>
+              <a:ext uri="{28A0092B-C50C-407E-A947-70E740481C1C}">
+                <a14:useLocalDpi xmlns:a14="http://schemas.microsoft.com/office/drawing/2010/main" val="0"/>
+              </a:ext>
+            </a:extLst>
+          </a:blip>
+          <a:stretch>
+            <a:fillRect/>
+          </a:stretch>
+        </p:blipFill>
+        <p:spPr>
+          <a:xfrm>
+            <a:off x="1554280" y="2316684"/>
+            <a:ext cx="6035439" cy="3776141"/>
+          </a:xfrm>
+          <a:prstGeom prst="rect">
+            <a:avLst/>
+          </a:prstGeom>
+        </p:spPr>
+      </p:pic>
+    </p:spTree>
+    <p:extLst>
+      <p:ext uri="{BB962C8B-B14F-4D97-AF65-F5344CB8AC3E}">
+        <p14:creationId xmlns:p14="http://schemas.microsoft.com/office/powerpoint/2010/main" val="4022172192"/>
+      </p:ext>
+    </p:extLst>
+  </p:cSld>
+  <p:clrMapOvr>
+    <a:masterClrMapping/>
+  </p:clrMapOvr>
+</p:sld>
+</file>
+
+<file path=ppt/slides/slide7.xml><?xml version="1.0" encoding="utf-8"?>
+<p:sld xmlns:a="http://schemas.openxmlformats.org/drawingml/2006/main" xmlns:r="http://schemas.openxmlformats.org/officeDocument/2006/relationships" xmlns:p="http://schemas.openxmlformats.org/presentationml/2006/main">
+  <p:cSld>
+    <p:spTree>
+      <p:nvGrpSpPr>
+        <p:cNvPr id="1" name=""/>
+        <p:cNvGrpSpPr/>
+        <p:nvPr/>
+      </p:nvGrpSpPr>
+      <p:grpSpPr>
+        <a:xfrm>
+          <a:off x="0" y="0"/>
+          <a:ext cx="0" cy="0"/>
+          <a:chOff x="0" y="0"/>
+          <a:chExt cx="0" cy="0"/>
+        </a:xfrm>
+      </p:grpSpPr>
+      <p:sp>
+        <p:nvSpPr>
+          <p:cNvPr id="4098" name="Rectangle 12"/>
+          <p:cNvSpPr>
+            <a:spLocks noGrp="1" noChangeArrowheads="1"/>
+          </p:cNvSpPr>
+          <p:nvPr>
+            <p:ph type="ftr" sz="quarter" idx="10"/>
+          </p:nvPr>
+        </p:nvSpPr>
+        <p:spPr>
+          <a:noFill/>
+        </p:spPr>
+        <p:txBody>
+          <a:bodyPr/>
+          <a:lstStyle>
+            <a:lvl1pPr eaLnBrk="0" hangingPunct="0">
+              <a:defRPr>
+                <a:solidFill>
+                  <a:schemeClr val="tx1"/>
+                </a:solidFill>
+                <a:latin typeface="Arial" charset="0"/>
+              </a:defRPr>
+            </a:lvl1pPr>
+            <a:lvl2pPr marL="742950" indent="-285750" eaLnBrk="0" hangingPunct="0">
+              <a:defRPr>
+                <a:solidFill>
+                  <a:schemeClr val="tx1"/>
+                </a:solidFill>
+                <a:latin typeface="Arial" charset="0"/>
+              </a:defRPr>
+            </a:lvl2pPr>
+            <a:lvl3pPr marL="1143000" indent="-228600" eaLnBrk="0" hangingPunct="0">
+              <a:defRPr>
+                <a:solidFill>
+                  <a:schemeClr val="tx1"/>
+                </a:solidFill>
+                <a:latin typeface="Arial" charset="0"/>
+              </a:defRPr>
+            </a:lvl3pPr>
+            <a:lvl4pPr marL="1600200" indent="-228600" eaLnBrk="0" hangingPunct="0">
+              <a:defRPr>
+                <a:solidFill>
+                  <a:schemeClr val="tx1"/>
+                </a:solidFill>
+                <a:latin typeface="Arial" charset="0"/>
+              </a:defRPr>
+            </a:lvl4pPr>
+            <a:lvl5pPr marL="2057400" indent="-228600" eaLnBrk="0" hangingPunct="0">
+              <a:defRPr>
+                <a:solidFill>
+                  <a:schemeClr val="tx1"/>
+                </a:solidFill>
+                <a:latin typeface="Arial" charset="0"/>
+              </a:defRPr>
+            </a:lvl5pPr>
+            <a:lvl6pPr marL="2514600" indent="-228600" eaLnBrk="0" fontAlgn="base" hangingPunct="0">
+              <a:spcBef>
+                <a:spcPct val="0"/>
+              </a:spcBef>
+              <a:spcAft>
+                <a:spcPct val="0"/>
+              </a:spcAft>
+              <a:defRPr>
+                <a:solidFill>
+                  <a:schemeClr val="tx1"/>
+                </a:solidFill>
+                <a:latin typeface="Arial" charset="0"/>
+              </a:defRPr>
+            </a:lvl6pPr>
+            <a:lvl7pPr marL="2971800" indent="-228600" eaLnBrk="0" fontAlgn="base" hangingPunct="0">
+              <a:spcBef>
+                <a:spcPct val="0"/>
+              </a:spcBef>
+              <a:spcAft>
+                <a:spcPct val="0"/>
+              </a:spcAft>
+              <a:defRPr>
+                <a:solidFill>
+                  <a:schemeClr val="tx1"/>
+                </a:solidFill>
+                <a:latin typeface="Arial" charset="0"/>
+              </a:defRPr>
+            </a:lvl7pPr>
+            <a:lvl8pPr marL="3429000" indent="-228600" eaLnBrk="0" fontAlgn="base" hangingPunct="0">
+              <a:spcBef>
+                <a:spcPct val="0"/>
+              </a:spcBef>
+              <a:spcAft>
+                <a:spcPct val="0"/>
+              </a:spcAft>
+              <a:defRPr>
+                <a:solidFill>
+                  <a:schemeClr val="tx1"/>
+                </a:solidFill>
+                <a:latin typeface="Arial" charset="0"/>
+              </a:defRPr>
+            </a:lvl8pPr>
+            <a:lvl9pPr marL="3886200" indent="-228600" eaLnBrk="0" fontAlgn="base" hangingPunct="0">
+              <a:spcBef>
+                <a:spcPct val="0"/>
+              </a:spcBef>
+              <a:spcAft>
+                <a:spcPct val="0"/>
+              </a:spcAft>
+              <a:defRPr>
+                <a:solidFill>
+                  <a:schemeClr val="tx1"/>
+                </a:solidFill>
+                <a:latin typeface="Arial" charset="0"/>
+              </a:defRPr>
+            </a:lvl9pPr>
+          </a:lstStyle>
+          <a:p>
+            <a:pPr eaLnBrk="1" hangingPunct="1"/>
+            <a:r>
+              <a:rPr lang="de-DE" dirty="0"/>
+              <a:t>Prof. Dr.-Ing. habil. Björn Hein </a:t>
+            </a:r>
+            <a:r>
+              <a:rPr lang="de-DE" altLang="de-DE" dirty="0"/>
+              <a:t>- </a:t>
+            </a:r>
+            <a:r>
+              <a:rPr lang="de-DE" dirty="0"/>
+              <a:t>Implementierung eines Clustering-basierten Verfahrens zur Segmentierung von Volumenmodellen</a:t>
+            </a:r>
+            <a:endParaRPr lang="de-DE" altLang="de-DE" dirty="0">
+              <a:solidFill>
+                <a:schemeClr val="tx2"/>
+              </a:solidFill>
+            </a:endParaRPr>
+          </a:p>
+        </p:txBody>
+      </p:sp>
+      <p:sp>
+        <p:nvSpPr>
+          <p:cNvPr id="4099" name="Rectangle 2"/>
+          <p:cNvSpPr>
+            <a:spLocks noGrp="1" noChangeArrowheads="1"/>
+          </p:cNvSpPr>
+          <p:nvPr>
+            <p:ph type="title"/>
+          </p:nvPr>
+        </p:nvSpPr>
+        <p:spPr/>
+        <p:txBody>
+          <a:bodyPr/>
+          <a:lstStyle/>
+          <a:p>
+            <a:r>
+              <a:rPr lang="de-DE" altLang="de-DE" dirty="0"/>
+              <a:t>Methode – Gradient</a:t>
+            </a:r>
+          </a:p>
+        </p:txBody>
+      </p:sp>
+      <mc:AlternateContent xmlns:mc="http://schemas.openxmlformats.org/markup-compatibility/2006" xmlns:a14="http://schemas.microsoft.com/office/drawing/2010/main">
+        <mc:Choice Requires="a14">
           <p:sp>
             <p:nvSpPr>
               <p:cNvPr id="4100" name="Rectangle 3"/>
@@ -10430,13 +11784,7 @@
               <a:p>
                 <a:r>
                   <a:rPr lang="de-DE" altLang="de-DE" dirty="0"/>
-                  <a:t>Beschreibt die Richtung der Größten Änderung der Intensitätswerte</a:t>
-                </a:r>
-              </a:p>
-              <a:p>
-                <a:r>
-                  <a:rPr lang="de-DE" altLang="de-DE" dirty="0"/>
-                  <a:t>Hongs Methode: Approximationsbasiertes Verfahren</a:t>
+                  <a:t>Hongs Methode: Approximation-basiertes Verfahren</a:t>
                 </a:r>
               </a:p>
               <a:p>
@@ -10449,7 +11797,6 @@
                 <a:endParaRPr lang="de-DE" dirty="0"/>
               </a:p>
               <a:p>
-                <a:pPr/>
                 <a14:m>
                   <m:oMath xmlns:m="http://schemas.openxmlformats.org/officeDocument/2006/math">
                     <m:r>
@@ -10709,6 +12056,11 @@
                   </m:oMath>
                 </a14:m>
                 <a:endParaRPr lang="de-DE" i="1" dirty="0">
+                  <a:latin typeface="Cambria Math" panose="02040503050406030204" pitchFamily="18" charset="0"/>
+                </a:endParaRPr>
+              </a:p>
+              <a:p>
+                <a:endParaRPr lang="de-DE" altLang="de-DE" i="1" dirty="0">
                   <a:latin typeface="Cambria Math" panose="02040503050406030204" pitchFamily="18" charset="0"/>
                 </a:endParaRPr>
               </a:p>
@@ -11028,7 +12380,7 @@
             </p:txBody>
           </p:sp>
         </mc:Choice>
-        <mc:Fallback>
+        <mc:Fallback xmlns="">
           <p:sp>
             <p:nvSpPr>
               <p:cNvPr id="4100" name="Rectangle 3"/>
@@ -11090,44 +12442,8 @@
         </p:blipFill>
         <p:spPr>
           <a:xfrm>
-            <a:off x="4860032" y="2743510"/>
-            <a:ext cx="3727792" cy="3349315"/>
-          </a:xfrm>
-          <a:prstGeom prst="rect">
-            <a:avLst/>
-          </a:prstGeom>
-        </p:spPr>
-      </p:pic>
-      <p:pic>
-        <p:nvPicPr>
-          <p:cNvPr id="4" name="Grafik 3">
-            <a:extLst>
-              <a:ext uri="{FF2B5EF4-FFF2-40B4-BE49-F238E27FC236}">
-                <a16:creationId xmlns:a16="http://schemas.microsoft.com/office/drawing/2014/main" id="{F3E14270-7BAC-4AED-AB03-D5A3DC2A3BBC}"/>
-              </a:ext>
-            </a:extLst>
-          </p:cNvPr>
-          <p:cNvPicPr>
-            <a:picLocks noChangeAspect="1"/>
-          </p:cNvPicPr>
-          <p:nvPr/>
-        </p:nvPicPr>
-        <p:blipFill>
-          <a:blip r:embed="rId4" cstate="print">
-            <a:extLst>
-              <a:ext uri="{28A0092B-C50C-407E-A947-70E740481C1C}">
-                <a14:useLocalDpi xmlns:a14="http://schemas.microsoft.com/office/drawing/2010/main" val="0"/>
-              </a:ext>
-            </a:extLst>
-          </a:blip>
-          <a:stretch>
-            <a:fillRect/>
-          </a:stretch>
-        </p:blipFill>
-        <p:spPr>
-          <a:xfrm>
-            <a:off x="556176" y="4422429"/>
-            <a:ext cx="2991218" cy="1871489"/>
+            <a:off x="4572000" y="2782332"/>
+            <a:ext cx="3684582" cy="3310493"/>
           </a:xfrm>
           <a:prstGeom prst="rect">
             <a:avLst/>
@@ -11137,7 +12453,7 @@
     </p:spTree>
     <p:extLst>
       <p:ext uri="{BB962C8B-B14F-4D97-AF65-F5344CB8AC3E}">
-        <p14:creationId xmlns:p14="http://schemas.microsoft.com/office/powerpoint/2010/main" val="4022172192"/>
+        <p14:creationId xmlns:p14="http://schemas.microsoft.com/office/powerpoint/2010/main" val="2779783028"/>
       </p:ext>
     </p:extLst>
   </p:cSld>
@@ -11147,7 +12463,7 @@
 </p:sld>
 </file>
 
-<file path=ppt/slides/slide7.xml><?xml version="1.0" encoding="utf-8"?>
+<file path=ppt/slides/slide8.xml><?xml version="1.0" encoding="utf-8"?>
 <p:sld xmlns:a="http://schemas.openxmlformats.org/drawingml/2006/main" xmlns:r="http://schemas.openxmlformats.org/officeDocument/2006/relationships" xmlns:p="http://schemas.openxmlformats.org/presentationml/2006/main">
   <p:cSld>
     <p:spTree>
@@ -11321,8 +12637,8 @@
           </a:p>
         </p:txBody>
       </p:sp>
-      <mc:AlternateContent xmlns:mc="http://schemas.openxmlformats.org/markup-compatibility/2006">
-        <mc:Choice xmlns:a14="http://schemas.microsoft.com/office/drawing/2010/main" Requires="a14">
+      <mc:AlternateContent xmlns:mc="http://schemas.openxmlformats.org/markup-compatibility/2006" xmlns:a14="http://schemas.microsoft.com/office/drawing/2010/main">
+        <mc:Choice Requires="a14">
           <p:sp>
             <p:nvSpPr>
               <p:cNvPr id="4100" name="Rectangle 3"/>
@@ -11345,8 +12661,26 @@
               </a:p>
               <a:p>
                 <a:r>
+                  <a:rPr lang="de-DE" altLang="de-DE" dirty="0" err="1"/>
+                  <a:t>Voxel</a:t>
+                </a:r>
+                <a:r>
                   <a:rPr lang="de-DE" altLang="de-DE" dirty="0"/>
-                  <a:t>Beschreiben den Grenzübergang zwischen 2 Materialien</a:t>
+                  <a:t> sind:</a:t>
+                </a:r>
+              </a:p>
+              <a:p>
+                <a:pPr lvl="1"/>
+                <a:r>
+                  <a:rPr lang="de-DE" altLang="de-DE" dirty="0"/>
+                  <a:t>Innerhalb eines Materials</a:t>
+                </a:r>
+              </a:p>
+              <a:p>
+                <a:pPr lvl="1"/>
+                <a:r>
+                  <a:rPr lang="de-DE" altLang="de-DE" dirty="0"/>
+                  <a:t>An der Grenze zweier Materialien</a:t>
                 </a:r>
               </a:p>
               <a:p>
@@ -11658,6 +12992,15 @@
                 <a:endParaRPr lang="de-DE" altLang="de-DE" dirty="0"/>
               </a:p>
               <a:p>
+                <a:endParaRPr lang="de-DE" altLang="de-DE" dirty="0"/>
+              </a:p>
+              <a:p>
+                <a:r>
+                  <a:rPr lang="de-DE" altLang="de-DE" dirty="0"/>
+                  <a:t>Umrechnung der Intensitätswerte</a:t>
+                </a:r>
+              </a:p>
+              <a:p>
                 <a:pPr marL="0" indent="0">
                   <a:buNone/>
                 </a:pPr>
@@ -11666,7 +13009,7 @@
             </p:txBody>
           </p:sp>
         </mc:Choice>
-        <mc:Fallback>
+        <mc:Fallback xmlns="">
           <p:sp>
             <p:nvSpPr>
               <p:cNvPr id="4100" name="Rectangle 3"/>
@@ -11713,335 +13056,6 @@
 </p:sld>
 </file>
 
-<file path=ppt/slides/slide8.xml><?xml version="1.0" encoding="utf-8"?>
-<p:sld xmlns:a="http://schemas.openxmlformats.org/drawingml/2006/main" xmlns:r="http://schemas.openxmlformats.org/officeDocument/2006/relationships" xmlns:p="http://schemas.openxmlformats.org/presentationml/2006/main">
-  <p:cSld>
-    <p:spTree>
-      <p:nvGrpSpPr>
-        <p:cNvPr id="1" name=""/>
-        <p:cNvGrpSpPr/>
-        <p:nvPr/>
-      </p:nvGrpSpPr>
-      <p:grpSpPr>
-        <a:xfrm>
-          <a:off x="0" y="0"/>
-          <a:ext cx="0" cy="0"/>
-          <a:chOff x="0" y="0"/>
-          <a:chExt cx="0" cy="0"/>
-        </a:xfrm>
-      </p:grpSpPr>
-      <p:sp>
-        <p:nvSpPr>
-          <p:cNvPr id="4098" name="Rectangle 12"/>
-          <p:cNvSpPr>
-            <a:spLocks noGrp="1" noChangeArrowheads="1"/>
-          </p:cNvSpPr>
-          <p:nvPr>
-            <p:ph type="ftr" sz="quarter" idx="10"/>
-          </p:nvPr>
-        </p:nvSpPr>
-        <p:spPr>
-          <a:noFill/>
-        </p:spPr>
-        <p:txBody>
-          <a:bodyPr/>
-          <a:lstStyle>
-            <a:lvl1pPr eaLnBrk="0" hangingPunct="0">
-              <a:defRPr>
-                <a:solidFill>
-                  <a:schemeClr val="tx1"/>
-                </a:solidFill>
-                <a:latin typeface="Arial" charset="0"/>
-              </a:defRPr>
-            </a:lvl1pPr>
-            <a:lvl2pPr marL="742950" indent="-285750" eaLnBrk="0" hangingPunct="0">
-              <a:defRPr>
-                <a:solidFill>
-                  <a:schemeClr val="tx1"/>
-                </a:solidFill>
-                <a:latin typeface="Arial" charset="0"/>
-              </a:defRPr>
-            </a:lvl2pPr>
-            <a:lvl3pPr marL="1143000" indent="-228600" eaLnBrk="0" hangingPunct="0">
-              <a:defRPr>
-                <a:solidFill>
-                  <a:schemeClr val="tx1"/>
-                </a:solidFill>
-                <a:latin typeface="Arial" charset="0"/>
-              </a:defRPr>
-            </a:lvl3pPr>
-            <a:lvl4pPr marL="1600200" indent="-228600" eaLnBrk="0" hangingPunct="0">
-              <a:defRPr>
-                <a:solidFill>
-                  <a:schemeClr val="tx1"/>
-                </a:solidFill>
-                <a:latin typeface="Arial" charset="0"/>
-              </a:defRPr>
-            </a:lvl4pPr>
-            <a:lvl5pPr marL="2057400" indent="-228600" eaLnBrk="0" hangingPunct="0">
-              <a:defRPr>
-                <a:solidFill>
-                  <a:schemeClr val="tx1"/>
-                </a:solidFill>
-                <a:latin typeface="Arial" charset="0"/>
-              </a:defRPr>
-            </a:lvl5pPr>
-            <a:lvl6pPr marL="2514600" indent="-228600" eaLnBrk="0" fontAlgn="base" hangingPunct="0">
-              <a:spcBef>
-                <a:spcPct val="0"/>
-              </a:spcBef>
-              <a:spcAft>
-                <a:spcPct val="0"/>
-              </a:spcAft>
-              <a:defRPr>
-                <a:solidFill>
-                  <a:schemeClr val="tx1"/>
-                </a:solidFill>
-                <a:latin typeface="Arial" charset="0"/>
-              </a:defRPr>
-            </a:lvl6pPr>
-            <a:lvl7pPr marL="2971800" indent="-228600" eaLnBrk="0" fontAlgn="base" hangingPunct="0">
-              <a:spcBef>
-                <a:spcPct val="0"/>
-              </a:spcBef>
-              <a:spcAft>
-                <a:spcPct val="0"/>
-              </a:spcAft>
-              <a:defRPr>
-                <a:solidFill>
-                  <a:schemeClr val="tx1"/>
-                </a:solidFill>
-                <a:latin typeface="Arial" charset="0"/>
-              </a:defRPr>
-            </a:lvl7pPr>
-            <a:lvl8pPr marL="3429000" indent="-228600" eaLnBrk="0" fontAlgn="base" hangingPunct="0">
-              <a:spcBef>
-                <a:spcPct val="0"/>
-              </a:spcBef>
-              <a:spcAft>
-                <a:spcPct val="0"/>
-              </a:spcAft>
-              <a:defRPr>
-                <a:solidFill>
-                  <a:schemeClr val="tx1"/>
-                </a:solidFill>
-                <a:latin typeface="Arial" charset="0"/>
-              </a:defRPr>
-            </a:lvl8pPr>
-            <a:lvl9pPr marL="3886200" indent="-228600" eaLnBrk="0" fontAlgn="base" hangingPunct="0">
-              <a:spcBef>
-                <a:spcPct val="0"/>
-              </a:spcBef>
-              <a:spcAft>
-                <a:spcPct val="0"/>
-              </a:spcAft>
-              <a:defRPr>
-                <a:solidFill>
-                  <a:schemeClr val="tx1"/>
-                </a:solidFill>
-                <a:latin typeface="Arial" charset="0"/>
-              </a:defRPr>
-            </a:lvl9pPr>
-          </a:lstStyle>
-          <a:p>
-            <a:pPr eaLnBrk="1" hangingPunct="1"/>
-            <a:r>
-              <a:rPr lang="de-DE" dirty="0"/>
-              <a:t>Prof. Dr.-Ing. habil. Björn Hein </a:t>
-            </a:r>
-            <a:r>
-              <a:rPr lang="de-DE" altLang="de-DE" dirty="0"/>
-              <a:t>- </a:t>
-            </a:r>
-            <a:r>
-              <a:rPr lang="de-DE" dirty="0"/>
-              <a:t>Implementierung eines Clustering-basierten Verfahrens zur Segmentierung von Volumenmodellen</a:t>
-            </a:r>
-            <a:endParaRPr lang="de-DE" altLang="de-DE" dirty="0">
-              <a:solidFill>
-                <a:schemeClr val="tx2"/>
-              </a:solidFill>
-            </a:endParaRPr>
-          </a:p>
-        </p:txBody>
-      </p:sp>
-      <p:sp>
-        <p:nvSpPr>
-          <p:cNvPr id="4099" name="Rectangle 2"/>
-          <p:cNvSpPr>
-            <a:spLocks noGrp="1" noChangeArrowheads="1"/>
-          </p:cNvSpPr>
-          <p:nvPr>
-            <p:ph type="title"/>
-          </p:nvPr>
-        </p:nvSpPr>
-        <p:spPr/>
-        <p:txBody>
-          <a:bodyPr/>
-          <a:lstStyle/>
-          <a:p>
-            <a:r>
-              <a:rPr lang="de-DE" altLang="de-DE" dirty="0"/>
-              <a:t>Methode – Clustering</a:t>
-            </a:r>
-          </a:p>
-        </p:txBody>
-      </p:sp>
-      <p:sp>
-        <p:nvSpPr>
-          <p:cNvPr id="4100" name="Rectangle 3"/>
-          <p:cNvSpPr>
-            <a:spLocks noGrp="1" noChangeArrowheads="1"/>
-          </p:cNvSpPr>
-          <p:nvPr>
-            <p:ph type="body" idx="1"/>
-          </p:nvPr>
-        </p:nvSpPr>
-        <p:spPr/>
-        <p:txBody>
-          <a:bodyPr/>
-          <a:lstStyle/>
-          <a:p>
-            <a:r>
-              <a:rPr lang="de-DE" altLang="de-DE" dirty="0" err="1"/>
-              <a:t>Meanshiftclustering</a:t>
-            </a:r>
-            <a:endParaRPr lang="de-DE" altLang="de-DE" dirty="0"/>
-          </a:p>
-          <a:p>
-            <a:r>
-              <a:rPr lang="de-DE" altLang="de-DE" dirty="0"/>
-              <a:t>Über dem LH-Raum</a:t>
-            </a:r>
-          </a:p>
-          <a:p>
-            <a:r>
-              <a:rPr lang="de-DE" altLang="de-DE" dirty="0"/>
-              <a:t>Über dem Raum des Volumens</a:t>
-            </a:r>
-          </a:p>
-          <a:p>
-            <a:pPr marL="0" indent="0">
-              <a:buNone/>
-            </a:pPr>
-            <a:endParaRPr lang="de-DE" altLang="de-DE" dirty="0"/>
-          </a:p>
-          <a:p>
-            <a:pPr marL="0" indent="0">
-              <a:buNone/>
-            </a:pPr>
-            <a:endParaRPr lang="de-DE" altLang="de-DE" dirty="0"/>
-          </a:p>
-          <a:p>
-            <a:r>
-              <a:rPr lang="de-DE" altLang="de-DE" dirty="0" err="1"/>
-              <a:t>Voxel</a:t>
-            </a:r>
-            <a:r>
-              <a:rPr lang="de-DE" altLang="de-DE" dirty="0"/>
-              <a:t> der Cluster:</a:t>
-            </a:r>
-          </a:p>
-          <a:p>
-            <a:pPr lvl="1"/>
-            <a:r>
-              <a:rPr lang="de-DE" altLang="de-DE" dirty="0"/>
-              <a:t>Haben ähnliche LH-Werte</a:t>
-            </a:r>
-          </a:p>
-          <a:p>
-            <a:pPr lvl="1"/>
-            <a:r>
-              <a:rPr lang="de-DE" altLang="de-DE" dirty="0"/>
-              <a:t>Sind räumlich nah</a:t>
-            </a:r>
-          </a:p>
-        </p:txBody>
-      </p:sp>
-      <p:pic>
-        <p:nvPicPr>
-          <p:cNvPr id="3" name="Grafik 2">
-            <a:extLst>
-              <a:ext uri="{FF2B5EF4-FFF2-40B4-BE49-F238E27FC236}">
-                <a16:creationId xmlns:a16="http://schemas.microsoft.com/office/drawing/2014/main" id="{375FE607-0749-4A1A-A9BE-1C88A412F27A}"/>
-              </a:ext>
-            </a:extLst>
-          </p:cNvPr>
-          <p:cNvPicPr>
-            <a:picLocks noChangeAspect="1"/>
-          </p:cNvPicPr>
-          <p:nvPr/>
-        </p:nvPicPr>
-        <p:blipFill>
-          <a:blip r:embed="rId2">
-            <a:extLst>
-              <a:ext uri="{28A0092B-C50C-407E-A947-70E740481C1C}">
-                <a14:useLocalDpi xmlns:a14="http://schemas.microsoft.com/office/drawing/2010/main" val="0"/>
-              </a:ext>
-            </a:extLst>
-          </a:blip>
-          <a:stretch>
-            <a:fillRect/>
-          </a:stretch>
-        </p:blipFill>
-        <p:spPr>
-          <a:xfrm>
-            <a:off x="5220791" y="2564903"/>
-            <a:ext cx="3527921" cy="3527921"/>
-          </a:xfrm>
-          <a:prstGeom prst="rect">
-            <a:avLst/>
-          </a:prstGeom>
-        </p:spPr>
-      </p:pic>
-      <p:sp>
-        <p:nvSpPr>
-          <p:cNvPr id="6" name="Textfeld 5">
-            <a:extLst>
-              <a:ext uri="{FF2B5EF4-FFF2-40B4-BE49-F238E27FC236}">
-                <a16:creationId xmlns:a16="http://schemas.microsoft.com/office/drawing/2014/main" id="{75E8B83C-3D3D-44CD-B431-D2BADDE3FC1C}"/>
-              </a:ext>
-            </a:extLst>
-          </p:cNvPr>
-          <p:cNvSpPr txBox="1"/>
-          <p:nvPr/>
-        </p:nvSpPr>
-        <p:spPr>
-          <a:xfrm>
-            <a:off x="6278078" y="5969713"/>
-            <a:ext cx="2048843" cy="246221"/>
-          </a:xfrm>
-          <a:prstGeom prst="rect">
-            <a:avLst/>
-          </a:prstGeom>
-          <a:noFill/>
-        </p:spPr>
-        <p:txBody>
-          <a:bodyPr wrap="square" rtlCol="0">
-            <a:spAutoFit/>
-          </a:bodyPr>
-          <a:lstStyle/>
-          <a:p>
-            <a:r>
-              <a:rPr lang="de-DE" sz="1000" dirty="0"/>
-              <a:t>Quelle https://gifer.com/en/8OHN</a:t>
-            </a:r>
-          </a:p>
-        </p:txBody>
-      </p:sp>
-    </p:spTree>
-    <p:extLst>
-      <p:ext uri="{BB962C8B-B14F-4D97-AF65-F5344CB8AC3E}">
-        <p14:creationId xmlns:p14="http://schemas.microsoft.com/office/powerpoint/2010/main" val="83807934"/>
-      </p:ext>
-    </p:extLst>
-  </p:cSld>
-  <p:clrMapOvr>
-    <a:masterClrMapping/>
-  </p:clrMapOvr>
-</p:sld>
-</file>
-
 <file path=ppt/slides/slide9.xml><?xml version="1.0" encoding="utf-8"?>
 <p:sld xmlns:a="http://schemas.openxmlformats.org/drawingml/2006/main" xmlns:r="http://schemas.openxmlformats.org/officeDocument/2006/relationships" xmlns:p="http://schemas.openxmlformats.org/presentationml/2006/main">
   <p:cSld>
@@ -12211,7 +13225,7 @@
           <a:p>
             <a:r>
               <a:rPr lang="de-DE" altLang="de-DE" dirty="0"/>
-              <a:t>Design</a:t>
+              <a:t>Methode – Clustering</a:t>
             </a:r>
           </a:p>
         </p:txBody>
@@ -12232,56 +13246,184 @@
           <a:lstStyle/>
           <a:p>
             <a:r>
+              <a:rPr lang="de-DE" altLang="de-DE" dirty="0" err="1"/>
+              <a:t>Meanshiftclustering</a:t>
+            </a:r>
+            <a:endParaRPr lang="de-DE" altLang="de-DE" dirty="0"/>
+          </a:p>
+          <a:p>
+            <a:pPr lvl="1"/>
+            <a:r>
               <a:rPr lang="de-DE" altLang="de-DE" dirty="0"/>
-              <a:t>Drei Programme</a:t>
-            </a:r>
+              <a:t>Bestimmen einer Bandbreite und eines </a:t>
+            </a:r>
+            <a:r>
+              <a:rPr lang="de-DE" altLang="de-DE" dirty="0" err="1"/>
+              <a:t>Thresholdes</a:t>
+            </a:r>
+            <a:endParaRPr lang="de-DE" altLang="de-DE" dirty="0"/>
           </a:p>
           <a:p>
             <a:pPr lvl="1"/>
             <a:r>
               <a:rPr lang="de-DE" altLang="de-DE" dirty="0"/>
-              <a:t>MITK-</a:t>
-            </a:r>
+              <a:t>Zufälligen Punkt wählen</a:t>
+            </a:r>
+          </a:p>
+          <a:p>
+            <a:pPr lvl="1"/>
+            <a:r>
+              <a:rPr lang="de-DE" altLang="de-DE" dirty="0"/>
+              <a:t>Alle Punkte im Umkreis der Bandbreite zum Cluster hinzufügen</a:t>
+            </a:r>
+          </a:p>
+          <a:p>
+            <a:pPr lvl="1"/>
+            <a:r>
+              <a:rPr lang="de-DE" altLang="de-DE" dirty="0"/>
+              <a:t>Neuen Mittelpunkt berechnen</a:t>
+            </a:r>
+          </a:p>
+          <a:p>
+            <a:pPr lvl="1"/>
+            <a:r>
+              <a:rPr lang="de-DE" altLang="de-DE" dirty="0"/>
+              <a:t>Wiederholen bis 2 aufeinanderfolgende Mittelpunkte eine Distanz kleiner als Threshold * Bandbreite haben</a:t>
+            </a:r>
+          </a:p>
+          <a:p>
+            <a:pPr lvl="1"/>
+            <a:r>
+              <a:rPr lang="de-DE" altLang="de-DE" dirty="0"/>
+              <a:t>Für jeden Punkt wiederholen</a:t>
+            </a:r>
+          </a:p>
+          <a:p>
+            <a:pPr lvl="1"/>
+            <a:r>
+              <a:rPr lang="de-DE" altLang="de-DE" dirty="0"/>
+              <a:t>Verschmelzen von ähnlichen Clustern</a:t>
+            </a:r>
+          </a:p>
+          <a:p>
+            <a:r>
+              <a:rPr lang="de-DE" altLang="de-DE" dirty="0"/>
+              <a:t>Über dem LH-Raum</a:t>
+            </a:r>
+          </a:p>
+          <a:p>
+            <a:r>
+              <a:rPr lang="de-DE" altLang="de-DE" dirty="0"/>
+              <a:t>Über dem Raum des Volumens</a:t>
+            </a:r>
+          </a:p>
+          <a:p>
+            <a:pPr marL="0" indent="0">
+              <a:buNone/>
+            </a:pPr>
+            <a:endParaRPr lang="de-DE" altLang="de-DE" dirty="0"/>
+          </a:p>
+          <a:p>
             <a:r>
               <a:rPr lang="de-DE" altLang="de-DE" dirty="0" err="1"/>
-              <a:t>Workbench</a:t>
-            </a:r>
-            <a:endParaRPr lang="de-DE" altLang="de-DE" dirty="0"/>
+              <a:t>Voxel</a:t>
+            </a:r>
+            <a:r>
+              <a:rPr lang="de-DE" altLang="de-DE" dirty="0"/>
+              <a:t> der Cluster:</a:t>
+            </a:r>
           </a:p>
           <a:p>
             <a:pPr lvl="1"/>
             <a:r>
-              <a:rPr lang="de-DE" altLang="de-DE" dirty="0" err="1"/>
-              <a:t>VolumeRenderHelper</a:t>
-            </a:r>
-            <a:endParaRPr lang="de-DE" altLang="de-DE" dirty="0"/>
+              <a:rPr lang="de-DE" altLang="de-DE" dirty="0"/>
+              <a:t>Haben ähnliche LH-Werte</a:t>
+            </a:r>
           </a:p>
           <a:p>
             <a:pPr lvl="1"/>
             <a:r>
-              <a:rPr lang="de-DE" altLang="de-DE" dirty="0" err="1"/>
-              <a:t>VolumeRenderer</a:t>
-            </a:r>
-            <a:r>
               <a:rPr lang="de-DE" altLang="de-DE" dirty="0"/>
-              <a:t>  -&gt; Unity</a:t>
-            </a:r>
-          </a:p>
-          <a:p>
-            <a:r>
-              <a:rPr lang="de-DE" altLang="de-DE" dirty="0"/>
-              <a:t>Vorarbeit des IPRs</a:t>
-            </a:r>
-          </a:p>
-          <a:p>
-            <a:endParaRPr lang="de-DE" altLang="de-DE" dirty="0"/>
+              <a:t>Sind räumlich nah</a:t>
+            </a:r>
+          </a:p>
+        </p:txBody>
+      </p:sp>
+      <p:pic>
+        <p:nvPicPr>
+          <p:cNvPr id="3" name="Grafik 2">
+            <a:extLst>
+              <a:ext uri="{FF2B5EF4-FFF2-40B4-BE49-F238E27FC236}">
+                <a16:creationId xmlns:a16="http://schemas.microsoft.com/office/drawing/2014/main" id="{375FE607-0749-4A1A-A9BE-1C88A412F27A}"/>
+              </a:ext>
+            </a:extLst>
+          </p:cNvPr>
+          <p:cNvPicPr>
+            <a:picLocks noChangeAspect="1"/>
+          </p:cNvPicPr>
+          <p:nvPr/>
+        </p:nvPicPr>
+        <p:blipFill>
+          <a:blip r:embed="rId2">
+            <a:extLst>
+              <a:ext uri="{28A0092B-C50C-407E-A947-70E740481C1C}">
+                <a14:useLocalDpi xmlns:a14="http://schemas.microsoft.com/office/drawing/2010/main" val="0"/>
+              </a:ext>
+            </a:extLst>
+          </a:blip>
+          <a:stretch>
+            <a:fillRect/>
+          </a:stretch>
+        </p:blipFill>
+        <p:spPr>
+          <a:xfrm>
+            <a:off x="5538561" y="3429000"/>
+            <a:ext cx="2592536" cy="2592536"/>
+          </a:xfrm>
+          <a:prstGeom prst="rect">
+            <a:avLst/>
+          </a:prstGeom>
+        </p:spPr>
+      </p:pic>
+      <p:sp>
+        <p:nvSpPr>
+          <p:cNvPr id="6" name="Textfeld 5">
+            <a:extLst>
+              <a:ext uri="{FF2B5EF4-FFF2-40B4-BE49-F238E27FC236}">
+                <a16:creationId xmlns:a16="http://schemas.microsoft.com/office/drawing/2014/main" id="{75E8B83C-3D3D-44CD-B431-D2BADDE3FC1C}"/>
+              </a:ext>
+            </a:extLst>
+          </p:cNvPr>
+          <p:cNvSpPr txBox="1"/>
+          <p:nvPr/>
+        </p:nvSpPr>
+        <p:spPr>
+          <a:xfrm>
+            <a:off x="6051797" y="5934070"/>
+            <a:ext cx="2048843" cy="246221"/>
+          </a:xfrm>
+          <a:prstGeom prst="rect">
+            <a:avLst/>
+          </a:prstGeom>
+          <a:noFill/>
+        </p:spPr>
+        <p:txBody>
+          <a:bodyPr wrap="square" rtlCol="0">
+            <a:spAutoFit/>
+          </a:bodyPr>
+          <a:lstStyle/>
+          <a:p>
+            <a:r>
+              <a:rPr lang="de-DE" sz="1000" dirty="0"/>
+              <a:t>Quelle https://gifer.com/en/8OHN</a:t>
+            </a:r>
           </a:p>
         </p:txBody>
       </p:sp>
     </p:spTree>
     <p:extLst>
       <p:ext uri="{BB962C8B-B14F-4D97-AF65-F5344CB8AC3E}">
-        <p14:creationId xmlns:p14="http://schemas.microsoft.com/office/powerpoint/2010/main" val="2682454259"/>
+        <p14:creationId xmlns:p14="http://schemas.microsoft.com/office/powerpoint/2010/main" val="83807934"/>
       </p:ext>
     </p:extLst>
   </p:cSld>

--- a/Vortrag/Präsentation.pptx
+++ b/Vortrag/Präsentation.pptx
@@ -12,8 +12,8 @@
   </p:handoutMasterIdLst>
   <p:sldIdLst>
     <p:sldId id="264" r:id="rId2"/>
-    <p:sldId id="263" r:id="rId3"/>
-    <p:sldId id="265" r:id="rId4"/>
+    <p:sldId id="265" r:id="rId3"/>
+    <p:sldId id="270" r:id="rId4"/>
     <p:sldId id="266" r:id="rId5"/>
     <p:sldId id="267" r:id="rId6"/>
     <p:sldId id="274" r:id="rId7"/>
@@ -23,16 +23,16 @@
     <p:sldId id="273" r:id="rId11"/>
     <p:sldId id="268" r:id="rId12"/>
     <p:sldId id="269" r:id="rId13"/>
-    <p:sldId id="270" r:id="rId14"/>
+    <p:sldId id="284" r:id="rId14"/>
     <p:sldId id="278" r:id="rId15"/>
     <p:sldId id="279" r:id="rId16"/>
     <p:sldId id="281" r:id="rId17"/>
     <p:sldId id="282" r:id="rId18"/>
     <p:sldId id="283" r:id="rId19"/>
-    <p:sldId id="284" r:id="rId20"/>
-    <p:sldId id="286" r:id="rId21"/>
-    <p:sldId id="280" r:id="rId22"/>
-    <p:sldId id="271" r:id="rId23"/>
+    <p:sldId id="286" r:id="rId20"/>
+    <p:sldId id="280" r:id="rId21"/>
+    <p:sldId id="271" r:id="rId22"/>
+    <p:sldId id="287" r:id="rId23"/>
     <p:sldId id="272" r:id="rId24"/>
   </p:sldIdLst>
   <p:sldSz cx="9144000" cy="6858000" type="screen4x3"/>
@@ -969,226 +969,42 @@
           <a:chExt cx="0" cy="0"/>
         </a:xfrm>
       </p:grpSpPr>
-      <p:grpSp>
-        <p:nvGrpSpPr>
-          <p:cNvPr id="2" name="Gruppieren 14"/>
-          <p:cNvGrpSpPr>
-            <a:grpSpLocks/>
-          </p:cNvGrpSpPr>
-          <p:nvPr/>
-        </p:nvGrpSpPr>
-        <p:grpSpPr bwMode="auto">
-          <a:xfrm>
-            <a:off x="71438" y="2143125"/>
-            <a:ext cx="9358312" cy="4643438"/>
-            <a:chOff x="0" y="2214554"/>
-            <a:chExt cx="9358346" cy="4643446"/>
-          </a:xfrm>
-        </p:grpSpPr>
-        <p:sp>
-          <p:nvSpPr>
-            <p:cNvPr id="3" name="Rechteck 2"/>
-            <p:cNvSpPr/>
-            <p:nvPr/>
-          </p:nvSpPr>
-          <p:spPr>
-            <a:xfrm>
-              <a:off x="0" y="2214554"/>
-              <a:ext cx="9358346" cy="4643446"/>
-            </a:xfrm>
-            <a:prstGeom prst="rect">
-              <a:avLst/>
-            </a:prstGeom>
-            <a:solidFill>
-              <a:srgbClr val="FF99FF"/>
-            </a:solidFill>
-            <a:ln>
-              <a:solidFill>
-                <a:srgbClr val="FF99FF"/>
-              </a:solidFill>
-            </a:ln>
-          </p:spPr>
-          <p:style>
-            <a:lnRef idx="2">
-              <a:schemeClr val="accent1">
-                <a:shade val="50000"/>
-              </a:schemeClr>
-            </a:lnRef>
-            <a:fillRef idx="1">
-              <a:schemeClr val="accent1"/>
-            </a:fillRef>
-            <a:effectRef idx="0">
-              <a:schemeClr val="accent1"/>
-            </a:effectRef>
-            <a:fontRef idx="minor">
-              <a:schemeClr val="lt1"/>
-            </a:fontRef>
-          </p:style>
-          <p:txBody>
-            <a:bodyPr anchor="ctr"/>
-            <a:lstStyle/>
-            <a:p>
-              <a:pPr algn="ctr">
-                <a:defRPr/>
-              </a:pPr>
-              <a:endParaRPr lang="de-DE"/>
-            </a:p>
-          </p:txBody>
-        </p:sp>
-        <p:sp>
-          <p:nvSpPr>
-            <p:cNvPr id="4" name="Textfeld 3"/>
-            <p:cNvSpPr txBox="1">
-              <a:spLocks noChangeArrowheads="1"/>
-            </p:cNvSpPr>
-            <p:nvPr/>
-          </p:nvSpPr>
-          <p:spPr bwMode="auto">
-            <a:xfrm>
-              <a:off x="1428755" y="4354508"/>
-              <a:ext cx="6286523" cy="646114"/>
-            </a:xfrm>
-            <a:prstGeom prst="rect">
-              <a:avLst/>
-            </a:prstGeom>
-            <a:noFill/>
-            <a:ln>
-              <a:noFill/>
-            </a:ln>
+      <p:pic>
+        <p:nvPicPr>
+          <p:cNvPr id="12" name="Grafik 11">
             <a:extLst>
-              <a:ext uri="{909E8E84-426E-40DD-AFC4-6F175D3DCCD1}">
-                <a14:hiddenFill xmlns:a14="http://schemas.microsoft.com/office/drawing/2010/main">
-                  <a:solidFill>
-                    <a:srgbClr val="FFFFFF"/>
-                  </a:solidFill>
-                </a14:hiddenFill>
-              </a:ext>
-              <a:ext uri="{91240B29-F687-4F45-9708-019B960494DF}">
-                <a14:hiddenLine xmlns:a14="http://schemas.microsoft.com/office/drawing/2010/main" w="9525">
-                  <a:solidFill>
-                    <a:srgbClr val="000000"/>
-                  </a:solidFill>
-                  <a:miter lim="800000"/>
-                  <a:headEnd/>
-                  <a:tailEnd/>
-                </a14:hiddenLine>
+              <a:ext uri="{FF2B5EF4-FFF2-40B4-BE49-F238E27FC236}">
+                <a16:creationId xmlns:a16="http://schemas.microsoft.com/office/drawing/2014/main" id="{6B5ED872-88FF-403D-A86A-DA4E6D7D0069}"/>
               </a:ext>
             </a:extLst>
-          </p:spPr>
-          <p:txBody>
-            <a:bodyPr>
-              <a:spAutoFit/>
-            </a:bodyPr>
-            <a:lstStyle>
-              <a:lvl1pPr eaLnBrk="0" hangingPunct="0">
-                <a:defRPr>
-                  <a:solidFill>
-                    <a:schemeClr val="tx1"/>
-                  </a:solidFill>
-                  <a:latin typeface="Arial" charset="0"/>
-                </a:defRPr>
-              </a:lvl1pPr>
-              <a:lvl2pPr marL="742950" indent="-285750" eaLnBrk="0" hangingPunct="0">
-                <a:defRPr>
-                  <a:solidFill>
-                    <a:schemeClr val="tx1"/>
-                  </a:solidFill>
-                  <a:latin typeface="Arial" charset="0"/>
-                </a:defRPr>
-              </a:lvl2pPr>
-              <a:lvl3pPr marL="1143000" indent="-228600" eaLnBrk="0" hangingPunct="0">
-                <a:defRPr>
-                  <a:solidFill>
-                    <a:schemeClr val="tx1"/>
-                  </a:solidFill>
-                  <a:latin typeface="Arial" charset="0"/>
-                </a:defRPr>
-              </a:lvl3pPr>
-              <a:lvl4pPr marL="1600200" indent="-228600" eaLnBrk="0" hangingPunct="0">
-                <a:defRPr>
-                  <a:solidFill>
-                    <a:schemeClr val="tx1"/>
-                  </a:solidFill>
-                  <a:latin typeface="Arial" charset="0"/>
-                </a:defRPr>
-              </a:lvl4pPr>
-              <a:lvl5pPr marL="2057400" indent="-228600" eaLnBrk="0" hangingPunct="0">
-                <a:defRPr>
-                  <a:solidFill>
-                    <a:schemeClr val="tx1"/>
-                  </a:solidFill>
-                  <a:latin typeface="Arial" charset="0"/>
-                </a:defRPr>
-              </a:lvl5pPr>
-              <a:lvl6pPr marL="2514600" indent="-228600" eaLnBrk="0" fontAlgn="base" hangingPunct="0">
-                <a:spcBef>
-                  <a:spcPct val="0"/>
-                </a:spcBef>
-                <a:spcAft>
-                  <a:spcPct val="0"/>
-                </a:spcAft>
-                <a:defRPr>
-                  <a:solidFill>
-                    <a:schemeClr val="tx1"/>
-                  </a:solidFill>
-                  <a:latin typeface="Arial" charset="0"/>
-                </a:defRPr>
-              </a:lvl6pPr>
-              <a:lvl7pPr marL="2971800" indent="-228600" eaLnBrk="0" fontAlgn="base" hangingPunct="0">
-                <a:spcBef>
-                  <a:spcPct val="0"/>
-                </a:spcBef>
-                <a:spcAft>
-                  <a:spcPct val="0"/>
-                </a:spcAft>
-                <a:defRPr>
-                  <a:solidFill>
-                    <a:schemeClr val="tx1"/>
-                  </a:solidFill>
-                  <a:latin typeface="Arial" charset="0"/>
-                </a:defRPr>
-              </a:lvl7pPr>
-              <a:lvl8pPr marL="3429000" indent="-228600" eaLnBrk="0" fontAlgn="base" hangingPunct="0">
-                <a:spcBef>
-                  <a:spcPct val="0"/>
-                </a:spcBef>
-                <a:spcAft>
-                  <a:spcPct val="0"/>
-                </a:spcAft>
-                <a:defRPr>
-                  <a:solidFill>
-                    <a:schemeClr val="tx1"/>
-                  </a:solidFill>
-                  <a:latin typeface="Arial" charset="0"/>
-                </a:defRPr>
-              </a:lvl8pPr>
-              <a:lvl9pPr marL="3886200" indent="-228600" eaLnBrk="0" fontAlgn="base" hangingPunct="0">
-                <a:spcBef>
-                  <a:spcPct val="0"/>
-                </a:spcBef>
-                <a:spcAft>
-                  <a:spcPct val="0"/>
-                </a:spcAft>
-                <a:defRPr>
-                  <a:solidFill>
-                    <a:schemeClr val="tx1"/>
-                  </a:solidFill>
-                  <a:latin typeface="Arial" charset="0"/>
-                </a:defRPr>
-              </a:lvl9pPr>
-            </a:lstStyle>
-            <a:p>
-              <a:pPr eaLnBrk="1" hangingPunct="1">
-                <a:defRPr/>
-              </a:pPr>
-              <a:r>
-                <a:rPr lang="de-DE" altLang="de-DE"/>
-                <a:t>Fügen Sie auf der Masterfolie ein frei wählbares Bild ein (z.B. passend zum Vortrag)</a:t>
-              </a:r>
-            </a:p>
-          </p:txBody>
-        </p:sp>
-      </p:grpSp>
+          </p:cNvPr>
+          <p:cNvPicPr>
+            <a:picLocks noChangeAspect="1"/>
+          </p:cNvPicPr>
+          <p:nvPr userDrawn="1"/>
+        </p:nvPicPr>
+        <p:blipFill>
+          <a:blip r:embed="rId2">
+            <a:extLst>
+              <a:ext uri="{28A0092B-C50C-407E-A947-70E740481C1C}">
+                <a14:useLocalDpi xmlns:a14="http://schemas.microsoft.com/office/drawing/2010/main" val="0"/>
+              </a:ext>
+            </a:extLst>
+          </a:blip>
+          <a:stretch>
+            <a:fillRect/>
+          </a:stretch>
+        </p:blipFill>
+        <p:spPr>
+          <a:xfrm>
+            <a:off x="484304" y="2060848"/>
+            <a:ext cx="7937267" cy="6870700"/>
+          </a:xfrm>
+          <a:prstGeom prst="rect">
+            <a:avLst/>
+          </a:prstGeom>
+        </p:spPr>
+      </p:pic>
       <p:pic>
         <p:nvPicPr>
           <p:cNvPr id="5" name="Picture 9" descr="II_rahmen_neu_titel"/>
@@ -1198,7 +1014,7 @@
           <p:nvPr/>
         </p:nvPicPr>
         <p:blipFill>
-          <a:blip r:embed="rId2">
+          <a:blip r:embed="rId3">
             <a:extLst>
               <a:ext uri="{28A0092B-C50C-407E-A947-70E740481C1C}">
                 <a14:useLocalDpi xmlns:a14="http://schemas.microsoft.com/office/drawing/2010/main" val="0"/>
@@ -1547,7 +1363,7 @@
           <p:nvPr/>
         </p:nvPicPr>
         <p:blipFill>
-          <a:blip r:embed="rId3" cstate="print">
+          <a:blip r:embed="rId4" cstate="print">
             <a:extLst>
               <a:ext uri="{28A0092B-C50C-407E-A947-70E740481C1C}">
                 <a14:useLocalDpi xmlns:a14="http://schemas.microsoft.com/office/drawing/2010/main" val="0"/>
@@ -1601,7 +1417,7 @@
           <p:nvPr/>
         </p:nvPicPr>
         <p:blipFill>
-          <a:blip r:embed="rId4" cstate="print">
+          <a:blip r:embed="rId5" cstate="print">
             <a:extLst>
               <a:ext uri="{28A0092B-C50C-407E-A947-70E740481C1C}">
                 <a14:useLocalDpi xmlns:a14="http://schemas.microsoft.com/office/drawing/2010/main" val="0"/>
@@ -1816,60 +1632,6 @@
           </a:p>
         </p:txBody>
       </p:sp>
-      <p:pic>
-        <p:nvPicPr>
-          <p:cNvPr id="12" name="Picture 20" descr="header_small"/>
-          <p:cNvPicPr>
-            <a:picLocks noChangeAspect="1" noChangeArrowheads="1"/>
-          </p:cNvPicPr>
-          <p:nvPr userDrawn="1"/>
-        </p:nvPicPr>
-        <p:blipFill>
-          <a:blip r:embed="rId5">
-            <a:extLst>
-              <a:ext uri="{28A0092B-C50C-407E-A947-70E740481C1C}">
-                <a14:useLocalDpi xmlns:a14="http://schemas.microsoft.com/office/drawing/2010/main" val="0"/>
-              </a:ext>
-            </a:extLst>
-          </a:blip>
-          <a:srcRect/>
-          <a:stretch>
-            <a:fillRect/>
-          </a:stretch>
-        </p:blipFill>
-        <p:spPr bwMode="auto">
-          <a:xfrm>
-            <a:off x="6732240" y="333375"/>
-            <a:ext cx="2160587" cy="412750"/>
-          </a:xfrm>
-          <a:prstGeom prst="rect">
-            <a:avLst/>
-          </a:prstGeom>
-          <a:noFill/>
-          <a:ln>
-            <a:noFill/>
-          </a:ln>
-          <a:extLst>
-            <a:ext uri="{909E8E84-426E-40DD-AFC4-6F175D3DCCD1}">
-              <a14:hiddenFill xmlns:a14="http://schemas.microsoft.com/office/drawing/2010/main">
-                <a:solidFill>
-                  <a:srgbClr val="FFFFFF"/>
-                </a:solidFill>
-              </a14:hiddenFill>
-            </a:ext>
-            <a:ext uri="{91240B29-F687-4F45-9708-019B960494DF}">
-              <a14:hiddenLine xmlns:a14="http://schemas.microsoft.com/office/drawing/2010/main" w="9525">
-                <a:solidFill>
-                  <a:srgbClr val="000000"/>
-                </a:solidFill>
-                <a:miter lim="800000"/>
-                <a:headEnd/>
-                <a:tailEnd/>
-              </a14:hiddenLine>
-            </a:ext>
-          </a:extLst>
-        </p:spPr>
-      </p:pic>
     </p:spTree>
     <p:extLst>
       <p:ext uri="{BB962C8B-B14F-4D97-AF65-F5344CB8AC3E}">
@@ -4459,7 +4221,7 @@
               <a:pPr eaLnBrk="1" hangingPunct="1">
                 <a:defRPr/>
               </a:pPr>
-              <a:t>09.10.2018</a:t>
+              <a:t>10.10.2018</a:t>
             </a:fld>
             <a:endParaRPr lang="de-DE" altLang="de-DE" sz="900"/>
           </a:p>
@@ -4539,60 +4301,6 @@
           </a:p>
         </p:txBody>
       </p:sp>
-      <p:pic>
-        <p:nvPicPr>
-          <p:cNvPr id="10" name="Picture 20" descr="header_small"/>
-          <p:cNvPicPr>
-            <a:picLocks noChangeAspect="1" noChangeArrowheads="1"/>
-          </p:cNvPicPr>
-          <p:nvPr userDrawn="1"/>
-        </p:nvPicPr>
-        <p:blipFill>
-          <a:blip r:embed="rId15" cstate="print">
-            <a:extLst>
-              <a:ext uri="{28A0092B-C50C-407E-A947-70E740481C1C}">
-                <a14:useLocalDpi xmlns:a14="http://schemas.microsoft.com/office/drawing/2010/main" val="0"/>
-              </a:ext>
-            </a:extLst>
-          </a:blip>
-          <a:srcRect/>
-          <a:stretch>
-            <a:fillRect/>
-          </a:stretch>
-        </p:blipFill>
-        <p:spPr bwMode="auto">
-          <a:xfrm>
-            <a:off x="7667624" y="911604"/>
-            <a:ext cx="1076325" cy="205617"/>
-          </a:xfrm>
-          <a:prstGeom prst="rect">
-            <a:avLst/>
-          </a:prstGeom>
-          <a:noFill/>
-          <a:ln>
-            <a:noFill/>
-          </a:ln>
-          <a:extLst>
-            <a:ext uri="{909E8E84-426E-40DD-AFC4-6F175D3DCCD1}">
-              <a14:hiddenFill xmlns:a14="http://schemas.microsoft.com/office/drawing/2010/main">
-                <a:solidFill>
-                  <a:srgbClr val="FFFFFF"/>
-                </a:solidFill>
-              </a14:hiddenFill>
-            </a:ext>
-            <a:ext uri="{91240B29-F687-4F45-9708-019B960494DF}">
-              <a14:hiddenLine xmlns:a14="http://schemas.microsoft.com/office/drawing/2010/main" w="9525">
-                <a:solidFill>
-                  <a:srgbClr val="000000"/>
-                </a:solidFill>
-                <a:miter lim="800000"/>
-                <a:headEnd/>
-                <a:tailEnd/>
-              </a14:hiddenLine>
-            </a:ext>
-          </a:extLst>
-        </p:spPr>
-      </p:pic>
     </p:spTree>
   </p:cSld>
   <p:clrMap bg1="lt1" tx1="dk1" bg2="lt2" tx2="dk2" accent1="accent1" accent2="accent2" accent3="accent3" accent4="accent4" accent5="accent5" accent6="accent6" hlink="hlink" folHlink="folHlink"/>
@@ -4750,7 +4458,7 @@
           <a:spcPct val="0"/>
         </a:spcAft>
         <a:buBlip>
-          <a:blip r:embed="rId16"/>
+          <a:blip r:embed="rId15"/>
         </a:buBlip>
         <a:defRPr sz="2000">
           <a:solidFill>
@@ -4769,7 +4477,7 @@
           <a:spcPct val="0"/>
         </a:spcAft>
         <a:buBlip>
-          <a:blip r:embed="rId17"/>
+          <a:blip r:embed="rId16"/>
         </a:buBlip>
         <a:defRPr>
           <a:solidFill>
@@ -4786,7 +4494,7 @@
           <a:spcPct val="0"/>
         </a:spcAft>
         <a:buBlip>
-          <a:blip r:embed="rId18"/>
+          <a:blip r:embed="rId17"/>
         </a:buBlip>
         <a:defRPr sz="1600">
           <a:solidFill>
@@ -4803,7 +4511,7 @@
           <a:spcPct val="0"/>
         </a:spcAft>
         <a:buBlip>
-          <a:blip r:embed="rId18"/>
+          <a:blip r:embed="rId17"/>
         </a:buBlip>
         <a:defRPr sz="1600">
           <a:solidFill>
@@ -4820,7 +4528,7 @@
           <a:spcPct val="0"/>
         </a:spcAft>
         <a:buBlip>
-          <a:blip r:embed="rId18"/>
+          <a:blip r:embed="rId17"/>
         </a:buBlip>
         <a:defRPr sz="1600">
           <a:solidFill>
@@ -4838,7 +4546,7 @@
         </a:spcAft>
         <a:buSzPct val="60000"/>
         <a:buBlip>
-          <a:blip r:embed="rId19"/>
+          <a:blip r:embed="rId18"/>
         </a:buBlip>
         <a:defRPr sz="1400">
           <a:solidFill>
@@ -4856,7 +4564,7 @@
         </a:spcAft>
         <a:buSzPct val="60000"/>
         <a:buBlip>
-          <a:blip r:embed="rId19"/>
+          <a:blip r:embed="rId18"/>
         </a:buBlip>
         <a:defRPr sz="1400">
           <a:solidFill>
@@ -4874,7 +4582,7 @@
         </a:spcAft>
         <a:buSzPct val="60000"/>
         <a:buBlip>
-          <a:blip r:embed="rId19"/>
+          <a:blip r:embed="rId18"/>
         </a:buBlip>
         <a:defRPr sz="1400">
           <a:solidFill>
@@ -4892,7 +4600,7 @@
         </a:spcAft>
         <a:buSzPct val="60000"/>
         <a:buBlip>
-          <a:blip r:embed="rId19"/>
+          <a:blip r:embed="rId18"/>
         </a:buBlip>
         <a:defRPr sz="1400">
           <a:solidFill>
@@ -5404,6 +5112,132 @@
       </p:grpSpPr>
       <p:sp>
         <p:nvSpPr>
+          <p:cNvPr id="4099" name="Rectangle 2"/>
+          <p:cNvSpPr>
+            <a:spLocks noGrp="1" noChangeArrowheads="1"/>
+          </p:cNvSpPr>
+          <p:nvPr>
+            <p:ph type="title"/>
+          </p:nvPr>
+        </p:nvSpPr>
+        <p:spPr/>
+        <p:txBody>
+          <a:bodyPr/>
+          <a:lstStyle/>
+          <a:p>
+            <a:r>
+              <a:rPr lang="de-DE" altLang="de-DE" dirty="0"/>
+              <a:t>Design</a:t>
+            </a:r>
+          </a:p>
+        </p:txBody>
+      </p:sp>
+      <p:sp>
+        <p:nvSpPr>
+          <p:cNvPr id="4100" name="Rectangle 3"/>
+          <p:cNvSpPr>
+            <a:spLocks noGrp="1" noChangeArrowheads="1"/>
+          </p:cNvSpPr>
+          <p:nvPr>
+            <p:ph idx="1"/>
+          </p:nvPr>
+        </p:nvSpPr>
+        <p:spPr/>
+        <p:txBody>
+          <a:bodyPr/>
+          <a:lstStyle/>
+          <a:p>
+            <a:r>
+              <a:rPr lang="de-DE" altLang="de-DE" dirty="0"/>
+              <a:t>MITK-</a:t>
+            </a:r>
+            <a:r>
+              <a:rPr lang="de-DE" altLang="de-DE" dirty="0" err="1"/>
+              <a:t>Workbench</a:t>
+            </a:r>
+            <a:endParaRPr lang="de-DE" altLang="de-DE" dirty="0"/>
+          </a:p>
+          <a:p>
+            <a:pPr lvl="1"/>
+            <a:r>
+              <a:rPr lang="de-DE" altLang="de-DE" dirty="0"/>
+              <a:t>Freeware vom Deutschen Krebsforschungszentrum</a:t>
+            </a:r>
+          </a:p>
+          <a:p>
+            <a:r>
+              <a:rPr lang="de-DE" altLang="de-DE" dirty="0" err="1"/>
+              <a:t>VolumeRenderer</a:t>
+            </a:r>
+            <a:endParaRPr lang="de-DE" altLang="de-DE" dirty="0"/>
+          </a:p>
+          <a:p>
+            <a:pPr lvl="1"/>
+            <a:r>
+              <a:rPr lang="de-DE" altLang="de-DE" dirty="0"/>
+              <a:t>C#, Unity</a:t>
+            </a:r>
+          </a:p>
+          <a:p>
+            <a:pPr lvl="1"/>
+            <a:r>
+              <a:rPr lang="de-DE" altLang="de-DE" dirty="0"/>
+              <a:t>Vorarbeit des IPRs</a:t>
+            </a:r>
+          </a:p>
+          <a:p>
+            <a:pPr lvl="1"/>
+            <a:r>
+              <a:rPr lang="de-DE" altLang="de-DE" dirty="0"/>
+              <a:t>Kleine Erweiterungen</a:t>
+            </a:r>
+          </a:p>
+          <a:p>
+            <a:r>
+              <a:rPr lang="de-DE" altLang="de-DE" dirty="0" err="1"/>
+              <a:t>VolumeRenderHelper</a:t>
+            </a:r>
+            <a:endParaRPr lang="de-DE" altLang="de-DE" dirty="0"/>
+          </a:p>
+          <a:p>
+            <a:pPr lvl="1"/>
+            <a:r>
+              <a:rPr lang="de-DE" altLang="de-DE" dirty="0"/>
+              <a:t>C#, Kommandozeile</a:t>
+            </a:r>
+          </a:p>
+          <a:p>
+            <a:pPr lvl="1"/>
+            <a:r>
+              <a:rPr lang="de-DE" altLang="de-DE" dirty="0"/>
+              <a:t>Vorarbeit des IPRs</a:t>
+            </a:r>
+          </a:p>
+          <a:p>
+            <a:pPr lvl="1"/>
+            <a:r>
+              <a:rPr lang="de-DE" altLang="de-DE" dirty="0"/>
+              <a:t>Wurde in dieser Arbeit erweitert</a:t>
+            </a:r>
+          </a:p>
+          <a:p>
+            <a:r>
+              <a:rPr lang="de-DE" altLang="de-DE" dirty="0" err="1"/>
+              <a:t>PlotHelper</a:t>
+            </a:r>
+            <a:endParaRPr lang="de-DE" altLang="de-DE" dirty="0"/>
+          </a:p>
+          <a:p>
+            <a:pPr lvl="1"/>
+            <a:r>
+              <a:rPr lang="de-DE" altLang="de-DE" dirty="0"/>
+              <a:t>Python</a:t>
+            </a:r>
+          </a:p>
+        </p:txBody>
+      </p:sp>
+      <p:sp>
+        <p:nvSpPr>
           <p:cNvPr id="4098" name="Rectangle 12"/>
           <p:cNvSpPr>
             <a:spLocks noGrp="1" noChangeArrowheads="1"/>
@@ -5537,102 +5371,183 @@
           </a:p>
         </p:txBody>
       </p:sp>
-      <p:sp>
-        <p:nvSpPr>
-          <p:cNvPr id="4099" name="Rectangle 2"/>
-          <p:cNvSpPr>
-            <a:spLocks noGrp="1" noChangeArrowheads="1"/>
-          </p:cNvSpPr>
-          <p:nvPr>
-            <p:ph type="title"/>
-          </p:nvPr>
-        </p:nvSpPr>
-        <p:spPr/>
-        <p:txBody>
-          <a:bodyPr/>
-          <a:lstStyle/>
-          <a:p>
-            <a:r>
-              <a:rPr lang="de-DE" altLang="de-DE" dirty="0"/>
-              <a:t>Design</a:t>
-            </a:r>
-          </a:p>
-        </p:txBody>
-      </p:sp>
-      <p:sp>
-        <p:nvSpPr>
-          <p:cNvPr id="4100" name="Rectangle 3"/>
-          <p:cNvSpPr>
-            <a:spLocks noGrp="1" noChangeArrowheads="1"/>
-          </p:cNvSpPr>
-          <p:nvPr>
-            <p:ph type="body" idx="1"/>
-          </p:nvPr>
-        </p:nvSpPr>
-        <p:spPr/>
-        <p:txBody>
-          <a:bodyPr/>
-          <a:lstStyle/>
-          <a:p>
-            <a:r>
-              <a:rPr lang="de-DE" altLang="de-DE" dirty="0"/>
-              <a:t>Vier Programme</a:t>
-            </a:r>
-          </a:p>
-          <a:p>
-            <a:pPr lvl="1"/>
-            <a:r>
-              <a:rPr lang="de-DE" altLang="de-DE" dirty="0"/>
-              <a:t>MITK-</a:t>
-            </a:r>
-            <a:r>
-              <a:rPr lang="de-DE" altLang="de-DE" dirty="0" err="1"/>
-              <a:t>Workbench</a:t>
-            </a:r>
-            <a:endParaRPr lang="de-DE" altLang="de-DE" dirty="0"/>
-          </a:p>
-          <a:p>
-            <a:pPr lvl="1"/>
-            <a:r>
-              <a:rPr lang="de-DE" altLang="de-DE" dirty="0" err="1"/>
-              <a:t>VolumeRenderHelper</a:t>
-            </a:r>
-            <a:endParaRPr lang="de-DE" altLang="de-DE" dirty="0"/>
-          </a:p>
-          <a:p>
-            <a:pPr lvl="1"/>
-            <a:r>
-              <a:rPr lang="de-DE" altLang="de-DE" dirty="0" err="1"/>
-              <a:t>VolumeRenderer</a:t>
-            </a:r>
-            <a:endParaRPr lang="de-DE" altLang="de-DE" dirty="0"/>
-          </a:p>
-          <a:p>
-            <a:pPr lvl="1"/>
-            <a:r>
-              <a:rPr lang="de-DE" altLang="de-DE" dirty="0" err="1"/>
-              <a:t>PlotHelper</a:t>
-            </a:r>
-            <a:endParaRPr lang="de-DE" altLang="de-DE" dirty="0"/>
-          </a:p>
-          <a:p>
-            <a:pPr lvl="1"/>
-            <a:endParaRPr lang="de-DE" altLang="de-DE" dirty="0"/>
-          </a:p>
-          <a:p>
-            <a:r>
-              <a:rPr lang="de-DE" altLang="de-DE" dirty="0"/>
-              <a:t>Vorarbeit des IPRs</a:t>
-            </a:r>
-          </a:p>
-          <a:p>
-            <a:pPr marL="0" indent="0">
-              <a:buNone/>
-            </a:pPr>
-            <a:endParaRPr lang="de-DE" altLang="de-DE" dirty="0"/>
-          </a:p>
-        </p:txBody>
-      </p:sp>
+      <p:pic>
+        <p:nvPicPr>
+          <p:cNvPr id="1026" name="Picture 2" descr="Bildergebnis für unity">
+            <a:extLst>
+              <a:ext uri="{FF2B5EF4-FFF2-40B4-BE49-F238E27FC236}">
+                <a16:creationId xmlns:a16="http://schemas.microsoft.com/office/drawing/2014/main" id="{51B82746-1D4C-4F54-B377-60F48E4662AE}"/>
+              </a:ext>
+            </a:extLst>
+          </p:cNvPr>
+          <p:cNvPicPr>
+            <a:picLocks noChangeAspect="1" noChangeArrowheads="1"/>
+          </p:cNvPicPr>
+          <p:nvPr/>
+        </p:nvPicPr>
+        <p:blipFill>
+          <a:blip r:embed="rId2" cstate="print">
+            <a:extLst>
+              <a:ext uri="{28A0092B-C50C-407E-A947-70E740481C1C}">
+                <a14:useLocalDpi xmlns:a14="http://schemas.microsoft.com/office/drawing/2010/main" val="0"/>
+              </a:ext>
+            </a:extLst>
+          </a:blip>
+          <a:srcRect/>
+          <a:stretch>
+            <a:fillRect/>
+          </a:stretch>
+        </p:blipFill>
+        <p:spPr bwMode="auto">
+          <a:xfrm>
+            <a:off x="6821303" y="2270186"/>
+            <a:ext cx="1328749" cy="482594"/>
+          </a:xfrm>
+          <a:prstGeom prst="rect">
+            <a:avLst/>
+          </a:prstGeom>
+          <a:noFill/>
+          <a:extLst>
+            <a:ext uri="{909E8E84-426E-40DD-AFC4-6F175D3DCCD1}">
+              <a14:hiddenFill xmlns:a14="http://schemas.microsoft.com/office/drawing/2010/main">
+                <a:solidFill>
+                  <a:srgbClr val="FFFFFF"/>
+                </a:solidFill>
+              </a14:hiddenFill>
+            </a:ext>
+          </a:extLst>
+        </p:spPr>
+      </p:pic>
+      <p:pic>
+        <p:nvPicPr>
+          <p:cNvPr id="1028" name="Picture 4" descr="Bildergebnis für mitk">
+            <a:extLst>
+              <a:ext uri="{FF2B5EF4-FFF2-40B4-BE49-F238E27FC236}">
+                <a16:creationId xmlns:a16="http://schemas.microsoft.com/office/drawing/2014/main" id="{F700379F-8109-458B-9050-B5D7ABA357DB}"/>
+              </a:ext>
+            </a:extLst>
+          </p:cNvPr>
+          <p:cNvPicPr>
+            <a:picLocks noChangeAspect="1" noChangeArrowheads="1"/>
+          </p:cNvPicPr>
+          <p:nvPr/>
+        </p:nvPicPr>
+        <p:blipFill>
+          <a:blip r:embed="rId3" cstate="print">
+            <a:extLst>
+              <a:ext uri="{28A0092B-C50C-407E-A947-70E740481C1C}">
+                <a14:useLocalDpi xmlns:a14="http://schemas.microsoft.com/office/drawing/2010/main" val="0"/>
+              </a:ext>
+            </a:extLst>
+          </a:blip>
+          <a:srcRect/>
+          <a:stretch>
+            <a:fillRect/>
+          </a:stretch>
+        </p:blipFill>
+        <p:spPr bwMode="auto">
+          <a:xfrm>
+            <a:off x="6588221" y="1435167"/>
+            <a:ext cx="1794911" cy="482594"/>
+          </a:xfrm>
+          <a:prstGeom prst="rect">
+            <a:avLst/>
+          </a:prstGeom>
+          <a:noFill/>
+          <a:extLst>
+            <a:ext uri="{909E8E84-426E-40DD-AFC4-6F175D3DCCD1}">
+              <a14:hiddenFill xmlns:a14="http://schemas.microsoft.com/office/drawing/2010/main">
+                <a:solidFill>
+                  <a:srgbClr val="FFFFFF"/>
+                </a:solidFill>
+              </a14:hiddenFill>
+            </a:ext>
+          </a:extLst>
+        </p:spPr>
+      </p:pic>
+      <p:pic>
+        <p:nvPicPr>
+          <p:cNvPr id="1030" name="Picture 6" descr="Bildergebnis für python">
+            <a:extLst>
+              <a:ext uri="{FF2B5EF4-FFF2-40B4-BE49-F238E27FC236}">
+                <a16:creationId xmlns:a16="http://schemas.microsoft.com/office/drawing/2014/main" id="{4FCE062C-F299-4F8D-B8D6-78DBF14C70F7}"/>
+              </a:ext>
+            </a:extLst>
+          </p:cNvPr>
+          <p:cNvPicPr>
+            <a:picLocks noChangeAspect="1" noChangeArrowheads="1"/>
+          </p:cNvPicPr>
+          <p:nvPr/>
+        </p:nvPicPr>
+        <p:blipFill>
+          <a:blip r:embed="rId4" cstate="print">
+            <a:extLst>
+              <a:ext uri="{28A0092B-C50C-407E-A947-70E740481C1C}">
+                <a14:useLocalDpi xmlns:a14="http://schemas.microsoft.com/office/drawing/2010/main" val="0"/>
+              </a:ext>
+            </a:extLst>
+          </a:blip>
+          <a:srcRect/>
+          <a:stretch>
+            <a:fillRect/>
+          </a:stretch>
+        </p:blipFill>
+        <p:spPr bwMode="auto">
+          <a:xfrm>
+            <a:off x="6996047" y="4547049"/>
+            <a:ext cx="979258" cy="979258"/>
+          </a:xfrm>
+          <a:prstGeom prst="rect">
+            <a:avLst/>
+          </a:prstGeom>
+          <a:noFill/>
+          <a:extLst>
+            <a:ext uri="{909E8E84-426E-40DD-AFC4-6F175D3DCCD1}">
+              <a14:hiddenFill xmlns:a14="http://schemas.microsoft.com/office/drawing/2010/main">
+                <a:solidFill>
+                  <a:srgbClr val="FFFFFF"/>
+                </a:solidFill>
+              </a14:hiddenFill>
+            </a:ext>
+          </a:extLst>
+        </p:spPr>
+      </p:pic>
+      <p:pic>
+        <p:nvPicPr>
+          <p:cNvPr id="3" name="Grafik 2">
+            <a:extLst>
+              <a:ext uri="{FF2B5EF4-FFF2-40B4-BE49-F238E27FC236}">
+                <a16:creationId xmlns:a16="http://schemas.microsoft.com/office/drawing/2014/main" id="{9ACFB3A0-1997-4F3C-AB54-D8D199F87DD7}"/>
+              </a:ext>
+            </a:extLst>
+          </p:cNvPr>
+          <p:cNvPicPr>
+            <a:picLocks noChangeAspect="1"/>
+          </p:cNvPicPr>
+          <p:nvPr/>
+        </p:nvPicPr>
+        <p:blipFill>
+          <a:blip r:embed="rId5" cstate="print">
+            <a:extLst>
+              <a:ext uri="{28A0092B-C50C-407E-A947-70E740481C1C}">
+                <a14:useLocalDpi xmlns:a14="http://schemas.microsoft.com/office/drawing/2010/main" val="0"/>
+              </a:ext>
+            </a:extLst>
+          </a:blip>
+          <a:stretch>
+            <a:fillRect/>
+          </a:stretch>
+        </p:blipFill>
+        <p:spPr>
+          <a:xfrm>
+            <a:off x="6923927" y="3088165"/>
+            <a:ext cx="1123498" cy="1123498"/>
+          </a:xfrm>
+          <a:prstGeom prst="rect">
+            <a:avLst/>
+          </a:prstGeom>
+        </p:spPr>
+      </p:pic>
     </p:spTree>
     <p:extLst>
       <p:ext uri="{BB962C8B-B14F-4D97-AF65-F5344CB8AC3E}">
@@ -5665,6 +5580,47 @@
       </p:grpSpPr>
       <p:sp>
         <p:nvSpPr>
+          <p:cNvPr id="4099" name="Rectangle 2"/>
+          <p:cNvSpPr>
+            <a:spLocks noGrp="1" noChangeArrowheads="1"/>
+          </p:cNvSpPr>
+          <p:nvPr>
+            <p:ph type="title"/>
+          </p:nvPr>
+        </p:nvSpPr>
+        <p:spPr/>
+        <p:txBody>
+          <a:bodyPr/>
+          <a:lstStyle/>
+          <a:p>
+            <a:r>
+              <a:rPr lang="de-DE" altLang="de-DE" dirty="0"/>
+              <a:t>Design</a:t>
+            </a:r>
+          </a:p>
+        </p:txBody>
+      </p:sp>
+      <p:sp>
+        <p:nvSpPr>
+          <p:cNvPr id="4100" name="Rectangle 3"/>
+          <p:cNvSpPr>
+            <a:spLocks noGrp="1" noChangeArrowheads="1"/>
+          </p:cNvSpPr>
+          <p:nvPr>
+            <p:ph idx="1"/>
+          </p:nvPr>
+        </p:nvSpPr>
+        <p:spPr/>
+        <p:txBody>
+          <a:bodyPr/>
+          <a:lstStyle/>
+          <a:p>
+            <a:endParaRPr lang="de-DE" altLang="de-DE" dirty="0"/>
+          </a:p>
+        </p:txBody>
+      </p:sp>
+      <p:sp>
+        <p:nvSpPr>
           <p:cNvPr id="4098" name="Rectangle 12"/>
           <p:cNvSpPr>
             <a:spLocks noGrp="1" noChangeArrowheads="1"/>
@@ -5795,47 +5751,6 @@
                 <a:schemeClr val="tx2"/>
               </a:solidFill>
             </a:endParaRPr>
-          </a:p>
-        </p:txBody>
-      </p:sp>
-      <p:sp>
-        <p:nvSpPr>
-          <p:cNvPr id="4099" name="Rectangle 2"/>
-          <p:cNvSpPr>
-            <a:spLocks noGrp="1" noChangeArrowheads="1"/>
-          </p:cNvSpPr>
-          <p:nvPr>
-            <p:ph type="title"/>
-          </p:nvPr>
-        </p:nvSpPr>
-        <p:spPr/>
-        <p:txBody>
-          <a:bodyPr/>
-          <a:lstStyle/>
-          <a:p>
-            <a:r>
-              <a:rPr lang="de-DE" altLang="de-DE" dirty="0"/>
-              <a:t>Design</a:t>
-            </a:r>
-          </a:p>
-        </p:txBody>
-      </p:sp>
-      <p:sp>
-        <p:nvSpPr>
-          <p:cNvPr id="4100" name="Rectangle 3"/>
-          <p:cNvSpPr>
-            <a:spLocks noGrp="1" noChangeArrowheads="1"/>
-          </p:cNvSpPr>
-          <p:nvPr>
-            <p:ph type="body" idx="1"/>
-          </p:nvPr>
-        </p:nvSpPr>
-        <p:spPr/>
-        <p:txBody>
-          <a:bodyPr/>
-          <a:lstStyle/>
-          <a:p>
-            <a:endParaRPr lang="de-DE" altLang="de-DE" dirty="0"/>
           </a:p>
         </p:txBody>
       </p:sp>
@@ -5867,8 +5782,8 @@
         </p:blipFill>
         <p:spPr>
           <a:xfrm>
-            <a:off x="2759412" y="1198563"/>
-            <a:ext cx="3622002" cy="4894262"/>
+            <a:off x="2340438" y="188640"/>
+            <a:ext cx="4459950" cy="6026547"/>
           </a:xfrm>
           <a:prstGeom prst="rect">
             <a:avLst/>
@@ -5907,6 +5822,62 @@
       </p:grpSpPr>
       <p:sp>
         <p:nvSpPr>
+          <p:cNvPr id="4099" name="Rectangle 2"/>
+          <p:cNvSpPr>
+            <a:spLocks noGrp="1" noChangeArrowheads="1"/>
+          </p:cNvSpPr>
+          <p:nvPr>
+            <p:ph type="title"/>
+          </p:nvPr>
+        </p:nvSpPr>
+        <p:spPr/>
+        <p:txBody>
+          <a:bodyPr/>
+          <a:lstStyle/>
+          <a:p>
+            <a:r>
+              <a:rPr lang="de-DE" altLang="de-DE" dirty="0"/>
+              <a:t>Implementierung</a:t>
+            </a:r>
+          </a:p>
+        </p:txBody>
+      </p:sp>
+      <p:sp>
+        <p:nvSpPr>
+          <p:cNvPr id="4100" name="Rectangle 3"/>
+          <p:cNvSpPr>
+            <a:spLocks noGrp="1" noChangeArrowheads="1"/>
+          </p:cNvSpPr>
+          <p:nvPr>
+            <p:ph idx="1"/>
+          </p:nvPr>
+        </p:nvSpPr>
+        <p:spPr/>
+        <p:txBody>
+          <a:bodyPr/>
+          <a:lstStyle/>
+          <a:p>
+            <a:r>
+              <a:rPr lang="de-DE" altLang="de-DE" dirty="0"/>
+              <a:t>Mit Parameter von Nguyen wurde das Gehirn als ein paar wenige Cluster erkannt</a:t>
+            </a:r>
+          </a:p>
+          <a:p>
+            <a:r>
+              <a:rPr lang="de-DE" altLang="de-DE" dirty="0"/>
+              <a:t>Parameter auf Intensitätswerte des Gehirns anpassen</a:t>
+            </a:r>
+          </a:p>
+          <a:p>
+            <a:pPr marL="0" indent="0">
+              <a:buNone/>
+            </a:pPr>
+            <a:endParaRPr lang="de-DE" altLang="de-DE" dirty="0"/>
+          </a:p>
+        </p:txBody>
+      </p:sp>
+      <p:sp>
+        <p:nvSpPr>
           <p:cNvPr id="4098" name="Rectangle 12"/>
           <p:cNvSpPr>
             <a:spLocks noGrp="1" noChangeArrowheads="1"/>
@@ -6037,62 +6008,6 @@
                 <a:schemeClr val="tx2"/>
               </a:solidFill>
             </a:endParaRPr>
-          </a:p>
-        </p:txBody>
-      </p:sp>
-      <p:sp>
-        <p:nvSpPr>
-          <p:cNvPr id="4099" name="Rectangle 2"/>
-          <p:cNvSpPr>
-            <a:spLocks noGrp="1" noChangeArrowheads="1"/>
-          </p:cNvSpPr>
-          <p:nvPr>
-            <p:ph type="title"/>
-          </p:nvPr>
-        </p:nvSpPr>
-        <p:spPr/>
-        <p:txBody>
-          <a:bodyPr/>
-          <a:lstStyle/>
-          <a:p>
-            <a:r>
-              <a:rPr lang="de-DE" altLang="de-DE" dirty="0"/>
-              <a:t>Implementierung</a:t>
-            </a:r>
-          </a:p>
-        </p:txBody>
-      </p:sp>
-      <p:sp>
-        <p:nvSpPr>
-          <p:cNvPr id="4100" name="Rectangle 3"/>
-          <p:cNvSpPr>
-            <a:spLocks noGrp="1" noChangeArrowheads="1"/>
-          </p:cNvSpPr>
-          <p:nvPr>
-            <p:ph type="body" idx="1"/>
-          </p:nvPr>
-        </p:nvSpPr>
-        <p:spPr/>
-        <p:txBody>
-          <a:bodyPr/>
-          <a:lstStyle/>
-          <a:p>
-            <a:r>
-              <a:rPr lang="de-DE" altLang="de-DE" dirty="0"/>
-              <a:t>Mit Parameter von Nguyen wurde das Gehirn als ein paar wenige Cluster erkannt</a:t>
-            </a:r>
-          </a:p>
-          <a:p>
-            <a:r>
-              <a:rPr lang="de-DE" altLang="de-DE" dirty="0"/>
-              <a:t>Parameter auf Intensitätswerte des Gehirns anpassen</a:t>
-            </a:r>
-          </a:p>
-          <a:p>
-            <a:pPr marL="0" indent="0">
-              <a:buNone/>
-            </a:pPr>
-            <a:endParaRPr lang="de-DE" altLang="de-DE" dirty="0"/>
           </a:p>
         </p:txBody>
       </p:sp>
@@ -6132,6 +6047,41 @@
           </a:prstGeom>
         </p:spPr>
       </p:pic>
+      <p:sp>
+        <p:nvSpPr>
+          <p:cNvPr id="4" name="Textfeld 3">
+            <a:extLst>
+              <a:ext uri="{FF2B5EF4-FFF2-40B4-BE49-F238E27FC236}">
+                <a16:creationId xmlns:a16="http://schemas.microsoft.com/office/drawing/2014/main" id="{38BF9793-B7FE-434F-83DF-540F6BDD23E0}"/>
+              </a:ext>
+            </a:extLst>
+          </p:cNvPr>
+          <p:cNvSpPr txBox="1"/>
+          <p:nvPr/>
+        </p:nvSpPr>
+        <p:spPr>
+          <a:xfrm>
+            <a:off x="4066357" y="5085184"/>
+            <a:ext cx="1008112" cy="369332"/>
+          </a:xfrm>
+          <a:prstGeom prst="rect">
+            <a:avLst/>
+          </a:prstGeom>
+          <a:noFill/>
+        </p:spPr>
+        <p:txBody>
+          <a:bodyPr wrap="square" rtlCol="0">
+            <a:spAutoFit/>
+          </a:bodyPr>
+          <a:lstStyle/>
+          <a:p>
+            <a:r>
+              <a:rPr lang="de-DE" dirty="0"/>
+              <a:t>Gehirn</a:t>
+            </a:r>
+          </a:p>
+        </p:txBody>
+      </p:sp>
     </p:spTree>
     <p:extLst>
       <p:ext uri="{BB962C8B-B14F-4D97-AF65-F5344CB8AC3E}">
@@ -6164,6 +6114,133 @@
       </p:grpSpPr>
       <p:sp>
         <p:nvSpPr>
+          <p:cNvPr id="4099" name="Rectangle 2"/>
+          <p:cNvSpPr>
+            <a:spLocks noGrp="1" noChangeArrowheads="1"/>
+          </p:cNvSpPr>
+          <p:nvPr>
+            <p:ph type="title"/>
+          </p:nvPr>
+        </p:nvSpPr>
+        <p:spPr/>
+        <p:txBody>
+          <a:bodyPr/>
+          <a:lstStyle/>
+          <a:p>
+            <a:r>
+              <a:rPr lang="de-DE" altLang="de-DE" dirty="0"/>
+              <a:t>Ergebnisse – Datensätze</a:t>
+            </a:r>
+          </a:p>
+        </p:txBody>
+      </p:sp>
+      <p:sp>
+        <p:nvSpPr>
+          <p:cNvPr id="4100" name="Rectangle 3"/>
+          <p:cNvSpPr>
+            <a:spLocks noGrp="1" noChangeArrowheads="1"/>
+          </p:cNvSpPr>
+          <p:nvPr>
+            <p:ph idx="1"/>
+          </p:nvPr>
+        </p:nvSpPr>
+        <p:spPr/>
+        <p:txBody>
+          <a:bodyPr>
+            <a:normAutofit/>
+          </a:bodyPr>
+          <a:lstStyle/>
+          <a:p>
+            <a:r>
+              <a:rPr lang="de-DE" altLang="de-DE" dirty="0"/>
+              <a:t>Verschiedene Datensätze getestet</a:t>
+            </a:r>
+          </a:p>
+          <a:p>
+            <a:pPr lvl="1"/>
+            <a:r>
+              <a:rPr lang="de-DE" altLang="de-DE" dirty="0"/>
+              <a:t>Normale</a:t>
+            </a:r>
+          </a:p>
+          <a:p>
+            <a:pPr lvl="1"/>
+            <a:r>
+              <a:rPr lang="de-DE" altLang="de-DE" dirty="0"/>
+              <a:t>Schlanke</a:t>
+            </a:r>
+          </a:p>
+          <a:p>
+            <a:pPr lvl="1"/>
+            <a:r>
+              <a:rPr lang="de-DE" altLang="de-DE" dirty="0" err="1"/>
+              <a:t>Mittellinienshift</a:t>
+            </a:r>
+            <a:endParaRPr lang="de-DE" altLang="de-DE" dirty="0"/>
+          </a:p>
+          <a:p>
+            <a:pPr lvl="1"/>
+            <a:r>
+              <a:rPr lang="de-DE" altLang="de-DE" dirty="0"/>
+              <a:t>Deformiert</a:t>
+            </a:r>
+          </a:p>
+          <a:p>
+            <a:pPr lvl="1"/>
+            <a:r>
+              <a:rPr lang="de-DE" altLang="de-DE" dirty="0"/>
+              <a:t>Atrophie</a:t>
+            </a:r>
+          </a:p>
+          <a:p>
+            <a:pPr lvl="1"/>
+            <a:r>
+              <a:rPr lang="de-DE" dirty="0"/>
+              <a:t>Hydrocephalus-</a:t>
+            </a:r>
+            <a:r>
+              <a:rPr lang="de-DE" dirty="0" err="1"/>
+              <a:t>Ventrikelblut</a:t>
+            </a:r>
+            <a:endParaRPr lang="de-DE" dirty="0"/>
+          </a:p>
+          <a:p>
+            <a:pPr lvl="1"/>
+            <a:r>
+              <a:rPr lang="de-DE" dirty="0" err="1"/>
+              <a:t>Subarachnoidale</a:t>
+            </a:r>
+            <a:r>
+              <a:rPr lang="de-DE" dirty="0"/>
+              <a:t> Einblutung</a:t>
+            </a:r>
+          </a:p>
+          <a:p>
+            <a:pPr lvl="1"/>
+            <a:r>
+              <a:rPr lang="de-DE" dirty="0"/>
+              <a:t>Blut-resorbiert</a:t>
+            </a:r>
+          </a:p>
+          <a:p>
+            <a:endParaRPr lang="de-DE" altLang="de-DE" dirty="0"/>
+          </a:p>
+          <a:p>
+            <a:r>
+              <a:rPr lang="de-DE" altLang="de-DE" dirty="0"/>
+              <a:t>Probleme bei auffallenden Besonderheiten</a:t>
+            </a:r>
+          </a:p>
+          <a:p>
+            <a:pPr marL="476250" lvl="1" indent="0">
+              <a:buNone/>
+            </a:pPr>
+            <a:endParaRPr lang="de-DE" altLang="de-DE" dirty="0"/>
+          </a:p>
+        </p:txBody>
+      </p:sp>
+      <p:sp>
+        <p:nvSpPr>
           <p:cNvPr id="4098" name="Rectangle 12"/>
           <p:cNvSpPr>
             <a:spLocks noGrp="1" noChangeArrowheads="1"/>
@@ -6297,143 +6374,10 @@
           </a:p>
         </p:txBody>
       </p:sp>
-      <p:sp>
-        <p:nvSpPr>
-          <p:cNvPr id="4099" name="Rectangle 2"/>
-          <p:cNvSpPr>
-            <a:spLocks noGrp="1" noChangeArrowheads="1"/>
-          </p:cNvSpPr>
-          <p:nvPr>
-            <p:ph type="title"/>
-          </p:nvPr>
-        </p:nvSpPr>
-        <p:spPr/>
-        <p:txBody>
-          <a:bodyPr/>
-          <a:lstStyle/>
-          <a:p>
-            <a:r>
-              <a:rPr lang="de-DE" altLang="de-DE" dirty="0"/>
-              <a:t>Ergebnisse – </a:t>
-            </a:r>
-            <a:r>
-              <a:rPr lang="de-DE" altLang="de-DE" dirty="0" err="1"/>
-              <a:t>Ventrikelsystem</a:t>
-            </a:r>
-            <a:endParaRPr lang="de-DE" altLang="de-DE" dirty="0"/>
-          </a:p>
-        </p:txBody>
-      </p:sp>
-      <p:sp>
-        <p:nvSpPr>
-          <p:cNvPr id="4100" name="Rectangle 3"/>
-          <p:cNvSpPr>
-            <a:spLocks noGrp="1" noChangeArrowheads="1"/>
-          </p:cNvSpPr>
-          <p:nvPr>
-            <p:ph type="body" idx="1"/>
-          </p:nvPr>
-        </p:nvSpPr>
-        <p:spPr/>
-        <p:txBody>
-          <a:bodyPr/>
-          <a:lstStyle/>
-          <a:p>
-            <a:r>
-              <a:rPr lang="de-DE" altLang="de-DE" dirty="0"/>
-              <a:t>Seitenventrikel</a:t>
-            </a:r>
-          </a:p>
-          <a:p>
-            <a:pPr lvl="1"/>
-            <a:r>
-              <a:rPr lang="de-DE" altLang="de-DE" dirty="0"/>
-              <a:t>1a Vorderhorn</a:t>
-            </a:r>
-          </a:p>
-          <a:p>
-            <a:pPr lvl="1"/>
-            <a:r>
-              <a:rPr lang="de-DE" altLang="de-DE" dirty="0"/>
-              <a:t>1b Hinterhorn</a:t>
-            </a:r>
-          </a:p>
-          <a:p>
-            <a:pPr lvl="1"/>
-            <a:r>
-              <a:rPr lang="de-DE" altLang="de-DE" dirty="0"/>
-              <a:t>2 Unterhorn</a:t>
-            </a:r>
-          </a:p>
-          <a:p>
-            <a:endParaRPr lang="de-DE" altLang="de-DE" dirty="0"/>
-          </a:p>
-          <a:p>
-            <a:r>
-              <a:rPr lang="de-DE" altLang="de-DE" dirty="0"/>
-              <a:t>3 Dritter Ventrikel</a:t>
-            </a:r>
-          </a:p>
-          <a:p>
-            <a:endParaRPr lang="de-DE" altLang="de-DE" dirty="0"/>
-          </a:p>
-          <a:p>
-            <a:r>
-              <a:rPr lang="de-DE" altLang="de-DE" dirty="0"/>
-              <a:t>4 Vierter Ventrikel</a:t>
-            </a:r>
-          </a:p>
-          <a:p>
-            <a:endParaRPr lang="de-DE" altLang="de-DE" dirty="0"/>
-          </a:p>
-          <a:p>
-            <a:r>
-              <a:rPr lang="de-DE" altLang="de-DE" dirty="0"/>
-              <a:t>Seitenventrikel sind für die Punktion wichtig </a:t>
-            </a:r>
-          </a:p>
-        </p:txBody>
-      </p:sp>
-      <p:pic>
-        <p:nvPicPr>
-          <p:cNvPr id="3" name="Grafik 2">
-            <a:extLst>
-              <a:ext uri="{FF2B5EF4-FFF2-40B4-BE49-F238E27FC236}">
-                <a16:creationId xmlns:a16="http://schemas.microsoft.com/office/drawing/2014/main" id="{BC797976-23F8-4637-A35C-2DD0194F9FE8}"/>
-              </a:ext>
-            </a:extLst>
-          </p:cNvPr>
-          <p:cNvPicPr>
-            <a:picLocks noChangeAspect="1"/>
-          </p:cNvPicPr>
-          <p:nvPr/>
-        </p:nvPicPr>
-        <p:blipFill>
-          <a:blip r:embed="rId2">
-            <a:extLst>
-              <a:ext uri="{28A0092B-C50C-407E-A947-70E740481C1C}">
-                <a14:useLocalDpi xmlns:a14="http://schemas.microsoft.com/office/drawing/2010/main" val="0"/>
-              </a:ext>
-            </a:extLst>
-          </a:blip>
-          <a:stretch>
-            <a:fillRect/>
-          </a:stretch>
-        </p:blipFill>
-        <p:spPr>
-          <a:xfrm>
-            <a:off x="4067944" y="1198563"/>
-            <a:ext cx="4464745" cy="3048047"/>
-          </a:xfrm>
-          <a:prstGeom prst="rect">
-            <a:avLst/>
-          </a:prstGeom>
-        </p:spPr>
-      </p:pic>
     </p:spTree>
     <p:extLst>
       <p:ext uri="{BB962C8B-B14F-4D97-AF65-F5344CB8AC3E}">
-        <p14:creationId xmlns:p14="http://schemas.microsoft.com/office/powerpoint/2010/main" val="3876115709"/>
+        <p14:creationId xmlns:p14="http://schemas.microsoft.com/office/powerpoint/2010/main" val="1300460746"/>
       </p:ext>
     </p:extLst>
   </p:cSld>
@@ -6462,6 +6406,50 @@
       </p:grpSpPr>
       <p:sp>
         <p:nvSpPr>
+          <p:cNvPr id="4099" name="Rectangle 2"/>
+          <p:cNvSpPr>
+            <a:spLocks noGrp="1" noChangeArrowheads="1"/>
+          </p:cNvSpPr>
+          <p:nvPr>
+            <p:ph type="title"/>
+          </p:nvPr>
+        </p:nvSpPr>
+        <p:spPr/>
+        <p:txBody>
+          <a:bodyPr/>
+          <a:lstStyle/>
+          <a:p>
+            <a:r>
+              <a:rPr lang="de-DE" altLang="de-DE" dirty="0"/>
+              <a:t>Ergebnisse – Segmentierung</a:t>
+            </a:r>
+          </a:p>
+        </p:txBody>
+      </p:sp>
+      <p:sp>
+        <p:nvSpPr>
+          <p:cNvPr id="4100" name="Rectangle 3"/>
+          <p:cNvSpPr>
+            <a:spLocks noGrp="1" noChangeArrowheads="1"/>
+          </p:cNvSpPr>
+          <p:nvPr>
+            <p:ph idx="1"/>
+          </p:nvPr>
+        </p:nvSpPr>
+        <p:spPr/>
+        <p:txBody>
+          <a:bodyPr/>
+          <a:lstStyle/>
+          <a:p>
+            <a:r>
+              <a:rPr lang="de-DE" altLang="de-DE" dirty="0"/>
+              <a:t>Normal 1</a:t>
+            </a:r>
+          </a:p>
+        </p:txBody>
+      </p:sp>
+      <p:sp>
+        <p:nvSpPr>
           <p:cNvPr id="4098" name="Rectangle 12"/>
           <p:cNvSpPr>
             <a:spLocks noGrp="1" noChangeArrowheads="1"/>
@@ -6596,55 +6584,6 @@
           <a:p>
             <a:pPr eaLnBrk="1" hangingPunct="1"/>
             <a:endParaRPr lang="de-DE" altLang="de-DE" dirty="0"/>
-          </a:p>
-        </p:txBody>
-      </p:sp>
-      <p:sp>
-        <p:nvSpPr>
-          <p:cNvPr id="4099" name="Rectangle 2"/>
-          <p:cNvSpPr>
-            <a:spLocks noGrp="1" noChangeArrowheads="1"/>
-          </p:cNvSpPr>
-          <p:nvPr>
-            <p:ph type="title"/>
-          </p:nvPr>
-        </p:nvSpPr>
-        <p:spPr/>
-        <p:txBody>
-          <a:bodyPr/>
-          <a:lstStyle/>
-          <a:p>
-            <a:r>
-              <a:rPr lang="de-DE" altLang="de-DE" dirty="0"/>
-              <a:t>Ergebnisse – Segmentierung</a:t>
-            </a:r>
-          </a:p>
-        </p:txBody>
-      </p:sp>
-      <p:sp>
-        <p:nvSpPr>
-          <p:cNvPr id="4100" name="Rectangle 3"/>
-          <p:cNvSpPr>
-            <a:spLocks noGrp="1" noChangeArrowheads="1"/>
-          </p:cNvSpPr>
-          <p:nvPr>
-            <p:ph type="body" idx="1"/>
-          </p:nvPr>
-        </p:nvSpPr>
-        <p:spPr>
-          <a:xfrm>
-            <a:off x="392113" y="1198563"/>
-            <a:ext cx="8356600" cy="4894262"/>
-          </a:xfrm>
-        </p:spPr>
-        <p:txBody>
-          <a:bodyPr/>
-          <a:lstStyle/>
-          <a:p>
-            <a:r>
-              <a:rPr lang="de-DE" altLang="de-DE" dirty="0"/>
-              <a:t>Normal 1</a:t>
-            </a:r>
           </a:p>
         </p:txBody>
       </p:sp>
@@ -6750,6 +6689,50 @@
       </p:grpSpPr>
       <p:sp>
         <p:nvSpPr>
+          <p:cNvPr id="4099" name="Rectangle 2"/>
+          <p:cNvSpPr>
+            <a:spLocks noGrp="1" noChangeArrowheads="1"/>
+          </p:cNvSpPr>
+          <p:nvPr>
+            <p:ph type="title"/>
+          </p:nvPr>
+        </p:nvSpPr>
+        <p:spPr/>
+        <p:txBody>
+          <a:bodyPr/>
+          <a:lstStyle/>
+          <a:p>
+            <a:r>
+              <a:rPr lang="de-DE" altLang="de-DE" dirty="0"/>
+              <a:t>Ergebnisse – Segmentierung</a:t>
+            </a:r>
+          </a:p>
+        </p:txBody>
+      </p:sp>
+      <p:sp>
+        <p:nvSpPr>
+          <p:cNvPr id="4100" name="Rectangle 3"/>
+          <p:cNvSpPr>
+            <a:spLocks noGrp="1" noChangeArrowheads="1"/>
+          </p:cNvSpPr>
+          <p:nvPr>
+            <p:ph idx="1"/>
+          </p:nvPr>
+        </p:nvSpPr>
+        <p:spPr/>
+        <p:txBody>
+          <a:bodyPr/>
+          <a:lstStyle/>
+          <a:p>
+            <a:r>
+              <a:rPr lang="de-DE" altLang="de-DE" dirty="0"/>
+              <a:t>Normal 2</a:t>
+            </a:r>
+          </a:p>
+        </p:txBody>
+      </p:sp>
+      <p:sp>
+        <p:nvSpPr>
           <p:cNvPr id="4098" name="Rectangle 12"/>
           <p:cNvSpPr>
             <a:spLocks noGrp="1" noChangeArrowheads="1"/>
@@ -6880,50 +6863,6 @@
                 <a:schemeClr val="tx2"/>
               </a:solidFill>
             </a:endParaRPr>
-          </a:p>
-        </p:txBody>
-      </p:sp>
-      <p:sp>
-        <p:nvSpPr>
-          <p:cNvPr id="4099" name="Rectangle 2"/>
-          <p:cNvSpPr>
-            <a:spLocks noGrp="1" noChangeArrowheads="1"/>
-          </p:cNvSpPr>
-          <p:nvPr>
-            <p:ph type="title"/>
-          </p:nvPr>
-        </p:nvSpPr>
-        <p:spPr/>
-        <p:txBody>
-          <a:bodyPr/>
-          <a:lstStyle/>
-          <a:p>
-            <a:r>
-              <a:rPr lang="de-DE" altLang="de-DE" dirty="0"/>
-              <a:t>Ergebnisse – Segmentierung</a:t>
-            </a:r>
-          </a:p>
-        </p:txBody>
-      </p:sp>
-      <p:sp>
-        <p:nvSpPr>
-          <p:cNvPr id="4100" name="Rectangle 3"/>
-          <p:cNvSpPr>
-            <a:spLocks noGrp="1" noChangeArrowheads="1"/>
-          </p:cNvSpPr>
-          <p:nvPr>
-            <p:ph type="body" idx="1"/>
-          </p:nvPr>
-        </p:nvSpPr>
-        <p:spPr/>
-        <p:txBody>
-          <a:bodyPr/>
-          <a:lstStyle/>
-          <a:p>
-            <a:r>
-              <a:rPr lang="de-DE" altLang="de-DE" dirty="0"/>
-              <a:t>Normal 2</a:t>
-            </a:r>
           </a:p>
         </p:txBody>
       </p:sp>
@@ -7029,6 +6968,50 @@
       </p:grpSpPr>
       <p:sp>
         <p:nvSpPr>
+          <p:cNvPr id="4099" name="Rectangle 2"/>
+          <p:cNvSpPr>
+            <a:spLocks noGrp="1" noChangeArrowheads="1"/>
+          </p:cNvSpPr>
+          <p:nvPr>
+            <p:ph type="title"/>
+          </p:nvPr>
+        </p:nvSpPr>
+        <p:spPr/>
+        <p:txBody>
+          <a:bodyPr/>
+          <a:lstStyle/>
+          <a:p>
+            <a:r>
+              <a:rPr lang="de-DE" altLang="de-DE" dirty="0"/>
+              <a:t>Ergebnisse – Segmentierung</a:t>
+            </a:r>
+          </a:p>
+        </p:txBody>
+      </p:sp>
+      <p:sp>
+        <p:nvSpPr>
+          <p:cNvPr id="4100" name="Rectangle 3"/>
+          <p:cNvSpPr>
+            <a:spLocks noGrp="1" noChangeArrowheads="1"/>
+          </p:cNvSpPr>
+          <p:nvPr>
+            <p:ph idx="1"/>
+          </p:nvPr>
+        </p:nvSpPr>
+        <p:spPr/>
+        <p:txBody>
+          <a:bodyPr/>
+          <a:lstStyle/>
+          <a:p>
+            <a:r>
+              <a:rPr lang="de-DE" altLang="de-DE" dirty="0"/>
+              <a:t>Atrophie</a:t>
+            </a:r>
+          </a:p>
+        </p:txBody>
+      </p:sp>
+      <p:sp>
+        <p:nvSpPr>
           <p:cNvPr id="4098" name="Rectangle 12"/>
           <p:cNvSpPr>
             <a:spLocks noGrp="1" noChangeArrowheads="1"/>
@@ -7159,50 +7142,6 @@
                 <a:schemeClr val="tx2"/>
               </a:solidFill>
             </a:endParaRPr>
-          </a:p>
-        </p:txBody>
-      </p:sp>
-      <p:sp>
-        <p:nvSpPr>
-          <p:cNvPr id="4099" name="Rectangle 2"/>
-          <p:cNvSpPr>
-            <a:spLocks noGrp="1" noChangeArrowheads="1"/>
-          </p:cNvSpPr>
-          <p:nvPr>
-            <p:ph type="title"/>
-          </p:nvPr>
-        </p:nvSpPr>
-        <p:spPr/>
-        <p:txBody>
-          <a:bodyPr/>
-          <a:lstStyle/>
-          <a:p>
-            <a:r>
-              <a:rPr lang="de-DE" altLang="de-DE" dirty="0"/>
-              <a:t>Ergebnisse – Segmentierung</a:t>
-            </a:r>
-          </a:p>
-        </p:txBody>
-      </p:sp>
-      <p:sp>
-        <p:nvSpPr>
-          <p:cNvPr id="4100" name="Rectangle 3"/>
-          <p:cNvSpPr>
-            <a:spLocks noGrp="1" noChangeArrowheads="1"/>
-          </p:cNvSpPr>
-          <p:nvPr>
-            <p:ph type="body" idx="1"/>
-          </p:nvPr>
-        </p:nvSpPr>
-        <p:spPr/>
-        <p:txBody>
-          <a:bodyPr/>
-          <a:lstStyle/>
-          <a:p>
-            <a:r>
-              <a:rPr lang="de-DE" altLang="de-DE" dirty="0"/>
-              <a:t>Atrophie</a:t>
-            </a:r>
           </a:p>
         </p:txBody>
       </p:sp>
@@ -7308,6 +7247,95 @@
       </p:grpSpPr>
       <p:sp>
         <p:nvSpPr>
+          <p:cNvPr id="4099" name="Rectangle 2"/>
+          <p:cNvSpPr>
+            <a:spLocks noGrp="1" noChangeArrowheads="1"/>
+          </p:cNvSpPr>
+          <p:nvPr>
+            <p:ph type="title"/>
+          </p:nvPr>
+        </p:nvSpPr>
+        <p:spPr/>
+        <p:txBody>
+          <a:bodyPr/>
+          <a:lstStyle/>
+          <a:p>
+            <a:r>
+              <a:rPr lang="de-DE" altLang="de-DE" dirty="0"/>
+              <a:t>Ergebnisse – Interview Arzt</a:t>
+            </a:r>
+          </a:p>
+        </p:txBody>
+      </p:sp>
+      <p:sp>
+        <p:nvSpPr>
+          <p:cNvPr id="4100" name="Rectangle 3"/>
+          <p:cNvSpPr>
+            <a:spLocks noGrp="1" noChangeArrowheads="1"/>
+          </p:cNvSpPr>
+          <p:nvPr>
+            <p:ph idx="1"/>
+          </p:nvPr>
+        </p:nvSpPr>
+        <p:spPr/>
+        <p:txBody>
+          <a:bodyPr/>
+          <a:lstStyle/>
+          <a:p>
+            <a:r>
+              <a:rPr lang="de-DE" altLang="de-DE" dirty="0"/>
+              <a:t>1) Wie gut ist das </a:t>
+            </a:r>
+            <a:r>
+              <a:rPr lang="de-DE" altLang="de-DE" dirty="0" err="1"/>
+              <a:t>Ventrikelsystem</a:t>
+            </a:r>
+            <a:r>
+              <a:rPr lang="de-DE" altLang="de-DE" dirty="0"/>
+              <a:t> bei der Visualisierung zu erkennen?</a:t>
+            </a:r>
+          </a:p>
+          <a:p>
+            <a:r>
+              <a:rPr lang="de-DE" altLang="de-DE" dirty="0"/>
+              <a:t>2) Wird das </a:t>
+            </a:r>
+            <a:r>
+              <a:rPr lang="de-DE" altLang="de-DE" dirty="0" err="1"/>
+              <a:t>Ventrikelsystem</a:t>
+            </a:r>
+            <a:r>
+              <a:rPr lang="de-DE" altLang="de-DE" dirty="0"/>
+              <a:t> in der Visualisierung vollständig dargestellt?</a:t>
+            </a:r>
+          </a:p>
+          <a:p>
+            <a:r>
+              <a:rPr lang="de-DE" altLang="de-DE" dirty="0"/>
+              <a:t>3) Wie genau ist das </a:t>
+            </a:r>
+            <a:r>
+              <a:rPr lang="de-DE" altLang="de-DE" dirty="0" err="1"/>
+              <a:t>Ventrikelsystem</a:t>
+            </a:r>
+            <a:r>
+              <a:rPr lang="de-DE" altLang="de-DE" dirty="0"/>
+              <a:t> segmentiert?</a:t>
+            </a:r>
+          </a:p>
+          <a:p>
+            <a:endParaRPr lang="de-DE" altLang="de-DE" dirty="0"/>
+          </a:p>
+          <a:p>
+            <a:r>
+              <a:rPr lang="de-DE" altLang="de-DE" dirty="0"/>
+              <a:t>Sehr schlecht 1 – 5 sehr gut</a:t>
+            </a:r>
+          </a:p>
+        </p:txBody>
+      </p:sp>
+      <p:sp>
+        <p:nvSpPr>
           <p:cNvPr id="4098" name="Rectangle 12"/>
           <p:cNvSpPr>
             <a:spLocks noGrp="1" noChangeArrowheads="1"/>
@@ -7438,98 +7466,6 @@
                 <a:schemeClr val="tx2"/>
               </a:solidFill>
             </a:endParaRPr>
-          </a:p>
-        </p:txBody>
-      </p:sp>
-      <p:sp>
-        <p:nvSpPr>
-          <p:cNvPr id="4099" name="Rectangle 2"/>
-          <p:cNvSpPr>
-            <a:spLocks noGrp="1" noChangeArrowheads="1"/>
-          </p:cNvSpPr>
-          <p:nvPr>
-            <p:ph type="title"/>
-          </p:nvPr>
-        </p:nvSpPr>
-        <p:spPr/>
-        <p:txBody>
-          <a:bodyPr/>
-          <a:lstStyle/>
-          <a:p>
-            <a:r>
-              <a:rPr lang="de-DE" altLang="de-DE" dirty="0"/>
-              <a:t>Ergebnisse – Interview Arzt</a:t>
-            </a:r>
-          </a:p>
-        </p:txBody>
-      </p:sp>
-      <p:sp>
-        <p:nvSpPr>
-          <p:cNvPr id="4100" name="Rectangle 3"/>
-          <p:cNvSpPr>
-            <a:spLocks noGrp="1" noChangeArrowheads="1"/>
-          </p:cNvSpPr>
-          <p:nvPr>
-            <p:ph type="body" idx="1"/>
-          </p:nvPr>
-        </p:nvSpPr>
-        <p:spPr/>
-        <p:txBody>
-          <a:bodyPr/>
-          <a:lstStyle/>
-          <a:p>
-            <a:r>
-              <a:rPr lang="de-DE" altLang="de-DE" dirty="0"/>
-              <a:t>1) Wie gut ist das </a:t>
-            </a:r>
-            <a:r>
-              <a:rPr lang="de-DE" altLang="de-DE" dirty="0" err="1"/>
-              <a:t>Ventrikelsystem</a:t>
-            </a:r>
-            <a:r>
-              <a:rPr lang="de-DE" altLang="de-DE" dirty="0"/>
-              <a:t> bei der Visualisierung zu erkennen?</a:t>
-            </a:r>
-          </a:p>
-          <a:p>
-            <a:pPr marL="0" indent="0">
-              <a:buNone/>
-            </a:pPr>
-            <a:endParaRPr lang="de-DE" altLang="de-DE" dirty="0"/>
-          </a:p>
-          <a:p>
-            <a:r>
-              <a:rPr lang="de-DE" altLang="de-DE" dirty="0"/>
-              <a:t>2) Wird das </a:t>
-            </a:r>
-            <a:r>
-              <a:rPr lang="de-DE" altLang="de-DE" dirty="0" err="1"/>
-              <a:t>Ventrikelsystem</a:t>
-            </a:r>
-            <a:r>
-              <a:rPr lang="de-DE" altLang="de-DE" dirty="0"/>
-              <a:t> in der Visualisierung vollständig dargestellt?</a:t>
-            </a:r>
-          </a:p>
-          <a:p>
-            <a:pPr marL="0" indent="0">
-              <a:buNone/>
-            </a:pPr>
-            <a:endParaRPr lang="de-DE" altLang="de-DE" dirty="0"/>
-          </a:p>
-          <a:p>
-            <a:r>
-              <a:rPr lang="de-DE" altLang="de-DE" dirty="0"/>
-              <a:t>3) Wie genau ist das </a:t>
-            </a:r>
-            <a:r>
-              <a:rPr lang="de-DE" altLang="de-DE" dirty="0" err="1"/>
-              <a:t>Ventrikelsystem</a:t>
-            </a:r>
-            <a:r>
-              <a:rPr lang="de-DE" altLang="de-DE" dirty="0"/>
-              <a:t> segmentiert?</a:t>
-            </a:r>
           </a:p>
         </p:txBody>
       </p:sp>
@@ -7869,6 +7805,83 @@
       </p:grpSpPr>
       <p:sp>
         <p:nvSpPr>
+          <p:cNvPr id="4099" name="Rectangle 2"/>
+          <p:cNvSpPr>
+            <a:spLocks noGrp="1" noChangeArrowheads="1"/>
+          </p:cNvSpPr>
+          <p:nvPr>
+            <p:ph type="title"/>
+          </p:nvPr>
+        </p:nvSpPr>
+        <p:spPr/>
+        <p:txBody>
+          <a:bodyPr/>
+          <a:lstStyle/>
+          <a:p>
+            <a:r>
+              <a:rPr lang="de-DE" altLang="de-DE" dirty="0"/>
+              <a:t>Ergebnisse – Interview Arzt</a:t>
+            </a:r>
+          </a:p>
+        </p:txBody>
+      </p:sp>
+      <p:sp>
+        <p:nvSpPr>
+          <p:cNvPr id="4100" name="Rectangle 3"/>
+          <p:cNvSpPr>
+            <a:spLocks noGrp="1" noChangeArrowheads="1"/>
+          </p:cNvSpPr>
+          <p:nvPr>
+            <p:ph idx="1"/>
+          </p:nvPr>
+        </p:nvSpPr>
+        <p:spPr/>
+        <p:txBody>
+          <a:bodyPr>
+            <a:normAutofit/>
+          </a:bodyPr>
+          <a:lstStyle/>
+          <a:p>
+            <a:r>
+              <a:rPr lang="de-DE" altLang="de-DE" dirty="0"/>
+              <a:t>Allgemein empfand der Arzt die Segmentierungen als gut</a:t>
+            </a:r>
+          </a:p>
+          <a:p>
+            <a:endParaRPr lang="de-DE" altLang="de-DE" dirty="0"/>
+          </a:p>
+          <a:p>
+            <a:r>
+              <a:rPr lang="de-DE" altLang="de-DE" dirty="0"/>
+              <a:t>Ausreißer störten</a:t>
+            </a:r>
+          </a:p>
+          <a:p>
+            <a:endParaRPr lang="de-DE" altLang="de-DE" dirty="0"/>
+          </a:p>
+          <a:p>
+            <a:r>
+              <a:rPr lang="de-DE" altLang="de-DE" dirty="0"/>
+              <a:t>Darstellung nicht glatt</a:t>
+            </a:r>
+          </a:p>
+          <a:p>
+            <a:endParaRPr lang="de-DE" altLang="de-DE" dirty="0"/>
+          </a:p>
+          <a:p>
+            <a:r>
+              <a:rPr lang="de-DE" altLang="de-DE" dirty="0" err="1"/>
+              <a:t>Ventrikelsystem</a:t>
+            </a:r>
+            <a:r>
+              <a:rPr lang="de-DE" altLang="de-DE" dirty="0"/>
+              <a:t> als solches klar zu erkennen</a:t>
+            </a:r>
+          </a:p>
+        </p:txBody>
+      </p:sp>
+      <p:sp>
+        <p:nvSpPr>
           <p:cNvPr id="4098" name="Rectangle 12"/>
           <p:cNvSpPr>
             <a:spLocks noGrp="1" noChangeArrowheads="1"/>
@@ -7999,72 +8012,6 @@
                 <a:schemeClr val="tx2"/>
               </a:solidFill>
             </a:endParaRPr>
-          </a:p>
-        </p:txBody>
-      </p:sp>
-      <p:sp>
-        <p:nvSpPr>
-          <p:cNvPr id="4099" name="Rectangle 2"/>
-          <p:cNvSpPr>
-            <a:spLocks noGrp="1" noChangeArrowheads="1"/>
-          </p:cNvSpPr>
-          <p:nvPr>
-            <p:ph type="title"/>
-          </p:nvPr>
-        </p:nvSpPr>
-        <p:spPr/>
-        <p:txBody>
-          <a:bodyPr/>
-          <a:lstStyle/>
-          <a:p>
-            <a:r>
-              <a:rPr lang="de-DE" altLang="de-DE" dirty="0"/>
-              <a:t>Ergebnisse – Interview Arzt</a:t>
-            </a:r>
-          </a:p>
-        </p:txBody>
-      </p:sp>
-      <p:sp>
-        <p:nvSpPr>
-          <p:cNvPr id="4100" name="Rectangle 3"/>
-          <p:cNvSpPr>
-            <a:spLocks noGrp="1" noChangeArrowheads="1"/>
-          </p:cNvSpPr>
-          <p:nvPr>
-            <p:ph type="body" idx="1"/>
-          </p:nvPr>
-        </p:nvSpPr>
-        <p:spPr/>
-        <p:txBody>
-          <a:bodyPr/>
-          <a:lstStyle/>
-          <a:p>
-            <a:r>
-              <a:rPr lang="de-DE" altLang="de-DE" dirty="0"/>
-              <a:t>Allgemein empfand der Arzt die Segmentierungen gut</a:t>
-            </a:r>
-          </a:p>
-          <a:p>
-            <a:endParaRPr lang="de-DE" altLang="de-DE" dirty="0"/>
-          </a:p>
-          <a:p>
-            <a:r>
-              <a:rPr lang="de-DE" altLang="de-DE" dirty="0"/>
-              <a:t>Ausreißer störten</a:t>
-            </a:r>
-          </a:p>
-          <a:p>
-            <a:endParaRPr lang="de-DE" altLang="de-DE" dirty="0"/>
-          </a:p>
-          <a:p>
-            <a:r>
-              <a:rPr lang="de-DE" altLang="de-DE" dirty="0" err="1"/>
-              <a:t>Ventrikelsystem</a:t>
-            </a:r>
-            <a:r>
-              <a:rPr lang="de-DE" altLang="de-DE" dirty="0"/>
-              <a:t> als solches klar zu erkennen</a:t>
-            </a:r>
           </a:p>
         </p:txBody>
       </p:sp>
@@ -8100,141 +8047,6 @@
       </p:grpSpPr>
       <p:sp>
         <p:nvSpPr>
-          <p:cNvPr id="4098" name="Rectangle 12"/>
-          <p:cNvSpPr>
-            <a:spLocks noGrp="1" noChangeArrowheads="1"/>
-          </p:cNvSpPr>
-          <p:nvPr>
-            <p:ph type="ftr" sz="quarter" idx="10"/>
-          </p:nvPr>
-        </p:nvSpPr>
-        <p:spPr>
-          <a:noFill/>
-        </p:spPr>
-        <p:txBody>
-          <a:bodyPr/>
-          <a:lstStyle>
-            <a:lvl1pPr eaLnBrk="0" hangingPunct="0">
-              <a:defRPr>
-                <a:solidFill>
-                  <a:schemeClr val="tx1"/>
-                </a:solidFill>
-                <a:latin typeface="Arial" charset="0"/>
-              </a:defRPr>
-            </a:lvl1pPr>
-            <a:lvl2pPr marL="742950" indent="-285750" eaLnBrk="0" hangingPunct="0">
-              <a:defRPr>
-                <a:solidFill>
-                  <a:schemeClr val="tx1"/>
-                </a:solidFill>
-                <a:latin typeface="Arial" charset="0"/>
-              </a:defRPr>
-            </a:lvl2pPr>
-            <a:lvl3pPr marL="1143000" indent="-228600" eaLnBrk="0" hangingPunct="0">
-              <a:defRPr>
-                <a:solidFill>
-                  <a:schemeClr val="tx1"/>
-                </a:solidFill>
-                <a:latin typeface="Arial" charset="0"/>
-              </a:defRPr>
-            </a:lvl3pPr>
-            <a:lvl4pPr marL="1600200" indent="-228600" eaLnBrk="0" hangingPunct="0">
-              <a:defRPr>
-                <a:solidFill>
-                  <a:schemeClr val="tx1"/>
-                </a:solidFill>
-                <a:latin typeface="Arial" charset="0"/>
-              </a:defRPr>
-            </a:lvl4pPr>
-            <a:lvl5pPr marL="2057400" indent="-228600" eaLnBrk="0" hangingPunct="0">
-              <a:defRPr>
-                <a:solidFill>
-                  <a:schemeClr val="tx1"/>
-                </a:solidFill>
-                <a:latin typeface="Arial" charset="0"/>
-              </a:defRPr>
-            </a:lvl5pPr>
-            <a:lvl6pPr marL="2514600" indent="-228600" eaLnBrk="0" fontAlgn="base" hangingPunct="0">
-              <a:spcBef>
-                <a:spcPct val="0"/>
-              </a:spcBef>
-              <a:spcAft>
-                <a:spcPct val="0"/>
-              </a:spcAft>
-              <a:defRPr>
-                <a:solidFill>
-                  <a:schemeClr val="tx1"/>
-                </a:solidFill>
-                <a:latin typeface="Arial" charset="0"/>
-              </a:defRPr>
-            </a:lvl6pPr>
-            <a:lvl7pPr marL="2971800" indent="-228600" eaLnBrk="0" fontAlgn="base" hangingPunct="0">
-              <a:spcBef>
-                <a:spcPct val="0"/>
-              </a:spcBef>
-              <a:spcAft>
-                <a:spcPct val="0"/>
-              </a:spcAft>
-              <a:defRPr>
-                <a:solidFill>
-                  <a:schemeClr val="tx1"/>
-                </a:solidFill>
-                <a:latin typeface="Arial" charset="0"/>
-              </a:defRPr>
-            </a:lvl7pPr>
-            <a:lvl8pPr marL="3429000" indent="-228600" eaLnBrk="0" fontAlgn="base" hangingPunct="0">
-              <a:spcBef>
-                <a:spcPct val="0"/>
-              </a:spcBef>
-              <a:spcAft>
-                <a:spcPct val="0"/>
-              </a:spcAft>
-              <a:defRPr>
-                <a:solidFill>
-                  <a:schemeClr val="tx1"/>
-                </a:solidFill>
-                <a:latin typeface="Arial" charset="0"/>
-              </a:defRPr>
-            </a:lvl8pPr>
-            <a:lvl9pPr marL="3886200" indent="-228600" eaLnBrk="0" fontAlgn="base" hangingPunct="0">
-              <a:spcBef>
-                <a:spcPct val="0"/>
-              </a:spcBef>
-              <a:spcAft>
-                <a:spcPct val="0"/>
-              </a:spcAft>
-              <a:defRPr>
-                <a:solidFill>
-                  <a:schemeClr val="tx1"/>
-                </a:solidFill>
-                <a:latin typeface="Arial" charset="0"/>
-              </a:defRPr>
-            </a:lvl9pPr>
-          </a:lstStyle>
-          <a:p>
-            <a:pPr eaLnBrk="1" hangingPunct="1"/>
-            <a:r>
-              <a:rPr lang="de-DE" dirty="0"/>
-              <a:t>Prof. Dr.-Ing. habil. Björn Hein </a:t>
-            </a:r>
-            <a:r>
-              <a:rPr lang="de-DE" altLang="de-DE" dirty="0"/>
-              <a:t>- </a:t>
-            </a:r>
-            <a:r>
-              <a:rPr lang="de-DE" dirty="0"/>
-              <a:t>Implementierung eines Clustering-basierten Verfahrens zur Segmentierung von Volumenmodellen</a:t>
-            </a:r>
-            <a:endParaRPr lang="de-DE" altLang="de-DE" dirty="0">
-              <a:solidFill>
-                <a:schemeClr val="tx2"/>
-              </a:solidFill>
-            </a:endParaRPr>
-          </a:p>
-        </p:txBody>
-      </p:sp>
-      <p:sp>
-        <p:nvSpPr>
           <p:cNvPr id="4099" name="Rectangle 2"/>
           <p:cNvSpPr>
             <a:spLocks noGrp="1" noChangeArrowheads="1"/>
@@ -8245,12 +8057,14 @@
         </p:nvSpPr>
         <p:spPr/>
         <p:txBody>
-          <a:bodyPr/>
+          <a:bodyPr>
+            <a:normAutofit/>
+          </a:bodyPr>
           <a:lstStyle/>
           <a:p>
             <a:r>
               <a:rPr lang="de-DE" altLang="de-DE" dirty="0"/>
-              <a:t>Ergebnisse – Datensätze</a:t>
+              <a:t>Ergebnisse – Benutzerfreundlichkeit</a:t>
             </a:r>
           </a:p>
         </p:txBody>
@@ -8262,7 +8076,7 @@
             <a:spLocks noGrp="1" noChangeArrowheads="1"/>
           </p:cNvSpPr>
           <p:nvPr>
-            <p:ph type="body" idx="1"/>
+            <p:ph idx="1"/>
           </p:nvPr>
         </p:nvSpPr>
         <p:spPr/>
@@ -8272,122 +8086,29 @@
           <a:p>
             <a:r>
               <a:rPr lang="de-DE" altLang="de-DE" dirty="0"/>
-              <a:t>Verschiedene Datensätze getestet</a:t>
-            </a:r>
-          </a:p>
-          <a:p>
-            <a:pPr lvl="1"/>
+              <a:t>Nutzerstudie</a:t>
+            </a:r>
+          </a:p>
+          <a:p>
             <a:r>
               <a:rPr lang="de-DE" altLang="de-DE" dirty="0"/>
-              <a:t>Normale</a:t>
-            </a:r>
-          </a:p>
-          <a:p>
-            <a:pPr lvl="1"/>
+              <a:t>NASA-TLX</a:t>
+            </a:r>
+          </a:p>
+          <a:p>
             <a:r>
               <a:rPr lang="de-DE" altLang="de-DE" dirty="0"/>
-              <a:t>Schlanke</a:t>
-            </a:r>
-          </a:p>
-          <a:p>
-            <a:pPr lvl="1"/>
-            <a:r>
-              <a:rPr lang="de-DE" altLang="de-DE" dirty="0" err="1"/>
-              <a:t>Mittellinienshift</a:t>
-            </a:r>
-            <a:endParaRPr lang="de-DE" altLang="de-DE" dirty="0"/>
-          </a:p>
-          <a:p>
-            <a:pPr lvl="1"/>
+              <a:t>Durchschnittliche Gesamtbeanspruchung: 38,32</a:t>
+            </a:r>
+          </a:p>
+          <a:p>
             <a:r>
               <a:rPr lang="de-DE" altLang="de-DE" dirty="0"/>
-              <a:t>Deformiert</a:t>
-            </a:r>
-          </a:p>
-          <a:p>
-            <a:pPr lvl="1"/>
-            <a:r>
-              <a:rPr lang="de-DE" altLang="de-DE" dirty="0"/>
-              <a:t>Atrophie</a:t>
-            </a:r>
-          </a:p>
-          <a:p>
-            <a:pPr lvl="1"/>
-            <a:r>
-              <a:rPr lang="de-DE" dirty="0"/>
-              <a:t>Hydrocephalus-</a:t>
-            </a:r>
-            <a:r>
-              <a:rPr lang="de-DE" dirty="0" err="1"/>
-              <a:t>Ventrikelblut</a:t>
-            </a:r>
-            <a:endParaRPr lang="de-DE" dirty="0"/>
-          </a:p>
-          <a:p>
-            <a:pPr lvl="1"/>
-            <a:r>
-              <a:rPr lang="de-DE" dirty="0" err="1"/>
-              <a:t>Subarachnoidale</a:t>
-            </a:r>
-            <a:r>
-              <a:rPr lang="de-DE" dirty="0"/>
-              <a:t> Einblutung</a:t>
-            </a:r>
-          </a:p>
-          <a:p>
-            <a:pPr lvl="1"/>
-            <a:r>
-              <a:rPr lang="de-DE" dirty="0"/>
-              <a:t>Blut-resorbiert</a:t>
-            </a:r>
-          </a:p>
-          <a:p>
-            <a:endParaRPr lang="de-DE" altLang="de-DE" dirty="0"/>
-          </a:p>
-          <a:p>
-            <a:r>
-              <a:rPr lang="de-DE" altLang="de-DE" dirty="0"/>
-              <a:t>Probleme bei auffallenden Besonderheiten</a:t>
-            </a:r>
-          </a:p>
-          <a:p>
-            <a:pPr marL="476250" lvl="1" indent="0">
-              <a:buNone/>
-            </a:pPr>
-            <a:endParaRPr lang="de-DE" altLang="de-DE" dirty="0"/>
+              <a:t>Sehr niedrig 5 – 100 sehr hoch</a:t>
+            </a:r>
           </a:p>
         </p:txBody>
       </p:sp>
-    </p:spTree>
-    <p:extLst>
-      <p:ext uri="{BB962C8B-B14F-4D97-AF65-F5344CB8AC3E}">
-        <p14:creationId xmlns:p14="http://schemas.microsoft.com/office/powerpoint/2010/main" val="1300460746"/>
-      </p:ext>
-    </p:extLst>
-  </p:cSld>
-  <p:clrMapOvr>
-    <a:masterClrMapping/>
-  </p:clrMapOvr>
-</p:sld>
-</file>
-
-<file path=ppt/slides/slide2.xml><?xml version="1.0" encoding="utf-8"?>
-<p:sld xmlns:a="http://schemas.openxmlformats.org/drawingml/2006/main" xmlns:r="http://schemas.openxmlformats.org/officeDocument/2006/relationships" xmlns:p="http://schemas.openxmlformats.org/presentationml/2006/main">
-  <p:cSld>
-    <p:spTree>
-      <p:nvGrpSpPr>
-        <p:cNvPr id="1" name=""/>
-        <p:cNvGrpSpPr/>
-        <p:nvPr/>
-      </p:nvGrpSpPr>
-      <p:grpSpPr>
-        <a:xfrm>
-          <a:off x="0" y="0"/>
-          <a:ext cx="0" cy="0"/>
-          <a:chOff x="0" y="0"/>
-          <a:chExt cx="0" cy="0"/>
-        </a:xfrm>
-      </p:grpSpPr>
       <p:sp>
         <p:nvSpPr>
           <p:cNvPr id="4098" name="Rectangle 12"/>
@@ -8520,322 +8241,6 @@
                 <a:schemeClr val="tx2"/>
               </a:solidFill>
             </a:endParaRPr>
-          </a:p>
-          <a:p>
-            <a:pPr eaLnBrk="1" hangingPunct="1"/>
-            <a:endParaRPr lang="de-DE" altLang="de-DE" dirty="0"/>
-          </a:p>
-        </p:txBody>
-      </p:sp>
-      <p:sp>
-        <p:nvSpPr>
-          <p:cNvPr id="4099" name="Rectangle 2"/>
-          <p:cNvSpPr>
-            <a:spLocks noGrp="1" noChangeArrowheads="1"/>
-          </p:cNvSpPr>
-          <p:nvPr>
-            <p:ph type="title"/>
-          </p:nvPr>
-        </p:nvSpPr>
-        <p:spPr/>
-        <p:txBody>
-          <a:bodyPr/>
-          <a:lstStyle/>
-          <a:p>
-            <a:r>
-              <a:rPr lang="de-DE" altLang="de-DE" dirty="0"/>
-              <a:t>Gliederung</a:t>
-            </a:r>
-          </a:p>
-        </p:txBody>
-      </p:sp>
-      <p:sp>
-        <p:nvSpPr>
-          <p:cNvPr id="4100" name="Rectangle 3"/>
-          <p:cNvSpPr>
-            <a:spLocks noGrp="1" noChangeArrowheads="1"/>
-          </p:cNvSpPr>
-          <p:nvPr>
-            <p:ph type="body" idx="1"/>
-          </p:nvPr>
-        </p:nvSpPr>
-        <p:spPr/>
-        <p:txBody>
-          <a:bodyPr/>
-          <a:lstStyle/>
-          <a:p>
-            <a:r>
-              <a:rPr lang="de-DE" altLang="de-DE" dirty="0"/>
-              <a:t>Motivation</a:t>
-            </a:r>
-          </a:p>
-          <a:p>
-            <a:r>
-              <a:rPr lang="de-DE" altLang="de-DE" dirty="0"/>
-              <a:t>State </a:t>
-            </a:r>
-            <a:r>
-              <a:rPr lang="de-DE" altLang="de-DE" dirty="0" err="1"/>
-              <a:t>of</a:t>
-            </a:r>
-            <a:r>
-              <a:rPr lang="de-DE" altLang="de-DE" dirty="0"/>
-              <a:t> </a:t>
-            </a:r>
-            <a:r>
-              <a:rPr lang="de-DE" altLang="de-DE" dirty="0" err="1"/>
-              <a:t>the</a:t>
-            </a:r>
-            <a:r>
-              <a:rPr lang="de-DE" altLang="de-DE" dirty="0"/>
-              <a:t> </a:t>
-            </a:r>
-            <a:r>
-              <a:rPr lang="de-DE" altLang="de-DE" dirty="0" err="1"/>
-              <a:t>art</a:t>
-            </a:r>
-            <a:endParaRPr lang="de-DE" altLang="de-DE" dirty="0"/>
-          </a:p>
-          <a:p>
-            <a:r>
-              <a:rPr lang="de-DE" altLang="de-DE" dirty="0"/>
-              <a:t>Methode</a:t>
-            </a:r>
-          </a:p>
-          <a:p>
-            <a:r>
-              <a:rPr lang="de-DE" altLang="de-DE" dirty="0"/>
-              <a:t>Design</a:t>
-            </a:r>
-          </a:p>
-          <a:p>
-            <a:r>
-              <a:rPr lang="de-DE" altLang="de-DE" dirty="0"/>
-              <a:t>Implementierung</a:t>
-            </a:r>
-          </a:p>
-          <a:p>
-            <a:r>
-              <a:rPr lang="de-DE" altLang="de-DE" dirty="0"/>
-              <a:t>Ergebnisse</a:t>
-            </a:r>
-          </a:p>
-          <a:p>
-            <a:r>
-              <a:rPr lang="de-DE" altLang="de-DE" dirty="0"/>
-              <a:t>Fazit &amp; Ausblick</a:t>
-            </a:r>
-          </a:p>
-        </p:txBody>
-      </p:sp>
-    </p:spTree>
-  </p:cSld>
-  <p:clrMapOvr>
-    <a:masterClrMapping/>
-  </p:clrMapOvr>
-</p:sld>
-</file>
-
-<file path=ppt/slides/slide20.xml><?xml version="1.0" encoding="utf-8"?>
-<p:sld xmlns:a="http://schemas.openxmlformats.org/drawingml/2006/main" xmlns:r="http://schemas.openxmlformats.org/officeDocument/2006/relationships" xmlns:p="http://schemas.openxmlformats.org/presentationml/2006/main">
-  <p:cSld>
-    <p:spTree>
-      <p:nvGrpSpPr>
-        <p:cNvPr id="1" name=""/>
-        <p:cNvGrpSpPr/>
-        <p:nvPr/>
-      </p:nvGrpSpPr>
-      <p:grpSpPr>
-        <a:xfrm>
-          <a:off x="0" y="0"/>
-          <a:ext cx="0" cy="0"/>
-          <a:chOff x="0" y="0"/>
-          <a:chExt cx="0" cy="0"/>
-        </a:xfrm>
-      </p:grpSpPr>
-      <p:sp>
-        <p:nvSpPr>
-          <p:cNvPr id="4098" name="Rectangle 12"/>
-          <p:cNvSpPr>
-            <a:spLocks noGrp="1" noChangeArrowheads="1"/>
-          </p:cNvSpPr>
-          <p:nvPr>
-            <p:ph type="ftr" sz="quarter" idx="10"/>
-          </p:nvPr>
-        </p:nvSpPr>
-        <p:spPr>
-          <a:noFill/>
-        </p:spPr>
-        <p:txBody>
-          <a:bodyPr/>
-          <a:lstStyle>
-            <a:lvl1pPr eaLnBrk="0" hangingPunct="0">
-              <a:defRPr>
-                <a:solidFill>
-                  <a:schemeClr val="tx1"/>
-                </a:solidFill>
-                <a:latin typeface="Arial" charset="0"/>
-              </a:defRPr>
-            </a:lvl1pPr>
-            <a:lvl2pPr marL="742950" indent="-285750" eaLnBrk="0" hangingPunct="0">
-              <a:defRPr>
-                <a:solidFill>
-                  <a:schemeClr val="tx1"/>
-                </a:solidFill>
-                <a:latin typeface="Arial" charset="0"/>
-              </a:defRPr>
-            </a:lvl2pPr>
-            <a:lvl3pPr marL="1143000" indent="-228600" eaLnBrk="0" hangingPunct="0">
-              <a:defRPr>
-                <a:solidFill>
-                  <a:schemeClr val="tx1"/>
-                </a:solidFill>
-                <a:latin typeface="Arial" charset="0"/>
-              </a:defRPr>
-            </a:lvl3pPr>
-            <a:lvl4pPr marL="1600200" indent="-228600" eaLnBrk="0" hangingPunct="0">
-              <a:defRPr>
-                <a:solidFill>
-                  <a:schemeClr val="tx1"/>
-                </a:solidFill>
-                <a:latin typeface="Arial" charset="0"/>
-              </a:defRPr>
-            </a:lvl4pPr>
-            <a:lvl5pPr marL="2057400" indent="-228600" eaLnBrk="0" hangingPunct="0">
-              <a:defRPr>
-                <a:solidFill>
-                  <a:schemeClr val="tx1"/>
-                </a:solidFill>
-                <a:latin typeface="Arial" charset="0"/>
-              </a:defRPr>
-            </a:lvl5pPr>
-            <a:lvl6pPr marL="2514600" indent="-228600" eaLnBrk="0" fontAlgn="base" hangingPunct="0">
-              <a:spcBef>
-                <a:spcPct val="0"/>
-              </a:spcBef>
-              <a:spcAft>
-                <a:spcPct val="0"/>
-              </a:spcAft>
-              <a:defRPr>
-                <a:solidFill>
-                  <a:schemeClr val="tx1"/>
-                </a:solidFill>
-                <a:latin typeface="Arial" charset="0"/>
-              </a:defRPr>
-            </a:lvl6pPr>
-            <a:lvl7pPr marL="2971800" indent="-228600" eaLnBrk="0" fontAlgn="base" hangingPunct="0">
-              <a:spcBef>
-                <a:spcPct val="0"/>
-              </a:spcBef>
-              <a:spcAft>
-                <a:spcPct val="0"/>
-              </a:spcAft>
-              <a:defRPr>
-                <a:solidFill>
-                  <a:schemeClr val="tx1"/>
-                </a:solidFill>
-                <a:latin typeface="Arial" charset="0"/>
-              </a:defRPr>
-            </a:lvl7pPr>
-            <a:lvl8pPr marL="3429000" indent="-228600" eaLnBrk="0" fontAlgn="base" hangingPunct="0">
-              <a:spcBef>
-                <a:spcPct val="0"/>
-              </a:spcBef>
-              <a:spcAft>
-                <a:spcPct val="0"/>
-              </a:spcAft>
-              <a:defRPr>
-                <a:solidFill>
-                  <a:schemeClr val="tx1"/>
-                </a:solidFill>
-                <a:latin typeface="Arial" charset="0"/>
-              </a:defRPr>
-            </a:lvl8pPr>
-            <a:lvl9pPr marL="3886200" indent="-228600" eaLnBrk="0" fontAlgn="base" hangingPunct="0">
-              <a:spcBef>
-                <a:spcPct val="0"/>
-              </a:spcBef>
-              <a:spcAft>
-                <a:spcPct val="0"/>
-              </a:spcAft>
-              <a:defRPr>
-                <a:solidFill>
-                  <a:schemeClr val="tx1"/>
-                </a:solidFill>
-                <a:latin typeface="Arial" charset="0"/>
-              </a:defRPr>
-            </a:lvl9pPr>
-          </a:lstStyle>
-          <a:p>
-            <a:pPr eaLnBrk="1" hangingPunct="1"/>
-            <a:r>
-              <a:rPr lang="de-DE" dirty="0"/>
-              <a:t>Prof. Dr.-Ing. habil. Björn Hein </a:t>
-            </a:r>
-            <a:r>
-              <a:rPr lang="de-DE" altLang="de-DE" dirty="0"/>
-              <a:t>- </a:t>
-            </a:r>
-            <a:r>
-              <a:rPr lang="de-DE" dirty="0"/>
-              <a:t>Implementierung eines Clustering-basierten Verfahrens zur Segmentierung von Volumenmodellen</a:t>
-            </a:r>
-            <a:endParaRPr lang="de-DE" altLang="de-DE" dirty="0">
-              <a:solidFill>
-                <a:schemeClr val="tx2"/>
-              </a:solidFill>
-            </a:endParaRPr>
-          </a:p>
-        </p:txBody>
-      </p:sp>
-      <p:sp>
-        <p:nvSpPr>
-          <p:cNvPr id="4099" name="Rectangle 2"/>
-          <p:cNvSpPr>
-            <a:spLocks noGrp="1" noChangeArrowheads="1"/>
-          </p:cNvSpPr>
-          <p:nvPr>
-            <p:ph type="title"/>
-          </p:nvPr>
-        </p:nvSpPr>
-        <p:spPr/>
-        <p:txBody>
-          <a:bodyPr/>
-          <a:lstStyle/>
-          <a:p>
-            <a:r>
-              <a:rPr lang="de-DE" altLang="de-DE" dirty="0"/>
-              <a:t>Ergebnisse – Benutzerfreundlichkeit</a:t>
-            </a:r>
-          </a:p>
-        </p:txBody>
-      </p:sp>
-      <p:sp>
-        <p:nvSpPr>
-          <p:cNvPr id="4100" name="Rectangle 3"/>
-          <p:cNvSpPr>
-            <a:spLocks noGrp="1" noChangeArrowheads="1"/>
-          </p:cNvSpPr>
-          <p:nvPr>
-            <p:ph type="body" idx="1"/>
-          </p:nvPr>
-        </p:nvSpPr>
-        <p:spPr/>
-        <p:txBody>
-          <a:bodyPr/>
-          <a:lstStyle/>
-          <a:p>
-            <a:r>
-              <a:rPr lang="de-DE" altLang="de-DE" dirty="0"/>
-              <a:t>NASA-TLX</a:t>
-            </a:r>
-          </a:p>
-          <a:p>
-            <a:r>
-              <a:rPr lang="de-DE" altLang="de-DE"/>
-              <a:t>Durchschnittliche Gesamtbeanspruchung: 38,32</a:t>
-            </a:r>
-            <a:endParaRPr lang="de-DE" altLang="de-DE" dirty="0"/>
           </a:p>
         </p:txBody>
       </p:sp>
@@ -9329,7 +8734,7 @@
 </p:sld>
 </file>
 
-<file path=ppt/slides/slide21.xml><?xml version="1.0" encoding="utf-8"?>
+<file path=ppt/slides/slide2.xml><?xml version="1.0" encoding="utf-8"?>
 <p:sld xmlns:a="http://schemas.openxmlformats.org/drawingml/2006/main" xmlns:r="http://schemas.openxmlformats.org/officeDocument/2006/relationships" xmlns:p="http://schemas.openxmlformats.org/presentationml/2006/main">
   <p:cSld>
     <p:spTree>
@@ -9348,6 +8753,139 @@
       </p:grpSpPr>
       <p:sp>
         <p:nvSpPr>
+          <p:cNvPr id="4099" name="Rectangle 2"/>
+          <p:cNvSpPr>
+            <a:spLocks noGrp="1" noChangeArrowheads="1"/>
+          </p:cNvSpPr>
+          <p:nvPr>
+            <p:ph type="title"/>
+          </p:nvPr>
+        </p:nvSpPr>
+        <p:spPr>
+          <a:xfrm>
+            <a:off x="395536" y="332656"/>
+            <a:ext cx="6911975" cy="561975"/>
+          </a:xfrm>
+        </p:spPr>
+        <p:txBody>
+          <a:bodyPr>
+            <a:normAutofit/>
+          </a:bodyPr>
+          <a:lstStyle/>
+          <a:p>
+            <a:r>
+              <a:rPr lang="de-DE" altLang="de-DE" dirty="0"/>
+              <a:t>Motivation</a:t>
+            </a:r>
+          </a:p>
+        </p:txBody>
+      </p:sp>
+      <p:sp>
+        <p:nvSpPr>
+          <p:cNvPr id="4100" name="Rectangle 3"/>
+          <p:cNvSpPr>
+            <a:spLocks noGrp="1" noChangeArrowheads="1"/>
+          </p:cNvSpPr>
+          <p:nvPr>
+            <p:ph idx="1"/>
+          </p:nvPr>
+        </p:nvSpPr>
+        <p:spPr/>
+        <p:txBody>
+          <a:bodyPr>
+            <a:normAutofit/>
+          </a:bodyPr>
+          <a:lstStyle/>
+          <a:p>
+            <a:r>
+              <a:rPr lang="de-DE" altLang="de-DE" dirty="0" err="1"/>
+              <a:t>HoloMed</a:t>
+            </a:r>
+            <a:r>
+              <a:rPr lang="de-DE" altLang="de-DE" dirty="0"/>
+              <a:t> Projekt</a:t>
+            </a:r>
+          </a:p>
+          <a:p>
+            <a:r>
+              <a:rPr lang="de-DE" altLang="de-DE" dirty="0"/>
+              <a:t>Unterstützung des Arztes</a:t>
+            </a:r>
+          </a:p>
+          <a:p>
+            <a:r>
+              <a:rPr lang="de-DE" altLang="de-DE" dirty="0" err="1"/>
+              <a:t>Ventrikelpunktion</a:t>
+            </a:r>
+            <a:endParaRPr lang="de-DE" altLang="de-DE" dirty="0"/>
+          </a:p>
+          <a:p>
+            <a:pPr lvl="1"/>
+            <a:r>
+              <a:rPr lang="de-DE" altLang="de-DE" dirty="0"/>
+              <a:t>Präziser Eingriff</a:t>
+            </a:r>
+          </a:p>
+          <a:p>
+            <a:pPr lvl="1"/>
+            <a:r>
+              <a:rPr lang="de-DE" altLang="de-DE" dirty="0"/>
+              <a:t>Sehr fehleranfällig</a:t>
+            </a:r>
+          </a:p>
+          <a:p>
+            <a:pPr marL="0" indent="0">
+              <a:buNone/>
+            </a:pPr>
+            <a:endParaRPr lang="de-DE" altLang="de-DE" dirty="0"/>
+          </a:p>
+          <a:p>
+            <a:r>
+              <a:rPr lang="de-DE" altLang="de-DE" dirty="0"/>
+              <a:t>AR-Brille</a:t>
+            </a:r>
+          </a:p>
+          <a:p>
+            <a:r>
+              <a:rPr lang="de-DE" altLang="de-DE" dirty="0"/>
+              <a:t>Segmentierung des </a:t>
+            </a:r>
+            <a:r>
+              <a:rPr lang="de-DE" altLang="de-DE" dirty="0" err="1"/>
+              <a:t>Ventrikelsystems</a:t>
+            </a:r>
+            <a:endParaRPr lang="de-DE" altLang="de-DE" dirty="0"/>
+          </a:p>
+          <a:p>
+            <a:pPr marL="0" indent="0">
+              <a:buNone/>
+            </a:pPr>
+            <a:endParaRPr lang="de-DE" altLang="de-DE" dirty="0"/>
+          </a:p>
+          <a:p>
+            <a:r>
+              <a:rPr lang="de-DE" altLang="de-DE" dirty="0"/>
+              <a:t>Transferfunktion</a:t>
+            </a:r>
+          </a:p>
+          <a:p>
+            <a:pPr lvl="1"/>
+            <a:r>
+              <a:rPr lang="de-DE" altLang="de-DE" dirty="0"/>
+              <a:t>Was wird gezeigt?</a:t>
+            </a:r>
+          </a:p>
+          <a:p>
+            <a:pPr lvl="1"/>
+            <a:r>
+              <a:rPr lang="de-DE" altLang="de-DE" dirty="0"/>
+              <a:t>Wie wird es gezeigt?</a:t>
+            </a:r>
+          </a:p>
+        </p:txBody>
+      </p:sp>
+      <p:sp>
+        <p:nvSpPr>
           <p:cNvPr id="4098" name="Rectangle 12"/>
           <p:cNvSpPr>
             <a:spLocks noGrp="1" noChangeArrowheads="1"/>
@@ -9481,6 +9019,107 @@
           </a:p>
         </p:txBody>
       </p:sp>
+      <p:pic>
+        <p:nvPicPr>
+          <p:cNvPr id="3" name="Grafik 2">
+            <a:extLst>
+              <a:ext uri="{FF2B5EF4-FFF2-40B4-BE49-F238E27FC236}">
+                <a16:creationId xmlns:a16="http://schemas.microsoft.com/office/drawing/2014/main" id="{BF501A05-FC31-4FE1-8FF6-3D823225554E}"/>
+              </a:ext>
+            </a:extLst>
+          </p:cNvPr>
+          <p:cNvPicPr>
+            <a:picLocks noChangeAspect="1"/>
+          </p:cNvPicPr>
+          <p:nvPr/>
+        </p:nvPicPr>
+        <p:blipFill>
+          <a:blip r:embed="rId2" cstate="print">
+            <a:extLst>
+              <a:ext uri="{28A0092B-C50C-407E-A947-70E740481C1C}">
+                <a14:useLocalDpi xmlns:a14="http://schemas.microsoft.com/office/drawing/2010/main" val="0"/>
+              </a:ext>
+            </a:extLst>
+          </a:blip>
+          <a:stretch>
+            <a:fillRect/>
+          </a:stretch>
+        </p:blipFill>
+        <p:spPr>
+          <a:xfrm>
+            <a:off x="5220072" y="2482598"/>
+            <a:ext cx="3528641" cy="3610227"/>
+          </a:xfrm>
+          <a:prstGeom prst="rect">
+            <a:avLst/>
+          </a:prstGeom>
+        </p:spPr>
+      </p:pic>
+      <p:sp>
+        <p:nvSpPr>
+          <p:cNvPr id="2" name="Textfeld 1">
+            <a:extLst>
+              <a:ext uri="{FF2B5EF4-FFF2-40B4-BE49-F238E27FC236}">
+                <a16:creationId xmlns:a16="http://schemas.microsoft.com/office/drawing/2014/main" id="{55A8C6BA-6D4A-4C64-878D-9C5979E6C1F5}"/>
+              </a:ext>
+            </a:extLst>
+          </p:cNvPr>
+          <p:cNvSpPr txBox="1"/>
+          <p:nvPr/>
+        </p:nvSpPr>
+        <p:spPr>
+          <a:xfrm>
+            <a:off x="7956376" y="6085922"/>
+            <a:ext cx="1080120" cy="276999"/>
+          </a:xfrm>
+          <a:prstGeom prst="rect">
+            <a:avLst/>
+          </a:prstGeom>
+          <a:noFill/>
+        </p:spPr>
+        <p:txBody>
+          <a:bodyPr wrap="square" rtlCol="0">
+            <a:spAutoFit/>
+          </a:bodyPr>
+          <a:lstStyle/>
+          <a:p>
+            <a:r>
+              <a:rPr lang="de-DE" sz="1200" dirty="0"/>
+              <a:t>Quelle: [1]</a:t>
+            </a:r>
+          </a:p>
+        </p:txBody>
+      </p:sp>
+    </p:spTree>
+    <p:extLst>
+      <p:ext uri="{BB962C8B-B14F-4D97-AF65-F5344CB8AC3E}">
+        <p14:creationId xmlns:p14="http://schemas.microsoft.com/office/powerpoint/2010/main" val="847824497"/>
+      </p:ext>
+    </p:extLst>
+  </p:cSld>
+  <p:clrMapOvr>
+    <a:masterClrMapping/>
+  </p:clrMapOvr>
+</p:sld>
+</file>
+
+<file path=ppt/slides/slide20.xml><?xml version="1.0" encoding="utf-8"?>
+<p:sld xmlns:a="http://schemas.openxmlformats.org/drawingml/2006/main" xmlns:r="http://schemas.openxmlformats.org/officeDocument/2006/relationships" xmlns:p="http://schemas.openxmlformats.org/presentationml/2006/main">
+  <p:cSld>
+    <p:spTree>
+      <p:nvGrpSpPr>
+        <p:cNvPr id="1" name=""/>
+        <p:cNvGrpSpPr/>
+        <p:nvPr/>
+      </p:nvGrpSpPr>
+      <p:grpSpPr>
+        <a:xfrm>
+          <a:off x="0" y="0"/>
+          <a:ext cx="0" cy="0"/>
+          <a:chOff x="0" y="0"/>
+          <a:chExt cx="0" cy="0"/>
+        </a:xfrm>
+      </p:grpSpPr>
       <p:sp>
         <p:nvSpPr>
           <p:cNvPr id="4099" name="Rectangle 2"/>
@@ -9510,7 +9149,7 @@
             <a:spLocks noGrp="1" noChangeArrowheads="1"/>
           </p:cNvSpPr>
           <p:nvPr>
-            <p:ph type="body" idx="1"/>
+            <p:ph idx="1"/>
           </p:nvPr>
         </p:nvSpPr>
         <p:spPr/>
@@ -9524,19 +9163,167 @@
             </a:r>
           </a:p>
           <a:p>
-            <a:endParaRPr lang="de-DE" altLang="de-DE" dirty="0"/>
-          </a:p>
-          <a:p>
             <a:r>
               <a:rPr lang="de-DE" altLang="de-DE" dirty="0"/>
               <a:t>Verschiedene Größen</a:t>
             </a:r>
+          </a:p>
+          <a:p>
+            <a:endParaRPr lang="de-DE" altLang="de-DE" dirty="0"/>
+          </a:p>
+          <a:p>
+            <a:r>
+              <a:rPr lang="de-DE" dirty="0"/>
+              <a:t>3.70GHz Intel Core(TM) i7-8700K CPU</a:t>
+            </a:r>
+          </a:p>
+          <a:p>
+            <a:r>
+              <a:rPr lang="de-DE" dirty="0"/>
+              <a:t>32GB RAM</a:t>
+            </a:r>
+            <a:endParaRPr lang="de-DE" altLang="de-DE" dirty="0"/>
           </a:p>
           <a:p>
             <a:pPr marL="0" indent="0">
               <a:buNone/>
             </a:pPr>
             <a:endParaRPr lang="de-DE" altLang="de-DE" dirty="0"/>
+          </a:p>
+        </p:txBody>
+      </p:sp>
+      <p:sp>
+        <p:nvSpPr>
+          <p:cNvPr id="4098" name="Rectangle 12"/>
+          <p:cNvSpPr>
+            <a:spLocks noGrp="1" noChangeArrowheads="1"/>
+          </p:cNvSpPr>
+          <p:nvPr>
+            <p:ph type="ftr" sz="quarter" idx="10"/>
+          </p:nvPr>
+        </p:nvSpPr>
+        <p:spPr>
+          <a:noFill/>
+        </p:spPr>
+        <p:txBody>
+          <a:bodyPr/>
+          <a:lstStyle>
+            <a:lvl1pPr eaLnBrk="0" hangingPunct="0">
+              <a:defRPr>
+                <a:solidFill>
+                  <a:schemeClr val="tx1"/>
+                </a:solidFill>
+                <a:latin typeface="Arial" charset="0"/>
+              </a:defRPr>
+            </a:lvl1pPr>
+            <a:lvl2pPr marL="742950" indent="-285750" eaLnBrk="0" hangingPunct="0">
+              <a:defRPr>
+                <a:solidFill>
+                  <a:schemeClr val="tx1"/>
+                </a:solidFill>
+                <a:latin typeface="Arial" charset="0"/>
+              </a:defRPr>
+            </a:lvl2pPr>
+            <a:lvl3pPr marL="1143000" indent="-228600" eaLnBrk="0" hangingPunct="0">
+              <a:defRPr>
+                <a:solidFill>
+                  <a:schemeClr val="tx1"/>
+                </a:solidFill>
+                <a:latin typeface="Arial" charset="0"/>
+              </a:defRPr>
+            </a:lvl3pPr>
+            <a:lvl4pPr marL="1600200" indent="-228600" eaLnBrk="0" hangingPunct="0">
+              <a:defRPr>
+                <a:solidFill>
+                  <a:schemeClr val="tx1"/>
+                </a:solidFill>
+                <a:latin typeface="Arial" charset="0"/>
+              </a:defRPr>
+            </a:lvl4pPr>
+            <a:lvl5pPr marL="2057400" indent="-228600" eaLnBrk="0" hangingPunct="0">
+              <a:defRPr>
+                <a:solidFill>
+                  <a:schemeClr val="tx1"/>
+                </a:solidFill>
+                <a:latin typeface="Arial" charset="0"/>
+              </a:defRPr>
+            </a:lvl5pPr>
+            <a:lvl6pPr marL="2514600" indent="-228600" eaLnBrk="0" fontAlgn="base" hangingPunct="0">
+              <a:spcBef>
+                <a:spcPct val="0"/>
+              </a:spcBef>
+              <a:spcAft>
+                <a:spcPct val="0"/>
+              </a:spcAft>
+              <a:defRPr>
+                <a:solidFill>
+                  <a:schemeClr val="tx1"/>
+                </a:solidFill>
+                <a:latin typeface="Arial" charset="0"/>
+              </a:defRPr>
+            </a:lvl6pPr>
+            <a:lvl7pPr marL="2971800" indent="-228600" eaLnBrk="0" fontAlgn="base" hangingPunct="0">
+              <a:spcBef>
+                <a:spcPct val="0"/>
+              </a:spcBef>
+              <a:spcAft>
+                <a:spcPct val="0"/>
+              </a:spcAft>
+              <a:defRPr>
+                <a:solidFill>
+                  <a:schemeClr val="tx1"/>
+                </a:solidFill>
+                <a:latin typeface="Arial" charset="0"/>
+              </a:defRPr>
+            </a:lvl7pPr>
+            <a:lvl8pPr marL="3429000" indent="-228600" eaLnBrk="0" fontAlgn="base" hangingPunct="0">
+              <a:spcBef>
+                <a:spcPct val="0"/>
+              </a:spcBef>
+              <a:spcAft>
+                <a:spcPct val="0"/>
+              </a:spcAft>
+              <a:defRPr>
+                <a:solidFill>
+                  <a:schemeClr val="tx1"/>
+                </a:solidFill>
+                <a:latin typeface="Arial" charset="0"/>
+              </a:defRPr>
+            </a:lvl8pPr>
+            <a:lvl9pPr marL="3886200" indent="-228600" eaLnBrk="0" fontAlgn="base" hangingPunct="0">
+              <a:spcBef>
+                <a:spcPct val="0"/>
+              </a:spcBef>
+              <a:spcAft>
+                <a:spcPct val="0"/>
+              </a:spcAft>
+              <a:defRPr>
+                <a:solidFill>
+                  <a:schemeClr val="tx1"/>
+                </a:solidFill>
+                <a:latin typeface="Arial" charset="0"/>
+              </a:defRPr>
+            </a:lvl9pPr>
+          </a:lstStyle>
+          <a:p>
+            <a:pPr eaLnBrk="1" hangingPunct="1"/>
+            <a:r>
+              <a:rPr lang="de-DE" dirty="0"/>
+              <a:t>Prof. Dr.-Ing. habil. Björn Hein </a:t>
+            </a:r>
+            <a:r>
+              <a:rPr lang="de-DE" altLang="de-DE" dirty="0"/>
+              <a:t>- </a:t>
+            </a:r>
+            <a:r>
+              <a:rPr lang="de-DE" dirty="0"/>
+              <a:t>Implementierung eines Clustering-basierten Verfahrens zur Segmentierung von Volumenmodellen</a:t>
+            </a:r>
+            <a:endParaRPr lang="de-DE" altLang="de-DE" dirty="0">
+              <a:solidFill>
+                <a:schemeClr val="tx2"/>
+              </a:solidFill>
+            </a:endParaRPr>
           </a:p>
         </p:txBody>
       </p:sp>
@@ -9965,6 +9752,313 @@
 </p:sld>
 </file>
 
+<file path=ppt/slides/slide21.xml><?xml version="1.0" encoding="utf-8"?>
+<p:sld xmlns:a="http://schemas.openxmlformats.org/drawingml/2006/main" xmlns:r="http://schemas.openxmlformats.org/officeDocument/2006/relationships" xmlns:p="http://schemas.openxmlformats.org/presentationml/2006/main">
+  <p:cSld>
+    <p:spTree>
+      <p:nvGrpSpPr>
+        <p:cNvPr id="1" name=""/>
+        <p:cNvGrpSpPr/>
+        <p:nvPr/>
+      </p:nvGrpSpPr>
+      <p:grpSpPr>
+        <a:xfrm>
+          <a:off x="0" y="0"/>
+          <a:ext cx="0" cy="0"/>
+          <a:chOff x="0" y="0"/>
+          <a:chExt cx="0" cy="0"/>
+        </a:xfrm>
+      </p:grpSpPr>
+      <p:sp>
+        <p:nvSpPr>
+          <p:cNvPr id="4099" name="Rectangle 2"/>
+          <p:cNvSpPr>
+            <a:spLocks noGrp="1" noChangeArrowheads="1"/>
+          </p:cNvSpPr>
+          <p:nvPr>
+            <p:ph type="title"/>
+          </p:nvPr>
+        </p:nvSpPr>
+        <p:spPr/>
+        <p:txBody>
+          <a:bodyPr/>
+          <a:lstStyle/>
+          <a:p>
+            <a:r>
+              <a:rPr lang="de-DE" altLang="de-DE" dirty="0"/>
+              <a:t>Fazit &amp; Ausblick</a:t>
+            </a:r>
+          </a:p>
+        </p:txBody>
+      </p:sp>
+      <p:sp>
+        <p:nvSpPr>
+          <p:cNvPr id="4100" name="Rectangle 3"/>
+          <p:cNvSpPr>
+            <a:spLocks noGrp="1" noChangeArrowheads="1"/>
+          </p:cNvSpPr>
+          <p:nvPr>
+            <p:ph idx="1"/>
+          </p:nvPr>
+        </p:nvSpPr>
+        <p:spPr/>
+        <p:txBody>
+          <a:bodyPr>
+            <a:normAutofit/>
+          </a:bodyPr>
+          <a:lstStyle/>
+          <a:p>
+            <a:r>
+              <a:rPr lang="de-DE" altLang="de-DE" dirty="0"/>
+              <a:t>Seitenventrikel werden erfolgreich segmentiert</a:t>
+            </a:r>
+          </a:p>
+          <a:p>
+            <a:endParaRPr lang="de-DE" altLang="de-DE" dirty="0"/>
+          </a:p>
+          <a:p>
+            <a:endParaRPr lang="de-DE" altLang="de-DE" dirty="0"/>
+          </a:p>
+          <a:p>
+            <a:r>
+              <a:rPr lang="de-DE" altLang="de-DE" dirty="0"/>
+              <a:t>Schwierigkeiten bei Datensätzen mit Pathologie</a:t>
+            </a:r>
+          </a:p>
+          <a:p>
+            <a:pPr lvl="1"/>
+            <a:r>
+              <a:rPr lang="de-DE" altLang="de-DE" dirty="0"/>
+              <a:t>Intensitätswerte sind verändert</a:t>
+            </a:r>
+          </a:p>
+          <a:p>
+            <a:pPr lvl="1"/>
+            <a:r>
+              <a:rPr lang="de-DE" altLang="de-DE" dirty="0"/>
+              <a:t>Ventrikel sind für die Grenzerkennung zu dünn</a:t>
+            </a:r>
+          </a:p>
+          <a:p>
+            <a:pPr marL="0" indent="0">
+              <a:buNone/>
+            </a:pPr>
+            <a:endParaRPr lang="de-DE" altLang="de-DE" dirty="0"/>
+          </a:p>
+          <a:p>
+            <a:endParaRPr lang="de-DE" altLang="de-DE" dirty="0"/>
+          </a:p>
+          <a:p>
+            <a:r>
+              <a:rPr lang="de-DE" altLang="de-DE" dirty="0"/>
+              <a:t>Benutzerfreundlichkeit verbessern</a:t>
+            </a:r>
+          </a:p>
+          <a:p>
+            <a:pPr lvl="1"/>
+            <a:r>
+              <a:rPr lang="de-DE" altLang="de-DE" dirty="0"/>
+              <a:t>GUI erstellen, Programme zusammenführen</a:t>
+            </a:r>
+          </a:p>
+          <a:p>
+            <a:r>
+              <a:rPr lang="de-DE" altLang="de-DE" dirty="0"/>
+              <a:t>Im </a:t>
+            </a:r>
+            <a:r>
+              <a:rPr lang="de-DE" altLang="de-DE" dirty="0" err="1"/>
+              <a:t>Postprocessing</a:t>
+            </a:r>
+            <a:r>
+              <a:rPr lang="de-DE" altLang="de-DE" dirty="0"/>
+              <a:t> weitere Algorithmen anwenden</a:t>
+            </a:r>
+          </a:p>
+          <a:p>
+            <a:pPr lvl="1"/>
+            <a:r>
+              <a:rPr lang="de-DE" altLang="de-DE" dirty="0"/>
+              <a:t>Region </a:t>
+            </a:r>
+            <a:r>
+              <a:rPr lang="de-DE" altLang="de-DE" dirty="0" err="1"/>
+              <a:t>Growing</a:t>
+            </a:r>
+            <a:r>
+              <a:rPr lang="de-DE" altLang="de-DE" dirty="0"/>
+              <a:t>, Filteroperationen</a:t>
+            </a:r>
+          </a:p>
+          <a:p>
+            <a:r>
+              <a:rPr lang="de-DE" altLang="de-DE" dirty="0" err="1"/>
+              <a:t>Machine</a:t>
+            </a:r>
+            <a:r>
+              <a:rPr lang="de-DE" altLang="de-DE" dirty="0"/>
+              <a:t>-Learning Verfahren benutzen</a:t>
+            </a:r>
+          </a:p>
+          <a:p>
+            <a:endParaRPr lang="de-DE" altLang="de-DE" dirty="0"/>
+          </a:p>
+          <a:p>
+            <a:pPr marL="0" indent="0">
+              <a:buNone/>
+            </a:pPr>
+            <a:endParaRPr lang="de-DE" altLang="de-DE" dirty="0"/>
+          </a:p>
+        </p:txBody>
+      </p:sp>
+      <p:sp>
+        <p:nvSpPr>
+          <p:cNvPr id="4098" name="Rectangle 12"/>
+          <p:cNvSpPr>
+            <a:spLocks noGrp="1" noChangeArrowheads="1"/>
+          </p:cNvSpPr>
+          <p:nvPr>
+            <p:ph type="ftr" sz="quarter" idx="10"/>
+          </p:nvPr>
+        </p:nvSpPr>
+        <p:spPr>
+          <a:noFill/>
+        </p:spPr>
+        <p:txBody>
+          <a:bodyPr/>
+          <a:lstStyle>
+            <a:lvl1pPr eaLnBrk="0" hangingPunct="0">
+              <a:defRPr>
+                <a:solidFill>
+                  <a:schemeClr val="tx1"/>
+                </a:solidFill>
+                <a:latin typeface="Arial" charset="0"/>
+              </a:defRPr>
+            </a:lvl1pPr>
+            <a:lvl2pPr marL="742950" indent="-285750" eaLnBrk="0" hangingPunct="0">
+              <a:defRPr>
+                <a:solidFill>
+                  <a:schemeClr val="tx1"/>
+                </a:solidFill>
+                <a:latin typeface="Arial" charset="0"/>
+              </a:defRPr>
+            </a:lvl2pPr>
+            <a:lvl3pPr marL="1143000" indent="-228600" eaLnBrk="0" hangingPunct="0">
+              <a:defRPr>
+                <a:solidFill>
+                  <a:schemeClr val="tx1"/>
+                </a:solidFill>
+                <a:latin typeface="Arial" charset="0"/>
+              </a:defRPr>
+            </a:lvl3pPr>
+            <a:lvl4pPr marL="1600200" indent="-228600" eaLnBrk="0" hangingPunct="0">
+              <a:defRPr>
+                <a:solidFill>
+                  <a:schemeClr val="tx1"/>
+                </a:solidFill>
+                <a:latin typeface="Arial" charset="0"/>
+              </a:defRPr>
+            </a:lvl4pPr>
+            <a:lvl5pPr marL="2057400" indent="-228600" eaLnBrk="0" hangingPunct="0">
+              <a:defRPr>
+                <a:solidFill>
+                  <a:schemeClr val="tx1"/>
+                </a:solidFill>
+                <a:latin typeface="Arial" charset="0"/>
+              </a:defRPr>
+            </a:lvl5pPr>
+            <a:lvl6pPr marL="2514600" indent="-228600" eaLnBrk="0" fontAlgn="base" hangingPunct="0">
+              <a:spcBef>
+                <a:spcPct val="0"/>
+              </a:spcBef>
+              <a:spcAft>
+                <a:spcPct val="0"/>
+              </a:spcAft>
+              <a:defRPr>
+                <a:solidFill>
+                  <a:schemeClr val="tx1"/>
+                </a:solidFill>
+                <a:latin typeface="Arial" charset="0"/>
+              </a:defRPr>
+            </a:lvl6pPr>
+            <a:lvl7pPr marL="2971800" indent="-228600" eaLnBrk="0" fontAlgn="base" hangingPunct="0">
+              <a:spcBef>
+                <a:spcPct val="0"/>
+              </a:spcBef>
+              <a:spcAft>
+                <a:spcPct val="0"/>
+              </a:spcAft>
+              <a:defRPr>
+                <a:solidFill>
+                  <a:schemeClr val="tx1"/>
+                </a:solidFill>
+                <a:latin typeface="Arial" charset="0"/>
+              </a:defRPr>
+            </a:lvl7pPr>
+            <a:lvl8pPr marL="3429000" indent="-228600" eaLnBrk="0" fontAlgn="base" hangingPunct="0">
+              <a:spcBef>
+                <a:spcPct val="0"/>
+              </a:spcBef>
+              <a:spcAft>
+                <a:spcPct val="0"/>
+              </a:spcAft>
+              <a:defRPr>
+                <a:solidFill>
+                  <a:schemeClr val="tx1"/>
+                </a:solidFill>
+                <a:latin typeface="Arial" charset="0"/>
+              </a:defRPr>
+            </a:lvl8pPr>
+            <a:lvl9pPr marL="3886200" indent="-228600" eaLnBrk="0" fontAlgn="base" hangingPunct="0">
+              <a:spcBef>
+                <a:spcPct val="0"/>
+              </a:spcBef>
+              <a:spcAft>
+                <a:spcPct val="0"/>
+              </a:spcAft>
+              <a:defRPr>
+                <a:solidFill>
+                  <a:schemeClr val="tx1"/>
+                </a:solidFill>
+                <a:latin typeface="Arial" charset="0"/>
+              </a:defRPr>
+            </a:lvl9pPr>
+          </a:lstStyle>
+          <a:p>
+            <a:pPr eaLnBrk="1" hangingPunct="1"/>
+            <a:r>
+              <a:rPr lang="de-DE" dirty="0"/>
+              <a:t>Prof. Dr.-Ing. habil. Björn Hein </a:t>
+            </a:r>
+            <a:r>
+              <a:rPr lang="de-DE" altLang="de-DE" dirty="0"/>
+              <a:t>- </a:t>
+            </a:r>
+            <a:r>
+              <a:rPr lang="de-DE" dirty="0"/>
+              <a:t>Implementierung eines Clustering-basierten Verfahrens zur Segmentierung von Volumenmodellen</a:t>
+            </a:r>
+            <a:endParaRPr lang="de-DE" altLang="de-DE" dirty="0">
+              <a:solidFill>
+                <a:schemeClr val="tx2"/>
+              </a:solidFill>
+            </a:endParaRPr>
+          </a:p>
+        </p:txBody>
+      </p:sp>
+    </p:spTree>
+    <p:extLst>
+      <p:ext uri="{BB962C8B-B14F-4D97-AF65-F5344CB8AC3E}">
+        <p14:creationId xmlns:p14="http://schemas.microsoft.com/office/powerpoint/2010/main" val="2601631996"/>
+      </p:ext>
+    </p:extLst>
+  </p:cSld>
+  <p:clrMapOvr>
+    <a:masterClrMapping/>
+  </p:clrMapOvr>
+</p:sld>
+</file>
+
 <file path=ppt/slides/slide22.xml><?xml version="1.0" encoding="utf-8"?>
 <p:sld xmlns:a="http://schemas.openxmlformats.org/drawingml/2006/main" xmlns:r="http://schemas.openxmlformats.org/officeDocument/2006/relationships" xmlns:p="http://schemas.openxmlformats.org/presentationml/2006/main">
   <p:cSld>
@@ -9984,6 +10078,567 @@
       </p:grpSpPr>
       <p:sp>
         <p:nvSpPr>
+          <p:cNvPr id="4099" name="Rectangle 2"/>
+          <p:cNvSpPr>
+            <a:spLocks noGrp="1" noChangeArrowheads="1"/>
+          </p:cNvSpPr>
+          <p:nvPr>
+            <p:ph type="title"/>
+          </p:nvPr>
+        </p:nvSpPr>
+        <p:spPr/>
+        <p:txBody>
+          <a:bodyPr/>
+          <a:lstStyle/>
+          <a:p>
+            <a:r>
+              <a:rPr lang="de-DE" altLang="de-DE" dirty="0"/>
+              <a:t>Quellen</a:t>
+            </a:r>
+          </a:p>
+        </p:txBody>
+      </p:sp>
+      <p:sp>
+        <p:nvSpPr>
+          <p:cNvPr id="4100" name="Rectangle 3"/>
+          <p:cNvSpPr>
+            <a:spLocks noGrp="1" noChangeArrowheads="1"/>
+          </p:cNvSpPr>
+          <p:nvPr>
+            <p:ph idx="1"/>
+          </p:nvPr>
+        </p:nvSpPr>
+        <p:spPr/>
+        <p:txBody>
+          <a:bodyPr>
+            <a:noAutofit/>
+          </a:bodyPr>
+          <a:lstStyle/>
+          <a:p>
+            <a:pPr marL="0" indent="0">
+              <a:buNone/>
+            </a:pPr>
+            <a:r>
+              <a:rPr lang="de-DE" altLang="de-DE" sz="1400" dirty="0"/>
+              <a:t>Titelfolie: https://craniosacral-praxis.at/was-ist-csb.html</a:t>
+            </a:r>
+          </a:p>
+          <a:p>
+            <a:pPr marL="0" indent="0">
+              <a:buNone/>
+            </a:pPr>
+            <a:r>
+              <a:rPr lang="de-DE" altLang="de-DE" sz="1400" dirty="0"/>
+              <a:t>[1] </a:t>
+            </a:r>
+            <a:r>
+              <a:rPr lang="de-DE" sz="1400" dirty="0"/>
+              <a:t>Forschungsprojekt </a:t>
+            </a:r>
+            <a:r>
+              <a:rPr lang="de-DE" sz="1400" dirty="0" err="1"/>
+              <a:t>HoloMed</a:t>
+            </a:r>
+            <a:r>
+              <a:rPr lang="de-DE" sz="1400" dirty="0"/>
+              <a:t>. https://www.ipr.kit.edu/projekte_ 2851.php </a:t>
+            </a:r>
+            <a:endParaRPr lang="de-DE" altLang="de-DE" sz="1400" dirty="0"/>
+          </a:p>
+          <a:p>
+            <a:pPr marL="0" indent="0">
+              <a:buNone/>
+            </a:pPr>
+            <a:r>
+              <a:rPr lang="de-DE" altLang="de-DE" sz="1400" dirty="0"/>
+              <a:t>[2]</a:t>
+            </a:r>
+            <a:r>
+              <a:rPr lang="de-DE" sz="1400" dirty="0"/>
+              <a:t> TZENG, F-Y ; LUM, Eric B. ; MA, K-L: An intelligent </a:t>
+            </a:r>
+            <a:r>
+              <a:rPr lang="de-DE" sz="1400" dirty="0" err="1"/>
+              <a:t>system</a:t>
+            </a:r>
+            <a:r>
+              <a:rPr lang="de-DE" sz="1400" dirty="0"/>
+              <a:t> </a:t>
+            </a:r>
+            <a:r>
+              <a:rPr lang="de-DE" sz="1400" dirty="0" err="1"/>
+              <a:t>approach</a:t>
+            </a:r>
+            <a:r>
+              <a:rPr lang="de-DE" sz="1400" dirty="0"/>
+              <a:t> </a:t>
+            </a:r>
+            <a:r>
+              <a:rPr lang="de-DE" sz="1400" dirty="0" err="1"/>
+              <a:t>to</a:t>
+            </a:r>
+            <a:r>
+              <a:rPr lang="de-DE" sz="1400" dirty="0"/>
+              <a:t> </a:t>
+            </a:r>
+            <a:r>
+              <a:rPr lang="de-DE" sz="1400" dirty="0" err="1"/>
+              <a:t>higherdimensional</a:t>
+            </a:r>
+            <a:r>
+              <a:rPr lang="de-DE" sz="1400" dirty="0"/>
+              <a:t> </a:t>
+            </a:r>
+            <a:r>
+              <a:rPr lang="de-DE" sz="1400" dirty="0" err="1"/>
+              <a:t>classification</a:t>
+            </a:r>
+            <a:r>
+              <a:rPr lang="de-DE" sz="1400" dirty="0"/>
+              <a:t> </a:t>
+            </a:r>
+            <a:r>
+              <a:rPr lang="de-DE" sz="1400" dirty="0" err="1"/>
+              <a:t>of</a:t>
+            </a:r>
+            <a:r>
+              <a:rPr lang="de-DE" sz="1400" dirty="0"/>
+              <a:t> </a:t>
+            </a:r>
+            <a:r>
+              <a:rPr lang="de-DE" sz="1400" dirty="0" err="1"/>
+              <a:t>volume</a:t>
+            </a:r>
+            <a:r>
+              <a:rPr lang="de-DE" sz="1400" dirty="0"/>
+              <a:t> </a:t>
+            </a:r>
+            <a:r>
+              <a:rPr lang="de-DE" sz="1400" dirty="0" err="1"/>
+              <a:t>data</a:t>
+            </a:r>
+            <a:r>
+              <a:rPr lang="de-DE" sz="1400" dirty="0"/>
+              <a:t>. In: IEEE Transactions on </a:t>
+            </a:r>
+            <a:r>
+              <a:rPr lang="de-DE" sz="1400" dirty="0" err="1"/>
+              <a:t>visualization</a:t>
+            </a:r>
+            <a:r>
+              <a:rPr lang="de-DE" sz="1400" dirty="0"/>
+              <a:t> and </a:t>
+            </a:r>
+            <a:r>
+              <a:rPr lang="de-DE" sz="1400" dirty="0" err="1"/>
+              <a:t>computer</a:t>
+            </a:r>
+            <a:r>
+              <a:rPr lang="de-DE" sz="1400" dirty="0"/>
+              <a:t> </a:t>
+            </a:r>
+            <a:r>
+              <a:rPr lang="de-DE" sz="1400" dirty="0" err="1"/>
+              <a:t>graphics</a:t>
+            </a:r>
+            <a:r>
+              <a:rPr lang="de-DE" sz="1400" dirty="0"/>
+              <a:t> 11 (2005), Nr. 3, S. 273–284 </a:t>
+            </a:r>
+            <a:endParaRPr lang="de-DE" altLang="de-DE" sz="1400" dirty="0"/>
+          </a:p>
+          <a:p>
+            <a:pPr marL="0" indent="0">
+              <a:buNone/>
+            </a:pPr>
+            <a:r>
+              <a:rPr lang="de-DE" altLang="de-DE" sz="1400" dirty="0"/>
+              <a:t>[3]</a:t>
+            </a:r>
+            <a:r>
+              <a:rPr lang="de-DE" sz="1400" dirty="0"/>
+              <a:t> LAN, </a:t>
+            </a:r>
+            <a:r>
+              <a:rPr lang="de-DE" sz="1400" dirty="0" err="1"/>
+              <a:t>Shouren</a:t>
+            </a:r>
+            <a:r>
+              <a:rPr lang="de-DE" sz="1400" dirty="0"/>
+              <a:t> ; WANG, </a:t>
+            </a:r>
+            <a:r>
+              <a:rPr lang="de-DE" sz="1400" dirty="0" err="1"/>
+              <a:t>Lisheng</a:t>
+            </a:r>
+            <a:r>
+              <a:rPr lang="de-DE" sz="1400" dirty="0"/>
+              <a:t> ; SONG, </a:t>
+            </a:r>
+            <a:r>
+              <a:rPr lang="de-DE" sz="1400" dirty="0" err="1"/>
+              <a:t>Yipeng</a:t>
+            </a:r>
+            <a:r>
+              <a:rPr lang="de-DE" sz="1400" dirty="0"/>
+              <a:t> ; WANG, </a:t>
+            </a:r>
+            <a:r>
+              <a:rPr lang="de-DE" sz="1400" dirty="0" err="1"/>
+              <a:t>Yu</a:t>
+            </a:r>
+            <a:r>
+              <a:rPr lang="de-DE" sz="1400" dirty="0"/>
+              <a:t>-ping ; YAO, </a:t>
+            </a:r>
+            <a:r>
+              <a:rPr lang="de-DE" sz="1400" dirty="0" err="1"/>
+              <a:t>Liping</a:t>
+            </a:r>
+            <a:r>
+              <a:rPr lang="de-DE" sz="1400" dirty="0"/>
+              <a:t> ; SUN, Kun ; XIA, Bin ; XU, </a:t>
+            </a:r>
+            <a:r>
+              <a:rPr lang="de-DE" sz="1400" dirty="0" err="1"/>
+              <a:t>Zongben</a:t>
+            </a:r>
+            <a:r>
+              <a:rPr lang="de-DE" sz="1400" dirty="0"/>
+              <a:t>: </a:t>
+            </a:r>
+            <a:r>
+              <a:rPr lang="de-DE" sz="1400" dirty="0" err="1"/>
+              <a:t>Improving</a:t>
+            </a:r>
+            <a:r>
+              <a:rPr lang="de-DE" sz="1400" dirty="0"/>
+              <a:t> </a:t>
+            </a:r>
+            <a:r>
+              <a:rPr lang="de-DE" sz="1400" dirty="0" err="1"/>
+              <a:t>separability</a:t>
+            </a:r>
+            <a:r>
+              <a:rPr lang="de-DE" sz="1400" dirty="0"/>
+              <a:t> </a:t>
+            </a:r>
+            <a:r>
+              <a:rPr lang="de-DE" sz="1400" dirty="0" err="1"/>
+              <a:t>of</a:t>
+            </a:r>
+            <a:r>
+              <a:rPr lang="de-DE" sz="1400" dirty="0"/>
+              <a:t> </a:t>
+            </a:r>
+            <a:r>
+              <a:rPr lang="de-DE" sz="1400" dirty="0" err="1"/>
+              <a:t>structures</a:t>
+            </a:r>
+            <a:r>
+              <a:rPr lang="de-DE" sz="1400" dirty="0"/>
+              <a:t> </a:t>
+            </a:r>
+            <a:r>
+              <a:rPr lang="de-DE" sz="1400" dirty="0" err="1"/>
+              <a:t>with</a:t>
+            </a:r>
+            <a:r>
+              <a:rPr lang="de-DE" sz="1400" dirty="0"/>
+              <a:t> </a:t>
+            </a:r>
+            <a:r>
+              <a:rPr lang="de-DE" sz="1400" dirty="0" err="1"/>
+              <a:t>similar</a:t>
+            </a:r>
+            <a:r>
+              <a:rPr lang="de-DE" sz="1400" dirty="0"/>
+              <a:t> </a:t>
+            </a:r>
+            <a:r>
+              <a:rPr lang="de-DE" sz="1400" dirty="0" err="1"/>
+              <a:t>attributes</a:t>
+            </a:r>
+            <a:r>
+              <a:rPr lang="de-DE" sz="1400" dirty="0"/>
+              <a:t> in 2D </a:t>
+            </a:r>
+            <a:r>
+              <a:rPr lang="de-DE" sz="1400" dirty="0" err="1"/>
+              <a:t>transfer</a:t>
+            </a:r>
+            <a:r>
+              <a:rPr lang="de-DE" sz="1400" dirty="0"/>
+              <a:t> </a:t>
+            </a:r>
+            <a:r>
+              <a:rPr lang="de-DE" sz="1400" dirty="0" err="1"/>
+              <a:t>function</a:t>
+            </a:r>
+            <a:r>
+              <a:rPr lang="de-DE" sz="1400" dirty="0"/>
+              <a:t> design. In: IEEE </a:t>
+            </a:r>
+            <a:r>
+              <a:rPr lang="de-DE" sz="1400" dirty="0" err="1"/>
+              <a:t>transactions</a:t>
+            </a:r>
+            <a:r>
+              <a:rPr lang="de-DE" sz="1400" dirty="0"/>
+              <a:t> on </a:t>
+            </a:r>
+            <a:r>
+              <a:rPr lang="de-DE" sz="1400" dirty="0" err="1"/>
+              <a:t>visualization</a:t>
+            </a:r>
+            <a:r>
+              <a:rPr lang="de-DE" sz="1400" dirty="0"/>
+              <a:t> and </a:t>
+            </a:r>
+            <a:r>
+              <a:rPr lang="de-DE" sz="1400" dirty="0" err="1"/>
+              <a:t>computer</a:t>
+            </a:r>
+            <a:r>
+              <a:rPr lang="de-DE" sz="1400" dirty="0"/>
+              <a:t> </a:t>
+            </a:r>
+            <a:r>
+              <a:rPr lang="de-DE" sz="1400" dirty="0" err="1"/>
+              <a:t>graphics</a:t>
+            </a:r>
+            <a:r>
+              <a:rPr lang="de-DE" sz="1400" dirty="0"/>
+              <a:t> 23 (2017), Nr. 5, S. 1546–1560</a:t>
+            </a:r>
+            <a:endParaRPr lang="de-DE" altLang="de-DE" sz="1400" dirty="0"/>
+          </a:p>
+          <a:p>
+            <a:pPr marL="0" indent="0">
+              <a:buNone/>
+            </a:pPr>
+            <a:r>
+              <a:rPr lang="de-DE" altLang="de-DE" sz="1400" dirty="0"/>
+              <a:t>[4]</a:t>
+            </a:r>
+            <a:r>
+              <a:rPr lang="de-DE" sz="1400" dirty="0"/>
+              <a:t> NGUYEN, Binh P. ; TAY, Wei-Liang ; CHUI, </a:t>
+            </a:r>
+            <a:r>
+              <a:rPr lang="de-DE" sz="1400" dirty="0" err="1"/>
+              <a:t>Chee</a:t>
+            </a:r>
+            <a:r>
+              <a:rPr lang="de-DE" sz="1400" dirty="0"/>
+              <a:t>-Kong ; ONG, Sim-</a:t>
+            </a:r>
+            <a:r>
+              <a:rPr lang="de-DE" sz="1400" dirty="0" err="1"/>
+              <a:t>Heng</a:t>
+            </a:r>
+            <a:r>
+              <a:rPr lang="de-DE" sz="1400" dirty="0"/>
+              <a:t>: A </a:t>
+            </a:r>
+            <a:r>
+              <a:rPr lang="de-DE" sz="1400" dirty="0" err="1"/>
+              <a:t>clustering-based</a:t>
+            </a:r>
+            <a:r>
+              <a:rPr lang="de-DE" sz="1400" dirty="0"/>
+              <a:t> </a:t>
+            </a:r>
+            <a:r>
+              <a:rPr lang="de-DE" sz="1400" dirty="0" err="1"/>
+              <a:t>system</a:t>
+            </a:r>
+            <a:r>
+              <a:rPr lang="de-DE" sz="1400" dirty="0"/>
+              <a:t> </a:t>
+            </a:r>
+            <a:r>
+              <a:rPr lang="de-DE" sz="1400" dirty="0" err="1"/>
+              <a:t>to</a:t>
+            </a:r>
+            <a:r>
+              <a:rPr lang="de-DE" sz="1400" dirty="0"/>
+              <a:t> </a:t>
+            </a:r>
+            <a:r>
+              <a:rPr lang="de-DE" sz="1400" dirty="0" err="1"/>
+              <a:t>automate</a:t>
+            </a:r>
+            <a:r>
+              <a:rPr lang="de-DE" sz="1400" dirty="0"/>
+              <a:t> </a:t>
+            </a:r>
+            <a:r>
+              <a:rPr lang="de-DE" sz="1400" dirty="0" err="1"/>
+              <a:t>transfer</a:t>
+            </a:r>
+            <a:r>
+              <a:rPr lang="de-DE" sz="1400" dirty="0"/>
+              <a:t> </a:t>
+            </a:r>
+            <a:r>
+              <a:rPr lang="de-DE" sz="1400" dirty="0" err="1"/>
+              <a:t>function</a:t>
+            </a:r>
+            <a:r>
+              <a:rPr lang="de-DE" sz="1400" dirty="0"/>
+              <a:t> design </a:t>
+            </a:r>
+            <a:r>
+              <a:rPr lang="de-DE" sz="1400" dirty="0" err="1"/>
+              <a:t>for</a:t>
+            </a:r>
+            <a:r>
+              <a:rPr lang="de-DE" sz="1400" dirty="0"/>
+              <a:t> </a:t>
+            </a:r>
+            <a:r>
+              <a:rPr lang="de-DE" sz="1400" dirty="0" err="1"/>
+              <a:t>medical</a:t>
+            </a:r>
+            <a:r>
+              <a:rPr lang="de-DE" sz="1400" dirty="0"/>
+              <a:t> </a:t>
+            </a:r>
+            <a:r>
+              <a:rPr lang="de-DE" sz="1400" dirty="0" err="1"/>
+              <a:t>image</a:t>
+            </a:r>
+            <a:r>
+              <a:rPr lang="de-DE" sz="1400" dirty="0"/>
+              <a:t> </a:t>
+            </a:r>
+            <a:r>
+              <a:rPr lang="de-DE" sz="1400" dirty="0" err="1"/>
+              <a:t>visualization</a:t>
+            </a:r>
+            <a:r>
+              <a:rPr lang="de-DE" sz="1400" dirty="0"/>
+              <a:t>. In: The Visual Computer 28 (2012), Nr. 2, S. 181–191</a:t>
+            </a:r>
+            <a:endParaRPr lang="de-DE" altLang="de-DE" sz="1400" dirty="0"/>
+          </a:p>
+          <a:p>
+            <a:pPr marL="0" indent="0">
+              <a:buNone/>
+            </a:pPr>
+            <a:r>
+              <a:rPr lang="de-DE" altLang="de-DE" sz="1400" dirty="0"/>
+              <a:t>[5] </a:t>
+            </a:r>
+            <a:r>
+              <a:rPr lang="de-DE" sz="1400" dirty="0"/>
+              <a:t>HONG, Di-hui ; NING, Gang-min ; ZHAO, Ting ; ZHANG, Mu ; ZHENG, </a:t>
+            </a:r>
+            <a:r>
+              <a:rPr lang="de-DE" sz="1400" dirty="0" err="1"/>
+              <a:t>Xiaoxiang</a:t>
+            </a:r>
+            <a:r>
+              <a:rPr lang="de-DE" sz="1400" dirty="0"/>
+              <a:t>: Method </a:t>
+            </a:r>
+            <a:r>
+              <a:rPr lang="de-DE" sz="1400" dirty="0" err="1"/>
+              <a:t>of</a:t>
+            </a:r>
+            <a:r>
+              <a:rPr lang="de-DE" sz="1400" dirty="0"/>
+              <a:t> normal </a:t>
+            </a:r>
+            <a:r>
+              <a:rPr lang="de-DE" sz="1400" dirty="0" err="1"/>
+              <a:t>estimation</a:t>
+            </a:r>
+            <a:r>
+              <a:rPr lang="de-DE" sz="1400" dirty="0"/>
+              <a:t> </a:t>
+            </a:r>
+            <a:r>
+              <a:rPr lang="de-DE" sz="1400" dirty="0" err="1"/>
+              <a:t>based</a:t>
+            </a:r>
+            <a:r>
+              <a:rPr lang="de-DE" sz="1400" dirty="0"/>
+              <a:t> on </a:t>
+            </a:r>
+            <a:r>
+              <a:rPr lang="de-DE" sz="1400" dirty="0" err="1"/>
+              <a:t>approximation</a:t>
+            </a:r>
+            <a:r>
+              <a:rPr lang="de-DE" sz="1400" dirty="0"/>
+              <a:t> </a:t>
+            </a:r>
+            <a:r>
+              <a:rPr lang="de-DE" sz="1400" dirty="0" err="1"/>
+              <a:t>for</a:t>
+            </a:r>
+            <a:r>
+              <a:rPr lang="de-DE" sz="1400" dirty="0"/>
+              <a:t> </a:t>
+            </a:r>
+            <a:r>
+              <a:rPr lang="de-DE" sz="1400" dirty="0" err="1"/>
+              <a:t>visualization</a:t>
+            </a:r>
+            <a:r>
+              <a:rPr lang="de-DE" sz="1400" dirty="0"/>
+              <a:t>. In: Journal </a:t>
+            </a:r>
+            <a:r>
+              <a:rPr lang="de-DE" sz="1400" dirty="0" err="1"/>
+              <a:t>of</a:t>
+            </a:r>
+            <a:r>
+              <a:rPr lang="de-DE" sz="1400" dirty="0"/>
+              <a:t> Electronic Imaging 12 (2003), Nr. 3, S. 470–478 </a:t>
+            </a:r>
+            <a:endParaRPr lang="de-DE" altLang="de-DE" sz="1400" dirty="0"/>
+          </a:p>
+          <a:p>
+            <a:pPr marL="0" indent="0">
+              <a:buNone/>
+            </a:pPr>
+            <a:r>
+              <a:rPr lang="de-DE" altLang="de-DE" sz="1400" dirty="0"/>
+              <a:t>[6] </a:t>
+            </a:r>
+            <a:r>
+              <a:rPr lang="de-DE" sz="1400" dirty="0"/>
+              <a:t>https://gifer.com/en/8OHN</a:t>
+            </a:r>
+            <a:endParaRPr lang="de-DE" altLang="de-DE" sz="1400" dirty="0"/>
+          </a:p>
+          <a:p>
+            <a:pPr marL="0" indent="0">
+              <a:buNone/>
+            </a:pPr>
+            <a:r>
+              <a:rPr lang="de-DE" altLang="de-DE" sz="1400" dirty="0"/>
+              <a:t>[7] </a:t>
+            </a:r>
+            <a:r>
+              <a:rPr lang="de-DE" sz="1400" dirty="0"/>
+              <a:t>Kiefer-Saarland. http://www.kiefer-saarland.com/anatomie_ physiologie.htm</a:t>
+            </a:r>
+            <a:endParaRPr lang="de-DE" altLang="de-DE" sz="1400" dirty="0"/>
+          </a:p>
+          <a:p>
+            <a:pPr marL="0" indent="0">
+              <a:buNone/>
+            </a:pPr>
+            <a:endParaRPr lang="de-DE" altLang="de-DE" sz="1400" dirty="0"/>
+          </a:p>
+        </p:txBody>
+      </p:sp>
+      <p:sp>
+        <p:nvSpPr>
           <p:cNvPr id="4098" name="Rectangle 12"/>
           <p:cNvSpPr>
             <a:spLocks noGrp="1" noChangeArrowheads="1"/>
@@ -10117,102 +10772,10 @@
           </a:p>
         </p:txBody>
       </p:sp>
-      <p:sp>
-        <p:nvSpPr>
-          <p:cNvPr id="4099" name="Rectangle 2"/>
-          <p:cNvSpPr>
-            <a:spLocks noGrp="1" noChangeArrowheads="1"/>
-          </p:cNvSpPr>
-          <p:nvPr>
-            <p:ph type="title"/>
-          </p:nvPr>
-        </p:nvSpPr>
-        <p:spPr/>
-        <p:txBody>
-          <a:bodyPr/>
-          <a:lstStyle/>
-          <a:p>
-            <a:r>
-              <a:rPr lang="de-DE" altLang="de-DE" dirty="0"/>
-              <a:t>Fazit &amp; Ausblick</a:t>
-            </a:r>
-          </a:p>
-        </p:txBody>
-      </p:sp>
-      <p:sp>
-        <p:nvSpPr>
-          <p:cNvPr id="4100" name="Rectangle 3"/>
-          <p:cNvSpPr>
-            <a:spLocks noGrp="1" noChangeArrowheads="1"/>
-          </p:cNvSpPr>
-          <p:nvPr>
-            <p:ph type="body" idx="1"/>
-          </p:nvPr>
-        </p:nvSpPr>
-        <p:spPr/>
-        <p:txBody>
-          <a:bodyPr/>
-          <a:lstStyle/>
-          <a:p>
-            <a:r>
-              <a:rPr lang="de-DE" altLang="de-DE" dirty="0"/>
-              <a:t>Verfahren funktioniert</a:t>
-            </a:r>
-          </a:p>
-          <a:p>
-            <a:endParaRPr lang="de-DE" altLang="de-DE" dirty="0"/>
-          </a:p>
-          <a:p>
-            <a:r>
-              <a:rPr lang="de-DE" altLang="de-DE" dirty="0"/>
-              <a:t>Schwierig bis nicht möglich verformte </a:t>
-            </a:r>
-            <a:r>
-              <a:rPr lang="de-DE" altLang="de-DE" dirty="0" err="1"/>
-              <a:t>Ventrikelsystem</a:t>
-            </a:r>
-            <a:r>
-              <a:rPr lang="de-DE" altLang="de-DE" dirty="0"/>
-              <a:t> zu segmentieren</a:t>
-            </a:r>
-          </a:p>
-          <a:p>
-            <a:r>
-              <a:rPr lang="de-DE" altLang="de-DE" dirty="0" err="1"/>
-              <a:t>Machine</a:t>
-            </a:r>
-            <a:r>
-              <a:rPr lang="de-DE" altLang="de-DE" dirty="0"/>
-              <a:t>-Learning Verfahren benutzen</a:t>
-            </a:r>
-          </a:p>
-          <a:p>
-            <a:endParaRPr lang="de-DE" altLang="de-DE" dirty="0"/>
-          </a:p>
-          <a:p>
-            <a:r>
-              <a:rPr lang="de-DE" altLang="de-DE" dirty="0"/>
-              <a:t>Benutzerfreundlichkeit verbessern</a:t>
-            </a:r>
-          </a:p>
-          <a:p>
-            <a:r>
-              <a:rPr lang="de-DE" altLang="de-DE" dirty="0"/>
-              <a:t>Weitere Algorithmen anwenden</a:t>
-            </a:r>
-          </a:p>
-          <a:p>
-            <a:pPr marL="0" indent="0">
-              <a:buNone/>
-            </a:pPr>
-            <a:endParaRPr lang="de-DE" altLang="de-DE" dirty="0"/>
-          </a:p>
-        </p:txBody>
-      </p:sp>
     </p:spTree>
     <p:extLst>
       <p:ext uri="{BB962C8B-B14F-4D97-AF65-F5344CB8AC3E}">
-        <p14:creationId xmlns:p14="http://schemas.microsoft.com/office/powerpoint/2010/main" val="2601631996"/>
+        <p14:creationId xmlns:p14="http://schemas.microsoft.com/office/powerpoint/2010/main" val="3564149794"/>
       </p:ext>
     </p:extLst>
   </p:cSld>
@@ -10241,6 +10804,50 @@
       </p:grpSpPr>
       <p:sp>
         <p:nvSpPr>
+          <p:cNvPr id="4099" name="Rectangle 2"/>
+          <p:cNvSpPr>
+            <a:spLocks noGrp="1" noChangeArrowheads="1"/>
+          </p:cNvSpPr>
+          <p:nvPr>
+            <p:ph type="title"/>
+          </p:nvPr>
+        </p:nvSpPr>
+        <p:spPr/>
+        <p:txBody>
+          <a:bodyPr/>
+          <a:lstStyle/>
+          <a:p>
+            <a:endParaRPr lang="de-DE" altLang="de-DE" dirty="0"/>
+          </a:p>
+        </p:txBody>
+      </p:sp>
+      <p:sp>
+        <p:nvSpPr>
+          <p:cNvPr id="4100" name="Rectangle 3"/>
+          <p:cNvSpPr>
+            <a:spLocks noGrp="1" noChangeArrowheads="1"/>
+          </p:cNvSpPr>
+          <p:nvPr>
+            <p:ph idx="1"/>
+          </p:nvPr>
+        </p:nvSpPr>
+        <p:spPr/>
+        <p:txBody>
+          <a:bodyPr/>
+          <a:lstStyle/>
+          <a:p>
+            <a:pPr marL="0" indent="0">
+              <a:buNone/>
+            </a:pPr>
+            <a:br>
+              <a:rPr lang="de-DE" altLang="de-DE" dirty="0"/>
+            </a:br>
+            <a:endParaRPr lang="de-DE" altLang="de-DE" dirty="0"/>
+          </a:p>
+        </p:txBody>
+      </p:sp>
+      <p:sp>
+        <p:nvSpPr>
           <p:cNvPr id="4098" name="Rectangle 12"/>
           <p:cNvSpPr>
             <a:spLocks noGrp="1" noChangeArrowheads="1"/>
@@ -10371,50 +10978,6 @@
                 <a:schemeClr val="tx2"/>
               </a:solidFill>
             </a:endParaRPr>
-          </a:p>
-        </p:txBody>
-      </p:sp>
-      <p:sp>
-        <p:nvSpPr>
-          <p:cNvPr id="4099" name="Rectangle 2"/>
-          <p:cNvSpPr>
-            <a:spLocks noGrp="1" noChangeArrowheads="1"/>
-          </p:cNvSpPr>
-          <p:nvPr>
-            <p:ph type="title"/>
-          </p:nvPr>
-        </p:nvSpPr>
-        <p:spPr/>
-        <p:txBody>
-          <a:bodyPr/>
-          <a:lstStyle/>
-          <a:p>
-            <a:endParaRPr lang="de-DE" altLang="de-DE" dirty="0"/>
-          </a:p>
-        </p:txBody>
-      </p:sp>
-      <p:sp>
-        <p:nvSpPr>
-          <p:cNvPr id="4100" name="Rectangle 3"/>
-          <p:cNvSpPr>
-            <a:spLocks noGrp="1" noChangeArrowheads="1"/>
-          </p:cNvSpPr>
-          <p:nvPr>
-            <p:ph type="body" idx="1"/>
-          </p:nvPr>
-        </p:nvSpPr>
-        <p:spPr/>
-        <p:txBody>
-          <a:bodyPr/>
-          <a:lstStyle/>
-          <a:p>
-            <a:pPr marL="0" indent="0">
-              <a:buNone/>
-            </a:pPr>
-            <a:br>
-              <a:rPr lang="de-DE" altLang="de-DE" dirty="0"/>
-            </a:br>
-            <a:endParaRPr lang="de-DE" altLang="de-DE" dirty="0"/>
           </a:p>
         </p:txBody>
       </p:sp>
@@ -10485,6 +11048,116 @@
       </p:grpSpPr>
       <p:sp>
         <p:nvSpPr>
+          <p:cNvPr id="4099" name="Rectangle 2"/>
+          <p:cNvSpPr>
+            <a:spLocks noGrp="1" noChangeArrowheads="1"/>
+          </p:cNvSpPr>
+          <p:nvPr>
+            <p:ph type="title"/>
+          </p:nvPr>
+        </p:nvSpPr>
+        <p:spPr/>
+        <p:txBody>
+          <a:bodyPr/>
+          <a:lstStyle/>
+          <a:p>
+            <a:r>
+              <a:rPr lang="de-DE" altLang="de-DE" dirty="0" err="1"/>
+              <a:t>Ventrikelsystem</a:t>
+            </a:r>
+            <a:endParaRPr lang="de-DE" altLang="de-DE" dirty="0"/>
+          </a:p>
+        </p:txBody>
+      </p:sp>
+      <p:sp>
+        <p:nvSpPr>
+          <p:cNvPr id="4100" name="Rectangle 3"/>
+          <p:cNvSpPr>
+            <a:spLocks noGrp="1" noChangeArrowheads="1"/>
+          </p:cNvSpPr>
+          <p:nvPr>
+            <p:ph idx="1"/>
+          </p:nvPr>
+        </p:nvSpPr>
+        <p:spPr/>
+        <p:txBody>
+          <a:bodyPr>
+            <a:normAutofit/>
+          </a:bodyPr>
+          <a:lstStyle/>
+          <a:p>
+            <a:r>
+              <a:rPr lang="de-DE" altLang="de-DE" dirty="0"/>
+              <a:t>Hohlraum im Kopf</a:t>
+            </a:r>
+          </a:p>
+          <a:p>
+            <a:r>
+              <a:rPr lang="de-DE" altLang="de-DE" dirty="0"/>
+              <a:t>Mit Liquor gefüllt</a:t>
+            </a:r>
+          </a:p>
+          <a:p>
+            <a:endParaRPr lang="de-DE" altLang="de-DE" dirty="0"/>
+          </a:p>
+          <a:p>
+            <a:r>
+              <a:rPr lang="de-DE" altLang="de-DE" dirty="0"/>
+              <a:t>Seitenventrikel</a:t>
+            </a:r>
+          </a:p>
+          <a:p>
+            <a:pPr lvl="1"/>
+            <a:r>
+              <a:rPr lang="de-DE" altLang="de-DE" dirty="0"/>
+              <a:t>1a - Vorderhorn</a:t>
+            </a:r>
+          </a:p>
+          <a:p>
+            <a:pPr lvl="1"/>
+            <a:r>
+              <a:rPr lang="de-DE" altLang="de-DE" dirty="0"/>
+              <a:t>1b - Hinterhorn</a:t>
+            </a:r>
+          </a:p>
+          <a:p>
+            <a:pPr lvl="1"/>
+            <a:r>
+              <a:rPr lang="de-DE" altLang="de-DE" dirty="0"/>
+              <a:t>2 - Unterhorn</a:t>
+            </a:r>
+          </a:p>
+          <a:p>
+            <a:endParaRPr lang="de-DE" altLang="de-DE" dirty="0"/>
+          </a:p>
+          <a:p>
+            <a:r>
+              <a:rPr lang="de-DE" altLang="de-DE" dirty="0"/>
+              <a:t>3 - Dritter Ventrikel</a:t>
+            </a:r>
+          </a:p>
+          <a:p>
+            <a:endParaRPr lang="de-DE" altLang="de-DE" dirty="0"/>
+          </a:p>
+          <a:p>
+            <a:r>
+              <a:rPr lang="de-DE" altLang="de-DE" dirty="0"/>
+              <a:t>4 - Vierter Ventrikel</a:t>
+            </a:r>
+          </a:p>
+          <a:p>
+            <a:endParaRPr lang="de-DE" altLang="de-DE" dirty="0"/>
+          </a:p>
+          <a:p>
+            <a:r>
+              <a:rPr lang="de-DE" altLang="de-DE" dirty="0"/>
+              <a:t>Seitenventrikel sind für die Punktion wichtig </a:t>
+            </a:r>
+          </a:p>
+        </p:txBody>
+      </p:sp>
+      <p:sp>
+        <p:nvSpPr>
           <p:cNvPr id="4098" name="Rectangle 12"/>
           <p:cNvSpPr>
             <a:spLocks noGrp="1" noChangeArrowheads="1"/>
@@ -10618,135 +11291,12 @@
           </a:p>
         </p:txBody>
       </p:sp>
-      <p:sp>
-        <p:nvSpPr>
-          <p:cNvPr id="4099" name="Rectangle 2"/>
-          <p:cNvSpPr>
-            <a:spLocks noGrp="1" noChangeArrowheads="1"/>
-          </p:cNvSpPr>
-          <p:nvPr>
-            <p:ph type="title"/>
-          </p:nvPr>
-        </p:nvSpPr>
-        <p:spPr>
-          <a:xfrm>
-            <a:off x="395536" y="332656"/>
-            <a:ext cx="6911975" cy="561975"/>
-          </a:xfrm>
-        </p:spPr>
-        <p:txBody>
-          <a:bodyPr/>
-          <a:lstStyle/>
-          <a:p>
-            <a:r>
-              <a:rPr lang="de-DE" altLang="de-DE" dirty="0"/>
-              <a:t>Motivation</a:t>
-            </a:r>
-          </a:p>
-        </p:txBody>
-      </p:sp>
-      <p:sp>
-        <p:nvSpPr>
-          <p:cNvPr id="4100" name="Rectangle 3"/>
-          <p:cNvSpPr>
-            <a:spLocks noGrp="1" noChangeArrowheads="1"/>
-          </p:cNvSpPr>
-          <p:nvPr>
-            <p:ph type="body" idx="1"/>
-          </p:nvPr>
-        </p:nvSpPr>
-        <p:spPr/>
-        <p:txBody>
-          <a:bodyPr/>
-          <a:lstStyle/>
-          <a:p>
-            <a:r>
-              <a:rPr lang="de-DE" altLang="de-DE" dirty="0" err="1"/>
-              <a:t>HoloMed</a:t>
-            </a:r>
-            <a:r>
-              <a:rPr lang="de-DE" altLang="de-DE" dirty="0"/>
-              <a:t> Projekt</a:t>
-            </a:r>
-          </a:p>
-          <a:p>
-            <a:r>
-              <a:rPr lang="de-DE" altLang="de-DE" dirty="0"/>
-              <a:t>Unterstützung des Arztes mithilfe einer AR-Brille</a:t>
-            </a:r>
-          </a:p>
-          <a:p>
-            <a:r>
-              <a:rPr lang="de-DE" altLang="de-DE" dirty="0" err="1"/>
-              <a:t>Ventrikelpunktion</a:t>
-            </a:r>
-            <a:endParaRPr lang="de-DE" altLang="de-DE" dirty="0"/>
-          </a:p>
-          <a:p>
-            <a:pPr lvl="1"/>
-            <a:r>
-              <a:rPr lang="de-DE" altLang="de-DE" dirty="0"/>
-              <a:t>Präziser Eingriff</a:t>
-            </a:r>
-          </a:p>
-          <a:p>
-            <a:pPr lvl="1"/>
-            <a:r>
-              <a:rPr lang="de-DE" altLang="de-DE" dirty="0"/>
-              <a:t>Sehr fehleranfällig</a:t>
-            </a:r>
-          </a:p>
-          <a:p>
-            <a:pPr marL="0" indent="0">
-              <a:buNone/>
-            </a:pPr>
-            <a:endParaRPr lang="de-DE" altLang="de-DE" dirty="0"/>
-          </a:p>
-          <a:p>
-            <a:r>
-              <a:rPr lang="de-DE" altLang="de-DE" dirty="0"/>
-              <a:t>Segmentierung des </a:t>
-            </a:r>
-            <a:r>
-              <a:rPr lang="de-DE" altLang="de-DE" dirty="0" err="1"/>
-              <a:t>Ventrikelsystems</a:t>
-            </a:r>
-            <a:endParaRPr lang="de-DE" altLang="de-DE" dirty="0"/>
-          </a:p>
-          <a:p>
-            <a:pPr marL="0" indent="0">
-              <a:buNone/>
-            </a:pPr>
-            <a:endParaRPr lang="de-DE" altLang="de-DE" dirty="0"/>
-          </a:p>
-          <a:p>
-            <a:r>
-              <a:rPr lang="de-DE" altLang="de-DE" dirty="0"/>
-              <a:t>Transferfunktion</a:t>
-            </a:r>
-          </a:p>
-          <a:p>
-            <a:pPr lvl="1"/>
-            <a:r>
-              <a:rPr lang="de-DE" altLang="de-DE" dirty="0"/>
-              <a:t>Was wird gezeigt?</a:t>
-            </a:r>
-          </a:p>
-          <a:p>
-            <a:pPr lvl="1"/>
-            <a:r>
-              <a:rPr lang="de-DE" altLang="de-DE" dirty="0"/>
-              <a:t>Wie wird es gezeigt?</a:t>
-            </a:r>
-          </a:p>
-        </p:txBody>
-      </p:sp>
       <p:pic>
         <p:nvPicPr>
           <p:cNvPr id="3" name="Grafik 2">
             <a:extLst>
               <a:ext uri="{FF2B5EF4-FFF2-40B4-BE49-F238E27FC236}">
-                <a16:creationId xmlns:a16="http://schemas.microsoft.com/office/drawing/2014/main" id="{BF501A05-FC31-4FE1-8FF6-3D823225554E}"/>
+                <a16:creationId xmlns:a16="http://schemas.microsoft.com/office/drawing/2014/main" id="{BC797976-23F8-4637-A35C-2DD0194F9FE8}"/>
               </a:ext>
             </a:extLst>
           </p:cNvPr>
@@ -10756,7 +11306,7 @@
           <p:nvPr/>
         </p:nvPicPr>
         <p:blipFill>
-          <a:blip r:embed="rId2" cstate="print">
+          <a:blip r:embed="rId2">
             <a:extLst>
               <a:ext uri="{28A0092B-C50C-407E-A947-70E740481C1C}">
                 <a14:useLocalDpi xmlns:a14="http://schemas.microsoft.com/office/drawing/2010/main" val="0"/>
@@ -10769,18 +11319,53 @@
         </p:blipFill>
         <p:spPr>
           <a:xfrm>
-            <a:off x="5220072" y="2482598"/>
-            <a:ext cx="3528641" cy="3610227"/>
+            <a:off x="4067944" y="1198563"/>
+            <a:ext cx="4464745" cy="3048047"/>
           </a:xfrm>
           <a:prstGeom prst="rect">
             <a:avLst/>
           </a:prstGeom>
         </p:spPr>
       </p:pic>
+      <p:sp>
+        <p:nvSpPr>
+          <p:cNvPr id="6" name="Textfeld 5">
+            <a:extLst>
+              <a:ext uri="{FF2B5EF4-FFF2-40B4-BE49-F238E27FC236}">
+                <a16:creationId xmlns:a16="http://schemas.microsoft.com/office/drawing/2014/main" id="{2D0057C5-0E17-4EEF-A69A-96D2E30642FC}"/>
+              </a:ext>
+            </a:extLst>
+          </p:cNvPr>
+          <p:cNvSpPr txBox="1"/>
+          <p:nvPr/>
+        </p:nvSpPr>
+        <p:spPr>
+          <a:xfrm>
+            <a:off x="6922133" y="4145823"/>
+            <a:ext cx="1934592" cy="276999"/>
+          </a:xfrm>
+          <a:prstGeom prst="rect">
+            <a:avLst/>
+          </a:prstGeom>
+          <a:noFill/>
+        </p:spPr>
+        <p:txBody>
+          <a:bodyPr wrap="square" rtlCol="0">
+            <a:spAutoFit/>
+          </a:bodyPr>
+          <a:lstStyle/>
+          <a:p>
+            <a:r>
+              <a:rPr lang="de-DE" sz="1200" dirty="0"/>
+              <a:t>Quelle: Frei nach [7]</a:t>
+            </a:r>
+          </a:p>
+        </p:txBody>
+      </p:sp>
     </p:spTree>
     <p:extLst>
       <p:ext uri="{BB962C8B-B14F-4D97-AF65-F5344CB8AC3E}">
-        <p14:creationId xmlns:p14="http://schemas.microsoft.com/office/powerpoint/2010/main" val="847824497"/>
+        <p14:creationId xmlns:p14="http://schemas.microsoft.com/office/powerpoint/2010/main" val="3876115709"/>
       </p:ext>
     </p:extLst>
   </p:cSld>
@@ -10809,6 +11394,169 @@
       </p:grpSpPr>
       <p:sp>
         <p:nvSpPr>
+          <p:cNvPr id="4099" name="Rectangle 2"/>
+          <p:cNvSpPr>
+            <a:spLocks noGrp="1" noChangeArrowheads="1"/>
+          </p:cNvSpPr>
+          <p:nvPr>
+            <p:ph type="title"/>
+          </p:nvPr>
+        </p:nvSpPr>
+        <p:spPr/>
+        <p:txBody>
+          <a:bodyPr/>
+          <a:lstStyle/>
+          <a:p>
+            <a:r>
+              <a:rPr lang="de-DE" altLang="de-DE" dirty="0"/>
+              <a:t>State </a:t>
+            </a:r>
+            <a:r>
+              <a:rPr lang="de-DE" altLang="de-DE" dirty="0" err="1"/>
+              <a:t>of</a:t>
+            </a:r>
+            <a:r>
+              <a:rPr lang="de-DE" altLang="de-DE" dirty="0"/>
+              <a:t> </a:t>
+            </a:r>
+            <a:r>
+              <a:rPr lang="de-DE" altLang="de-DE" dirty="0" err="1"/>
+              <a:t>the</a:t>
+            </a:r>
+            <a:r>
+              <a:rPr lang="de-DE" altLang="de-DE" dirty="0"/>
+              <a:t> </a:t>
+            </a:r>
+            <a:r>
+              <a:rPr lang="de-DE" altLang="de-DE" dirty="0" err="1"/>
+              <a:t>art</a:t>
+            </a:r>
+            <a:endParaRPr lang="de-DE" altLang="de-DE" dirty="0"/>
+          </a:p>
+        </p:txBody>
+      </p:sp>
+      <p:sp>
+        <p:nvSpPr>
+          <p:cNvPr id="4100" name="Rectangle 3"/>
+          <p:cNvSpPr>
+            <a:spLocks noGrp="1" noChangeArrowheads="1"/>
+          </p:cNvSpPr>
+          <p:nvPr>
+            <p:ph idx="1"/>
+          </p:nvPr>
+        </p:nvSpPr>
+        <p:spPr/>
+        <p:txBody>
+          <a:bodyPr>
+            <a:normAutofit/>
+          </a:bodyPr>
+          <a:lstStyle/>
+          <a:p>
+            <a:r>
+              <a:rPr lang="de-DE" altLang="de-DE" dirty="0"/>
+              <a:t>Region </a:t>
+            </a:r>
+            <a:r>
+              <a:rPr lang="de-DE" altLang="de-DE" dirty="0" err="1"/>
+              <a:t>Growing</a:t>
+            </a:r>
+            <a:endParaRPr lang="de-DE" altLang="de-DE" dirty="0"/>
+          </a:p>
+          <a:p>
+            <a:pPr lvl="1"/>
+            <a:r>
+              <a:rPr lang="de-DE" altLang="de-DE" dirty="0"/>
+              <a:t>Seed wählen</a:t>
+            </a:r>
+          </a:p>
+          <a:p>
+            <a:pPr lvl="1"/>
+            <a:r>
+              <a:rPr lang="de-DE" altLang="de-DE" dirty="0"/>
+              <a:t>Kostenfunktion</a:t>
+            </a:r>
+          </a:p>
+          <a:p>
+            <a:endParaRPr lang="de-DE" altLang="de-DE" dirty="0"/>
+          </a:p>
+          <a:p>
+            <a:r>
+              <a:rPr lang="de-DE" altLang="de-DE" dirty="0" err="1"/>
+              <a:t>Machine</a:t>
+            </a:r>
+            <a:r>
+              <a:rPr lang="de-DE" altLang="de-DE" dirty="0"/>
+              <a:t> Learning, </a:t>
+            </a:r>
+            <a:r>
+              <a:rPr lang="de-DE" altLang="de-DE" dirty="0" err="1"/>
+              <a:t>Tzeng</a:t>
+            </a:r>
+            <a:r>
+              <a:rPr lang="de-DE" altLang="de-DE" dirty="0"/>
+              <a:t> [2]</a:t>
+            </a:r>
+          </a:p>
+          <a:p>
+            <a:pPr lvl="1"/>
+            <a:r>
+              <a:rPr lang="de-DE" altLang="de-DE" dirty="0"/>
+              <a:t>Mit 2 verschiedenen Farben Regionen markieren</a:t>
+            </a:r>
+          </a:p>
+          <a:p>
+            <a:endParaRPr lang="de-DE" altLang="de-DE" dirty="0"/>
+          </a:p>
+          <a:p>
+            <a:r>
+              <a:rPr lang="de-DE" altLang="de-DE" dirty="0"/>
+              <a:t>Zweidimensional, Lan [3]</a:t>
+            </a:r>
+          </a:p>
+          <a:p>
+            <a:pPr lvl="1"/>
+            <a:r>
+              <a:rPr lang="de-DE" altLang="de-DE" dirty="0"/>
+              <a:t>Klassifizierung von Strukturen</a:t>
+            </a:r>
+          </a:p>
+          <a:p>
+            <a:pPr marL="0" indent="0">
+              <a:buNone/>
+            </a:pPr>
+            <a:endParaRPr lang="de-DE" altLang="de-DE" dirty="0"/>
+          </a:p>
+          <a:p>
+            <a:r>
+              <a:rPr lang="de-DE" altLang="de-DE" dirty="0"/>
+              <a:t>Clustering-basiert, Nguyen [4]</a:t>
+            </a:r>
+          </a:p>
+          <a:p>
+            <a:pPr lvl="1"/>
+            <a:r>
+              <a:rPr lang="de-DE" altLang="de-DE" dirty="0"/>
+              <a:t>Geringe Berechnungszeiten</a:t>
+            </a:r>
+          </a:p>
+          <a:p>
+            <a:pPr lvl="1"/>
+            <a:r>
+              <a:rPr lang="de-DE" altLang="de-DE" dirty="0"/>
+              <a:t>Eignet sich für die Problemstellung</a:t>
+            </a:r>
+          </a:p>
+          <a:p>
+            <a:pPr lvl="1"/>
+            <a:r>
+              <a:rPr lang="de-DE" altLang="de-DE" dirty="0"/>
+              <a:t>Umsetzbar</a:t>
+            </a:r>
+          </a:p>
+        </p:txBody>
+      </p:sp>
+      <p:sp>
+        <p:nvSpPr>
           <p:cNvPr id="4098" name="Rectangle 12"/>
           <p:cNvSpPr>
             <a:spLocks noGrp="1" noChangeArrowheads="1"/>
@@ -10942,137 +11690,100 @@
           </a:p>
         </p:txBody>
       </p:sp>
-      <p:sp>
-        <p:nvSpPr>
-          <p:cNvPr id="4099" name="Rectangle 2"/>
-          <p:cNvSpPr>
-            <a:spLocks noGrp="1" noChangeArrowheads="1"/>
-          </p:cNvSpPr>
-          <p:nvPr>
-            <p:ph type="title"/>
-          </p:nvPr>
-        </p:nvSpPr>
-        <p:spPr/>
-        <p:txBody>
-          <a:bodyPr/>
-          <a:lstStyle/>
-          <a:p>
-            <a:r>
-              <a:rPr lang="de-DE" altLang="de-DE" dirty="0"/>
-              <a:t>State </a:t>
-            </a:r>
-            <a:r>
-              <a:rPr lang="de-DE" altLang="de-DE" dirty="0" err="1"/>
-              <a:t>of</a:t>
-            </a:r>
-            <a:r>
-              <a:rPr lang="de-DE" altLang="de-DE" dirty="0"/>
-              <a:t> </a:t>
-            </a:r>
-            <a:r>
-              <a:rPr lang="de-DE" altLang="de-DE" dirty="0" err="1"/>
-              <a:t>the</a:t>
-            </a:r>
-            <a:r>
-              <a:rPr lang="de-DE" altLang="de-DE" dirty="0"/>
-              <a:t> </a:t>
-            </a:r>
-            <a:r>
-              <a:rPr lang="de-DE" altLang="de-DE" dirty="0" err="1"/>
-              <a:t>art</a:t>
-            </a:r>
-            <a:endParaRPr lang="de-DE" altLang="de-DE" dirty="0"/>
-          </a:p>
-        </p:txBody>
-      </p:sp>
-      <p:sp>
-        <p:nvSpPr>
-          <p:cNvPr id="4100" name="Rectangle 3"/>
-          <p:cNvSpPr>
-            <a:spLocks noGrp="1" noChangeArrowheads="1"/>
-          </p:cNvSpPr>
-          <p:nvPr>
-            <p:ph type="body" idx="1"/>
-          </p:nvPr>
-        </p:nvSpPr>
-        <p:spPr/>
-        <p:txBody>
-          <a:bodyPr/>
-          <a:lstStyle/>
-          <a:p>
-            <a:r>
-              <a:rPr lang="de-DE" altLang="de-DE" dirty="0"/>
-              <a:t>Viele Paper zum Thema Transferfunktionen</a:t>
-            </a:r>
-          </a:p>
-          <a:p>
-            <a:r>
-              <a:rPr lang="de-DE" altLang="de-DE" dirty="0"/>
-              <a:t>Viele unterschiedliche Ansätze</a:t>
-            </a:r>
-          </a:p>
-          <a:p>
-            <a:pPr marL="0" indent="0">
-              <a:buNone/>
-            </a:pPr>
-            <a:endParaRPr lang="de-DE" altLang="de-DE" dirty="0"/>
-          </a:p>
-          <a:p>
-            <a:r>
-              <a:rPr lang="de-DE" altLang="de-DE" dirty="0"/>
-              <a:t>Unterscheidungen</a:t>
-            </a:r>
-          </a:p>
-          <a:p>
-            <a:pPr lvl="1"/>
-            <a:r>
-              <a:rPr lang="de-DE" altLang="de-DE" dirty="0"/>
-              <a:t>Dimensionalität</a:t>
-            </a:r>
-          </a:p>
-          <a:p>
-            <a:pPr lvl="1"/>
-            <a:r>
-              <a:rPr lang="de-DE" altLang="de-DE" dirty="0"/>
-              <a:t>Benutzer-zentrisch vs. Daten-zentrisch</a:t>
-            </a:r>
-          </a:p>
-          <a:p>
-            <a:pPr lvl="1"/>
-            <a:r>
-              <a:rPr lang="de-DE" altLang="de-DE" dirty="0"/>
-              <a:t>Raum-basiert</a:t>
-            </a:r>
-          </a:p>
-          <a:p>
-            <a:pPr lvl="1"/>
-            <a:r>
-              <a:rPr lang="de-DE" altLang="de-DE" dirty="0" err="1"/>
-              <a:t>Machine</a:t>
-            </a:r>
-            <a:r>
-              <a:rPr lang="de-DE" altLang="de-DE" dirty="0"/>
-              <a:t>-Learning</a:t>
-            </a:r>
-          </a:p>
-          <a:p>
-            <a:pPr lvl="1"/>
-            <a:r>
-              <a:rPr lang="de-DE" altLang="de-DE" dirty="0"/>
-              <a:t>Clustering-basiert</a:t>
-            </a:r>
-          </a:p>
-          <a:p>
-            <a:endParaRPr lang="de-DE" altLang="de-DE" dirty="0"/>
-          </a:p>
-          <a:p>
-            <a:r>
-              <a:rPr lang="de-DE" altLang="de-DE" dirty="0"/>
-              <a:t>Verfahren können in mehrere Kategorien genannt werden</a:t>
-            </a:r>
-          </a:p>
-        </p:txBody>
-      </p:sp>
+      <p:pic>
+        <p:nvPicPr>
+          <p:cNvPr id="2058" name="Picture 10" descr="Bildergebnis für machine learning">
+            <a:extLst>
+              <a:ext uri="{FF2B5EF4-FFF2-40B4-BE49-F238E27FC236}">
+                <a16:creationId xmlns:a16="http://schemas.microsoft.com/office/drawing/2014/main" id="{185C732A-B214-46C1-AB38-F54A3FAA326A}"/>
+              </a:ext>
+            </a:extLst>
+          </p:cNvPr>
+          <p:cNvPicPr>
+            <a:picLocks noChangeAspect="1" noChangeArrowheads="1"/>
+          </p:cNvPicPr>
+          <p:nvPr/>
+        </p:nvPicPr>
+        <p:blipFill>
+          <a:blip r:embed="rId2" cstate="print">
+            <a:extLst>
+              <a:ext uri="{28A0092B-C50C-407E-A947-70E740481C1C}">
+                <a14:useLocalDpi xmlns:a14="http://schemas.microsoft.com/office/drawing/2010/main" val="0"/>
+              </a:ext>
+            </a:extLst>
+          </a:blip>
+          <a:srcRect/>
+          <a:stretch>
+            <a:fillRect/>
+          </a:stretch>
+        </p:blipFill>
+        <p:spPr bwMode="auto">
+          <a:xfrm>
+            <a:off x="6672472" y="1865958"/>
+            <a:ext cx="1934254" cy="1288753"/>
+          </a:xfrm>
+          <a:prstGeom prst="rect">
+            <a:avLst/>
+          </a:prstGeom>
+          <a:noFill/>
+          <a:extLst>
+            <a:ext uri="{909E8E84-426E-40DD-AFC4-6F175D3DCCD1}">
+              <a14:hiddenFill xmlns:a14="http://schemas.microsoft.com/office/drawing/2010/main">
+                <a:solidFill>
+                  <a:srgbClr val="FFFFFF"/>
+                </a:solidFill>
+              </a14:hiddenFill>
+            </a:ext>
+          </a:extLst>
+        </p:spPr>
+      </p:pic>
+      <p:pic>
+        <p:nvPicPr>
+          <p:cNvPr id="2060" name="Picture 12" descr="Bildergebnis für histogram 2d">
+            <a:extLst>
+              <a:ext uri="{FF2B5EF4-FFF2-40B4-BE49-F238E27FC236}">
+                <a16:creationId xmlns:a16="http://schemas.microsoft.com/office/drawing/2014/main" id="{CDFA793F-90B4-4AAA-B942-387F0C26539D}"/>
+              </a:ext>
+            </a:extLst>
+          </p:cNvPr>
+          <p:cNvPicPr>
+            <a:picLocks noChangeAspect="1" noChangeArrowheads="1"/>
+          </p:cNvPicPr>
+          <p:nvPr/>
+        </p:nvPicPr>
+        <p:blipFill>
+          <a:blip r:embed="rId3" cstate="print">
+            <a:extLst>
+              <a:ext uri="{28A0092B-C50C-407E-A947-70E740481C1C}">
+                <a14:useLocalDpi xmlns:a14="http://schemas.microsoft.com/office/drawing/2010/main" val="0"/>
+              </a:ext>
+            </a:extLst>
+          </a:blip>
+          <a:srcRect/>
+          <a:stretch>
+            <a:fillRect/>
+          </a:stretch>
+        </p:blipFill>
+        <p:spPr bwMode="auto">
+          <a:xfrm>
+            <a:off x="6810368" y="3457924"/>
+            <a:ext cx="1658462" cy="1234155"/>
+          </a:xfrm>
+          <a:prstGeom prst="rect">
+            <a:avLst/>
+          </a:prstGeom>
+          <a:noFill/>
+          <a:extLst>
+            <a:ext uri="{909E8E84-426E-40DD-AFC4-6F175D3DCCD1}">
+              <a14:hiddenFill xmlns:a14="http://schemas.microsoft.com/office/drawing/2010/main">
+                <a:solidFill>
+                  <a:srgbClr val="FFFFFF"/>
+                </a:solidFill>
+              </a14:hiddenFill>
+            </a:ext>
+          </a:extLst>
+        </p:spPr>
+      </p:pic>
     </p:spTree>
     <p:extLst>
       <p:ext uri="{BB962C8B-B14F-4D97-AF65-F5344CB8AC3E}">
@@ -11083,6 +11794,84 @@
   <p:clrMapOvr>
     <a:masterClrMapping/>
   </p:clrMapOvr>
+  <p:timing>
+    <p:tnLst>
+      <p:par>
+        <p:cTn id="1" dur="indefinite" restart="never" nodeType="tmRoot">
+          <p:childTnLst>
+            <p:seq concurrent="1" nextAc="seek">
+              <p:cTn id="2" dur="indefinite" nodeType="mainSeq">
+                <p:childTnLst>
+                  <p:par>
+                    <p:cTn id="3" fill="hold">
+                      <p:stCondLst>
+                        <p:cond delay="indefinite"/>
+                      </p:stCondLst>
+                      <p:childTnLst>
+                        <p:par>
+                          <p:cTn id="4" fill="hold">
+                            <p:stCondLst>
+                              <p:cond delay="0"/>
+                            </p:stCondLst>
+                            <p:childTnLst>
+                              <p:par>
+                                <p:cTn id="5" presetID="15" presetClass="emph" presetSubtype="0" nodeType="clickEffect">
+                                  <p:stCondLst>
+                                    <p:cond delay="0"/>
+                                  </p:stCondLst>
+                                  <p:iterate type="lt">
+                                    <p:tmAbs val="25"/>
+                                  </p:iterate>
+                                  <p:childTnLst>
+                                    <p:set>
+                                      <p:cBhvr override="childStyle">
+                                        <p:cTn id="6" dur="indefinite"/>
+                                        <p:tgtEl>
+                                          <p:spTgt spid="4100">
+                                            <p:txEl>
+                                              <p:pRg st="10" end="10"/>
+                                            </p:txEl>
+                                          </p:spTgt>
+                                        </p:tgtEl>
+                                        <p:attrNameLst>
+                                          <p:attrName>style.fontWeight</p:attrName>
+                                        </p:attrNameLst>
+                                      </p:cBhvr>
+                                      <p:to>
+                                        <p:strVal val="bold"/>
+                                      </p:to>
+                                    </p:set>
+                                  </p:childTnLst>
+                                </p:cTn>
+                              </p:par>
+                            </p:childTnLst>
+                          </p:cTn>
+                        </p:par>
+                      </p:childTnLst>
+                    </p:cTn>
+                  </p:par>
+                </p:childTnLst>
+              </p:cTn>
+              <p:prevCondLst>
+                <p:cond evt="onPrev" delay="0">
+                  <p:tgtEl>
+                    <p:sldTgt/>
+                  </p:tgtEl>
+                </p:cond>
+              </p:prevCondLst>
+              <p:nextCondLst>
+                <p:cond evt="onNext" delay="0">
+                  <p:tgtEl>
+                    <p:sldTgt/>
+                  </p:tgtEl>
+                </p:cond>
+              </p:nextCondLst>
+            </p:seq>
+          </p:childTnLst>
+        </p:cTn>
+      </p:par>
+    </p:tnLst>
+  </p:timing>
 </p:sld>
 </file>
 
@@ -11105,6 +11894,91 @@
       </p:grpSpPr>
       <p:sp>
         <p:nvSpPr>
+          <p:cNvPr id="4099" name="Rectangle 2"/>
+          <p:cNvSpPr>
+            <a:spLocks noGrp="1" noChangeArrowheads="1"/>
+          </p:cNvSpPr>
+          <p:nvPr>
+            <p:ph type="title"/>
+          </p:nvPr>
+        </p:nvSpPr>
+        <p:spPr/>
+        <p:txBody>
+          <a:bodyPr/>
+          <a:lstStyle/>
+          <a:p>
+            <a:r>
+              <a:rPr lang="de-DE" altLang="de-DE" dirty="0"/>
+              <a:t>Methode</a:t>
+            </a:r>
+          </a:p>
+        </p:txBody>
+      </p:sp>
+      <p:sp>
+        <p:nvSpPr>
+          <p:cNvPr id="4100" name="Rectangle 3"/>
+          <p:cNvSpPr>
+            <a:spLocks noGrp="1" noChangeArrowheads="1"/>
+          </p:cNvSpPr>
+          <p:nvPr>
+            <p:ph idx="1"/>
+          </p:nvPr>
+        </p:nvSpPr>
+        <p:spPr/>
+        <p:txBody>
+          <a:bodyPr/>
+          <a:lstStyle/>
+          <a:p>
+            <a:r>
+              <a:rPr lang="de-DE" altLang="de-DE" dirty="0"/>
+              <a:t>Clustering-basiertes Verfahren von Nguyen</a:t>
+            </a:r>
+          </a:p>
+          <a:p>
+            <a:endParaRPr lang="de-DE" altLang="de-DE" dirty="0"/>
+          </a:p>
+          <a:p>
+            <a:r>
+              <a:rPr lang="de-DE" altLang="de-DE" dirty="0"/>
+              <a:t>Gradient</a:t>
+            </a:r>
+          </a:p>
+          <a:p>
+            <a:endParaRPr lang="de-DE" altLang="de-DE" dirty="0"/>
+          </a:p>
+          <a:p>
+            <a:r>
+              <a:rPr lang="de-DE" altLang="de-DE" dirty="0"/>
+              <a:t>LH-Werte</a:t>
+            </a:r>
+          </a:p>
+          <a:p>
+            <a:endParaRPr lang="de-DE" altLang="de-DE" dirty="0"/>
+          </a:p>
+          <a:p>
+            <a:r>
+              <a:rPr lang="de-DE" altLang="de-DE" dirty="0"/>
+              <a:t>Clustering</a:t>
+            </a:r>
+          </a:p>
+          <a:p>
+            <a:pPr lvl="1"/>
+            <a:r>
+              <a:rPr lang="de-DE" altLang="de-DE" dirty="0"/>
+              <a:t>LH-Raum</a:t>
+            </a:r>
+          </a:p>
+          <a:p>
+            <a:pPr lvl="1"/>
+            <a:r>
+              <a:rPr lang="de-DE" altLang="de-DE" dirty="0"/>
+              <a:t>Volumenraum</a:t>
+            </a:r>
+          </a:p>
+        </p:txBody>
+      </p:sp>
+      <p:sp>
+        <p:nvSpPr>
           <p:cNvPr id="4098" name="Rectangle 12"/>
           <p:cNvSpPr>
             <a:spLocks noGrp="1" noChangeArrowheads="1"/>
@@ -11238,89 +12112,53 @@
           </a:p>
         </p:txBody>
       </p:sp>
-      <p:sp>
-        <p:nvSpPr>
-          <p:cNvPr id="4099" name="Rectangle 2"/>
-          <p:cNvSpPr>
-            <a:spLocks noGrp="1" noChangeArrowheads="1"/>
-          </p:cNvSpPr>
-          <p:nvPr>
-            <p:ph type="title"/>
-          </p:nvPr>
-        </p:nvSpPr>
-        <p:spPr/>
-        <p:txBody>
-          <a:bodyPr/>
-          <a:lstStyle/>
-          <a:p>
-            <a:r>
-              <a:rPr lang="de-DE" altLang="de-DE" dirty="0"/>
-              <a:t>Methode</a:t>
-            </a:r>
-          </a:p>
-        </p:txBody>
-      </p:sp>
-      <p:sp>
-        <p:nvSpPr>
-          <p:cNvPr id="4100" name="Rectangle 3"/>
-          <p:cNvSpPr>
-            <a:spLocks noGrp="1" noChangeArrowheads="1"/>
-          </p:cNvSpPr>
-          <p:nvPr>
-            <p:ph type="body" idx="1"/>
-          </p:nvPr>
-        </p:nvSpPr>
-        <p:spPr/>
-        <p:txBody>
-          <a:bodyPr/>
-          <a:lstStyle/>
-          <a:p>
-            <a:r>
-              <a:rPr lang="de-DE" altLang="de-DE" dirty="0"/>
-              <a:t>Verfahren von Nguyen</a:t>
-            </a:r>
-          </a:p>
-          <a:p>
-            <a:r>
-              <a:rPr lang="de-DE" altLang="de-DE" dirty="0"/>
-              <a:t>Gradient</a:t>
-            </a:r>
-          </a:p>
-          <a:p>
-            <a:r>
-              <a:rPr lang="de-DE" altLang="de-DE" dirty="0"/>
-              <a:t>LH-Werte</a:t>
-            </a:r>
-          </a:p>
-          <a:p>
-            <a:r>
-              <a:rPr lang="de-DE" altLang="de-DE" dirty="0"/>
-              <a:t>Clustering</a:t>
-            </a:r>
-          </a:p>
-          <a:p>
-            <a:pPr lvl="1"/>
-            <a:r>
-              <a:rPr lang="de-DE" altLang="de-DE" dirty="0"/>
-              <a:t>LH-Raum</a:t>
-            </a:r>
-          </a:p>
-          <a:p>
-            <a:pPr lvl="1"/>
-            <a:r>
-              <a:rPr lang="de-DE" altLang="de-DE" dirty="0"/>
-              <a:t>Volumenraum</a:t>
-            </a:r>
-          </a:p>
-          <a:p>
-            <a:pPr lvl="1"/>
-            <a:r>
-              <a:rPr lang="de-DE" altLang="de-DE" dirty="0"/>
-              <a:t>Hierarchisch</a:t>
-            </a:r>
-          </a:p>
-        </p:txBody>
-      </p:sp>
+      <p:pic>
+        <p:nvPicPr>
+          <p:cNvPr id="3076" name="Picture 4" descr="Bildergebnis für clustering">
+            <a:extLst>
+              <a:ext uri="{FF2B5EF4-FFF2-40B4-BE49-F238E27FC236}">
+                <a16:creationId xmlns:a16="http://schemas.microsoft.com/office/drawing/2014/main" id="{F584712C-7742-4A3D-B80D-8144A9FD3A1A}"/>
+              </a:ext>
+            </a:extLst>
+          </p:cNvPr>
+          <p:cNvPicPr>
+            <a:picLocks noChangeAspect="1" noChangeArrowheads="1"/>
+          </p:cNvPicPr>
+          <p:nvPr/>
+        </p:nvPicPr>
+        <p:blipFill>
+          <a:blip r:embed="rId2">
+            <a:extLst>
+              <a:ext uri="{28A0092B-C50C-407E-A947-70E740481C1C}">
+                <a14:useLocalDpi xmlns:a14="http://schemas.microsoft.com/office/drawing/2010/main" val="0"/>
+              </a:ext>
+            </a:extLst>
+          </a:blip>
+          <a:srcRect/>
+          <a:stretch>
+            <a:fillRect/>
+          </a:stretch>
+        </p:blipFill>
+        <p:spPr bwMode="auto">
+          <a:xfrm>
+            <a:off x="4427984" y="3068960"/>
+            <a:ext cx="3981324" cy="2295897"/>
+          </a:xfrm>
+          <a:prstGeom prst="rect">
+            <a:avLst/>
+          </a:prstGeom>
+          <a:noFill/>
+          <a:extLst>
+            <a:ext uri="{909E8E84-426E-40DD-AFC4-6F175D3DCCD1}">
+              <a14:hiddenFill xmlns:a14="http://schemas.microsoft.com/office/drawing/2010/main">
+                <a:solidFill>
+                  <a:srgbClr val="FFFFFF"/>
+                </a:solidFill>
+              </a14:hiddenFill>
+            </a:ext>
+          </a:extLst>
+        </p:spPr>
+      </p:pic>
     </p:spTree>
     <p:extLst>
       <p:ext uri="{BB962C8B-B14F-4D97-AF65-F5344CB8AC3E}">
@@ -11353,6 +12191,62 @@
       </p:grpSpPr>
       <p:sp>
         <p:nvSpPr>
+          <p:cNvPr id="4099" name="Rectangle 2"/>
+          <p:cNvSpPr>
+            <a:spLocks noGrp="1" noChangeArrowheads="1"/>
+          </p:cNvSpPr>
+          <p:nvPr>
+            <p:ph type="title"/>
+          </p:nvPr>
+        </p:nvSpPr>
+        <p:spPr/>
+        <p:txBody>
+          <a:bodyPr/>
+          <a:lstStyle/>
+          <a:p>
+            <a:r>
+              <a:rPr lang="de-DE" altLang="de-DE" dirty="0"/>
+              <a:t>Methode – Gradient</a:t>
+            </a:r>
+          </a:p>
+        </p:txBody>
+      </p:sp>
+      <p:sp>
+        <p:nvSpPr>
+          <p:cNvPr id="4100" name="Rectangle 3"/>
+          <p:cNvSpPr>
+            <a:spLocks noGrp="1" noChangeArrowheads="1"/>
+          </p:cNvSpPr>
+          <p:nvPr>
+            <p:ph idx="1"/>
+          </p:nvPr>
+        </p:nvSpPr>
+        <p:spPr/>
+        <p:txBody>
+          <a:bodyPr/>
+          <a:lstStyle/>
+          <a:p>
+            <a:r>
+              <a:rPr lang="de-DE" altLang="de-DE" dirty="0"/>
+              <a:t>Vektor</a:t>
+            </a:r>
+          </a:p>
+          <a:p>
+            <a:r>
+              <a:rPr lang="de-DE" altLang="de-DE" dirty="0"/>
+              <a:t>Beschreibt die Richtung der größten Änderung der Intensitätswerte</a:t>
+            </a:r>
+          </a:p>
+          <a:p>
+            <a:pPr marL="0" indent="0">
+              <a:buNone/>
+            </a:pPr>
+            <a:endParaRPr lang="de-DE" altLang="de-DE" dirty="0"/>
+          </a:p>
+        </p:txBody>
+      </p:sp>
+      <p:sp>
+        <p:nvSpPr>
           <p:cNvPr id="4098" name="Rectangle 12"/>
           <p:cNvSpPr>
             <a:spLocks noGrp="1" noChangeArrowheads="1"/>
@@ -11483,62 +12377,6 @@
                 <a:schemeClr val="tx2"/>
               </a:solidFill>
             </a:endParaRPr>
-          </a:p>
-        </p:txBody>
-      </p:sp>
-      <p:sp>
-        <p:nvSpPr>
-          <p:cNvPr id="4099" name="Rectangle 2"/>
-          <p:cNvSpPr>
-            <a:spLocks noGrp="1" noChangeArrowheads="1"/>
-          </p:cNvSpPr>
-          <p:nvPr>
-            <p:ph type="title"/>
-          </p:nvPr>
-        </p:nvSpPr>
-        <p:spPr/>
-        <p:txBody>
-          <a:bodyPr/>
-          <a:lstStyle/>
-          <a:p>
-            <a:r>
-              <a:rPr lang="de-DE" altLang="de-DE" dirty="0"/>
-              <a:t>Methode – Gradient</a:t>
-            </a:r>
-          </a:p>
-        </p:txBody>
-      </p:sp>
-      <p:sp>
-        <p:nvSpPr>
-          <p:cNvPr id="4100" name="Rectangle 3"/>
-          <p:cNvSpPr>
-            <a:spLocks noGrp="1" noChangeArrowheads="1"/>
-          </p:cNvSpPr>
-          <p:nvPr>
-            <p:ph type="body" idx="1"/>
-          </p:nvPr>
-        </p:nvSpPr>
-        <p:spPr/>
-        <p:txBody>
-          <a:bodyPr/>
-          <a:lstStyle/>
-          <a:p>
-            <a:r>
-              <a:rPr lang="de-DE" altLang="de-DE" dirty="0"/>
-              <a:t>Vektor</a:t>
-            </a:r>
-          </a:p>
-          <a:p>
-            <a:r>
-              <a:rPr lang="de-DE" altLang="de-DE" dirty="0"/>
-              <a:t>Beschreibt die Richtung der Größten Änderung der Intensitätswerte</a:t>
-            </a:r>
-          </a:p>
-          <a:p>
-            <a:pPr marL="0" indent="0">
-              <a:buNone/>
-            </a:pPr>
-            <a:endParaRPr lang="de-DE" altLang="de-DE" dirty="0"/>
           </a:p>
         </p:txBody>
       </p:sp>
@@ -11610,141 +12448,6 @@
       </p:grpSpPr>
       <p:sp>
         <p:nvSpPr>
-          <p:cNvPr id="4098" name="Rectangle 12"/>
-          <p:cNvSpPr>
-            <a:spLocks noGrp="1" noChangeArrowheads="1"/>
-          </p:cNvSpPr>
-          <p:nvPr>
-            <p:ph type="ftr" sz="quarter" idx="10"/>
-          </p:nvPr>
-        </p:nvSpPr>
-        <p:spPr>
-          <a:noFill/>
-        </p:spPr>
-        <p:txBody>
-          <a:bodyPr/>
-          <a:lstStyle>
-            <a:lvl1pPr eaLnBrk="0" hangingPunct="0">
-              <a:defRPr>
-                <a:solidFill>
-                  <a:schemeClr val="tx1"/>
-                </a:solidFill>
-                <a:latin typeface="Arial" charset="0"/>
-              </a:defRPr>
-            </a:lvl1pPr>
-            <a:lvl2pPr marL="742950" indent="-285750" eaLnBrk="0" hangingPunct="0">
-              <a:defRPr>
-                <a:solidFill>
-                  <a:schemeClr val="tx1"/>
-                </a:solidFill>
-                <a:latin typeface="Arial" charset="0"/>
-              </a:defRPr>
-            </a:lvl2pPr>
-            <a:lvl3pPr marL="1143000" indent="-228600" eaLnBrk="0" hangingPunct="0">
-              <a:defRPr>
-                <a:solidFill>
-                  <a:schemeClr val="tx1"/>
-                </a:solidFill>
-                <a:latin typeface="Arial" charset="0"/>
-              </a:defRPr>
-            </a:lvl3pPr>
-            <a:lvl4pPr marL="1600200" indent="-228600" eaLnBrk="0" hangingPunct="0">
-              <a:defRPr>
-                <a:solidFill>
-                  <a:schemeClr val="tx1"/>
-                </a:solidFill>
-                <a:latin typeface="Arial" charset="0"/>
-              </a:defRPr>
-            </a:lvl4pPr>
-            <a:lvl5pPr marL="2057400" indent="-228600" eaLnBrk="0" hangingPunct="0">
-              <a:defRPr>
-                <a:solidFill>
-                  <a:schemeClr val="tx1"/>
-                </a:solidFill>
-                <a:latin typeface="Arial" charset="0"/>
-              </a:defRPr>
-            </a:lvl5pPr>
-            <a:lvl6pPr marL="2514600" indent="-228600" eaLnBrk="0" fontAlgn="base" hangingPunct="0">
-              <a:spcBef>
-                <a:spcPct val="0"/>
-              </a:spcBef>
-              <a:spcAft>
-                <a:spcPct val="0"/>
-              </a:spcAft>
-              <a:defRPr>
-                <a:solidFill>
-                  <a:schemeClr val="tx1"/>
-                </a:solidFill>
-                <a:latin typeface="Arial" charset="0"/>
-              </a:defRPr>
-            </a:lvl6pPr>
-            <a:lvl7pPr marL="2971800" indent="-228600" eaLnBrk="0" fontAlgn="base" hangingPunct="0">
-              <a:spcBef>
-                <a:spcPct val="0"/>
-              </a:spcBef>
-              <a:spcAft>
-                <a:spcPct val="0"/>
-              </a:spcAft>
-              <a:defRPr>
-                <a:solidFill>
-                  <a:schemeClr val="tx1"/>
-                </a:solidFill>
-                <a:latin typeface="Arial" charset="0"/>
-              </a:defRPr>
-            </a:lvl7pPr>
-            <a:lvl8pPr marL="3429000" indent="-228600" eaLnBrk="0" fontAlgn="base" hangingPunct="0">
-              <a:spcBef>
-                <a:spcPct val="0"/>
-              </a:spcBef>
-              <a:spcAft>
-                <a:spcPct val="0"/>
-              </a:spcAft>
-              <a:defRPr>
-                <a:solidFill>
-                  <a:schemeClr val="tx1"/>
-                </a:solidFill>
-                <a:latin typeface="Arial" charset="0"/>
-              </a:defRPr>
-            </a:lvl8pPr>
-            <a:lvl9pPr marL="3886200" indent="-228600" eaLnBrk="0" fontAlgn="base" hangingPunct="0">
-              <a:spcBef>
-                <a:spcPct val="0"/>
-              </a:spcBef>
-              <a:spcAft>
-                <a:spcPct val="0"/>
-              </a:spcAft>
-              <a:defRPr>
-                <a:solidFill>
-                  <a:schemeClr val="tx1"/>
-                </a:solidFill>
-                <a:latin typeface="Arial" charset="0"/>
-              </a:defRPr>
-            </a:lvl9pPr>
-          </a:lstStyle>
-          <a:p>
-            <a:pPr eaLnBrk="1" hangingPunct="1"/>
-            <a:r>
-              <a:rPr lang="de-DE" dirty="0"/>
-              <a:t>Prof. Dr.-Ing. habil. Björn Hein </a:t>
-            </a:r>
-            <a:r>
-              <a:rPr lang="de-DE" altLang="de-DE" dirty="0"/>
-              <a:t>- </a:t>
-            </a:r>
-            <a:r>
-              <a:rPr lang="de-DE" dirty="0"/>
-              <a:t>Implementierung eines Clustering-basierten Verfahrens zur Segmentierung von Volumenmodellen</a:t>
-            </a:r>
-            <a:endParaRPr lang="de-DE" altLang="de-DE" dirty="0">
-              <a:solidFill>
-                <a:schemeClr val="tx2"/>
-              </a:solidFill>
-            </a:endParaRPr>
-          </a:p>
-        </p:txBody>
-      </p:sp>
-      <p:sp>
-        <p:nvSpPr>
           <p:cNvPr id="4099" name="Rectangle 2"/>
           <p:cNvSpPr>
             <a:spLocks noGrp="1" noChangeArrowheads="1"/>
@@ -11765,8 +12468,8 @@
           </a:p>
         </p:txBody>
       </p:sp>
-      <mc:AlternateContent xmlns:mc="http://schemas.openxmlformats.org/markup-compatibility/2006" xmlns:a14="http://schemas.microsoft.com/office/drawing/2010/main">
-        <mc:Choice Requires="a14">
+      <mc:AlternateContent xmlns:mc="http://schemas.openxmlformats.org/markup-compatibility/2006">
+        <mc:Choice xmlns:a14="http://schemas.microsoft.com/office/drawing/2010/main" Requires="a14">
           <p:sp>
             <p:nvSpPr>
               <p:cNvPr id="4100" name="Rectangle 3"/>
@@ -11774,13 +12477,29 @@
                 <a:spLocks noGrp="1" noChangeArrowheads="1"/>
               </p:cNvSpPr>
               <p:nvPr>
-                <p:ph type="body" idx="1"/>
+                <p:ph idx="1"/>
               </p:nvPr>
             </p:nvSpPr>
             <p:spPr/>
             <p:txBody>
-              <a:bodyPr/>
+              <a:bodyPr>
+                <a:normAutofit/>
+              </a:bodyPr>
               <a:lstStyle/>
+              <a:p>
+                <a:r>
+                  <a:rPr lang="de-DE" altLang="de-DE" dirty="0"/>
+                  <a:t>Gradient nur zwischen den </a:t>
+                </a:r>
+                <a:r>
+                  <a:rPr lang="de-DE" altLang="de-DE" dirty="0" err="1"/>
+                  <a:t>Voxeln</a:t>
+                </a:r>
+                <a:r>
+                  <a:rPr lang="de-DE" altLang="de-DE" dirty="0"/>
+                  <a:t> berechenbar</a:t>
+                </a:r>
+              </a:p>
               <a:p>
                 <a:r>
                   <a:rPr lang="de-DE" altLang="de-DE" dirty="0"/>
@@ -11792,9 +12511,6 @@
                   <a:rPr lang="de-DE" dirty="0"/>
                   <a:t>Lokale 4x4x4 Nachbarschaft</a:t>
                 </a:r>
-              </a:p>
-              <a:p>
-                <a:endParaRPr lang="de-DE" dirty="0"/>
               </a:p>
               <a:p>
                 <a14:m>
@@ -12055,6 +12771,31 @@
                     </m:r>
                   </m:oMath>
                 </a14:m>
+                <a:endParaRPr lang="de-DE" dirty="0"/>
+              </a:p>
+              <a:p>
+                <a:r>
+                  <a:rPr lang="de-DE" dirty="0"/>
+                  <a:t>Lösen der Parameter mit „</a:t>
+                </a:r>
+                <a:r>
+                  <a:rPr lang="de-DE" dirty="0" err="1"/>
+                  <a:t>error</a:t>
+                </a:r>
+                <a:r>
+                  <a:rPr lang="de-DE" dirty="0"/>
+                  <a:t> </a:t>
+                </a:r>
+                <a:r>
+                  <a:rPr lang="de-DE" dirty="0" err="1"/>
+                  <a:t>distance</a:t>
+                </a:r>
+                <a:r>
+                  <a:rPr lang="de-DE" dirty="0"/>
+                  <a:t>“ und der Methode der kleinsten Quadrate</a:t>
+                </a:r>
+              </a:p>
+              <a:p>
                 <a:endParaRPr lang="de-DE" i="1" dirty="0">
                   <a:latin typeface="Cambria Math" panose="02040503050406030204" pitchFamily="18" charset="0"/>
                 </a:endParaRPr>
@@ -12380,7 +13121,7 @@
             </p:txBody>
           </p:sp>
         </mc:Choice>
-        <mc:Fallback xmlns="">
+        <mc:Fallback>
           <p:sp>
             <p:nvSpPr>
               <p:cNvPr id="4100" name="Rectangle 3"/>
@@ -12388,7 +13129,7 @@
                 <a:spLocks noGrp="1" noRot="1" noChangeAspect="1" noMove="1" noResize="1" noEditPoints="1" noAdjustHandles="1" noChangeArrowheads="1" noChangeShapeType="1" noTextEdit="1"/>
               </p:cNvSpPr>
               <p:nvPr>
-                <p:ph type="body" idx="1"/>
+                <p:ph idx="1"/>
               </p:nvPr>
             </p:nvSpPr>
             <p:spPr>
@@ -12414,6 +13155,141 @@
           </p:sp>
         </mc:Fallback>
       </mc:AlternateContent>
+      <p:sp>
+        <p:nvSpPr>
+          <p:cNvPr id="4098" name="Rectangle 12"/>
+          <p:cNvSpPr>
+            <a:spLocks noGrp="1" noChangeArrowheads="1"/>
+          </p:cNvSpPr>
+          <p:nvPr>
+            <p:ph type="ftr" sz="quarter" idx="10"/>
+          </p:nvPr>
+        </p:nvSpPr>
+        <p:spPr>
+          <a:noFill/>
+        </p:spPr>
+        <p:txBody>
+          <a:bodyPr/>
+          <a:lstStyle>
+            <a:lvl1pPr eaLnBrk="0" hangingPunct="0">
+              <a:defRPr>
+                <a:solidFill>
+                  <a:schemeClr val="tx1"/>
+                </a:solidFill>
+                <a:latin typeface="Arial" charset="0"/>
+              </a:defRPr>
+            </a:lvl1pPr>
+            <a:lvl2pPr marL="742950" indent="-285750" eaLnBrk="0" hangingPunct="0">
+              <a:defRPr>
+                <a:solidFill>
+                  <a:schemeClr val="tx1"/>
+                </a:solidFill>
+                <a:latin typeface="Arial" charset="0"/>
+              </a:defRPr>
+            </a:lvl2pPr>
+            <a:lvl3pPr marL="1143000" indent="-228600" eaLnBrk="0" hangingPunct="0">
+              <a:defRPr>
+                <a:solidFill>
+                  <a:schemeClr val="tx1"/>
+                </a:solidFill>
+                <a:latin typeface="Arial" charset="0"/>
+              </a:defRPr>
+            </a:lvl3pPr>
+            <a:lvl4pPr marL="1600200" indent="-228600" eaLnBrk="0" hangingPunct="0">
+              <a:defRPr>
+                <a:solidFill>
+                  <a:schemeClr val="tx1"/>
+                </a:solidFill>
+                <a:latin typeface="Arial" charset="0"/>
+              </a:defRPr>
+            </a:lvl4pPr>
+            <a:lvl5pPr marL="2057400" indent="-228600" eaLnBrk="0" hangingPunct="0">
+              <a:defRPr>
+                <a:solidFill>
+                  <a:schemeClr val="tx1"/>
+                </a:solidFill>
+                <a:latin typeface="Arial" charset="0"/>
+              </a:defRPr>
+            </a:lvl5pPr>
+            <a:lvl6pPr marL="2514600" indent="-228600" eaLnBrk="0" fontAlgn="base" hangingPunct="0">
+              <a:spcBef>
+                <a:spcPct val="0"/>
+              </a:spcBef>
+              <a:spcAft>
+                <a:spcPct val="0"/>
+              </a:spcAft>
+              <a:defRPr>
+                <a:solidFill>
+                  <a:schemeClr val="tx1"/>
+                </a:solidFill>
+                <a:latin typeface="Arial" charset="0"/>
+              </a:defRPr>
+            </a:lvl6pPr>
+            <a:lvl7pPr marL="2971800" indent="-228600" eaLnBrk="0" fontAlgn="base" hangingPunct="0">
+              <a:spcBef>
+                <a:spcPct val="0"/>
+              </a:spcBef>
+              <a:spcAft>
+                <a:spcPct val="0"/>
+              </a:spcAft>
+              <a:defRPr>
+                <a:solidFill>
+                  <a:schemeClr val="tx1"/>
+                </a:solidFill>
+                <a:latin typeface="Arial" charset="0"/>
+              </a:defRPr>
+            </a:lvl7pPr>
+            <a:lvl8pPr marL="3429000" indent="-228600" eaLnBrk="0" fontAlgn="base" hangingPunct="0">
+              <a:spcBef>
+                <a:spcPct val="0"/>
+              </a:spcBef>
+              <a:spcAft>
+                <a:spcPct val="0"/>
+              </a:spcAft>
+              <a:defRPr>
+                <a:solidFill>
+                  <a:schemeClr val="tx1"/>
+                </a:solidFill>
+                <a:latin typeface="Arial" charset="0"/>
+              </a:defRPr>
+            </a:lvl8pPr>
+            <a:lvl9pPr marL="3886200" indent="-228600" eaLnBrk="0" fontAlgn="base" hangingPunct="0">
+              <a:spcBef>
+                <a:spcPct val="0"/>
+              </a:spcBef>
+              <a:spcAft>
+                <a:spcPct val="0"/>
+              </a:spcAft>
+              <a:defRPr>
+                <a:solidFill>
+                  <a:schemeClr val="tx1"/>
+                </a:solidFill>
+                <a:latin typeface="Arial" charset="0"/>
+              </a:defRPr>
+            </a:lvl9pPr>
+          </a:lstStyle>
+          <a:p>
+            <a:pPr eaLnBrk="1" hangingPunct="1"/>
+            <a:r>
+              <a:rPr lang="de-DE" dirty="0"/>
+              <a:t>Prof. Dr.-Ing. habil. Björn Hein </a:t>
+            </a:r>
+            <a:r>
+              <a:rPr lang="de-DE" altLang="de-DE" dirty="0"/>
+              <a:t>- </a:t>
+            </a:r>
+            <a:r>
+              <a:rPr lang="de-DE" dirty="0"/>
+              <a:t>Implementierung eines Clustering-basierten Verfahrens zur Segmentierung von Volumenmodellen</a:t>
+            </a:r>
+            <a:endParaRPr lang="de-DE" altLang="de-DE" dirty="0">
+              <a:solidFill>
+                <a:schemeClr val="tx2"/>
+              </a:solidFill>
+            </a:endParaRPr>
+          </a:p>
+        </p:txBody>
+      </p:sp>
       <p:pic>
         <p:nvPicPr>
           <p:cNvPr id="3" name="Grafik 2">
@@ -12442,14 +13318,49 @@
         </p:blipFill>
         <p:spPr>
           <a:xfrm>
-            <a:off x="4572000" y="2782332"/>
-            <a:ext cx="3684582" cy="3310493"/>
+            <a:off x="5220072" y="3284984"/>
+            <a:ext cx="3252534" cy="2922309"/>
           </a:xfrm>
           <a:prstGeom prst="rect">
             <a:avLst/>
           </a:prstGeom>
         </p:spPr>
       </p:pic>
+      <p:sp>
+        <p:nvSpPr>
+          <p:cNvPr id="6" name="Textfeld 5">
+            <a:extLst>
+              <a:ext uri="{FF2B5EF4-FFF2-40B4-BE49-F238E27FC236}">
+                <a16:creationId xmlns:a16="http://schemas.microsoft.com/office/drawing/2014/main" id="{A097DE88-36CE-49C1-A3EA-EB5F8D480C1A}"/>
+              </a:ext>
+            </a:extLst>
+          </p:cNvPr>
+          <p:cNvSpPr txBox="1"/>
+          <p:nvPr/>
+        </p:nvSpPr>
+        <p:spPr>
+          <a:xfrm>
+            <a:off x="6371275" y="6142724"/>
+            <a:ext cx="2386633" cy="246221"/>
+          </a:xfrm>
+          <a:prstGeom prst="rect">
+            <a:avLst/>
+          </a:prstGeom>
+          <a:noFill/>
+        </p:spPr>
+        <p:txBody>
+          <a:bodyPr wrap="square" rtlCol="0">
+            <a:spAutoFit/>
+          </a:bodyPr>
+          <a:lstStyle/>
+          <a:p>
+            <a:r>
+              <a:rPr lang="de-DE" sz="1000" dirty="0"/>
+              <a:t>Quelle: Entnommen aus [5]</a:t>
+            </a:r>
+          </a:p>
+        </p:txBody>
+      </p:sp>
     </p:spTree>
     <p:extLst>
       <p:ext uri="{BB962C8B-B14F-4D97-AF65-F5344CB8AC3E}">
@@ -12482,141 +13393,6 @@
       </p:grpSpPr>
       <p:sp>
         <p:nvSpPr>
-          <p:cNvPr id="4098" name="Rectangle 12"/>
-          <p:cNvSpPr>
-            <a:spLocks noGrp="1" noChangeArrowheads="1"/>
-          </p:cNvSpPr>
-          <p:nvPr>
-            <p:ph type="ftr" sz="quarter" idx="10"/>
-          </p:nvPr>
-        </p:nvSpPr>
-        <p:spPr>
-          <a:noFill/>
-        </p:spPr>
-        <p:txBody>
-          <a:bodyPr/>
-          <a:lstStyle>
-            <a:lvl1pPr eaLnBrk="0" hangingPunct="0">
-              <a:defRPr>
-                <a:solidFill>
-                  <a:schemeClr val="tx1"/>
-                </a:solidFill>
-                <a:latin typeface="Arial" charset="0"/>
-              </a:defRPr>
-            </a:lvl1pPr>
-            <a:lvl2pPr marL="742950" indent="-285750" eaLnBrk="0" hangingPunct="0">
-              <a:defRPr>
-                <a:solidFill>
-                  <a:schemeClr val="tx1"/>
-                </a:solidFill>
-                <a:latin typeface="Arial" charset="0"/>
-              </a:defRPr>
-            </a:lvl2pPr>
-            <a:lvl3pPr marL="1143000" indent="-228600" eaLnBrk="0" hangingPunct="0">
-              <a:defRPr>
-                <a:solidFill>
-                  <a:schemeClr val="tx1"/>
-                </a:solidFill>
-                <a:latin typeface="Arial" charset="0"/>
-              </a:defRPr>
-            </a:lvl3pPr>
-            <a:lvl4pPr marL="1600200" indent="-228600" eaLnBrk="0" hangingPunct="0">
-              <a:defRPr>
-                <a:solidFill>
-                  <a:schemeClr val="tx1"/>
-                </a:solidFill>
-                <a:latin typeface="Arial" charset="0"/>
-              </a:defRPr>
-            </a:lvl4pPr>
-            <a:lvl5pPr marL="2057400" indent="-228600" eaLnBrk="0" hangingPunct="0">
-              <a:defRPr>
-                <a:solidFill>
-                  <a:schemeClr val="tx1"/>
-                </a:solidFill>
-                <a:latin typeface="Arial" charset="0"/>
-              </a:defRPr>
-            </a:lvl5pPr>
-            <a:lvl6pPr marL="2514600" indent="-228600" eaLnBrk="0" fontAlgn="base" hangingPunct="0">
-              <a:spcBef>
-                <a:spcPct val="0"/>
-              </a:spcBef>
-              <a:spcAft>
-                <a:spcPct val="0"/>
-              </a:spcAft>
-              <a:defRPr>
-                <a:solidFill>
-                  <a:schemeClr val="tx1"/>
-                </a:solidFill>
-                <a:latin typeface="Arial" charset="0"/>
-              </a:defRPr>
-            </a:lvl6pPr>
-            <a:lvl7pPr marL="2971800" indent="-228600" eaLnBrk="0" fontAlgn="base" hangingPunct="0">
-              <a:spcBef>
-                <a:spcPct val="0"/>
-              </a:spcBef>
-              <a:spcAft>
-                <a:spcPct val="0"/>
-              </a:spcAft>
-              <a:defRPr>
-                <a:solidFill>
-                  <a:schemeClr val="tx1"/>
-                </a:solidFill>
-                <a:latin typeface="Arial" charset="0"/>
-              </a:defRPr>
-            </a:lvl7pPr>
-            <a:lvl8pPr marL="3429000" indent="-228600" eaLnBrk="0" fontAlgn="base" hangingPunct="0">
-              <a:spcBef>
-                <a:spcPct val="0"/>
-              </a:spcBef>
-              <a:spcAft>
-                <a:spcPct val="0"/>
-              </a:spcAft>
-              <a:defRPr>
-                <a:solidFill>
-                  <a:schemeClr val="tx1"/>
-                </a:solidFill>
-                <a:latin typeface="Arial" charset="0"/>
-              </a:defRPr>
-            </a:lvl8pPr>
-            <a:lvl9pPr marL="3886200" indent="-228600" eaLnBrk="0" fontAlgn="base" hangingPunct="0">
-              <a:spcBef>
-                <a:spcPct val="0"/>
-              </a:spcBef>
-              <a:spcAft>
-                <a:spcPct val="0"/>
-              </a:spcAft>
-              <a:defRPr>
-                <a:solidFill>
-                  <a:schemeClr val="tx1"/>
-                </a:solidFill>
-                <a:latin typeface="Arial" charset="0"/>
-              </a:defRPr>
-            </a:lvl9pPr>
-          </a:lstStyle>
-          <a:p>
-            <a:pPr eaLnBrk="1" hangingPunct="1"/>
-            <a:r>
-              <a:rPr lang="de-DE" dirty="0"/>
-              <a:t>Prof. Dr.-Ing. habil. Björn Hein </a:t>
-            </a:r>
-            <a:r>
-              <a:rPr lang="de-DE" altLang="de-DE" dirty="0"/>
-              <a:t>- </a:t>
-            </a:r>
-            <a:r>
-              <a:rPr lang="de-DE" dirty="0"/>
-              <a:t>Implementierung eines Clustering-basierten Verfahrens zur Segmentierung von Volumenmodellen</a:t>
-            </a:r>
-            <a:endParaRPr lang="de-DE" altLang="de-DE" dirty="0">
-              <a:solidFill>
-                <a:schemeClr val="tx2"/>
-              </a:solidFill>
-            </a:endParaRPr>
-          </a:p>
-        </p:txBody>
-      </p:sp>
-      <p:sp>
-        <p:nvSpPr>
           <p:cNvPr id="4099" name="Rectangle 2"/>
           <p:cNvSpPr>
             <a:spLocks noGrp="1" noChangeArrowheads="1"/>
@@ -12637,8 +13413,8 @@
           </a:p>
         </p:txBody>
       </p:sp>
-      <mc:AlternateContent xmlns:mc="http://schemas.openxmlformats.org/markup-compatibility/2006" xmlns:a14="http://schemas.microsoft.com/office/drawing/2010/main">
-        <mc:Choice Requires="a14">
+      <mc:AlternateContent xmlns:mc="http://schemas.openxmlformats.org/markup-compatibility/2006">
+        <mc:Choice xmlns:a14="http://schemas.microsoft.com/office/drawing/2010/main" Requires="a14">
           <p:sp>
             <p:nvSpPr>
               <p:cNvPr id="4100" name="Rectangle 3"/>
@@ -12646,12 +13422,14 @@
                 <a:spLocks noGrp="1" noChangeArrowheads="1"/>
               </p:cNvSpPr>
               <p:nvPr>
-                <p:ph type="body" idx="1"/>
+                <p:ph idx="1"/>
               </p:nvPr>
             </p:nvSpPr>
             <p:spPr/>
             <p:txBody>
-              <a:bodyPr/>
+              <a:bodyPr>
+                <a:normAutofit lnSpcReduction="10000"/>
+              </a:bodyPr>
               <a:lstStyle/>
               <a:p>
                 <a:r>
@@ -12686,8 +13464,11 @@
               <a:p>
                 <a:r>
                   <a:rPr lang="de-DE" altLang="de-DE" dirty="0"/>
-                  <a:t>Integration in Richtung und entgegengesetzter Richtung des Gradienten</a:t>
+                  <a:t>Beschreibt Grenzen</a:t>
                 </a:r>
+              </a:p>
+              <a:p>
+                <a:endParaRPr lang="de-DE" altLang="de-DE" dirty="0"/>
               </a:p>
               <a:p>
                 <a:r>
@@ -12700,7 +13481,17 @@
                 </a:r>
               </a:p>
               <a:p>
-                <a:endParaRPr lang="de-DE" altLang="de-DE" dirty="0"/>
+                <a:pPr lvl="1"/>
+                <a:r>
+                  <a:rPr lang="de-DE" altLang="de-DE" dirty="0"/>
+                  <a:t>Modifizierte Euler Verfahren</a:t>
+                </a:r>
+              </a:p>
+              <a:p>
+                <a:r>
+                  <a:rPr lang="de-DE" altLang="de-DE" dirty="0"/>
+                  <a:t>Integration in Richtung und entgegengesetzter Richtung des Gradienten</a:t>
+                </a:r>
               </a:p>
               <a:p>
                 <a14:m>
@@ -12992,6 +13783,12 @@
                 <a:endParaRPr lang="de-DE" altLang="de-DE" dirty="0"/>
               </a:p>
               <a:p>
+                <a:r>
+                  <a:rPr lang="de-DE" altLang="de-DE" dirty="0"/>
+                  <a:t>Integration stoppt wenn der aktuelle Gradient Länge 0 hat</a:t>
+                </a:r>
+              </a:p>
+              <a:p>
                 <a:endParaRPr lang="de-DE" altLang="de-DE" dirty="0"/>
               </a:p>
               <a:p>
@@ -13009,7 +13806,7 @@
             </p:txBody>
           </p:sp>
         </mc:Choice>
-        <mc:Fallback xmlns="">
+        <mc:Fallback>
           <p:sp>
             <p:nvSpPr>
               <p:cNvPr id="4100" name="Rectangle 3"/>
@@ -13017,14 +13814,14 @@
                 <a:spLocks noGrp="1" noRot="1" noChangeAspect="1" noMove="1" noResize="1" noEditPoints="1" noAdjustHandles="1" noChangeArrowheads="1" noChangeShapeType="1" noTextEdit="1"/>
               </p:cNvSpPr>
               <p:nvPr>
-                <p:ph type="body" idx="1"/>
+                <p:ph idx="1"/>
               </p:nvPr>
             </p:nvSpPr>
             <p:spPr>
               <a:blipFill>
                 <a:blip r:embed="rId2"/>
                 <a:stretch>
-                  <a:fillRect t="-1496"/>
+                  <a:fillRect t="-2120"/>
                 </a:stretch>
               </a:blipFill>
             </p:spPr>
@@ -13043,6 +13840,177 @@
           </p:sp>
         </mc:Fallback>
       </mc:AlternateContent>
+      <p:sp>
+        <p:nvSpPr>
+          <p:cNvPr id="4098" name="Rectangle 12"/>
+          <p:cNvSpPr>
+            <a:spLocks noGrp="1" noChangeArrowheads="1"/>
+          </p:cNvSpPr>
+          <p:nvPr>
+            <p:ph type="ftr" sz="quarter" idx="10"/>
+          </p:nvPr>
+        </p:nvSpPr>
+        <p:spPr>
+          <a:noFill/>
+        </p:spPr>
+        <p:txBody>
+          <a:bodyPr/>
+          <a:lstStyle>
+            <a:lvl1pPr eaLnBrk="0" hangingPunct="0">
+              <a:defRPr>
+                <a:solidFill>
+                  <a:schemeClr val="tx1"/>
+                </a:solidFill>
+                <a:latin typeface="Arial" charset="0"/>
+              </a:defRPr>
+            </a:lvl1pPr>
+            <a:lvl2pPr marL="742950" indent="-285750" eaLnBrk="0" hangingPunct="0">
+              <a:defRPr>
+                <a:solidFill>
+                  <a:schemeClr val="tx1"/>
+                </a:solidFill>
+                <a:latin typeface="Arial" charset="0"/>
+              </a:defRPr>
+            </a:lvl2pPr>
+            <a:lvl3pPr marL="1143000" indent="-228600" eaLnBrk="0" hangingPunct="0">
+              <a:defRPr>
+                <a:solidFill>
+                  <a:schemeClr val="tx1"/>
+                </a:solidFill>
+                <a:latin typeface="Arial" charset="0"/>
+              </a:defRPr>
+            </a:lvl3pPr>
+            <a:lvl4pPr marL="1600200" indent="-228600" eaLnBrk="0" hangingPunct="0">
+              <a:defRPr>
+                <a:solidFill>
+                  <a:schemeClr val="tx1"/>
+                </a:solidFill>
+                <a:latin typeface="Arial" charset="0"/>
+              </a:defRPr>
+            </a:lvl4pPr>
+            <a:lvl5pPr marL="2057400" indent="-228600" eaLnBrk="0" hangingPunct="0">
+              <a:defRPr>
+                <a:solidFill>
+                  <a:schemeClr val="tx1"/>
+                </a:solidFill>
+                <a:latin typeface="Arial" charset="0"/>
+              </a:defRPr>
+            </a:lvl5pPr>
+            <a:lvl6pPr marL="2514600" indent="-228600" eaLnBrk="0" fontAlgn="base" hangingPunct="0">
+              <a:spcBef>
+                <a:spcPct val="0"/>
+              </a:spcBef>
+              <a:spcAft>
+                <a:spcPct val="0"/>
+              </a:spcAft>
+              <a:defRPr>
+                <a:solidFill>
+                  <a:schemeClr val="tx1"/>
+                </a:solidFill>
+                <a:latin typeface="Arial" charset="0"/>
+              </a:defRPr>
+            </a:lvl6pPr>
+            <a:lvl7pPr marL="2971800" indent="-228600" eaLnBrk="0" fontAlgn="base" hangingPunct="0">
+              <a:spcBef>
+                <a:spcPct val="0"/>
+              </a:spcBef>
+              <a:spcAft>
+                <a:spcPct val="0"/>
+              </a:spcAft>
+              <a:defRPr>
+                <a:solidFill>
+                  <a:schemeClr val="tx1"/>
+                </a:solidFill>
+                <a:latin typeface="Arial" charset="0"/>
+              </a:defRPr>
+            </a:lvl7pPr>
+            <a:lvl8pPr marL="3429000" indent="-228600" eaLnBrk="0" fontAlgn="base" hangingPunct="0">
+              <a:spcBef>
+                <a:spcPct val="0"/>
+              </a:spcBef>
+              <a:spcAft>
+                <a:spcPct val="0"/>
+              </a:spcAft>
+              <a:defRPr>
+                <a:solidFill>
+                  <a:schemeClr val="tx1"/>
+                </a:solidFill>
+                <a:latin typeface="Arial" charset="0"/>
+              </a:defRPr>
+            </a:lvl8pPr>
+            <a:lvl9pPr marL="3886200" indent="-228600" eaLnBrk="0" fontAlgn="base" hangingPunct="0">
+              <a:spcBef>
+                <a:spcPct val="0"/>
+              </a:spcBef>
+              <a:spcAft>
+                <a:spcPct val="0"/>
+              </a:spcAft>
+              <a:defRPr>
+                <a:solidFill>
+                  <a:schemeClr val="tx1"/>
+                </a:solidFill>
+                <a:latin typeface="Arial" charset="0"/>
+              </a:defRPr>
+            </a:lvl9pPr>
+          </a:lstStyle>
+          <a:p>
+            <a:pPr eaLnBrk="1" hangingPunct="1"/>
+            <a:r>
+              <a:rPr lang="de-DE" dirty="0"/>
+              <a:t>Prof. Dr.-Ing. habil. Björn Hein </a:t>
+            </a:r>
+            <a:r>
+              <a:rPr lang="de-DE" altLang="de-DE" dirty="0"/>
+              <a:t>- </a:t>
+            </a:r>
+            <a:r>
+              <a:rPr lang="de-DE" dirty="0"/>
+              <a:t>Implementierung eines Clustering-basierten Verfahrens zur Segmentierung von Volumenmodellen</a:t>
+            </a:r>
+            <a:endParaRPr lang="de-DE" altLang="de-DE" dirty="0">
+              <a:solidFill>
+                <a:schemeClr val="tx2"/>
+              </a:solidFill>
+            </a:endParaRPr>
+          </a:p>
+        </p:txBody>
+      </p:sp>
+      <p:pic>
+        <p:nvPicPr>
+          <p:cNvPr id="13" name="Grafik 12">
+            <a:extLst>
+              <a:ext uri="{FF2B5EF4-FFF2-40B4-BE49-F238E27FC236}">
+                <a16:creationId xmlns:a16="http://schemas.microsoft.com/office/drawing/2014/main" id="{DD34AD96-8668-4737-9603-C9FF98EE9113}"/>
+              </a:ext>
+            </a:extLst>
+          </p:cNvPr>
+          <p:cNvPicPr>
+            <a:picLocks noChangeAspect="1"/>
+          </p:cNvPicPr>
+          <p:nvPr/>
+        </p:nvPicPr>
+        <p:blipFill>
+          <a:blip r:embed="rId3">
+            <a:extLst>
+              <a:ext uri="{28A0092B-C50C-407E-A947-70E740481C1C}">
+                <a14:useLocalDpi xmlns:a14="http://schemas.microsoft.com/office/drawing/2010/main" val="0"/>
+              </a:ext>
+            </a:extLst>
+          </a:blip>
+          <a:stretch>
+            <a:fillRect/>
+          </a:stretch>
+        </p:blipFill>
+        <p:spPr>
+          <a:xfrm>
+            <a:off x="4788024" y="926104"/>
+            <a:ext cx="3772335" cy="2719590"/>
+          </a:xfrm>
+          <a:prstGeom prst="rect">
+            <a:avLst/>
+          </a:prstGeom>
+        </p:spPr>
+      </p:pic>
     </p:spTree>
     <p:extLst>
       <p:ext uri="{BB962C8B-B14F-4D97-AF65-F5344CB8AC3E}">
@@ -13075,6 +14043,149 @@
       </p:grpSpPr>
       <p:sp>
         <p:nvSpPr>
+          <p:cNvPr id="4099" name="Rectangle 2"/>
+          <p:cNvSpPr>
+            <a:spLocks noGrp="1" noChangeArrowheads="1"/>
+          </p:cNvSpPr>
+          <p:nvPr>
+            <p:ph type="title"/>
+          </p:nvPr>
+        </p:nvSpPr>
+        <p:spPr/>
+        <p:txBody>
+          <a:bodyPr/>
+          <a:lstStyle/>
+          <a:p>
+            <a:r>
+              <a:rPr lang="de-DE" altLang="de-DE" dirty="0"/>
+              <a:t>Methode – Clustering</a:t>
+            </a:r>
+          </a:p>
+        </p:txBody>
+      </p:sp>
+      <p:sp>
+        <p:nvSpPr>
+          <p:cNvPr id="4100" name="Rectangle 3"/>
+          <p:cNvSpPr>
+            <a:spLocks noGrp="1" noChangeArrowheads="1"/>
+          </p:cNvSpPr>
+          <p:nvPr>
+            <p:ph idx="1"/>
+          </p:nvPr>
+        </p:nvSpPr>
+        <p:spPr/>
+        <p:txBody>
+          <a:bodyPr>
+            <a:normAutofit lnSpcReduction="10000"/>
+          </a:bodyPr>
+          <a:lstStyle/>
+          <a:p>
+            <a:r>
+              <a:rPr lang="de-DE" altLang="de-DE" dirty="0" err="1"/>
+              <a:t>Meanshiftclustering</a:t>
+            </a:r>
+            <a:endParaRPr lang="de-DE" altLang="de-DE" dirty="0"/>
+          </a:p>
+          <a:p>
+            <a:pPr lvl="1"/>
+            <a:r>
+              <a:rPr lang="de-DE" altLang="de-DE" dirty="0"/>
+              <a:t>Bestimmen einer Bandbreite und eines </a:t>
+            </a:r>
+            <a:r>
+              <a:rPr lang="de-DE" altLang="de-DE" dirty="0" err="1"/>
+              <a:t>Thresholdes</a:t>
+            </a:r>
+            <a:endParaRPr lang="de-DE" altLang="de-DE" dirty="0"/>
+          </a:p>
+          <a:p>
+            <a:pPr lvl="1"/>
+            <a:r>
+              <a:rPr lang="de-DE" altLang="de-DE" dirty="0"/>
+              <a:t>Zufälligen Punkt wählen</a:t>
+            </a:r>
+          </a:p>
+          <a:p>
+            <a:pPr lvl="1"/>
+            <a:r>
+              <a:rPr lang="de-DE" altLang="de-DE" dirty="0"/>
+              <a:t>Alle Punkte im Umkreis der Bandbreite zum Cluster hinzufügen</a:t>
+            </a:r>
+          </a:p>
+          <a:p>
+            <a:pPr lvl="1"/>
+            <a:r>
+              <a:rPr lang="de-DE" altLang="de-DE" dirty="0"/>
+              <a:t>Neuen Mittelpunkt berechnen</a:t>
+            </a:r>
+          </a:p>
+          <a:p>
+            <a:pPr lvl="1"/>
+            <a:r>
+              <a:rPr lang="de-DE" altLang="de-DE" dirty="0"/>
+              <a:t>Wiederholen bis 2 aufeinanderfolgende Mittelpunkte eine Distanz kleiner als Threshold * Bandbreite haben</a:t>
+            </a:r>
+          </a:p>
+          <a:p>
+            <a:pPr lvl="1"/>
+            <a:r>
+              <a:rPr lang="de-DE" altLang="de-DE" dirty="0"/>
+              <a:t>Für jeden Punkt wiederholen</a:t>
+            </a:r>
+          </a:p>
+          <a:p>
+            <a:pPr lvl="1"/>
+            <a:r>
+              <a:rPr lang="de-DE" altLang="de-DE" dirty="0"/>
+              <a:t>Verschmelzen von ähnlichen Clustern</a:t>
+            </a:r>
+          </a:p>
+          <a:p>
+            <a:r>
+              <a:rPr lang="de-DE" altLang="de-DE" dirty="0"/>
+              <a:t>Über dem LH-Raum</a:t>
+            </a:r>
+          </a:p>
+          <a:p>
+            <a:r>
+              <a:rPr lang="de-DE" altLang="de-DE" dirty="0"/>
+              <a:t>Über dem Raum des Volumens</a:t>
+            </a:r>
+          </a:p>
+          <a:p>
+            <a:pPr marL="0" indent="0">
+              <a:buNone/>
+            </a:pPr>
+            <a:endParaRPr lang="de-DE" altLang="de-DE" dirty="0"/>
+          </a:p>
+          <a:p>
+            <a:r>
+              <a:rPr lang="de-DE" altLang="de-DE" dirty="0" err="1"/>
+              <a:t>Voxel</a:t>
+            </a:r>
+            <a:r>
+              <a:rPr lang="de-DE" altLang="de-DE" dirty="0"/>
+              <a:t> der Cluster:</a:t>
+            </a:r>
+          </a:p>
+          <a:p>
+            <a:pPr lvl="1"/>
+            <a:r>
+              <a:rPr lang="de-DE" altLang="de-DE" dirty="0"/>
+              <a:t>Haben ähnliche LH-Werte</a:t>
+            </a:r>
+          </a:p>
+          <a:p>
+            <a:pPr lvl="1"/>
+            <a:r>
+              <a:rPr lang="de-DE" altLang="de-DE" dirty="0"/>
+              <a:t>Sind räumlich nah</a:t>
+            </a:r>
+          </a:p>
+        </p:txBody>
+      </p:sp>
+      <p:sp>
+        <p:nvSpPr>
           <p:cNvPr id="4098" name="Rectangle 12"/>
           <p:cNvSpPr>
             <a:spLocks noGrp="1" noChangeArrowheads="1"/>
@@ -13205,147 +14316,6 @@
                 <a:schemeClr val="tx2"/>
               </a:solidFill>
             </a:endParaRPr>
-          </a:p>
-        </p:txBody>
-      </p:sp>
-      <p:sp>
-        <p:nvSpPr>
-          <p:cNvPr id="4099" name="Rectangle 2"/>
-          <p:cNvSpPr>
-            <a:spLocks noGrp="1" noChangeArrowheads="1"/>
-          </p:cNvSpPr>
-          <p:nvPr>
-            <p:ph type="title"/>
-          </p:nvPr>
-        </p:nvSpPr>
-        <p:spPr/>
-        <p:txBody>
-          <a:bodyPr/>
-          <a:lstStyle/>
-          <a:p>
-            <a:r>
-              <a:rPr lang="de-DE" altLang="de-DE" dirty="0"/>
-              <a:t>Methode – Clustering</a:t>
-            </a:r>
-          </a:p>
-        </p:txBody>
-      </p:sp>
-      <p:sp>
-        <p:nvSpPr>
-          <p:cNvPr id="4100" name="Rectangle 3"/>
-          <p:cNvSpPr>
-            <a:spLocks noGrp="1" noChangeArrowheads="1"/>
-          </p:cNvSpPr>
-          <p:nvPr>
-            <p:ph type="body" idx="1"/>
-          </p:nvPr>
-        </p:nvSpPr>
-        <p:spPr/>
-        <p:txBody>
-          <a:bodyPr/>
-          <a:lstStyle/>
-          <a:p>
-            <a:r>
-              <a:rPr lang="de-DE" altLang="de-DE" dirty="0" err="1"/>
-              <a:t>Meanshiftclustering</a:t>
-            </a:r>
-            <a:endParaRPr lang="de-DE" altLang="de-DE" dirty="0"/>
-          </a:p>
-          <a:p>
-            <a:pPr lvl="1"/>
-            <a:r>
-              <a:rPr lang="de-DE" altLang="de-DE" dirty="0"/>
-              <a:t>Bestimmen einer Bandbreite und eines </a:t>
-            </a:r>
-            <a:r>
-              <a:rPr lang="de-DE" altLang="de-DE" dirty="0" err="1"/>
-              <a:t>Thresholdes</a:t>
-            </a:r>
-            <a:endParaRPr lang="de-DE" altLang="de-DE" dirty="0"/>
-          </a:p>
-          <a:p>
-            <a:pPr lvl="1"/>
-            <a:r>
-              <a:rPr lang="de-DE" altLang="de-DE" dirty="0"/>
-              <a:t>Zufälligen Punkt wählen</a:t>
-            </a:r>
-          </a:p>
-          <a:p>
-            <a:pPr lvl="1"/>
-            <a:r>
-              <a:rPr lang="de-DE" altLang="de-DE" dirty="0"/>
-              <a:t>Alle Punkte im Umkreis der Bandbreite zum Cluster hinzufügen</a:t>
-            </a:r>
-          </a:p>
-          <a:p>
-            <a:pPr lvl="1"/>
-            <a:r>
-              <a:rPr lang="de-DE" altLang="de-DE" dirty="0"/>
-              <a:t>Neuen Mittelpunkt berechnen</a:t>
-            </a:r>
-          </a:p>
-          <a:p>
-            <a:pPr lvl="1"/>
-            <a:r>
-              <a:rPr lang="de-DE" altLang="de-DE" dirty="0"/>
-              <a:t>Wiederholen bis 2 aufeinanderfolgende Mittelpunkte eine Distanz kleiner als Threshold * Bandbreite haben</a:t>
-            </a:r>
-          </a:p>
-          <a:p>
-            <a:pPr lvl="1"/>
-            <a:r>
-              <a:rPr lang="de-DE" altLang="de-DE" dirty="0"/>
-              <a:t>Für jeden Punkt wiederholen</a:t>
-            </a:r>
-          </a:p>
-          <a:p>
-            <a:pPr lvl="1"/>
-            <a:r>
-              <a:rPr lang="de-DE" altLang="de-DE" dirty="0"/>
-              <a:t>Verschmelzen von ähnlichen Clustern</a:t>
-            </a:r>
-          </a:p>
-          <a:p>
-            <a:r>
-              <a:rPr lang="de-DE" altLang="de-DE" dirty="0"/>
-              <a:t>Über dem LH-Raum</a:t>
-            </a:r>
-          </a:p>
-          <a:p>
-            <a:r>
-              <a:rPr lang="de-DE" altLang="de-DE" dirty="0"/>
-              <a:t>Über dem Raum des Volumens</a:t>
-            </a:r>
-          </a:p>
-          <a:p>
-            <a:pPr marL="0" indent="0">
-              <a:buNone/>
-            </a:pPr>
-            <a:endParaRPr lang="de-DE" altLang="de-DE" dirty="0"/>
-          </a:p>
-          <a:p>
-            <a:r>
-              <a:rPr lang="de-DE" altLang="de-DE" dirty="0" err="1"/>
-              <a:t>Voxel</a:t>
-            </a:r>
-            <a:r>
-              <a:rPr lang="de-DE" altLang="de-DE" dirty="0"/>
-              <a:t> der Cluster:</a:t>
-            </a:r>
-          </a:p>
-          <a:p>
-            <a:pPr lvl="1"/>
-            <a:r>
-              <a:rPr lang="de-DE" altLang="de-DE" dirty="0"/>
-              <a:t>Haben ähnliche LH-Werte</a:t>
-            </a:r>
-          </a:p>
-          <a:p>
-            <a:pPr lvl="1"/>
-            <a:r>
-              <a:rPr lang="de-DE" altLang="de-DE" dirty="0"/>
-              <a:t>Sind räumlich nah</a:t>
-            </a:r>
           </a:p>
         </p:txBody>
       </p:sp>
@@ -13387,10 +14357,10 @@
       </p:pic>
       <p:sp>
         <p:nvSpPr>
-          <p:cNvPr id="6" name="Textfeld 5">
+          <p:cNvPr id="7" name="Textfeld 6">
             <a:extLst>
               <a:ext uri="{FF2B5EF4-FFF2-40B4-BE49-F238E27FC236}">
-                <a16:creationId xmlns:a16="http://schemas.microsoft.com/office/drawing/2014/main" id="{75E8B83C-3D3D-44CD-B431-D2BADDE3FC1C}"/>
+                <a16:creationId xmlns:a16="http://schemas.microsoft.com/office/drawing/2014/main" id="{BCC28DC0-8748-4106-8B05-AA4DD6D5832D}"/>
               </a:ext>
             </a:extLst>
           </p:cNvPr>
@@ -13399,8 +14369,8 @@
         </p:nvSpPr>
         <p:spPr>
           <a:xfrm>
-            <a:off x="6051797" y="5934070"/>
-            <a:ext cx="2048843" cy="246221"/>
+            <a:off x="6948264" y="5989970"/>
+            <a:ext cx="1080120" cy="276999"/>
           </a:xfrm>
           <a:prstGeom prst="rect">
             <a:avLst/>
@@ -13414,8 +14384,8 @@
           <a:lstStyle/>
           <a:p>
             <a:r>
-              <a:rPr lang="de-DE" sz="1000" dirty="0"/>
-              <a:t>Quelle https://gifer.com/en/8OHN</a:t>
+              <a:rPr lang="de-DE" sz="1200" dirty="0"/>
+              <a:t>Quelle: [6]</a:t>
             </a:r>
           </a:p>
         </p:txBody>
@@ -13430,6 +14400,111 @@
   <p:clrMapOvr>
     <a:masterClrMapping/>
   </p:clrMapOvr>
+  <p:timing>
+    <p:tnLst>
+      <p:par>
+        <p:cTn id="1" dur="indefinite" restart="never" nodeType="tmRoot">
+          <p:childTnLst>
+            <p:seq concurrent="1" nextAc="seek">
+              <p:cTn id="2" dur="indefinite" nodeType="mainSeq">
+                <p:childTnLst>
+                  <p:par>
+                    <p:cTn id="3" fill="hold">
+                      <p:stCondLst>
+                        <p:cond delay="indefinite"/>
+                      </p:stCondLst>
+                      <p:childTnLst>
+                        <p:par>
+                          <p:cTn id="4" fill="hold">
+                            <p:stCondLst>
+                              <p:cond delay="0"/>
+                            </p:stCondLst>
+                            <p:childTnLst>
+                              <p:par>
+                                <p:cTn id="5" presetID="1" presetClass="entr" presetSubtype="0" fill="hold" nodeType="clickEffect">
+                                  <p:stCondLst>
+                                    <p:cond delay="0"/>
+                                  </p:stCondLst>
+                                  <p:childTnLst>
+                                    <p:set>
+                                      <p:cBhvr>
+                                        <p:cTn id="6" dur="1" fill="hold">
+                                          <p:stCondLst>
+                                            <p:cond delay="0"/>
+                                          </p:stCondLst>
+                                        </p:cTn>
+                                        <p:tgtEl>
+                                          <p:spTgt spid="3"/>
+                                        </p:tgtEl>
+                                        <p:attrNameLst>
+                                          <p:attrName>style.visibility</p:attrName>
+                                        </p:attrNameLst>
+                                      </p:cBhvr>
+                                      <p:to>
+                                        <p:strVal val="visible"/>
+                                      </p:to>
+                                    </p:set>
+                                  </p:childTnLst>
+                                </p:cTn>
+                              </p:par>
+                              <p:par>
+                                <p:cTn id="7" presetID="1" presetClass="entr" presetSubtype="0" fill="hold" grpId="0" nodeType="withEffect">
+                                  <p:stCondLst>
+                                    <p:cond delay="0"/>
+                                  </p:stCondLst>
+                                  <p:childTnLst>
+                                    <p:set>
+                                      <p:cBhvr>
+                                        <p:cTn id="8" dur="1" fill="hold">
+                                          <p:stCondLst>
+                                            <p:cond delay="0"/>
+                                          </p:stCondLst>
+                                        </p:cTn>
+                                        <p:tgtEl>
+                                          <p:spTgt spid="7"/>
+                                        </p:tgtEl>
+                                        <p:attrNameLst>
+                                          <p:attrName>style.visibility</p:attrName>
+                                        </p:attrNameLst>
+                                      </p:cBhvr>
+                                      <p:to>
+                                        <p:strVal val="visible"/>
+                                      </p:to>
+                                    </p:set>
+                                  </p:childTnLst>
+                                </p:cTn>
+                              </p:par>
+                            </p:childTnLst>
+                          </p:cTn>
+                        </p:par>
+                      </p:childTnLst>
+                    </p:cTn>
+                  </p:par>
+                </p:childTnLst>
+              </p:cTn>
+              <p:prevCondLst>
+                <p:cond evt="onPrev" delay="0">
+                  <p:tgtEl>
+                    <p:sldTgt/>
+                  </p:tgtEl>
+                </p:cond>
+              </p:prevCondLst>
+              <p:nextCondLst>
+                <p:cond evt="onNext" delay="0">
+                  <p:tgtEl>
+                    <p:sldTgt/>
+                  </p:tgtEl>
+                </p:cond>
+              </p:nextCondLst>
+            </p:seq>
+          </p:childTnLst>
+        </p:cTn>
+      </p:par>
+    </p:tnLst>
+    <p:bldLst>
+      <p:bldP spid="7" grpId="0"/>
+    </p:bldLst>
+  </p:timing>
 </p:sld>
 </file>
 

--- a/Vortrag/Präsentation.pptx
+++ b/Vortrag/Präsentation.pptx
@@ -4221,7 +4221,7 @@
               <a:pPr eaLnBrk="1" hangingPunct="1">
                 <a:defRPr/>
               </a:pPr>
-              <a:t>10.10.2018</a:t>
+              <a:t>11.10.2018</a:t>
             </a:fld>
             <a:endParaRPr lang="de-DE" altLang="de-DE" sz="900"/>
           </a:p>
@@ -12489,7 +12489,19 @@
               <a:p>
                 <a:r>
                   <a:rPr lang="de-DE" altLang="de-DE" dirty="0"/>
-                  <a:t>Gradient nur zwischen den </a:t>
+                  <a:t>Hongs Methode: Approximation-basiertes Verfahren</a:t>
+                </a:r>
+              </a:p>
+              <a:p>
+                <a:r>
+                  <a:rPr lang="de-DE" dirty="0"/>
+                  <a:t>Lokale 4x4x4 Nachbarschaft</a:t>
+                </a:r>
+              </a:p>
+              <a:p>
+                <a:r>
+                  <a:rPr lang="de-DE" altLang="de-DE" dirty="0"/>
+                  <a:t>Gradient wird nur zwischen den </a:t>
                 </a:r>
                 <a:r>
                   <a:rPr lang="de-DE" altLang="de-DE" dirty="0" err="1"/>
@@ -12497,19 +12509,7 @@
                 </a:r>
                 <a:r>
                   <a:rPr lang="de-DE" altLang="de-DE" dirty="0"/>
-                  <a:t> berechenbar</a:t>
-                </a:r>
-              </a:p>
-              <a:p>
-                <a:r>
-                  <a:rPr lang="de-DE" altLang="de-DE" dirty="0"/>
-                  <a:t>Hongs Methode: Approximation-basiertes Verfahren</a:t>
-                </a:r>
-              </a:p>
-              <a:p>
-                <a:r>
-                  <a:rPr lang="de-DE" dirty="0"/>
-                  <a:t>Lokale 4x4x4 Nachbarschaft</a:t>
+                  <a:t> berechnet</a:t>
                 </a:r>
               </a:p>
               <a:p>
@@ -13413,8 +13413,8 @@
           </a:p>
         </p:txBody>
       </p:sp>
-      <mc:AlternateContent xmlns:mc="http://schemas.openxmlformats.org/markup-compatibility/2006">
-        <mc:Choice xmlns:a14="http://schemas.microsoft.com/office/drawing/2010/main" Requires="a14">
+      <mc:AlternateContent xmlns:mc="http://schemas.openxmlformats.org/markup-compatibility/2006" xmlns:a14="http://schemas.microsoft.com/office/drawing/2010/main">
+        <mc:Choice Requires="a14">
           <p:sp>
             <p:nvSpPr>
               <p:cNvPr id="4100" name="Rectangle 3"/>
@@ -13806,7 +13806,7 @@
             </p:txBody>
           </p:sp>
         </mc:Choice>
-        <mc:Fallback>
+        <mc:Fallback xmlns="">
           <p:sp>
             <p:nvSpPr>
               <p:cNvPr id="4100" name="Rectangle 3"/>
